--- a/networkfuzzer/Network fuzzer.pptx
+++ b/networkfuzzer/Network fuzzer.pptx
@@ -5175,7 +5175,7 @@
             </a:r>
             <a:r>
               <a:rPr lang="en-US" altLang="ko-KR"/>
-              <a:t>: Scapy(python), Wireshark(packet Monitoring)</a:t>
+              <a:t>: Scapy(python)</a:t>
             </a:r>
           </a:p>
           <a:p>

--- a/networkfuzzer/Network fuzzer.pptx
+++ b/networkfuzzer/Network fuzzer.pptx
@@ -7,92 +7,96 @@
   <p:sldIdLst>
     <p:sldId id="256" r:id="rId2"/>
     <p:sldId id="348" r:id="rId3"/>
-    <p:sldId id="313" r:id="rId4"/>
-    <p:sldId id="314" r:id="rId5"/>
-    <p:sldId id="315" r:id="rId6"/>
-    <p:sldId id="328" r:id="rId7"/>
-    <p:sldId id="329" r:id="rId8"/>
-    <p:sldId id="335" r:id="rId9"/>
-    <p:sldId id="316" r:id="rId10"/>
-    <p:sldId id="317" r:id="rId11"/>
-    <p:sldId id="318" r:id="rId12"/>
-    <p:sldId id="320" r:id="rId13"/>
-    <p:sldId id="319" r:id="rId14"/>
-    <p:sldId id="331" r:id="rId15"/>
-    <p:sldId id="332" r:id="rId16"/>
-    <p:sldId id="322" r:id="rId17"/>
-    <p:sldId id="330" r:id="rId18"/>
-    <p:sldId id="325" r:id="rId19"/>
-    <p:sldId id="323" r:id="rId20"/>
-    <p:sldId id="324" r:id="rId21"/>
-    <p:sldId id="326" r:id="rId22"/>
-    <p:sldId id="327" r:id="rId23"/>
-    <p:sldId id="336" r:id="rId24"/>
-    <p:sldId id="333" r:id="rId25"/>
-    <p:sldId id="321" r:id="rId26"/>
-    <p:sldId id="268" r:id="rId27"/>
-    <p:sldId id="257" r:id="rId28"/>
-    <p:sldId id="297" r:id="rId29"/>
-    <p:sldId id="258" r:id="rId30"/>
-    <p:sldId id="308" r:id="rId31"/>
-    <p:sldId id="269" r:id="rId32"/>
-    <p:sldId id="261" r:id="rId33"/>
-    <p:sldId id="262" r:id="rId34"/>
-    <p:sldId id="260" r:id="rId35"/>
-    <p:sldId id="263" r:id="rId36"/>
-    <p:sldId id="266" r:id="rId37"/>
-    <p:sldId id="271" r:id="rId38"/>
-    <p:sldId id="272" r:id="rId39"/>
-    <p:sldId id="265" r:id="rId40"/>
-    <p:sldId id="264" r:id="rId41"/>
-    <p:sldId id="292" r:id="rId42"/>
-    <p:sldId id="295" r:id="rId43"/>
-    <p:sldId id="299" r:id="rId44"/>
-    <p:sldId id="293" r:id="rId45"/>
-    <p:sldId id="334" r:id="rId46"/>
-    <p:sldId id="267" r:id="rId47"/>
-    <p:sldId id="286" r:id="rId48"/>
-    <p:sldId id="289" r:id="rId49"/>
-    <p:sldId id="300" r:id="rId50"/>
-    <p:sldId id="287" r:id="rId51"/>
-    <p:sldId id="284" r:id="rId52"/>
-    <p:sldId id="273" r:id="rId53"/>
-    <p:sldId id="274" r:id="rId54"/>
-    <p:sldId id="303" r:id="rId55"/>
-    <p:sldId id="310" r:id="rId56"/>
-    <p:sldId id="311" r:id="rId57"/>
-    <p:sldId id="275" r:id="rId58"/>
-    <p:sldId id="312" r:id="rId59"/>
-    <p:sldId id="304" r:id="rId60"/>
-    <p:sldId id="276" r:id="rId61"/>
-    <p:sldId id="309" r:id="rId62"/>
-    <p:sldId id="342" r:id="rId63"/>
-    <p:sldId id="277" r:id="rId64"/>
-    <p:sldId id="307" r:id="rId65"/>
-    <p:sldId id="288" r:id="rId66"/>
-    <p:sldId id="344" r:id="rId67"/>
-    <p:sldId id="340" r:id="rId68"/>
-    <p:sldId id="341" r:id="rId69"/>
-    <p:sldId id="345" r:id="rId70"/>
-    <p:sldId id="305" r:id="rId71"/>
-    <p:sldId id="346" r:id="rId72"/>
-    <p:sldId id="306" r:id="rId73"/>
-    <p:sldId id="278" r:id="rId74"/>
-    <p:sldId id="343" r:id="rId75"/>
-    <p:sldId id="280" r:id="rId76"/>
-    <p:sldId id="281" r:id="rId77"/>
-    <p:sldId id="259" r:id="rId78"/>
-    <p:sldId id="296" r:id="rId79"/>
-    <p:sldId id="347" r:id="rId80"/>
-    <p:sldId id="298" r:id="rId81"/>
-    <p:sldId id="337" r:id="rId82"/>
-    <p:sldId id="338" r:id="rId83"/>
-    <p:sldId id="270" r:id="rId84"/>
-    <p:sldId id="279" r:id="rId85"/>
-    <p:sldId id="301" r:id="rId86"/>
-    <p:sldId id="282" r:id="rId87"/>
-    <p:sldId id="283" r:id="rId88"/>
-    <p:sldId id="302" r:id="rId89"/>
+    <p:sldId id="349" r:id="rId4"/>
+    <p:sldId id="352" r:id="rId5"/>
+    <p:sldId id="350" r:id="rId6"/>
+    <p:sldId id="353" r:id="rId7"/>
+    <p:sldId id="313" r:id="rId8"/>
+    <p:sldId id="314" r:id="rId9"/>
+    <p:sldId id="315" r:id="rId10"/>
+    <p:sldId id="328" r:id="rId11"/>
+    <p:sldId id="329" r:id="rId12"/>
+    <p:sldId id="335" r:id="rId13"/>
+    <p:sldId id="316" r:id="rId14"/>
+    <p:sldId id="317" r:id="rId15"/>
+    <p:sldId id="318" r:id="rId16"/>
+    <p:sldId id="320" r:id="rId17"/>
+    <p:sldId id="319" r:id="rId18"/>
+    <p:sldId id="331" r:id="rId19"/>
+    <p:sldId id="332" r:id="rId20"/>
+    <p:sldId id="322" r:id="rId21"/>
+    <p:sldId id="330" r:id="rId22"/>
+    <p:sldId id="325" r:id="rId23"/>
+    <p:sldId id="323" r:id="rId24"/>
+    <p:sldId id="324" r:id="rId25"/>
+    <p:sldId id="326" r:id="rId26"/>
+    <p:sldId id="327" r:id="rId27"/>
+    <p:sldId id="336" r:id="rId28"/>
+    <p:sldId id="333" r:id="rId29"/>
+    <p:sldId id="321" r:id="rId30"/>
+    <p:sldId id="268" r:id="rId31"/>
+    <p:sldId id="257" r:id="rId32"/>
+    <p:sldId id="297" r:id="rId33"/>
+    <p:sldId id="258" r:id="rId34"/>
+    <p:sldId id="308" r:id="rId35"/>
+    <p:sldId id="269" r:id="rId36"/>
+    <p:sldId id="261" r:id="rId37"/>
+    <p:sldId id="262" r:id="rId38"/>
+    <p:sldId id="260" r:id="rId39"/>
+    <p:sldId id="263" r:id="rId40"/>
+    <p:sldId id="266" r:id="rId41"/>
+    <p:sldId id="271" r:id="rId42"/>
+    <p:sldId id="272" r:id="rId43"/>
+    <p:sldId id="265" r:id="rId44"/>
+    <p:sldId id="264" r:id="rId45"/>
+    <p:sldId id="292" r:id="rId46"/>
+    <p:sldId id="295" r:id="rId47"/>
+    <p:sldId id="299" r:id="rId48"/>
+    <p:sldId id="293" r:id="rId49"/>
+    <p:sldId id="334" r:id="rId50"/>
+    <p:sldId id="267" r:id="rId51"/>
+    <p:sldId id="286" r:id="rId52"/>
+    <p:sldId id="289" r:id="rId53"/>
+    <p:sldId id="300" r:id="rId54"/>
+    <p:sldId id="287" r:id="rId55"/>
+    <p:sldId id="284" r:id="rId56"/>
+    <p:sldId id="273" r:id="rId57"/>
+    <p:sldId id="274" r:id="rId58"/>
+    <p:sldId id="303" r:id="rId59"/>
+    <p:sldId id="310" r:id="rId60"/>
+    <p:sldId id="311" r:id="rId61"/>
+    <p:sldId id="275" r:id="rId62"/>
+    <p:sldId id="312" r:id="rId63"/>
+    <p:sldId id="304" r:id="rId64"/>
+    <p:sldId id="276" r:id="rId65"/>
+    <p:sldId id="309" r:id="rId66"/>
+    <p:sldId id="342" r:id="rId67"/>
+    <p:sldId id="277" r:id="rId68"/>
+    <p:sldId id="307" r:id="rId69"/>
+    <p:sldId id="288" r:id="rId70"/>
+    <p:sldId id="344" r:id="rId71"/>
+    <p:sldId id="340" r:id="rId72"/>
+    <p:sldId id="341" r:id="rId73"/>
+    <p:sldId id="345" r:id="rId74"/>
+    <p:sldId id="305" r:id="rId75"/>
+    <p:sldId id="346" r:id="rId76"/>
+    <p:sldId id="306" r:id="rId77"/>
+    <p:sldId id="278" r:id="rId78"/>
+    <p:sldId id="343" r:id="rId79"/>
+    <p:sldId id="280" r:id="rId80"/>
+    <p:sldId id="281" r:id="rId81"/>
+    <p:sldId id="259" r:id="rId82"/>
+    <p:sldId id="296" r:id="rId83"/>
+    <p:sldId id="347" r:id="rId84"/>
+    <p:sldId id="298" r:id="rId85"/>
+    <p:sldId id="337" r:id="rId86"/>
+    <p:sldId id="338" r:id="rId87"/>
+    <p:sldId id="270" r:id="rId88"/>
+    <p:sldId id="279" r:id="rId89"/>
+    <p:sldId id="301" r:id="rId90"/>
+    <p:sldId id="282" r:id="rId91"/>
+    <p:sldId id="283" r:id="rId92"/>
+    <p:sldId id="302" r:id="rId93"/>
   </p:sldIdLst>
   <p:sldSz cx="12192000" cy="6858000"/>
   <p:notesSz cx="6858000" cy="9144000"/>
@@ -3560,7 +3564,7 @@
           <p:cNvPr id="2" name="제목 1">
             <a:extLst>
               <a:ext uri="{FF2B5EF4-FFF2-40B4-BE49-F238E27FC236}">
-                <a16:creationId xmlns:a16="http://schemas.microsoft.com/office/drawing/2014/main" id="{9C38FD61-C9F3-4BC7-8D5C-372A53F1A719}"/>
+                <a16:creationId xmlns:a16="http://schemas.microsoft.com/office/drawing/2014/main" id="{D2584F0A-7326-4935-8118-8885187B7569}"/>
               </a:ext>
             </a:extLst>
           </p:cNvPr>
@@ -3577,13 +3581,18 @@
           <a:lstStyle/>
           <a:p>
             <a:r>
-              <a:rPr lang="ko-KR" altLang="en-US" err="1"/>
-              <a:t>퍼징의</a:t>
+              <a:rPr lang="en-US" altLang="ko-KR"/>
+              <a:t>Software</a:t>
             </a:r>
             <a:r>
               <a:rPr lang="ko-KR" altLang="en-US"/>
-              <a:t> 단계</a:t>
-            </a:r>
+              <a:t> </a:t>
+            </a:r>
+            <a:r>
+              <a:rPr lang="en-US" altLang="ko-KR"/>
+              <a:t>Fuzzing</a:t>
+            </a:r>
+            <a:endParaRPr lang="ko-KR" altLang="en-US"/>
           </a:p>
         </p:txBody>
       </p:sp>
@@ -3592,7 +3601,7 @@
           <p:cNvPr id="3" name="내용 개체 틀 2">
             <a:extLst>
               <a:ext uri="{FF2B5EF4-FFF2-40B4-BE49-F238E27FC236}">
-                <a16:creationId xmlns:a16="http://schemas.microsoft.com/office/drawing/2014/main" id="{8B432828-F35C-4941-A2C0-EE7825FE5A02}"/>
+                <a16:creationId xmlns:a16="http://schemas.microsoft.com/office/drawing/2014/main" id="{61447DD3-DC66-49E9-8E19-96E9C86490DD}"/>
               </a:ext>
             </a:extLst>
           </p:cNvPr>
@@ -3605,83 +3614,79 @@
         </p:nvSpPr>
         <p:spPr/>
         <p:txBody>
-          <a:bodyPr>
-            <a:normAutofit/>
-          </a:bodyPr>
-          <a:lstStyle/>
-          <a:p>
-            <a:pPr marL="0" indent="0" algn="ctr">
+          <a:bodyPr/>
+          <a:lstStyle/>
+          <a:p>
+            <a:pPr marL="0" indent="0">
               <a:buNone/>
             </a:pPr>
             <a:r>
-              <a:rPr lang="ko-KR" altLang="en-US" sz="5400"/>
-              <a:t>단순 </a:t>
-            </a:r>
-            <a:r>
-              <a:rPr lang="ko-KR" altLang="en-US" sz="5400" err="1"/>
-              <a:t>퍼징</a:t>
-            </a:r>
-            <a:r>
-              <a:rPr lang="en-US" altLang="ko-KR" sz="5400"/>
-              <a:t>(Simple fuzzing)</a:t>
-            </a:r>
-          </a:p>
-          <a:p>
-            <a:pPr marL="0" indent="0" algn="ctr">
+              <a:rPr lang="ko-KR" altLang="en-US"/>
+              <a:t>각 파일들은 자체의 포맷을 가지고 있고 애플리케이션은 그 포맷에 맞추어서 파싱을 한다</a:t>
+            </a:r>
+            <a:r>
+              <a:rPr lang="en-US" altLang="ko-KR"/>
+              <a:t>. </a:t>
+            </a:r>
+            <a:r>
+              <a:rPr lang="ko-KR" altLang="en-US"/>
+              <a:t>이런 과정에서 애플리케이션은 취약점을 가질 수 있다</a:t>
+            </a:r>
+            <a:r>
+              <a:rPr lang="en-US" altLang="ko-KR"/>
+              <a:t>. </a:t>
+            </a:r>
+            <a:r>
+              <a:rPr lang="ko-KR" altLang="en-US"/>
+              <a:t>포맷만 봐서는 정상적인 파일이지만</a:t>
+            </a:r>
+            <a:r>
+              <a:rPr lang="en-US" altLang="ko-KR"/>
+              <a:t>, </a:t>
+            </a:r>
+            <a:r>
+              <a:rPr lang="ko-KR" altLang="en-US"/>
+              <a:t>그 내부에 에러를 발생할 쓰레기 코드가 숨을 수 있다</a:t>
+            </a:r>
+            <a:r>
+              <a:rPr lang="en-US" altLang="ko-KR"/>
+              <a:t>. </a:t>
+            </a:r>
+          </a:p>
+          <a:p>
+            <a:pPr marL="0" indent="0">
               <a:buNone/>
             </a:pPr>
-            <a:endParaRPr lang="en-US" altLang="ko-KR" sz="5400"/>
-          </a:p>
-          <a:p>
-            <a:pPr marL="0" indent="0" algn="ctr">
+            <a:endParaRPr lang="en-US" altLang="ko-KR"/>
+          </a:p>
+          <a:p>
+            <a:pPr marL="0" indent="0">
               <a:buNone/>
             </a:pPr>
             <a:r>
-              <a:rPr lang="ko-KR" altLang="en-US" sz="5400"/>
-              <a:t>스마트 </a:t>
-            </a:r>
-            <a:r>
-              <a:rPr lang="ko-KR" altLang="en-US" sz="5400" err="1"/>
-              <a:t>퍼징</a:t>
-            </a:r>
-            <a:r>
-              <a:rPr lang="en-US" altLang="ko-KR" sz="5400"/>
-              <a:t>(Smart Fuzzing)</a:t>
-            </a:r>
-          </a:p>
-          <a:p>
-            <a:pPr marL="0" indent="0" algn="ctr">
-              <a:buNone/>
-            </a:pPr>
-            <a:endParaRPr lang="en-US" altLang="ko-KR" sz="5400"/>
-          </a:p>
-          <a:p>
-            <a:pPr marL="0" indent="0" algn="ctr">
-              <a:buNone/>
-            </a:pPr>
-            <a:r>
-              <a:rPr lang="ko-KR" altLang="en-US" sz="5400" err="1"/>
-              <a:t>스테이트</a:t>
-            </a:r>
-            <a:r>
-              <a:rPr lang="ko-KR" altLang="en-US" sz="5400"/>
-              <a:t> </a:t>
-            </a:r>
-            <a:r>
-              <a:rPr lang="ko-KR" altLang="en-US" sz="5400" err="1"/>
-              <a:t>퍼징</a:t>
-            </a:r>
-            <a:r>
-              <a:rPr lang="en-US" altLang="ko-KR" sz="5400"/>
-              <a:t>(State Fuzzing)</a:t>
-            </a:r>
+              <a:rPr lang="ko-KR" altLang="en-US"/>
+              <a:t>파일 </a:t>
+            </a:r>
+            <a:r>
+              <a:rPr lang="ko-KR" altLang="en-US" err="1"/>
+              <a:t>퍼징은</a:t>
+            </a:r>
+            <a:r>
+              <a:rPr lang="ko-KR" altLang="en-US"/>
+              <a:t> 이러한 취 약점을 유발할 수 있는 쓰레기 코드가 존재할 수 있는지를 검사하는 작업이다</a:t>
+            </a:r>
+            <a:r>
+              <a:rPr lang="en-US" altLang="ko-KR"/>
+              <a:t>. </a:t>
+            </a:r>
+            <a:endParaRPr lang="ko-KR" altLang="en-US"/>
           </a:p>
         </p:txBody>
       </p:sp>
     </p:spTree>
     <p:extLst>
       <p:ext uri="{BB962C8B-B14F-4D97-AF65-F5344CB8AC3E}">
-        <p14:creationId xmlns:p14="http://schemas.microsoft.com/office/powerpoint/2010/main" val="4157859186"/>
+        <p14:creationId xmlns:p14="http://schemas.microsoft.com/office/powerpoint/2010/main" val="3415629143"/>
       </p:ext>
     </p:extLst>
   </p:cSld>
@@ -3713,6 +3718,753 @@
           <p:cNvPr id="2" name="제목 1">
             <a:extLst>
               <a:ext uri="{FF2B5EF4-FFF2-40B4-BE49-F238E27FC236}">
+                <a16:creationId xmlns:a16="http://schemas.microsoft.com/office/drawing/2014/main" id="{82BE6E73-7BCB-425E-B802-AC2DA0BC1C50}"/>
+              </a:ext>
+            </a:extLst>
+          </p:cNvPr>
+          <p:cNvSpPr>
+            <a:spLocks noGrp="1"/>
+          </p:cNvSpPr>
+          <p:nvPr>
+            <p:ph type="title"/>
+          </p:nvPr>
+        </p:nvSpPr>
+        <p:spPr>
+          <a:xfrm>
+            <a:off x="838200" y="365125"/>
+            <a:ext cx="10515600" cy="1325563"/>
+          </a:xfrm>
+        </p:spPr>
+        <p:txBody>
+          <a:bodyPr/>
+          <a:lstStyle/>
+          <a:p>
+            <a:r>
+              <a:rPr lang="en-US" altLang="ko-KR"/>
+              <a:t>Fuzzing Type</a:t>
+            </a:r>
+            <a:endParaRPr lang="ko-KR" altLang="en-US"/>
+          </a:p>
+        </p:txBody>
+      </p:sp>
+      <p:sp>
+        <p:nvSpPr>
+          <p:cNvPr id="4" name="TextBox 3">
+            <a:extLst>
+              <a:ext uri="{FF2B5EF4-FFF2-40B4-BE49-F238E27FC236}">
+                <a16:creationId xmlns:a16="http://schemas.microsoft.com/office/drawing/2014/main" id="{DB445C6C-7B36-4D9D-A73D-C70DFEE8D292}"/>
+              </a:ext>
+            </a:extLst>
+          </p:cNvPr>
+          <p:cNvSpPr txBox="1"/>
+          <p:nvPr/>
+        </p:nvSpPr>
+        <p:spPr>
+          <a:xfrm>
+            <a:off x="2222500" y="1854200"/>
+            <a:ext cx="9542997" cy="4247317"/>
+          </a:xfrm>
+          <a:prstGeom prst="rect">
+            <a:avLst/>
+          </a:prstGeom>
+          <a:noFill/>
+        </p:spPr>
+        <p:txBody>
+          <a:bodyPr wrap="none" rtlCol="0">
+            <a:spAutoFit/>
+          </a:bodyPr>
+          <a:lstStyle/>
+          <a:p>
+            <a:r>
+              <a:rPr lang="ko-KR" altLang="en-US" sz="3000"/>
+              <a:t> * 로컬 </a:t>
+            </a:r>
+            <a:r>
+              <a:rPr lang="en-US" altLang="ko-KR" sz="3000" err="1"/>
+              <a:t>Fuzzer</a:t>
+            </a:r>
+            <a:br>
+              <a:rPr lang="ko-KR" altLang="en-US" sz="3000"/>
+            </a:br>
+            <a:r>
+              <a:rPr lang="ko-KR" altLang="en-US" sz="3000"/>
+              <a:t>  </a:t>
+            </a:r>
+            <a:r>
+              <a:rPr lang="en-US" altLang="ko-KR" sz="3000"/>
+              <a:t>- </a:t>
+            </a:r>
+            <a:r>
+              <a:rPr lang="ko-KR" altLang="en-US" sz="3000"/>
+              <a:t>프로그램 실행 변수</a:t>
+            </a:r>
+            <a:r>
+              <a:rPr lang="en-US" altLang="ko-KR" sz="3000"/>
+              <a:t>(Command-Line) </a:t>
+            </a:r>
+            <a:r>
+              <a:rPr lang="ko-KR" altLang="en-US" sz="3000"/>
+              <a:t>및 환경 변수</a:t>
+            </a:r>
+            <a:r>
+              <a:rPr lang="en-US" altLang="ko-KR" sz="3000"/>
+              <a:t>, </a:t>
+            </a:r>
+          </a:p>
+          <a:p>
+            <a:r>
+              <a:rPr lang="en-US" altLang="ko-KR" sz="3000"/>
+              <a:t>    </a:t>
+            </a:r>
+            <a:r>
+              <a:rPr lang="ko-KR" altLang="en-US" sz="3000" err="1"/>
+              <a:t>파일포멧을</a:t>
+            </a:r>
+            <a:r>
+              <a:rPr lang="ko-KR" altLang="en-US" sz="3000"/>
+              <a:t> 통한 </a:t>
+            </a:r>
+            <a:r>
+              <a:rPr lang="en-US" altLang="ko-KR" sz="3000" err="1"/>
+              <a:t>Fuzzer</a:t>
+            </a:r>
+            <a:br>
+              <a:rPr lang="ko-KR" altLang="en-US" sz="3000"/>
+            </a:br>
+            <a:r>
+              <a:rPr lang="ko-KR" altLang="en-US" sz="3000"/>
+              <a:t> * 원격 조작</a:t>
+            </a:r>
+            <a:br>
+              <a:rPr lang="ko-KR" altLang="en-US" sz="3000"/>
+            </a:br>
+            <a:r>
+              <a:rPr lang="ko-KR" altLang="en-US" sz="3000"/>
+              <a:t> * 네트워크 프로토콜</a:t>
+            </a:r>
+            <a:br>
+              <a:rPr lang="ko-KR" altLang="en-US" sz="3000"/>
+            </a:br>
+            <a:r>
+              <a:rPr lang="ko-KR" altLang="en-US" sz="3000"/>
+              <a:t> * 웹 어플리케이션</a:t>
+            </a:r>
+            <a:br>
+              <a:rPr lang="ko-KR" altLang="en-US" sz="3000"/>
+            </a:br>
+            <a:r>
+              <a:rPr lang="ko-KR" altLang="en-US" sz="3000"/>
+              <a:t> * 웹 </a:t>
+            </a:r>
+            <a:r>
+              <a:rPr lang="ko-KR" altLang="en-US" sz="3000" err="1"/>
+              <a:t>브라우져</a:t>
+            </a:r>
+            <a:br>
+              <a:rPr lang="ko-KR" altLang="en-US" sz="3000"/>
+            </a:br>
+            <a:r>
+              <a:rPr lang="ko-KR" altLang="en-US" sz="3000"/>
+              <a:t> * </a:t>
+            </a:r>
+            <a:r>
+              <a:rPr lang="en-US" altLang="ko-KR" sz="3000"/>
+              <a:t>In-Memory</a:t>
+            </a:r>
+            <a:br>
+              <a:rPr lang="ko-KR" altLang="en-US" sz="3000"/>
+            </a:br>
+            <a:r>
+              <a:rPr lang="ko-KR" altLang="en-US" sz="3000"/>
+              <a:t> * 프레임워크</a:t>
+            </a:r>
+          </a:p>
+        </p:txBody>
+      </p:sp>
+    </p:spTree>
+    <p:extLst>
+      <p:ext uri="{BB962C8B-B14F-4D97-AF65-F5344CB8AC3E}">
+        <p14:creationId xmlns:p14="http://schemas.microsoft.com/office/powerpoint/2010/main" val="4198081553"/>
+      </p:ext>
+    </p:extLst>
+  </p:cSld>
+  <p:clrMapOvr>
+    <a:masterClrMapping/>
+  </p:clrMapOvr>
+</p:sld>
+</file>
+
+<file path=ppt/slides/slide12.xml><?xml version="1.0" encoding="utf-8"?>
+<p:sld xmlns:a="http://schemas.openxmlformats.org/drawingml/2006/main" xmlns:r="http://schemas.openxmlformats.org/officeDocument/2006/relationships" xmlns:p="http://schemas.openxmlformats.org/presentationml/2006/main">
+  <p:cSld>
+    <p:spTree>
+      <p:nvGrpSpPr>
+        <p:cNvPr id="1" name=""/>
+        <p:cNvGrpSpPr/>
+        <p:nvPr/>
+      </p:nvGrpSpPr>
+      <p:grpSpPr>
+        <a:xfrm>
+          <a:off x="0" y="0"/>
+          <a:ext cx="0" cy="0"/>
+          <a:chOff x="0" y="0"/>
+          <a:chExt cx="0" cy="0"/>
+        </a:xfrm>
+      </p:grpSpPr>
+      <p:sp>
+        <p:nvSpPr>
+          <p:cNvPr id="2" name="제목 1">
+            <a:extLst>
+              <a:ext uri="{FF2B5EF4-FFF2-40B4-BE49-F238E27FC236}">
+                <a16:creationId xmlns:a16="http://schemas.microsoft.com/office/drawing/2014/main" id="{82BE6E73-7BCB-425E-B802-AC2DA0BC1C50}"/>
+              </a:ext>
+            </a:extLst>
+          </p:cNvPr>
+          <p:cNvSpPr>
+            <a:spLocks noGrp="1"/>
+          </p:cNvSpPr>
+          <p:nvPr>
+            <p:ph type="title"/>
+          </p:nvPr>
+        </p:nvSpPr>
+        <p:spPr>
+          <a:xfrm>
+            <a:off x="838200" y="365125"/>
+            <a:ext cx="10515600" cy="1325563"/>
+          </a:xfrm>
+        </p:spPr>
+        <p:txBody>
+          <a:bodyPr/>
+          <a:lstStyle/>
+          <a:p>
+            <a:r>
+              <a:rPr lang="en-US" altLang="ko-KR"/>
+              <a:t>Fuzzing Type</a:t>
+            </a:r>
+            <a:endParaRPr lang="ko-KR" altLang="en-US"/>
+          </a:p>
+        </p:txBody>
+      </p:sp>
+      <p:sp>
+        <p:nvSpPr>
+          <p:cNvPr id="4" name="TextBox 3">
+            <a:extLst>
+              <a:ext uri="{FF2B5EF4-FFF2-40B4-BE49-F238E27FC236}">
+                <a16:creationId xmlns:a16="http://schemas.microsoft.com/office/drawing/2014/main" id="{DB445C6C-7B36-4D9D-A73D-C70DFEE8D292}"/>
+              </a:ext>
+            </a:extLst>
+          </p:cNvPr>
+          <p:cNvSpPr txBox="1"/>
+          <p:nvPr/>
+        </p:nvSpPr>
+        <p:spPr>
+          <a:xfrm>
+            <a:off x="2222500" y="1854200"/>
+            <a:ext cx="9542997" cy="4247317"/>
+          </a:xfrm>
+          <a:prstGeom prst="rect">
+            <a:avLst/>
+          </a:prstGeom>
+          <a:noFill/>
+        </p:spPr>
+        <p:txBody>
+          <a:bodyPr wrap="none" rtlCol="0">
+            <a:spAutoFit/>
+          </a:bodyPr>
+          <a:lstStyle/>
+          <a:p>
+            <a:r>
+              <a:rPr lang="ko-KR" altLang="en-US" sz="3000"/>
+              <a:t> * 로컬 </a:t>
+            </a:r>
+            <a:r>
+              <a:rPr lang="en-US" altLang="ko-KR" sz="3000" err="1"/>
+              <a:t>Fuzzer</a:t>
+            </a:r>
+            <a:br>
+              <a:rPr lang="ko-KR" altLang="en-US" sz="3000"/>
+            </a:br>
+            <a:r>
+              <a:rPr lang="ko-KR" altLang="en-US" sz="3000"/>
+              <a:t>  </a:t>
+            </a:r>
+            <a:r>
+              <a:rPr lang="en-US" altLang="ko-KR" sz="3000"/>
+              <a:t>- </a:t>
+            </a:r>
+            <a:r>
+              <a:rPr lang="ko-KR" altLang="en-US" sz="3000"/>
+              <a:t>프로그램 실행 변수</a:t>
+            </a:r>
+            <a:r>
+              <a:rPr lang="en-US" altLang="ko-KR" sz="3000"/>
+              <a:t>(Command-Line) </a:t>
+            </a:r>
+            <a:r>
+              <a:rPr lang="ko-KR" altLang="en-US" sz="3000"/>
+              <a:t>및 환경 변수</a:t>
+            </a:r>
+            <a:r>
+              <a:rPr lang="en-US" altLang="ko-KR" sz="3000"/>
+              <a:t>, </a:t>
+            </a:r>
+          </a:p>
+          <a:p>
+            <a:r>
+              <a:rPr lang="en-US" altLang="ko-KR" sz="3000"/>
+              <a:t>    </a:t>
+            </a:r>
+            <a:r>
+              <a:rPr lang="ko-KR" altLang="en-US" sz="3000" err="1"/>
+              <a:t>파일포멧을</a:t>
+            </a:r>
+            <a:r>
+              <a:rPr lang="ko-KR" altLang="en-US" sz="3000"/>
+              <a:t> 통한 </a:t>
+            </a:r>
+            <a:r>
+              <a:rPr lang="en-US" altLang="ko-KR" sz="3000" err="1"/>
+              <a:t>Fuzzer</a:t>
+            </a:r>
+            <a:br>
+              <a:rPr lang="ko-KR" altLang="en-US" sz="3000"/>
+            </a:br>
+            <a:r>
+              <a:rPr lang="ko-KR" altLang="en-US" sz="3000"/>
+              <a:t> * 원격 조작</a:t>
+            </a:r>
+            <a:br>
+              <a:rPr lang="ko-KR" altLang="en-US" sz="3000"/>
+            </a:br>
+            <a:r>
+              <a:rPr lang="ko-KR" altLang="en-US" sz="3000"/>
+              <a:t> * 네트워크 프로토콜</a:t>
+            </a:r>
+            <a:br>
+              <a:rPr lang="ko-KR" altLang="en-US" sz="3000"/>
+            </a:br>
+            <a:r>
+              <a:rPr lang="ko-KR" altLang="en-US" sz="3000"/>
+              <a:t> * 웹 어플리케이션</a:t>
+            </a:r>
+            <a:br>
+              <a:rPr lang="ko-KR" altLang="en-US" sz="3000"/>
+            </a:br>
+            <a:r>
+              <a:rPr lang="ko-KR" altLang="en-US" sz="3000"/>
+              <a:t> * 웹 </a:t>
+            </a:r>
+            <a:r>
+              <a:rPr lang="ko-KR" altLang="en-US" sz="3000" err="1"/>
+              <a:t>브라우져</a:t>
+            </a:r>
+            <a:br>
+              <a:rPr lang="ko-KR" altLang="en-US" sz="3000"/>
+            </a:br>
+            <a:r>
+              <a:rPr lang="ko-KR" altLang="en-US" sz="3000"/>
+              <a:t> * </a:t>
+            </a:r>
+            <a:r>
+              <a:rPr lang="en-US" altLang="ko-KR" sz="3000"/>
+              <a:t>In-Memory</a:t>
+            </a:r>
+            <a:br>
+              <a:rPr lang="ko-KR" altLang="en-US" sz="3000"/>
+            </a:br>
+            <a:r>
+              <a:rPr lang="ko-KR" altLang="en-US" sz="3000"/>
+              <a:t> * 프레임워크</a:t>
+            </a:r>
+          </a:p>
+        </p:txBody>
+      </p:sp>
+      <p:sp>
+        <p:nvSpPr>
+          <p:cNvPr id="3" name="타원 2">
+            <a:extLst>
+              <a:ext uri="{FF2B5EF4-FFF2-40B4-BE49-F238E27FC236}">
+                <a16:creationId xmlns:a16="http://schemas.microsoft.com/office/drawing/2014/main" id="{BACA9974-384E-48ED-A9E7-9DE667471338}"/>
+              </a:ext>
+            </a:extLst>
+          </p:cNvPr>
+          <p:cNvSpPr/>
+          <p:nvPr/>
+        </p:nvSpPr>
+        <p:spPr>
+          <a:xfrm>
+            <a:off x="2222500" y="3543300"/>
+            <a:ext cx="4038600" cy="787400"/>
+          </a:xfrm>
+          <a:prstGeom prst="ellipse">
+            <a:avLst/>
+          </a:prstGeom>
+          <a:noFill/>
+          <a:ln w="38100">
+            <a:solidFill>
+              <a:srgbClr val="FF0000"/>
+            </a:solidFill>
+          </a:ln>
+        </p:spPr>
+        <p:style>
+          <a:lnRef idx="2">
+            <a:schemeClr val="accent1">
+              <a:shade val="50000"/>
+            </a:schemeClr>
+          </a:lnRef>
+          <a:fillRef idx="1">
+            <a:schemeClr val="accent1"/>
+          </a:fillRef>
+          <a:effectRef idx="0">
+            <a:schemeClr val="accent1"/>
+          </a:effectRef>
+          <a:fontRef idx="minor">
+            <a:schemeClr val="lt1"/>
+          </a:fontRef>
+        </p:style>
+        <p:txBody>
+          <a:bodyPr rot="0" spcFirstLastPara="0" vertOverflow="overflow" horzOverflow="overflow" vert="horz" wrap="square" lIns="91440" tIns="45720" rIns="91440" bIns="45720" numCol="1" spcCol="0" rtlCol="0" fromWordArt="0" anchor="ctr" anchorCtr="0" forceAA="0" compatLnSpc="1">
+            <a:prstTxWarp prst="textNoShape">
+              <a:avLst/>
+            </a:prstTxWarp>
+            <a:noAutofit/>
+          </a:bodyPr>
+          <a:lstStyle/>
+          <a:p>
+            <a:pPr algn="ctr"/>
+            <a:endParaRPr lang="ko-KR" altLang="en-US"/>
+          </a:p>
+        </p:txBody>
+      </p:sp>
+    </p:spTree>
+    <p:extLst>
+      <p:ext uri="{BB962C8B-B14F-4D97-AF65-F5344CB8AC3E}">
+        <p14:creationId xmlns:p14="http://schemas.microsoft.com/office/powerpoint/2010/main" val="362368248"/>
+      </p:ext>
+    </p:extLst>
+  </p:cSld>
+  <p:clrMapOvr>
+    <a:masterClrMapping/>
+  </p:clrMapOvr>
+</p:sld>
+</file>
+
+<file path=ppt/slides/slide13.xml><?xml version="1.0" encoding="utf-8"?>
+<p:sld xmlns:a="http://schemas.openxmlformats.org/drawingml/2006/main" xmlns:r="http://schemas.openxmlformats.org/officeDocument/2006/relationships" xmlns:p="http://schemas.openxmlformats.org/presentationml/2006/main">
+  <p:cSld>
+    <p:spTree>
+      <p:nvGrpSpPr>
+        <p:cNvPr id="1" name=""/>
+        <p:cNvGrpSpPr/>
+        <p:nvPr/>
+      </p:nvGrpSpPr>
+      <p:grpSpPr>
+        <a:xfrm>
+          <a:off x="0" y="0"/>
+          <a:ext cx="0" cy="0"/>
+          <a:chOff x="0" y="0"/>
+          <a:chExt cx="0" cy="0"/>
+        </a:xfrm>
+      </p:grpSpPr>
+      <p:sp>
+        <p:nvSpPr>
+          <p:cNvPr id="2" name="제목 1">
+            <a:extLst>
+              <a:ext uri="{FF2B5EF4-FFF2-40B4-BE49-F238E27FC236}">
+                <a16:creationId xmlns:a16="http://schemas.microsoft.com/office/drawing/2014/main" id="{99EC90E8-37F1-4C88-8930-8690DAAFBA7C}"/>
+              </a:ext>
+            </a:extLst>
+          </p:cNvPr>
+          <p:cNvSpPr>
+            <a:spLocks noGrp="1"/>
+          </p:cNvSpPr>
+          <p:nvPr>
+            <p:ph type="title"/>
+          </p:nvPr>
+        </p:nvSpPr>
+        <p:spPr/>
+        <p:txBody>
+          <a:bodyPr/>
+          <a:lstStyle/>
+          <a:p>
+            <a:r>
+              <a:rPr lang="en-US" altLang="ko-KR"/>
+              <a:t>Network</a:t>
+            </a:r>
+            <a:r>
+              <a:rPr lang="ko-KR" altLang="en-US"/>
+              <a:t> </a:t>
+            </a:r>
+            <a:r>
+              <a:rPr lang="en-US" altLang="ko-KR"/>
+              <a:t>Fuzzing</a:t>
+            </a:r>
+            <a:endParaRPr lang="ko-KR" altLang="en-US"/>
+          </a:p>
+        </p:txBody>
+      </p:sp>
+      <p:sp>
+        <p:nvSpPr>
+          <p:cNvPr id="3" name="내용 개체 틀 2">
+            <a:extLst>
+              <a:ext uri="{FF2B5EF4-FFF2-40B4-BE49-F238E27FC236}">
+                <a16:creationId xmlns:a16="http://schemas.microsoft.com/office/drawing/2014/main" id="{F20E5E5F-5C29-4EAE-AD81-239E7EE58C28}"/>
+              </a:ext>
+            </a:extLst>
+          </p:cNvPr>
+          <p:cNvSpPr>
+            <a:spLocks noGrp="1"/>
+          </p:cNvSpPr>
+          <p:nvPr>
+            <p:ph idx="1"/>
+          </p:nvPr>
+        </p:nvSpPr>
+        <p:spPr/>
+        <p:txBody>
+          <a:bodyPr/>
+          <a:lstStyle/>
+          <a:p>
+            <a:pPr marL="0" indent="0">
+              <a:buNone/>
+            </a:pPr>
+            <a:r>
+              <a:rPr lang="ko-KR" altLang="en-US"/>
+              <a:t>네트워크 프로토콜 </a:t>
+            </a:r>
+            <a:r>
+              <a:rPr lang="ko-KR" altLang="en-US" err="1"/>
+              <a:t>퍼징은</a:t>
+            </a:r>
+            <a:r>
+              <a:rPr lang="ko-KR" altLang="en-US"/>
+              <a:t> 서버의 </a:t>
+            </a:r>
+            <a:r>
+              <a:rPr lang="ko-KR" altLang="en-US" err="1"/>
+              <a:t>데몬을</a:t>
+            </a:r>
+            <a:r>
+              <a:rPr lang="ko-KR" altLang="en-US"/>
+              <a:t> 대상으로 하여 조작된 패킷을 전송하는 행위</a:t>
+            </a:r>
+            <a:r>
+              <a:rPr lang="en-US" altLang="ko-KR"/>
+              <a:t>.</a:t>
+            </a:r>
+          </a:p>
+          <a:p>
+            <a:pPr marL="0" indent="0">
+              <a:buNone/>
+            </a:pPr>
+            <a:endParaRPr lang="en-US" altLang="ko-KR"/>
+          </a:p>
+          <a:p>
+            <a:pPr marL="0" indent="0">
+              <a:buNone/>
+            </a:pPr>
+            <a:r>
+              <a:rPr lang="ko-KR" altLang="en-US"/>
+              <a:t>네트워크 프로토콜 </a:t>
+            </a:r>
+            <a:r>
+              <a:rPr lang="ko-KR" altLang="en-US" err="1"/>
+              <a:t>퍼저는</a:t>
+            </a:r>
+            <a:r>
+              <a:rPr lang="ko-KR" altLang="en-US"/>
+              <a:t> 클라이언트의 입장에서 메시지를 조작하여 소켓을 통해 서버로 전송</a:t>
+            </a:r>
+          </a:p>
+        </p:txBody>
+      </p:sp>
+    </p:spTree>
+    <p:extLst>
+      <p:ext uri="{BB962C8B-B14F-4D97-AF65-F5344CB8AC3E}">
+        <p14:creationId xmlns:p14="http://schemas.microsoft.com/office/powerpoint/2010/main" val="1413314215"/>
+      </p:ext>
+    </p:extLst>
+  </p:cSld>
+  <p:clrMapOvr>
+    <a:masterClrMapping/>
+  </p:clrMapOvr>
+</p:sld>
+</file>
+
+<file path=ppt/slides/slide14.xml><?xml version="1.0" encoding="utf-8"?>
+<p:sld xmlns:a="http://schemas.openxmlformats.org/drawingml/2006/main" xmlns:r="http://schemas.openxmlformats.org/officeDocument/2006/relationships" xmlns:p="http://schemas.openxmlformats.org/presentationml/2006/main">
+  <p:cSld>
+    <p:spTree>
+      <p:nvGrpSpPr>
+        <p:cNvPr id="1" name=""/>
+        <p:cNvGrpSpPr/>
+        <p:nvPr/>
+      </p:nvGrpSpPr>
+      <p:grpSpPr>
+        <a:xfrm>
+          <a:off x="0" y="0"/>
+          <a:ext cx="0" cy="0"/>
+          <a:chOff x="0" y="0"/>
+          <a:chExt cx="0" cy="0"/>
+        </a:xfrm>
+      </p:grpSpPr>
+      <p:sp>
+        <p:nvSpPr>
+          <p:cNvPr id="2" name="제목 1">
+            <a:extLst>
+              <a:ext uri="{FF2B5EF4-FFF2-40B4-BE49-F238E27FC236}">
+                <a16:creationId xmlns:a16="http://schemas.microsoft.com/office/drawing/2014/main" id="{9C38FD61-C9F3-4BC7-8D5C-372A53F1A719}"/>
+              </a:ext>
+            </a:extLst>
+          </p:cNvPr>
+          <p:cNvSpPr>
+            <a:spLocks noGrp="1"/>
+          </p:cNvSpPr>
+          <p:nvPr>
+            <p:ph type="title"/>
+          </p:nvPr>
+        </p:nvSpPr>
+        <p:spPr/>
+        <p:txBody>
+          <a:bodyPr/>
+          <a:lstStyle/>
+          <a:p>
+            <a:r>
+              <a:rPr lang="ko-KR" altLang="en-US" err="1"/>
+              <a:t>퍼징의</a:t>
+            </a:r>
+            <a:r>
+              <a:rPr lang="ko-KR" altLang="en-US"/>
+              <a:t> 단계</a:t>
+            </a:r>
+          </a:p>
+        </p:txBody>
+      </p:sp>
+      <p:sp>
+        <p:nvSpPr>
+          <p:cNvPr id="3" name="내용 개체 틀 2">
+            <a:extLst>
+              <a:ext uri="{FF2B5EF4-FFF2-40B4-BE49-F238E27FC236}">
+                <a16:creationId xmlns:a16="http://schemas.microsoft.com/office/drawing/2014/main" id="{8B432828-F35C-4941-A2C0-EE7825FE5A02}"/>
+              </a:ext>
+            </a:extLst>
+          </p:cNvPr>
+          <p:cNvSpPr>
+            <a:spLocks noGrp="1"/>
+          </p:cNvSpPr>
+          <p:nvPr>
+            <p:ph idx="1"/>
+          </p:nvPr>
+        </p:nvSpPr>
+        <p:spPr/>
+        <p:txBody>
+          <a:bodyPr>
+            <a:normAutofit/>
+          </a:bodyPr>
+          <a:lstStyle/>
+          <a:p>
+            <a:pPr marL="0" indent="0" algn="ctr">
+              <a:buNone/>
+            </a:pPr>
+            <a:r>
+              <a:rPr lang="ko-KR" altLang="en-US" sz="5400"/>
+              <a:t>단순 </a:t>
+            </a:r>
+            <a:r>
+              <a:rPr lang="ko-KR" altLang="en-US" sz="5400" err="1"/>
+              <a:t>퍼징</a:t>
+            </a:r>
+            <a:r>
+              <a:rPr lang="en-US" altLang="ko-KR" sz="5400"/>
+              <a:t>(Simple fuzzing)</a:t>
+            </a:r>
+          </a:p>
+          <a:p>
+            <a:pPr marL="0" indent="0" algn="ctr">
+              <a:buNone/>
+            </a:pPr>
+            <a:endParaRPr lang="en-US" altLang="ko-KR" sz="5400"/>
+          </a:p>
+          <a:p>
+            <a:pPr marL="0" indent="0" algn="ctr">
+              <a:buNone/>
+            </a:pPr>
+            <a:r>
+              <a:rPr lang="ko-KR" altLang="en-US" sz="5400"/>
+              <a:t>스마트 </a:t>
+            </a:r>
+            <a:r>
+              <a:rPr lang="ko-KR" altLang="en-US" sz="5400" err="1"/>
+              <a:t>퍼징</a:t>
+            </a:r>
+            <a:r>
+              <a:rPr lang="en-US" altLang="ko-KR" sz="5400"/>
+              <a:t>(Smart Fuzzing)</a:t>
+            </a:r>
+          </a:p>
+          <a:p>
+            <a:pPr marL="0" indent="0" algn="ctr">
+              <a:buNone/>
+            </a:pPr>
+            <a:endParaRPr lang="en-US" altLang="ko-KR" sz="5400"/>
+          </a:p>
+          <a:p>
+            <a:pPr marL="0" indent="0" algn="ctr">
+              <a:buNone/>
+            </a:pPr>
+            <a:r>
+              <a:rPr lang="ko-KR" altLang="en-US" sz="5400" err="1"/>
+              <a:t>스테이트</a:t>
+            </a:r>
+            <a:r>
+              <a:rPr lang="ko-KR" altLang="en-US" sz="5400"/>
+              <a:t> </a:t>
+            </a:r>
+            <a:r>
+              <a:rPr lang="ko-KR" altLang="en-US" sz="5400" err="1"/>
+              <a:t>퍼징</a:t>
+            </a:r>
+            <a:r>
+              <a:rPr lang="en-US" altLang="ko-KR" sz="5400"/>
+              <a:t>(State Fuzzing)</a:t>
+            </a:r>
+          </a:p>
+        </p:txBody>
+      </p:sp>
+    </p:spTree>
+    <p:extLst>
+      <p:ext uri="{BB962C8B-B14F-4D97-AF65-F5344CB8AC3E}">
+        <p14:creationId xmlns:p14="http://schemas.microsoft.com/office/powerpoint/2010/main" val="4157859186"/>
+      </p:ext>
+    </p:extLst>
+  </p:cSld>
+  <p:clrMapOvr>
+    <a:masterClrMapping/>
+  </p:clrMapOvr>
+</p:sld>
+</file>
+
+<file path=ppt/slides/slide15.xml><?xml version="1.0" encoding="utf-8"?>
+<p:sld xmlns:a="http://schemas.openxmlformats.org/drawingml/2006/main" xmlns:r="http://schemas.openxmlformats.org/officeDocument/2006/relationships" xmlns:p="http://schemas.openxmlformats.org/presentationml/2006/main">
+  <p:cSld>
+    <p:spTree>
+      <p:nvGrpSpPr>
+        <p:cNvPr id="1" name=""/>
+        <p:cNvGrpSpPr/>
+        <p:nvPr/>
+      </p:nvGrpSpPr>
+      <p:grpSpPr>
+        <a:xfrm>
+          <a:off x="0" y="0"/>
+          <a:ext cx="0" cy="0"/>
+          <a:chOff x="0" y="0"/>
+          <a:chExt cx="0" cy="0"/>
+        </a:xfrm>
+      </p:grpSpPr>
+      <p:sp>
+        <p:nvSpPr>
+          <p:cNvPr id="2" name="제목 1">
+            <a:extLst>
+              <a:ext uri="{FF2B5EF4-FFF2-40B4-BE49-F238E27FC236}">
                 <a16:creationId xmlns:a16="http://schemas.microsoft.com/office/drawing/2014/main" id="{9C38FD61-C9F3-4BC7-8D5C-372A53F1A719}"/>
               </a:ext>
             </a:extLst>
@@ -3820,7 +4572,7 @@
 </p:sld>
 </file>
 
-<file path=ppt/slides/slide12.xml><?xml version="1.0" encoding="utf-8"?>
+<file path=ppt/slides/slide16.xml><?xml version="1.0" encoding="utf-8"?>
 <p:sld xmlns:a="http://schemas.openxmlformats.org/drawingml/2006/main" xmlns:r="http://schemas.openxmlformats.org/officeDocument/2006/relationships" xmlns:p="http://schemas.openxmlformats.org/presentationml/2006/main">
   <p:cSld>
     <p:spTree>
@@ -4111,7 +4863,7 @@
 </p:sld>
 </file>
 
-<file path=ppt/slides/slide13.xml><?xml version="1.0" encoding="utf-8"?>
+<file path=ppt/slides/slide17.xml><?xml version="1.0" encoding="utf-8"?>
 <p:sld xmlns:a="http://schemas.openxmlformats.org/drawingml/2006/main" xmlns:r="http://schemas.openxmlformats.org/officeDocument/2006/relationships" xmlns:p="http://schemas.openxmlformats.org/presentationml/2006/main">
   <p:cSld>
     <p:spTree>
@@ -4244,7 +4996,7 @@
 </p:sld>
 </file>
 
-<file path=ppt/slides/slide14.xml><?xml version="1.0" encoding="utf-8"?>
+<file path=ppt/slides/slide18.xml><?xml version="1.0" encoding="utf-8"?>
 <p:sld xmlns:a="http://schemas.openxmlformats.org/drawingml/2006/main" xmlns:r="http://schemas.openxmlformats.org/officeDocument/2006/relationships" xmlns:p="http://schemas.openxmlformats.org/presentationml/2006/main">
   <p:cSld>
     <p:spTree>
@@ -4341,7 +5093,7 @@
 </p:sld>
 </file>
 
-<file path=ppt/slides/slide15.xml><?xml version="1.0" encoding="utf-8"?>
+<file path=ppt/slides/slide19.xml><?xml version="1.0" encoding="utf-8"?>
 <p:sld xmlns:a="http://schemas.openxmlformats.org/drawingml/2006/main" xmlns:r="http://schemas.openxmlformats.org/officeDocument/2006/relationships" xmlns:p="http://schemas.openxmlformats.org/presentationml/2006/main">
   <p:cSld>
     <p:spTree>
@@ -4455,7 +5207,151 @@
 </p:sld>
 </file>
 
-<file path=ppt/slides/slide16.xml><?xml version="1.0" encoding="utf-8"?>
+<file path=ppt/slides/slide2.xml><?xml version="1.0" encoding="utf-8"?>
+<p:sld xmlns:a="http://schemas.openxmlformats.org/drawingml/2006/main" xmlns:r="http://schemas.openxmlformats.org/officeDocument/2006/relationships" xmlns:p="http://schemas.openxmlformats.org/presentationml/2006/main">
+  <p:cSld>
+    <p:spTree>
+      <p:nvGrpSpPr>
+        <p:cNvPr id="1" name=""/>
+        <p:cNvGrpSpPr/>
+        <p:nvPr/>
+      </p:nvGrpSpPr>
+      <p:grpSpPr>
+        <a:xfrm>
+          <a:off x="0" y="0"/>
+          <a:ext cx="0" cy="0"/>
+          <a:chOff x="0" y="0"/>
+          <a:chExt cx="0" cy="0"/>
+        </a:xfrm>
+      </p:grpSpPr>
+      <p:sp>
+        <p:nvSpPr>
+          <p:cNvPr id="2" name="제목 1">
+            <a:extLst>
+              <a:ext uri="{FF2B5EF4-FFF2-40B4-BE49-F238E27FC236}">
+                <a16:creationId xmlns:a16="http://schemas.microsoft.com/office/drawing/2014/main" id="{A677179C-0B7F-4576-82E1-4F9874E66954}"/>
+              </a:ext>
+            </a:extLst>
+          </p:cNvPr>
+          <p:cNvSpPr>
+            <a:spLocks noGrp="1"/>
+          </p:cNvSpPr>
+          <p:nvPr>
+            <p:ph type="title"/>
+          </p:nvPr>
+        </p:nvSpPr>
+        <p:spPr/>
+        <p:txBody>
+          <a:bodyPr/>
+          <a:lstStyle/>
+          <a:p>
+            <a:r>
+              <a:rPr lang="ko-KR" altLang="en-US"/>
+              <a:t>개발 환경</a:t>
+            </a:r>
+          </a:p>
+        </p:txBody>
+      </p:sp>
+      <p:sp>
+        <p:nvSpPr>
+          <p:cNvPr id="3" name="내용 개체 틀 2">
+            <a:extLst>
+              <a:ext uri="{FF2B5EF4-FFF2-40B4-BE49-F238E27FC236}">
+                <a16:creationId xmlns:a16="http://schemas.microsoft.com/office/drawing/2014/main" id="{A4BC5E27-FB89-48B5-AFD9-B8738B883D2A}"/>
+              </a:ext>
+            </a:extLst>
+          </p:cNvPr>
+          <p:cNvSpPr>
+            <a:spLocks noGrp="1"/>
+          </p:cNvSpPr>
+          <p:nvPr>
+            <p:ph idx="1"/>
+          </p:nvPr>
+        </p:nvSpPr>
+        <p:spPr/>
+        <p:txBody>
+          <a:bodyPr/>
+          <a:lstStyle/>
+          <a:p>
+            <a:pPr marL="0" indent="0">
+              <a:buNone/>
+            </a:pPr>
+            <a:r>
+              <a:rPr lang="en-US" altLang="ko-KR" dirty="0"/>
+              <a:t>OS : Ubuntu 16.04</a:t>
+            </a:r>
+          </a:p>
+          <a:p>
+            <a:pPr marL="0" indent="0">
+              <a:buNone/>
+            </a:pPr>
+            <a:r>
+              <a:rPr lang="en-US" altLang="ko-KR" dirty="0"/>
+              <a:t>Tool</a:t>
+            </a:r>
+            <a:r>
+              <a:rPr lang="ko-KR" altLang="en-US" dirty="0"/>
+              <a:t> </a:t>
+            </a:r>
+            <a:r>
+              <a:rPr lang="en-US" altLang="ko-KR" dirty="0"/>
+              <a:t>: </a:t>
+            </a:r>
+            <a:r>
+              <a:rPr lang="en-US" altLang="ko-KR" dirty="0" err="1"/>
+              <a:t>Scapy</a:t>
+            </a:r>
+            <a:r>
+              <a:rPr lang="en-US" altLang="ko-KR" dirty="0"/>
+              <a:t>(python)</a:t>
+            </a:r>
+          </a:p>
+          <a:p>
+            <a:pPr marL="0" indent="0">
+              <a:buNone/>
+            </a:pPr>
+            <a:r>
+              <a:rPr lang="en-US" altLang="ko-KR" dirty="0"/>
+              <a:t>AP : N104Black</a:t>
+            </a:r>
+          </a:p>
+          <a:p>
+            <a:pPr marL="0" indent="0">
+              <a:buNone/>
+            </a:pPr>
+            <a:r>
+              <a:rPr lang="en-US" altLang="ko-KR" dirty="0"/>
+              <a:t>LAN Card : N150UA-4dBi</a:t>
+            </a:r>
+          </a:p>
+          <a:p>
+            <a:pPr marL="0" indent="0">
+              <a:buNone/>
+            </a:pPr>
+            <a:endParaRPr lang="en-US" altLang="ko-KR" dirty="0"/>
+          </a:p>
+          <a:p>
+            <a:pPr marL="0" indent="0">
+              <a:buNone/>
+            </a:pPr>
+            <a:endParaRPr lang="ko-KR" altLang="en-US" dirty="0"/>
+          </a:p>
+        </p:txBody>
+      </p:sp>
+    </p:spTree>
+    <p:extLst>
+      <p:ext uri="{BB962C8B-B14F-4D97-AF65-F5344CB8AC3E}">
+        <p14:creationId xmlns:p14="http://schemas.microsoft.com/office/powerpoint/2010/main" val="2999126263"/>
+      </p:ext>
+    </p:extLst>
+  </p:cSld>
+  <p:clrMapOvr>
+    <a:masterClrMapping/>
+  </p:clrMapOvr>
+</p:sld>
+</file>
+
+<file path=ppt/slides/slide20.xml><?xml version="1.0" encoding="utf-8"?>
 <p:sld xmlns:a="http://schemas.openxmlformats.org/drawingml/2006/main" xmlns:r="http://schemas.openxmlformats.org/officeDocument/2006/relationships" xmlns:p="http://schemas.openxmlformats.org/presentationml/2006/main">
   <p:cSld>
     <p:spTree>
@@ -4566,7 +5462,7 @@
 </p:sld>
 </file>
 
-<file path=ppt/slides/slide17.xml><?xml version="1.0" encoding="utf-8"?>
+<file path=ppt/slides/slide21.xml><?xml version="1.0" encoding="utf-8"?>
 <p:sld xmlns:a="http://schemas.openxmlformats.org/drawingml/2006/main" xmlns:r="http://schemas.openxmlformats.org/officeDocument/2006/relationships" xmlns:p="http://schemas.openxmlformats.org/presentationml/2006/main">
   <p:cSld>
     <p:spTree>
@@ -4730,7 +5626,7 @@
 </p:sld>
 </file>
 
-<file path=ppt/slides/slide18.xml><?xml version="1.0" encoding="utf-8"?>
+<file path=ppt/slides/slide22.xml><?xml version="1.0" encoding="utf-8"?>
 <p:sld xmlns:a="http://schemas.openxmlformats.org/drawingml/2006/main" xmlns:r="http://schemas.openxmlformats.org/officeDocument/2006/relationships" xmlns:p="http://schemas.openxmlformats.org/presentationml/2006/main">
   <p:cSld>
     <p:spTree>
@@ -4951,7 +5847,7 @@
 </p:sld>
 </file>
 
-<file path=ppt/slides/slide19.xml><?xml version="1.0" encoding="utf-8"?>
+<file path=ppt/slides/slide23.xml><?xml version="1.0" encoding="utf-8"?>
 <p:sld xmlns:a="http://schemas.openxmlformats.org/drawingml/2006/main" xmlns:r="http://schemas.openxmlformats.org/officeDocument/2006/relationships" xmlns:p="http://schemas.openxmlformats.org/presentationml/2006/main">
   <p:cSld>
     <p:spTree>
@@ -5087,143 +5983,7 @@
 </p:sld>
 </file>
 
-<file path=ppt/slides/slide2.xml><?xml version="1.0" encoding="utf-8"?>
-<p:sld xmlns:a="http://schemas.openxmlformats.org/drawingml/2006/main" xmlns:r="http://schemas.openxmlformats.org/officeDocument/2006/relationships" xmlns:p="http://schemas.openxmlformats.org/presentationml/2006/main">
-  <p:cSld>
-    <p:spTree>
-      <p:nvGrpSpPr>
-        <p:cNvPr id="1" name=""/>
-        <p:cNvGrpSpPr/>
-        <p:nvPr/>
-      </p:nvGrpSpPr>
-      <p:grpSpPr>
-        <a:xfrm>
-          <a:off x="0" y="0"/>
-          <a:ext cx="0" cy="0"/>
-          <a:chOff x="0" y="0"/>
-          <a:chExt cx="0" cy="0"/>
-        </a:xfrm>
-      </p:grpSpPr>
-      <p:sp>
-        <p:nvSpPr>
-          <p:cNvPr id="2" name="제목 1">
-            <a:extLst>
-              <a:ext uri="{FF2B5EF4-FFF2-40B4-BE49-F238E27FC236}">
-                <a16:creationId xmlns:a16="http://schemas.microsoft.com/office/drawing/2014/main" id="{A677179C-0B7F-4576-82E1-4F9874E66954}"/>
-              </a:ext>
-            </a:extLst>
-          </p:cNvPr>
-          <p:cNvSpPr>
-            <a:spLocks noGrp="1"/>
-          </p:cNvSpPr>
-          <p:nvPr>
-            <p:ph type="title"/>
-          </p:nvPr>
-        </p:nvSpPr>
-        <p:spPr/>
-        <p:txBody>
-          <a:bodyPr/>
-          <a:lstStyle/>
-          <a:p>
-            <a:r>
-              <a:rPr lang="ko-KR" altLang="en-US"/>
-              <a:t>개발 환경</a:t>
-            </a:r>
-          </a:p>
-        </p:txBody>
-      </p:sp>
-      <p:sp>
-        <p:nvSpPr>
-          <p:cNvPr id="3" name="내용 개체 틀 2">
-            <a:extLst>
-              <a:ext uri="{FF2B5EF4-FFF2-40B4-BE49-F238E27FC236}">
-                <a16:creationId xmlns:a16="http://schemas.microsoft.com/office/drawing/2014/main" id="{A4BC5E27-FB89-48B5-AFD9-B8738B883D2A}"/>
-              </a:ext>
-            </a:extLst>
-          </p:cNvPr>
-          <p:cNvSpPr>
-            <a:spLocks noGrp="1"/>
-          </p:cNvSpPr>
-          <p:nvPr>
-            <p:ph idx="1"/>
-          </p:nvPr>
-        </p:nvSpPr>
-        <p:spPr/>
-        <p:txBody>
-          <a:bodyPr/>
-          <a:lstStyle/>
-          <a:p>
-            <a:pPr marL="0" indent="0">
-              <a:buNone/>
-            </a:pPr>
-            <a:r>
-              <a:rPr lang="en-US" altLang="ko-KR"/>
-              <a:t>OS : Ubuntu 16.04</a:t>
-            </a:r>
-          </a:p>
-          <a:p>
-            <a:pPr marL="0" indent="0">
-              <a:buNone/>
-            </a:pPr>
-            <a:r>
-              <a:rPr lang="en-US" altLang="ko-KR"/>
-              <a:t>Tool</a:t>
-            </a:r>
-            <a:r>
-              <a:rPr lang="ko-KR" altLang="en-US"/>
-              <a:t> </a:t>
-            </a:r>
-            <a:r>
-              <a:rPr lang="en-US" altLang="ko-KR"/>
-              <a:t>: Scapy(python)</a:t>
-            </a:r>
-          </a:p>
-          <a:p>
-            <a:pPr marL="0" indent="0">
-              <a:buNone/>
-            </a:pPr>
-            <a:r>
-              <a:rPr lang="en-US" altLang="ko-KR"/>
-              <a:t>AP : asdfkljsafkdl</a:t>
-            </a:r>
-          </a:p>
-          <a:p>
-            <a:pPr marL="0" indent="0">
-              <a:buNone/>
-            </a:pPr>
-            <a:r>
-              <a:rPr lang="en-US" altLang="ko-KR"/>
-              <a:t>LAN Card : akljfd;lsdafklsda</a:t>
-            </a:r>
-          </a:p>
-          <a:p>
-            <a:pPr marL="0" indent="0">
-              <a:buNone/>
-            </a:pPr>
-            <a:endParaRPr lang="en-US" altLang="ko-KR"/>
-          </a:p>
-          <a:p>
-            <a:pPr marL="0" indent="0">
-              <a:buNone/>
-            </a:pPr>
-            <a:endParaRPr lang="ko-KR" altLang="en-US"/>
-          </a:p>
-        </p:txBody>
-      </p:sp>
-    </p:spTree>
-    <p:extLst>
-      <p:ext uri="{BB962C8B-B14F-4D97-AF65-F5344CB8AC3E}">
-        <p14:creationId xmlns:p14="http://schemas.microsoft.com/office/powerpoint/2010/main" val="2999126263"/>
-      </p:ext>
-    </p:extLst>
-  </p:cSld>
-  <p:clrMapOvr>
-    <a:masterClrMapping/>
-  </p:clrMapOvr>
-</p:sld>
-</file>
-
-<file path=ppt/slides/slide20.xml><?xml version="1.0" encoding="utf-8"?>
+<file path=ppt/slides/slide24.xml><?xml version="1.0" encoding="utf-8"?>
 <p:sld xmlns:a="http://schemas.openxmlformats.org/drawingml/2006/main" xmlns:r="http://schemas.openxmlformats.org/officeDocument/2006/relationships" xmlns:p="http://schemas.openxmlformats.org/presentationml/2006/main">
   <p:cSld>
     <p:spTree>
@@ -5300,7 +6060,7 @@
 </p:sld>
 </file>
 
-<file path=ppt/slides/slide21.xml><?xml version="1.0" encoding="utf-8"?>
+<file path=ppt/slides/slide25.xml><?xml version="1.0" encoding="utf-8"?>
 <p:sld xmlns:a="http://schemas.openxmlformats.org/drawingml/2006/main" xmlns:r="http://schemas.openxmlformats.org/officeDocument/2006/relationships" xmlns:p="http://schemas.openxmlformats.org/presentationml/2006/main">
   <p:cSld>
     <p:spTree>
@@ -5509,7 +6269,7 @@
 </p:sld>
 </file>
 
-<file path=ppt/slides/slide22.xml><?xml version="1.0" encoding="utf-8"?>
+<file path=ppt/slides/slide26.xml><?xml version="1.0" encoding="utf-8"?>
 <p:sld xmlns:a="http://schemas.openxmlformats.org/drawingml/2006/main" xmlns:r="http://schemas.openxmlformats.org/officeDocument/2006/relationships" xmlns:p="http://schemas.openxmlformats.org/presentationml/2006/main">
   <p:cSld>
     <p:spTree>
@@ -5731,7 +6491,7 @@
 </p:sld>
 </file>
 
-<file path=ppt/slides/slide23.xml><?xml version="1.0" encoding="utf-8"?>
+<file path=ppt/slides/slide27.xml><?xml version="1.0" encoding="utf-8"?>
 <p:sld xmlns:a="http://schemas.openxmlformats.org/drawingml/2006/main" xmlns:r="http://schemas.openxmlformats.org/officeDocument/2006/relationships" xmlns:p="http://schemas.openxmlformats.org/presentationml/2006/main">
   <p:cSld>
     <p:spTree>
@@ -5995,7 +6755,7 @@
 </p:sld>
 </file>
 
-<file path=ppt/slides/slide24.xml><?xml version="1.0" encoding="utf-8"?>
+<file path=ppt/slides/slide28.xml><?xml version="1.0" encoding="utf-8"?>
 <p:sld xmlns:a="http://schemas.openxmlformats.org/drawingml/2006/main" xmlns:r="http://schemas.openxmlformats.org/officeDocument/2006/relationships" xmlns:p="http://schemas.openxmlformats.org/presentationml/2006/main">
   <p:cSld>
     <p:spTree>
@@ -6343,7 +7103,7 @@
 </p:sld>
 </file>
 
-<file path=ppt/slides/slide25.xml><?xml version="1.0" encoding="utf-8"?>
+<file path=ppt/slides/slide29.xml><?xml version="1.0" encoding="utf-8"?>
 <p:sld xmlns:a="http://schemas.openxmlformats.org/drawingml/2006/main" xmlns:r="http://schemas.openxmlformats.org/officeDocument/2006/relationships" xmlns:p="http://schemas.openxmlformats.org/presentationml/2006/main">
   <p:cSld>
     <p:spTree>
@@ -6549,7 +7309,7 @@
 </p:sld>
 </file>
 
-<file path=ppt/slides/slide26.xml><?xml version="1.0" encoding="utf-8"?>
+<file path=ppt/slides/slide3.xml><?xml version="1.0" encoding="utf-8"?>
 <p:sld xmlns:a="http://schemas.openxmlformats.org/drawingml/2006/main" xmlns:r="http://schemas.openxmlformats.org/officeDocument/2006/relationships" xmlns:p="http://schemas.openxmlformats.org/presentationml/2006/main">
   <p:cSld>
     <p:spTree>
@@ -6571,6 +7331,167 @@
           <p:cNvPr id="2" name="제목 1">
             <a:extLst>
               <a:ext uri="{FF2B5EF4-FFF2-40B4-BE49-F238E27FC236}">
+                <a16:creationId xmlns:a16="http://schemas.microsoft.com/office/drawing/2014/main" id="{A677179C-0B7F-4576-82E1-4F9874E66954}"/>
+              </a:ext>
+            </a:extLst>
+          </p:cNvPr>
+          <p:cNvSpPr>
+            <a:spLocks noGrp="1"/>
+          </p:cNvSpPr>
+          <p:nvPr>
+            <p:ph type="title"/>
+          </p:nvPr>
+        </p:nvSpPr>
+        <p:spPr/>
+        <p:txBody>
+          <a:bodyPr/>
+          <a:lstStyle/>
+          <a:p>
+            <a:r>
+              <a:rPr lang="ko-KR" altLang="en-US"/>
+              <a:t>개발 환경</a:t>
+            </a:r>
+          </a:p>
+        </p:txBody>
+      </p:sp>
+      <p:sp>
+        <p:nvSpPr>
+          <p:cNvPr id="3" name="내용 개체 틀 2">
+            <a:extLst>
+              <a:ext uri="{FF2B5EF4-FFF2-40B4-BE49-F238E27FC236}">
+                <a16:creationId xmlns:a16="http://schemas.microsoft.com/office/drawing/2014/main" id="{A4BC5E27-FB89-48B5-AFD9-B8738B883D2A}"/>
+              </a:ext>
+            </a:extLst>
+          </p:cNvPr>
+          <p:cNvSpPr>
+            <a:spLocks noGrp="1"/>
+          </p:cNvSpPr>
+          <p:nvPr>
+            <p:ph idx="1"/>
+          </p:nvPr>
+        </p:nvSpPr>
+        <p:spPr/>
+        <p:txBody>
+          <a:bodyPr/>
+          <a:lstStyle/>
+          <a:p>
+            <a:pPr marL="0" indent="0">
+              <a:buNone/>
+            </a:pPr>
+            <a:r>
+              <a:rPr lang="en-US" altLang="ko-KR" dirty="0"/>
+              <a:t>AP : N104Black</a:t>
+            </a:r>
+          </a:p>
+          <a:p>
+            <a:pPr marL="0" indent="0">
+              <a:buNone/>
+            </a:pPr>
+            <a:endParaRPr lang="en-US" altLang="ko-KR" dirty="0"/>
+          </a:p>
+          <a:p>
+            <a:pPr marL="0" indent="0">
+              <a:buNone/>
+            </a:pPr>
+            <a:endParaRPr lang="ko-KR" altLang="en-US" dirty="0"/>
+          </a:p>
+        </p:txBody>
+      </p:sp>
+      <p:pic>
+        <p:nvPicPr>
+          <p:cNvPr id="4" name="그림 3">
+            <a:extLst>
+              <a:ext uri="{FF2B5EF4-FFF2-40B4-BE49-F238E27FC236}">
+                <a16:creationId xmlns:a16="http://schemas.microsoft.com/office/drawing/2014/main" id="{24DD1E3C-5F11-4C28-9A7A-02BB430022EF}"/>
+              </a:ext>
+            </a:extLst>
+          </p:cNvPr>
+          <p:cNvPicPr>
+            <a:picLocks noChangeAspect="1"/>
+          </p:cNvPicPr>
+          <p:nvPr/>
+        </p:nvPicPr>
+        <p:blipFill>
+          <a:blip r:embed="rId2"/>
+          <a:stretch>
+            <a:fillRect/>
+          </a:stretch>
+        </p:blipFill>
+        <p:spPr>
+          <a:xfrm>
+            <a:off x="838202" y="2330109"/>
+            <a:ext cx="5419723" cy="3342369"/>
+          </a:xfrm>
+          <a:prstGeom prst="rect">
+            <a:avLst/>
+          </a:prstGeom>
+        </p:spPr>
+      </p:pic>
+      <p:pic>
+        <p:nvPicPr>
+          <p:cNvPr id="5" name="그림 4">
+            <a:extLst>
+              <a:ext uri="{FF2B5EF4-FFF2-40B4-BE49-F238E27FC236}">
+                <a16:creationId xmlns:a16="http://schemas.microsoft.com/office/drawing/2014/main" id="{86ED4117-807B-462F-9D70-BEB5C241F41A}"/>
+              </a:ext>
+            </a:extLst>
+          </p:cNvPr>
+          <p:cNvPicPr>
+            <a:picLocks noChangeAspect="1"/>
+          </p:cNvPicPr>
+          <p:nvPr/>
+        </p:nvPicPr>
+        <p:blipFill>
+          <a:blip r:embed="rId3"/>
+          <a:stretch>
+            <a:fillRect/>
+          </a:stretch>
+        </p:blipFill>
+        <p:spPr>
+          <a:xfrm>
+            <a:off x="6257925" y="1447800"/>
+            <a:ext cx="5523814" cy="4881903"/>
+          </a:xfrm>
+          <a:prstGeom prst="rect">
+            <a:avLst/>
+          </a:prstGeom>
+        </p:spPr>
+      </p:pic>
+    </p:spTree>
+    <p:extLst>
+      <p:ext uri="{BB962C8B-B14F-4D97-AF65-F5344CB8AC3E}">
+        <p14:creationId xmlns:p14="http://schemas.microsoft.com/office/powerpoint/2010/main" val="1155429256"/>
+      </p:ext>
+    </p:extLst>
+  </p:cSld>
+  <p:clrMapOvr>
+    <a:masterClrMapping/>
+  </p:clrMapOvr>
+</p:sld>
+</file>
+
+<file path=ppt/slides/slide30.xml><?xml version="1.0" encoding="utf-8"?>
+<p:sld xmlns:a="http://schemas.openxmlformats.org/drawingml/2006/main" xmlns:r="http://schemas.openxmlformats.org/officeDocument/2006/relationships" xmlns:p="http://schemas.openxmlformats.org/presentationml/2006/main">
+  <p:cSld>
+    <p:spTree>
+      <p:nvGrpSpPr>
+        <p:cNvPr id="1" name=""/>
+        <p:cNvGrpSpPr/>
+        <p:nvPr/>
+      </p:nvGrpSpPr>
+      <p:grpSpPr>
+        <a:xfrm>
+          <a:off x="0" y="0"/>
+          <a:ext cx="0" cy="0"/>
+          <a:chOff x="0" y="0"/>
+          <a:chExt cx="0" cy="0"/>
+        </a:xfrm>
+      </p:grpSpPr>
+      <p:sp>
+        <p:nvSpPr>
+          <p:cNvPr id="2" name="제목 1">
+            <a:extLst>
+              <a:ext uri="{FF2B5EF4-FFF2-40B4-BE49-F238E27FC236}">
                 <a16:creationId xmlns:a16="http://schemas.microsoft.com/office/drawing/2014/main" id="{677C15A4-849D-4BAC-B98E-7F71B5656F94}"/>
               </a:ext>
             </a:extLst>
@@ -6616,7 +7537,7 @@
 </p:sld>
 </file>
 
-<file path=ppt/slides/slide27.xml><?xml version="1.0" encoding="utf-8"?>
+<file path=ppt/slides/slide31.xml><?xml version="1.0" encoding="utf-8"?>
 <p:sld xmlns:a="http://schemas.openxmlformats.org/drawingml/2006/main" xmlns:r="http://schemas.openxmlformats.org/officeDocument/2006/relationships" xmlns:p="http://schemas.openxmlformats.org/presentationml/2006/main">
   <p:cSld>
     <p:spTree>
@@ -6715,7 +7636,7 @@
 </p:sld>
 </file>
 
-<file path=ppt/slides/slide28.xml><?xml version="1.0" encoding="utf-8"?>
+<file path=ppt/slides/slide32.xml><?xml version="1.0" encoding="utf-8"?>
 <p:sld xmlns:a="http://schemas.openxmlformats.org/drawingml/2006/main" xmlns:r="http://schemas.openxmlformats.org/officeDocument/2006/relationships" xmlns:p="http://schemas.openxmlformats.org/presentationml/2006/main">
   <p:cSld>
     <p:spTree>
@@ -6841,7 +7762,7 @@
 </p:sld>
 </file>
 
-<file path=ppt/slides/slide29.xml><?xml version="1.0" encoding="utf-8"?>
+<file path=ppt/slides/slide33.xml><?xml version="1.0" encoding="utf-8"?>
 <p:sld xmlns:a="http://schemas.openxmlformats.org/drawingml/2006/main" xmlns:r="http://schemas.openxmlformats.org/officeDocument/2006/relationships" xmlns:p="http://schemas.openxmlformats.org/presentationml/2006/main">
   <p:cSld>
     <p:spTree>
@@ -6940,74 +7861,7 @@
 </p:sld>
 </file>
 
-<file path=ppt/slides/slide3.xml><?xml version="1.0" encoding="utf-8"?>
-<p:sld xmlns:a="http://schemas.openxmlformats.org/drawingml/2006/main" xmlns:r="http://schemas.openxmlformats.org/officeDocument/2006/relationships" xmlns:p="http://schemas.openxmlformats.org/presentationml/2006/main">
-  <p:cSld>
-    <p:spTree>
-      <p:nvGrpSpPr>
-        <p:cNvPr id="1" name=""/>
-        <p:cNvGrpSpPr/>
-        <p:nvPr/>
-      </p:nvGrpSpPr>
-      <p:grpSpPr>
-        <a:xfrm>
-          <a:off x="0" y="0"/>
-          <a:ext cx="0" cy="0"/>
-          <a:chOff x="0" y="0"/>
-          <a:chExt cx="0" cy="0"/>
-        </a:xfrm>
-      </p:grpSpPr>
-      <p:sp>
-        <p:nvSpPr>
-          <p:cNvPr id="2" name="제목 1">
-            <a:extLst>
-              <a:ext uri="{FF2B5EF4-FFF2-40B4-BE49-F238E27FC236}">
-                <a16:creationId xmlns:a16="http://schemas.microsoft.com/office/drawing/2014/main" id="{19FB6114-AD56-470B-894B-16435A3FC01E}"/>
-              </a:ext>
-            </a:extLst>
-          </p:cNvPr>
-          <p:cNvSpPr>
-            <a:spLocks noGrp="1"/>
-          </p:cNvSpPr>
-          <p:nvPr>
-            <p:ph type="title"/>
-          </p:nvPr>
-        </p:nvSpPr>
-        <p:spPr>
-          <a:xfrm>
-            <a:off x="838200" y="2766220"/>
-            <a:ext cx="10515600" cy="1325563"/>
-          </a:xfrm>
-        </p:spPr>
-        <p:txBody>
-          <a:bodyPr>
-            <a:noAutofit/>
-          </a:bodyPr>
-          <a:lstStyle/>
-          <a:p>
-            <a:pPr algn="ctr"/>
-            <a:r>
-              <a:rPr lang="en-US" altLang="ko-KR" sz="9600"/>
-              <a:t>Fuzzing</a:t>
-            </a:r>
-            <a:endParaRPr lang="ko-KR" altLang="en-US" sz="9600"/>
-          </a:p>
-        </p:txBody>
-      </p:sp>
-    </p:spTree>
-    <p:extLst>
-      <p:ext uri="{BB962C8B-B14F-4D97-AF65-F5344CB8AC3E}">
-        <p14:creationId xmlns:p14="http://schemas.microsoft.com/office/powerpoint/2010/main" val="1095210043"/>
-      </p:ext>
-    </p:extLst>
-  </p:cSld>
-  <p:clrMapOvr>
-    <a:masterClrMapping/>
-  </p:clrMapOvr>
-</p:sld>
-</file>
-
-<file path=ppt/slides/slide30.xml><?xml version="1.0" encoding="utf-8"?>
+<file path=ppt/slides/slide34.xml><?xml version="1.0" encoding="utf-8"?>
 <p:sld xmlns:a="http://schemas.openxmlformats.org/drawingml/2006/main" xmlns:r="http://schemas.openxmlformats.org/officeDocument/2006/relationships" xmlns:p="http://schemas.openxmlformats.org/presentationml/2006/main">
   <p:cSld>
     <p:spTree>
@@ -7133,7 +7987,7 @@
 </p:sld>
 </file>
 
-<file path=ppt/slides/slide31.xml><?xml version="1.0" encoding="utf-8"?>
+<file path=ppt/slides/slide35.xml><?xml version="1.0" encoding="utf-8"?>
 <p:sld xmlns:a="http://schemas.openxmlformats.org/drawingml/2006/main" xmlns:r="http://schemas.openxmlformats.org/officeDocument/2006/relationships" xmlns:p="http://schemas.openxmlformats.org/presentationml/2006/main">
   <p:cSld>
     <p:spTree>
@@ -7200,7 +8054,7 @@
 </p:sld>
 </file>
 
-<file path=ppt/slides/slide32.xml><?xml version="1.0" encoding="utf-8"?>
+<file path=ppt/slides/slide36.xml><?xml version="1.0" encoding="utf-8"?>
 <p:sld xmlns:a="http://schemas.openxmlformats.org/drawingml/2006/main" xmlns:r="http://schemas.openxmlformats.org/officeDocument/2006/relationships" xmlns:p="http://schemas.openxmlformats.org/presentationml/2006/main">
   <p:cSld>
     <p:spTree>
@@ -7296,7 +8150,7 @@
 </p:sld>
 </file>
 
-<file path=ppt/slides/slide33.xml><?xml version="1.0" encoding="utf-8"?>
+<file path=ppt/slides/slide37.xml><?xml version="1.0" encoding="utf-8"?>
 <p:sld xmlns:a="http://schemas.openxmlformats.org/drawingml/2006/main" xmlns:r="http://schemas.openxmlformats.org/officeDocument/2006/relationships" xmlns:p="http://schemas.openxmlformats.org/presentationml/2006/main">
   <p:cSld>
     <p:spTree>
@@ -7410,7 +8264,7 @@
 </p:sld>
 </file>
 
-<file path=ppt/slides/slide34.xml><?xml version="1.0" encoding="utf-8"?>
+<file path=ppt/slides/slide38.xml><?xml version="1.0" encoding="utf-8"?>
 <p:sld xmlns:a="http://schemas.openxmlformats.org/drawingml/2006/main" xmlns:r="http://schemas.openxmlformats.org/officeDocument/2006/relationships" xmlns:p="http://schemas.openxmlformats.org/presentationml/2006/main">
   <p:cSld>
     <p:spTree>
@@ -7516,7 +8370,7 @@
 </p:sld>
 </file>
 
-<file path=ppt/slides/slide35.xml><?xml version="1.0" encoding="utf-8"?>
+<file path=ppt/slides/slide39.xml><?xml version="1.0" encoding="utf-8"?>
 <p:sld xmlns:a="http://schemas.openxmlformats.org/drawingml/2006/main" xmlns:r="http://schemas.openxmlformats.org/officeDocument/2006/relationships" xmlns:p="http://schemas.openxmlformats.org/presentationml/2006/main">
   <p:cSld>
     <p:spTree>
@@ -7605,7 +8459,215 @@
 </p:sld>
 </file>
 
-<file path=ppt/slides/slide36.xml><?xml version="1.0" encoding="utf-8"?>
+<file path=ppt/slides/slide4.xml><?xml version="1.0" encoding="utf-8"?>
+<p:sld xmlns:a="http://schemas.openxmlformats.org/drawingml/2006/main" xmlns:r="http://schemas.openxmlformats.org/officeDocument/2006/relationships" xmlns:p="http://schemas.openxmlformats.org/presentationml/2006/main">
+  <p:cSld>
+    <p:spTree>
+      <p:nvGrpSpPr>
+        <p:cNvPr id="1" name=""/>
+        <p:cNvGrpSpPr/>
+        <p:nvPr/>
+      </p:nvGrpSpPr>
+      <p:grpSpPr>
+        <a:xfrm>
+          <a:off x="0" y="0"/>
+          <a:ext cx="0" cy="0"/>
+          <a:chOff x="0" y="0"/>
+          <a:chExt cx="0" cy="0"/>
+        </a:xfrm>
+      </p:grpSpPr>
+      <p:sp>
+        <p:nvSpPr>
+          <p:cNvPr id="2" name="제목 1">
+            <a:extLst>
+              <a:ext uri="{FF2B5EF4-FFF2-40B4-BE49-F238E27FC236}">
+                <a16:creationId xmlns:a16="http://schemas.microsoft.com/office/drawing/2014/main" id="{A677179C-0B7F-4576-82E1-4F9874E66954}"/>
+              </a:ext>
+            </a:extLst>
+          </p:cNvPr>
+          <p:cNvSpPr>
+            <a:spLocks noGrp="1"/>
+          </p:cNvSpPr>
+          <p:nvPr>
+            <p:ph type="title"/>
+          </p:nvPr>
+        </p:nvSpPr>
+        <p:spPr/>
+        <p:txBody>
+          <a:bodyPr/>
+          <a:lstStyle/>
+          <a:p>
+            <a:r>
+              <a:rPr lang="ko-KR" altLang="en-US"/>
+              <a:t>개발 환경</a:t>
+            </a:r>
+          </a:p>
+        </p:txBody>
+      </p:sp>
+      <p:sp>
+        <p:nvSpPr>
+          <p:cNvPr id="3" name="내용 개체 틀 2">
+            <a:extLst>
+              <a:ext uri="{FF2B5EF4-FFF2-40B4-BE49-F238E27FC236}">
+                <a16:creationId xmlns:a16="http://schemas.microsoft.com/office/drawing/2014/main" id="{A4BC5E27-FB89-48B5-AFD9-B8738B883D2A}"/>
+              </a:ext>
+            </a:extLst>
+          </p:cNvPr>
+          <p:cNvSpPr>
+            <a:spLocks noGrp="1"/>
+          </p:cNvSpPr>
+          <p:nvPr>
+            <p:ph idx="1"/>
+          </p:nvPr>
+        </p:nvSpPr>
+        <p:spPr/>
+        <p:txBody>
+          <a:bodyPr/>
+          <a:lstStyle/>
+          <a:p>
+            <a:pPr marL="0" indent="0">
+              <a:buNone/>
+            </a:pPr>
+            <a:r>
+              <a:rPr lang="en-US" altLang="ko-KR" dirty="0"/>
+              <a:t>AP : N104Black</a:t>
+            </a:r>
+          </a:p>
+          <a:p>
+            <a:pPr marL="0" indent="0">
+              <a:buNone/>
+            </a:pPr>
+            <a:endParaRPr lang="en-US" altLang="ko-KR" dirty="0"/>
+          </a:p>
+          <a:p>
+            <a:pPr marL="0" indent="0">
+              <a:buNone/>
+            </a:pPr>
+            <a:endParaRPr lang="ko-KR" altLang="en-US" dirty="0"/>
+          </a:p>
+        </p:txBody>
+      </p:sp>
+      <p:pic>
+        <p:nvPicPr>
+          <p:cNvPr id="4" name="그림 3">
+            <a:extLst>
+              <a:ext uri="{FF2B5EF4-FFF2-40B4-BE49-F238E27FC236}">
+                <a16:creationId xmlns:a16="http://schemas.microsoft.com/office/drawing/2014/main" id="{24DD1E3C-5F11-4C28-9A7A-02BB430022EF}"/>
+              </a:ext>
+            </a:extLst>
+          </p:cNvPr>
+          <p:cNvPicPr>
+            <a:picLocks noChangeAspect="1"/>
+          </p:cNvPicPr>
+          <p:nvPr/>
+        </p:nvPicPr>
+        <p:blipFill>
+          <a:blip r:embed="rId2"/>
+          <a:stretch>
+            <a:fillRect/>
+          </a:stretch>
+        </p:blipFill>
+        <p:spPr>
+          <a:xfrm>
+            <a:off x="838202" y="2330109"/>
+            <a:ext cx="5419723" cy="3342369"/>
+          </a:xfrm>
+          <a:prstGeom prst="rect">
+            <a:avLst/>
+          </a:prstGeom>
+        </p:spPr>
+      </p:pic>
+      <p:pic>
+        <p:nvPicPr>
+          <p:cNvPr id="5" name="그림 4">
+            <a:extLst>
+              <a:ext uri="{FF2B5EF4-FFF2-40B4-BE49-F238E27FC236}">
+                <a16:creationId xmlns:a16="http://schemas.microsoft.com/office/drawing/2014/main" id="{86ED4117-807B-462F-9D70-BEB5C241F41A}"/>
+              </a:ext>
+            </a:extLst>
+          </p:cNvPr>
+          <p:cNvPicPr>
+            <a:picLocks noChangeAspect="1"/>
+          </p:cNvPicPr>
+          <p:nvPr/>
+        </p:nvPicPr>
+        <p:blipFill>
+          <a:blip r:embed="rId3"/>
+          <a:stretch>
+            <a:fillRect/>
+          </a:stretch>
+        </p:blipFill>
+        <p:spPr>
+          <a:xfrm>
+            <a:off x="6257925" y="1447800"/>
+            <a:ext cx="5523814" cy="4881903"/>
+          </a:xfrm>
+          <a:prstGeom prst="rect">
+            <a:avLst/>
+          </a:prstGeom>
+        </p:spPr>
+      </p:pic>
+      <p:pic>
+        <p:nvPicPr>
+          <p:cNvPr id="6" name="Picture 4" descr="EFM네트웍스 아이피타임 N104 Black 이미지">
+            <a:extLst>
+              <a:ext uri="{FF2B5EF4-FFF2-40B4-BE49-F238E27FC236}">
+                <a16:creationId xmlns:a16="http://schemas.microsoft.com/office/drawing/2014/main" id="{C96F66EA-03AA-4F5A-87CC-40049C7729F5}"/>
+              </a:ext>
+            </a:extLst>
+          </p:cNvPr>
+          <p:cNvPicPr>
+            <a:picLocks noChangeAspect="1" noChangeArrowheads="1"/>
+          </p:cNvPicPr>
+          <p:nvPr/>
+        </p:nvPicPr>
+        <p:blipFill>
+          <a:blip r:embed="rId4">
+            <a:extLst>
+              <a:ext uri="{28A0092B-C50C-407E-A947-70E740481C1C}">
+                <a14:useLocalDpi xmlns:a14="http://schemas.microsoft.com/office/drawing/2010/main" val="0"/>
+              </a:ext>
+            </a:extLst>
+          </a:blip>
+          <a:srcRect/>
+          <a:stretch>
+            <a:fillRect/>
+          </a:stretch>
+        </p:blipFill>
+        <p:spPr bwMode="auto">
+          <a:xfrm>
+            <a:off x="838202" y="1447800"/>
+            <a:ext cx="11106148" cy="4514850"/>
+          </a:xfrm>
+          <a:prstGeom prst="rect">
+            <a:avLst/>
+          </a:prstGeom>
+          <a:noFill/>
+          <a:extLst>
+            <a:ext uri="{909E8E84-426E-40DD-AFC4-6F175D3DCCD1}">
+              <a14:hiddenFill xmlns:a14="http://schemas.microsoft.com/office/drawing/2010/main">
+                <a:solidFill>
+                  <a:srgbClr val="FFFFFF"/>
+                </a:solidFill>
+              </a14:hiddenFill>
+            </a:ext>
+          </a:extLst>
+        </p:spPr>
+      </p:pic>
+    </p:spTree>
+    <p:extLst>
+      <p:ext uri="{BB962C8B-B14F-4D97-AF65-F5344CB8AC3E}">
+        <p14:creationId xmlns:p14="http://schemas.microsoft.com/office/powerpoint/2010/main" val="4176150921"/>
+      </p:ext>
+    </p:extLst>
+  </p:cSld>
+  <p:clrMapOvr>
+    <a:masterClrMapping/>
+  </p:clrMapOvr>
+</p:sld>
+</file>
+
+<file path=ppt/slides/slide40.xml><?xml version="1.0" encoding="utf-8"?>
 <p:sld xmlns:a="http://schemas.openxmlformats.org/drawingml/2006/main" xmlns:r="http://schemas.openxmlformats.org/officeDocument/2006/relationships" xmlns:p="http://schemas.openxmlformats.org/presentationml/2006/main">
   <p:cSld>
     <p:spTree>
@@ -7850,7 +8912,7 @@
 </p:sld>
 </file>
 
-<file path=ppt/slides/slide37.xml><?xml version="1.0" encoding="utf-8"?>
+<file path=ppt/slides/slide41.xml><?xml version="1.0" encoding="utf-8"?>
 <p:sld xmlns:a="http://schemas.openxmlformats.org/drawingml/2006/main" xmlns:r="http://schemas.openxmlformats.org/officeDocument/2006/relationships" xmlns:p="http://schemas.openxmlformats.org/presentationml/2006/main">
   <p:cSld>
     <p:spTree>
@@ -7917,7 +8979,7 @@
 </p:sld>
 </file>
 
-<file path=ppt/slides/slide38.xml><?xml version="1.0" encoding="utf-8"?>
+<file path=ppt/slides/slide42.xml><?xml version="1.0" encoding="utf-8"?>
 <p:sld xmlns:a="http://schemas.openxmlformats.org/drawingml/2006/main" xmlns:r="http://schemas.openxmlformats.org/officeDocument/2006/relationships" xmlns:p="http://schemas.openxmlformats.org/presentationml/2006/main">
   <p:cSld>
     <p:spTree>
@@ -7977,7 +9039,7 @@
 </p:sld>
 </file>
 
-<file path=ppt/slides/slide39.xml><?xml version="1.0" encoding="utf-8"?>
+<file path=ppt/slides/slide43.xml><?xml version="1.0" encoding="utf-8"?>
 <p:sld xmlns:a="http://schemas.openxmlformats.org/drawingml/2006/main" xmlns:r="http://schemas.openxmlformats.org/officeDocument/2006/relationships" xmlns:p="http://schemas.openxmlformats.org/presentationml/2006/main">
   <p:cSld>
     <p:spTree>
@@ -8044,96 +9106,7 @@
 </p:sld>
 </file>
 
-<file path=ppt/slides/slide4.xml><?xml version="1.0" encoding="utf-8"?>
-<p:sld xmlns:a="http://schemas.openxmlformats.org/drawingml/2006/main" xmlns:r="http://schemas.openxmlformats.org/officeDocument/2006/relationships" xmlns:p="http://schemas.openxmlformats.org/presentationml/2006/main">
-  <p:cSld>
-    <p:spTree>
-      <p:nvGrpSpPr>
-        <p:cNvPr id="1" name=""/>
-        <p:cNvGrpSpPr/>
-        <p:nvPr/>
-      </p:nvGrpSpPr>
-      <p:grpSpPr>
-        <a:xfrm>
-          <a:off x="0" y="0"/>
-          <a:ext cx="0" cy="0"/>
-          <a:chOff x="0" y="0"/>
-          <a:chExt cx="0" cy="0"/>
-        </a:xfrm>
-      </p:grpSpPr>
-      <p:sp>
-        <p:nvSpPr>
-          <p:cNvPr id="2" name="제목 1">
-            <a:extLst>
-              <a:ext uri="{FF2B5EF4-FFF2-40B4-BE49-F238E27FC236}">
-                <a16:creationId xmlns:a16="http://schemas.microsoft.com/office/drawing/2014/main" id="{82BE6E73-7BCB-425E-B802-AC2DA0BC1C50}"/>
-              </a:ext>
-            </a:extLst>
-          </p:cNvPr>
-          <p:cNvSpPr>
-            <a:spLocks noGrp="1"/>
-          </p:cNvSpPr>
-          <p:nvPr>
-            <p:ph type="title"/>
-          </p:nvPr>
-        </p:nvSpPr>
-        <p:spPr/>
-        <p:txBody>
-          <a:bodyPr/>
-          <a:lstStyle/>
-          <a:p>
-            <a:r>
-              <a:rPr lang="en-US" altLang="ko-KR"/>
-              <a:t>Fuzzing</a:t>
-            </a:r>
-            <a:endParaRPr lang="ko-KR" altLang="en-US"/>
-          </a:p>
-        </p:txBody>
-      </p:sp>
-      <p:pic>
-        <p:nvPicPr>
-          <p:cNvPr id="4" name="그림 3">
-            <a:extLst>
-              <a:ext uri="{FF2B5EF4-FFF2-40B4-BE49-F238E27FC236}">
-                <a16:creationId xmlns:a16="http://schemas.microsoft.com/office/drawing/2014/main" id="{224F7006-F381-4FA0-8DA5-73FA1C135228}"/>
-              </a:ext>
-            </a:extLst>
-          </p:cNvPr>
-          <p:cNvPicPr>
-            <a:picLocks noChangeAspect="1"/>
-          </p:cNvPicPr>
-          <p:nvPr/>
-        </p:nvPicPr>
-        <p:blipFill>
-          <a:blip r:embed="rId2"/>
-          <a:stretch>
-            <a:fillRect/>
-          </a:stretch>
-        </p:blipFill>
-        <p:spPr>
-          <a:xfrm>
-            <a:off x="838200" y="1857375"/>
-            <a:ext cx="4406900" cy="2203450"/>
-          </a:xfrm>
-          <a:prstGeom prst="rect">
-            <a:avLst/>
-          </a:prstGeom>
-        </p:spPr>
-      </p:pic>
-    </p:spTree>
-    <p:extLst>
-      <p:ext uri="{BB962C8B-B14F-4D97-AF65-F5344CB8AC3E}">
-        <p14:creationId xmlns:p14="http://schemas.microsoft.com/office/powerpoint/2010/main" val="879325802"/>
-      </p:ext>
-    </p:extLst>
-  </p:cSld>
-  <p:clrMapOvr>
-    <a:masterClrMapping/>
-  </p:clrMapOvr>
-</p:sld>
-</file>
-
-<file path=ppt/slides/slide40.xml><?xml version="1.0" encoding="utf-8"?>
+<file path=ppt/slides/slide44.xml><?xml version="1.0" encoding="utf-8"?>
 <p:sld xmlns:a="http://schemas.openxmlformats.org/drawingml/2006/main" xmlns:r="http://schemas.openxmlformats.org/officeDocument/2006/relationships" xmlns:p="http://schemas.openxmlformats.org/presentationml/2006/main">
   <p:cSld>
     <p:spTree>
@@ -8193,7 +9166,7 @@
 </p:sld>
 </file>
 
-<file path=ppt/slides/slide41.xml><?xml version="1.0" encoding="utf-8"?>
+<file path=ppt/slides/slide45.xml><?xml version="1.0" encoding="utf-8"?>
 <p:sld xmlns:a="http://schemas.openxmlformats.org/drawingml/2006/main" xmlns:r="http://schemas.openxmlformats.org/officeDocument/2006/relationships" xmlns:p="http://schemas.openxmlformats.org/presentationml/2006/main">
   <p:cSld>
     <p:spTree>
@@ -8293,7 +9266,7 @@
 </p:sld>
 </file>
 
-<file path=ppt/slides/slide42.xml><?xml version="1.0" encoding="utf-8"?>
+<file path=ppt/slides/slide46.xml><?xml version="1.0" encoding="utf-8"?>
 <p:sld xmlns:a="http://schemas.openxmlformats.org/drawingml/2006/main" xmlns:r="http://schemas.openxmlformats.org/officeDocument/2006/relationships" xmlns:p="http://schemas.openxmlformats.org/presentationml/2006/main">
   <p:cSld>
     <p:spTree>
@@ -8401,7 +9374,7 @@
 </p:sld>
 </file>
 
-<file path=ppt/slides/slide43.xml><?xml version="1.0" encoding="utf-8"?>
+<file path=ppt/slides/slide47.xml><?xml version="1.0" encoding="utf-8"?>
 <p:sld xmlns:a="http://schemas.openxmlformats.org/drawingml/2006/main" xmlns:r="http://schemas.openxmlformats.org/officeDocument/2006/relationships" xmlns:p="http://schemas.openxmlformats.org/presentationml/2006/main">
   <p:cSld>
     <p:spTree>
@@ -8509,7 +9482,7 @@
 </p:sld>
 </file>
 
-<file path=ppt/slides/slide44.xml><?xml version="1.0" encoding="utf-8"?>
+<file path=ppt/slides/slide48.xml><?xml version="1.0" encoding="utf-8"?>
 <p:sld xmlns:a="http://schemas.openxmlformats.org/drawingml/2006/main" xmlns:r="http://schemas.openxmlformats.org/officeDocument/2006/relationships" xmlns:p="http://schemas.openxmlformats.org/presentationml/2006/main">
   <p:cSld>
     <p:spTree>
@@ -8622,7 +9595,7 @@
 </p:sld>
 </file>
 
-<file path=ppt/slides/slide45.xml><?xml version="1.0" encoding="utf-8"?>
+<file path=ppt/slides/slide49.xml><?xml version="1.0" encoding="utf-8"?>
 <p:sld xmlns:a="http://schemas.openxmlformats.org/drawingml/2006/main" xmlns:r="http://schemas.openxmlformats.org/officeDocument/2006/relationships" xmlns:p="http://schemas.openxmlformats.org/presentationml/2006/main">
   <p:cSld>
     <p:spTree>
@@ -8750,7 +9723,138 @@
 </p:sld>
 </file>
 
-<file path=ppt/slides/slide46.xml><?xml version="1.0" encoding="utf-8"?>
+<file path=ppt/slides/slide5.xml><?xml version="1.0" encoding="utf-8"?>
+<p:sld xmlns:a="http://schemas.openxmlformats.org/drawingml/2006/main" xmlns:r="http://schemas.openxmlformats.org/officeDocument/2006/relationships" xmlns:p="http://schemas.openxmlformats.org/presentationml/2006/main">
+  <p:cSld>
+    <p:spTree>
+      <p:nvGrpSpPr>
+        <p:cNvPr id="1" name=""/>
+        <p:cNvGrpSpPr/>
+        <p:nvPr/>
+      </p:nvGrpSpPr>
+      <p:grpSpPr>
+        <a:xfrm>
+          <a:off x="0" y="0"/>
+          <a:ext cx="0" cy="0"/>
+          <a:chOff x="0" y="0"/>
+          <a:chExt cx="0" cy="0"/>
+        </a:xfrm>
+      </p:grpSpPr>
+      <p:sp>
+        <p:nvSpPr>
+          <p:cNvPr id="2" name="제목 1">
+            <a:extLst>
+              <a:ext uri="{FF2B5EF4-FFF2-40B4-BE49-F238E27FC236}">
+                <a16:creationId xmlns:a16="http://schemas.microsoft.com/office/drawing/2014/main" id="{A677179C-0B7F-4576-82E1-4F9874E66954}"/>
+              </a:ext>
+            </a:extLst>
+          </p:cNvPr>
+          <p:cNvSpPr>
+            <a:spLocks noGrp="1"/>
+          </p:cNvSpPr>
+          <p:nvPr>
+            <p:ph type="title"/>
+          </p:nvPr>
+        </p:nvSpPr>
+        <p:spPr/>
+        <p:txBody>
+          <a:bodyPr/>
+          <a:lstStyle/>
+          <a:p>
+            <a:r>
+              <a:rPr lang="ko-KR" altLang="en-US"/>
+              <a:t>개발 환경</a:t>
+            </a:r>
+          </a:p>
+        </p:txBody>
+      </p:sp>
+      <p:sp>
+        <p:nvSpPr>
+          <p:cNvPr id="3" name="내용 개체 틀 2">
+            <a:extLst>
+              <a:ext uri="{FF2B5EF4-FFF2-40B4-BE49-F238E27FC236}">
+                <a16:creationId xmlns:a16="http://schemas.microsoft.com/office/drawing/2014/main" id="{A4BC5E27-FB89-48B5-AFD9-B8738B883D2A}"/>
+              </a:ext>
+            </a:extLst>
+          </p:cNvPr>
+          <p:cNvSpPr>
+            <a:spLocks noGrp="1"/>
+          </p:cNvSpPr>
+          <p:nvPr>
+            <p:ph idx="1"/>
+          </p:nvPr>
+        </p:nvSpPr>
+        <p:spPr/>
+        <p:txBody>
+          <a:bodyPr/>
+          <a:lstStyle/>
+          <a:p>
+            <a:pPr marL="0" indent="0">
+              <a:buNone/>
+            </a:pPr>
+            <a:r>
+              <a:rPr lang="en-US" altLang="ko-KR" dirty="0"/>
+              <a:t>LAN Card : N150UA-4dBi</a:t>
+            </a:r>
+          </a:p>
+          <a:p>
+            <a:pPr marL="0" indent="0">
+              <a:buNone/>
+            </a:pPr>
+            <a:endParaRPr lang="en-US" altLang="ko-KR" dirty="0"/>
+          </a:p>
+          <a:p>
+            <a:pPr marL="0" indent="0">
+              <a:buNone/>
+            </a:pPr>
+            <a:endParaRPr lang="ko-KR" altLang="en-US" dirty="0"/>
+          </a:p>
+        </p:txBody>
+      </p:sp>
+      <p:pic>
+        <p:nvPicPr>
+          <p:cNvPr id="4" name="그림 3">
+            <a:extLst>
+              <a:ext uri="{FF2B5EF4-FFF2-40B4-BE49-F238E27FC236}">
+                <a16:creationId xmlns:a16="http://schemas.microsoft.com/office/drawing/2014/main" id="{4588E2B5-0F48-402A-A342-809CB81AC325}"/>
+              </a:ext>
+            </a:extLst>
+          </p:cNvPr>
+          <p:cNvPicPr>
+            <a:picLocks noChangeAspect="1"/>
+          </p:cNvPicPr>
+          <p:nvPr/>
+        </p:nvPicPr>
+        <p:blipFill>
+          <a:blip r:embed="rId2"/>
+          <a:stretch>
+            <a:fillRect/>
+          </a:stretch>
+        </p:blipFill>
+        <p:spPr>
+          <a:xfrm>
+            <a:off x="5478508" y="85725"/>
+            <a:ext cx="6378483" cy="6858000"/>
+          </a:xfrm>
+          <a:prstGeom prst="rect">
+            <a:avLst/>
+          </a:prstGeom>
+        </p:spPr>
+      </p:pic>
+    </p:spTree>
+    <p:extLst>
+      <p:ext uri="{BB962C8B-B14F-4D97-AF65-F5344CB8AC3E}">
+        <p14:creationId xmlns:p14="http://schemas.microsoft.com/office/powerpoint/2010/main" val="2748082201"/>
+      </p:ext>
+    </p:extLst>
+  </p:cSld>
+  <p:clrMapOvr>
+    <a:masterClrMapping/>
+  </p:clrMapOvr>
+</p:sld>
+</file>
+
+<file path=ppt/slides/slide50.xml><?xml version="1.0" encoding="utf-8"?>
 <p:sld xmlns:a="http://schemas.openxmlformats.org/drawingml/2006/main" xmlns:r="http://schemas.openxmlformats.org/officeDocument/2006/relationships" xmlns:p="http://schemas.openxmlformats.org/presentationml/2006/main">
   <p:cSld>
     <p:spTree>
@@ -8839,7 +9943,7 @@
 </p:sld>
 </file>
 
-<file path=ppt/slides/slide47.xml><?xml version="1.0" encoding="utf-8"?>
+<file path=ppt/slides/slide51.xml><?xml version="1.0" encoding="utf-8"?>
 <p:sld xmlns:a="http://schemas.openxmlformats.org/drawingml/2006/main" xmlns:r="http://schemas.openxmlformats.org/officeDocument/2006/relationships" xmlns:p="http://schemas.openxmlformats.org/presentationml/2006/main">
   <p:cSld>
     <p:spTree>
@@ -8928,7 +10032,7 @@
 </p:sld>
 </file>
 
-<file path=ppt/slides/slide48.xml><?xml version="1.0" encoding="utf-8"?>
+<file path=ppt/slides/slide52.xml><?xml version="1.0" encoding="utf-8"?>
 <p:sld xmlns:a="http://schemas.openxmlformats.org/drawingml/2006/main" xmlns:r="http://schemas.openxmlformats.org/officeDocument/2006/relationships" xmlns:p="http://schemas.openxmlformats.org/presentationml/2006/main">
   <p:cSld>
     <p:spTree>
@@ -9205,7 +10309,7 @@
 </p:sld>
 </file>
 
-<file path=ppt/slides/slide49.xml><?xml version="1.0" encoding="utf-8"?>
+<file path=ppt/slides/slide53.xml><?xml version="1.0" encoding="utf-8"?>
 <p:sld xmlns:a="http://schemas.openxmlformats.org/drawingml/2006/main" xmlns:r="http://schemas.openxmlformats.org/officeDocument/2006/relationships" xmlns:p="http://schemas.openxmlformats.org/presentationml/2006/main">
   <p:cSld>
     <p:spTree>
@@ -9287,128 +10391,7 @@
 </p:sld>
 </file>
 
-<file path=ppt/slides/slide5.xml><?xml version="1.0" encoding="utf-8"?>
-<p:sld xmlns:a="http://schemas.openxmlformats.org/drawingml/2006/main" xmlns:r="http://schemas.openxmlformats.org/officeDocument/2006/relationships" xmlns:p="http://schemas.openxmlformats.org/presentationml/2006/main">
-  <p:cSld>
-    <p:spTree>
-      <p:nvGrpSpPr>
-        <p:cNvPr id="1" name=""/>
-        <p:cNvGrpSpPr/>
-        <p:nvPr/>
-      </p:nvGrpSpPr>
-      <p:grpSpPr>
-        <a:xfrm>
-          <a:off x="0" y="0"/>
-          <a:ext cx="0" cy="0"/>
-          <a:chOff x="0" y="0"/>
-          <a:chExt cx="0" cy="0"/>
-        </a:xfrm>
-      </p:grpSpPr>
-      <p:sp>
-        <p:nvSpPr>
-          <p:cNvPr id="2" name="제목 1">
-            <a:extLst>
-              <a:ext uri="{FF2B5EF4-FFF2-40B4-BE49-F238E27FC236}">
-                <a16:creationId xmlns:a16="http://schemas.microsoft.com/office/drawing/2014/main" id="{82BE6E73-7BCB-425E-B802-AC2DA0BC1C50}"/>
-              </a:ext>
-            </a:extLst>
-          </p:cNvPr>
-          <p:cNvSpPr>
-            <a:spLocks noGrp="1"/>
-          </p:cNvSpPr>
-          <p:nvPr>
-            <p:ph type="title"/>
-          </p:nvPr>
-        </p:nvSpPr>
-        <p:spPr/>
-        <p:txBody>
-          <a:bodyPr/>
-          <a:lstStyle/>
-          <a:p>
-            <a:r>
-              <a:rPr lang="en-US" altLang="ko-KR"/>
-              <a:t>Fuzzing</a:t>
-            </a:r>
-            <a:endParaRPr lang="ko-KR" altLang="en-US"/>
-          </a:p>
-        </p:txBody>
-      </p:sp>
-      <p:sp>
-        <p:nvSpPr>
-          <p:cNvPr id="3" name="TextBox 2">
-            <a:extLst>
-              <a:ext uri="{FF2B5EF4-FFF2-40B4-BE49-F238E27FC236}">
-                <a16:creationId xmlns:a16="http://schemas.microsoft.com/office/drawing/2014/main" id="{1539FD28-6723-4D37-814C-4EE2E1CDCCB7}"/>
-              </a:ext>
-            </a:extLst>
-          </p:cNvPr>
-          <p:cNvSpPr txBox="1"/>
-          <p:nvPr/>
-        </p:nvSpPr>
-        <p:spPr>
-          <a:xfrm>
-            <a:off x="838200" y="1690688"/>
-            <a:ext cx="9946954" cy="2785378"/>
-          </a:xfrm>
-          <a:prstGeom prst="rect">
-            <a:avLst/>
-          </a:prstGeom>
-          <a:noFill/>
-        </p:spPr>
-        <p:txBody>
-          <a:bodyPr wrap="none" rtlCol="0">
-            <a:spAutoFit/>
-          </a:bodyPr>
-          <a:lstStyle/>
-          <a:p>
-            <a:r>
-              <a:rPr lang="ko-KR" altLang="en-US" sz="3500"/>
-              <a:t>애플리케이션에 입력된 데이터가 보풀을 일으켜 </a:t>
-            </a:r>
-            <a:endParaRPr lang="en-US" altLang="ko-KR" sz="3500"/>
-          </a:p>
-          <a:p>
-            <a:r>
-              <a:rPr lang="ko-KR" altLang="en-US" sz="3500"/>
-              <a:t>어떠한 특정 상태를 만든다는 의미</a:t>
-            </a:r>
-            <a:r>
-              <a:rPr lang="en-US" altLang="ko-KR" sz="3500"/>
-              <a:t>.</a:t>
-            </a:r>
-          </a:p>
-          <a:p>
-            <a:endParaRPr lang="en-US" altLang="ko-KR" sz="3500"/>
-          </a:p>
-          <a:p>
-            <a:r>
-              <a:rPr lang="ko-KR" altLang="en-US" sz="3500"/>
-              <a:t>비정상적인 데이터를 </a:t>
-            </a:r>
-            <a:endParaRPr lang="en-US" altLang="ko-KR" sz="3500"/>
-          </a:p>
-          <a:p>
-            <a:r>
-              <a:rPr lang="ko-KR" altLang="en-US" sz="3500"/>
-              <a:t>애플리케이션에 전달하여 에러를 유도하는 방법</a:t>
-            </a:r>
-          </a:p>
-        </p:txBody>
-      </p:sp>
-    </p:spTree>
-    <p:extLst>
-      <p:ext uri="{BB962C8B-B14F-4D97-AF65-F5344CB8AC3E}">
-        <p14:creationId xmlns:p14="http://schemas.microsoft.com/office/powerpoint/2010/main" val="3560924733"/>
-      </p:ext>
-    </p:extLst>
-  </p:cSld>
-  <p:clrMapOvr>
-    <a:masterClrMapping/>
-  </p:clrMapOvr>
-</p:sld>
-</file>
-
-<file path=ppt/slides/slide50.xml><?xml version="1.0" encoding="utf-8"?>
+<file path=ppt/slides/slide54.xml><?xml version="1.0" encoding="utf-8"?>
 <p:sld xmlns:a="http://schemas.openxmlformats.org/drawingml/2006/main" xmlns:r="http://schemas.openxmlformats.org/officeDocument/2006/relationships" xmlns:p="http://schemas.openxmlformats.org/presentationml/2006/main">
   <p:cSld>
     <p:spTree>
@@ -9462,7 +10445,7 @@
 </p:sld>
 </file>
 
-<file path=ppt/slides/slide51.xml><?xml version="1.0" encoding="utf-8"?>
+<file path=ppt/slides/slide55.xml><?xml version="1.0" encoding="utf-8"?>
 <p:sld xmlns:a="http://schemas.openxmlformats.org/drawingml/2006/main" xmlns:r="http://schemas.openxmlformats.org/officeDocument/2006/relationships" xmlns:p="http://schemas.openxmlformats.org/presentationml/2006/main">
   <p:cSld>
     <p:spTree>
@@ -9522,7 +10505,7 @@
 </p:sld>
 </file>
 
-<file path=ppt/slides/slide52.xml><?xml version="1.0" encoding="utf-8"?>
+<file path=ppt/slides/slide56.xml><?xml version="1.0" encoding="utf-8"?>
 <p:sld xmlns:a="http://schemas.openxmlformats.org/drawingml/2006/main" xmlns:r="http://schemas.openxmlformats.org/officeDocument/2006/relationships" xmlns:p="http://schemas.openxmlformats.org/presentationml/2006/main">
   <p:cSld>
     <p:spTree>
@@ -9615,7 +10598,7 @@
 </p:sld>
 </file>
 
-<file path=ppt/slides/slide53.xml><?xml version="1.0" encoding="utf-8"?>
+<file path=ppt/slides/slide57.xml><?xml version="1.0" encoding="utf-8"?>
 <p:sld xmlns:a="http://schemas.openxmlformats.org/drawingml/2006/main" xmlns:r="http://schemas.openxmlformats.org/officeDocument/2006/relationships" xmlns:p="http://schemas.openxmlformats.org/presentationml/2006/main">
   <p:cSld>
     <p:spTree>
@@ -9704,7 +10687,7 @@
 </p:sld>
 </file>
 
-<file path=ppt/slides/slide54.xml><?xml version="1.0" encoding="utf-8"?>
+<file path=ppt/slides/slide58.xml><?xml version="1.0" encoding="utf-8"?>
 <p:sld xmlns:a="http://schemas.openxmlformats.org/drawingml/2006/main" xmlns:r="http://schemas.openxmlformats.org/officeDocument/2006/relationships" xmlns:p="http://schemas.openxmlformats.org/presentationml/2006/main">
   <p:cSld>
     <p:spTree>
@@ -9840,7 +10823,7 @@
 </p:sld>
 </file>
 
-<file path=ppt/slides/slide55.xml><?xml version="1.0" encoding="utf-8"?>
+<file path=ppt/slides/slide59.xml><?xml version="1.0" encoding="utf-8"?>
 <p:sld xmlns:a="http://schemas.openxmlformats.org/drawingml/2006/main" xmlns:r="http://schemas.openxmlformats.org/officeDocument/2006/relationships" xmlns:p="http://schemas.openxmlformats.org/presentationml/2006/main">
   <p:cSld>
     <p:spTree>
@@ -10007,7 +10990,155 @@
 </p:sld>
 </file>
 
-<file path=ppt/slides/slide56.xml><?xml version="1.0" encoding="utf-8"?>
+<file path=ppt/slides/slide6.xml><?xml version="1.0" encoding="utf-8"?>
+<p:sld xmlns:a="http://schemas.openxmlformats.org/drawingml/2006/main" xmlns:r="http://schemas.openxmlformats.org/officeDocument/2006/relationships" xmlns:p="http://schemas.openxmlformats.org/presentationml/2006/main">
+  <p:cSld>
+    <p:spTree>
+      <p:nvGrpSpPr>
+        <p:cNvPr id="1" name=""/>
+        <p:cNvGrpSpPr/>
+        <p:nvPr/>
+      </p:nvGrpSpPr>
+      <p:grpSpPr>
+        <a:xfrm>
+          <a:off x="0" y="0"/>
+          <a:ext cx="0" cy="0"/>
+          <a:chOff x="0" y="0"/>
+          <a:chExt cx="0" cy="0"/>
+        </a:xfrm>
+      </p:grpSpPr>
+      <p:sp>
+        <p:nvSpPr>
+          <p:cNvPr id="2" name="제목 1">
+            <a:extLst>
+              <a:ext uri="{FF2B5EF4-FFF2-40B4-BE49-F238E27FC236}">
+                <a16:creationId xmlns:a16="http://schemas.microsoft.com/office/drawing/2014/main" id="{A677179C-0B7F-4576-82E1-4F9874E66954}"/>
+              </a:ext>
+            </a:extLst>
+          </p:cNvPr>
+          <p:cNvSpPr>
+            <a:spLocks noGrp="1"/>
+          </p:cNvSpPr>
+          <p:nvPr>
+            <p:ph type="title"/>
+          </p:nvPr>
+        </p:nvSpPr>
+        <p:spPr/>
+        <p:txBody>
+          <a:bodyPr/>
+          <a:lstStyle/>
+          <a:p>
+            <a:r>
+              <a:rPr lang="ko-KR" altLang="en-US"/>
+              <a:t>개발 환경</a:t>
+            </a:r>
+          </a:p>
+        </p:txBody>
+      </p:sp>
+      <p:sp>
+        <p:nvSpPr>
+          <p:cNvPr id="3" name="내용 개체 틀 2">
+            <a:extLst>
+              <a:ext uri="{FF2B5EF4-FFF2-40B4-BE49-F238E27FC236}">
+                <a16:creationId xmlns:a16="http://schemas.microsoft.com/office/drawing/2014/main" id="{A4BC5E27-FB89-48B5-AFD9-B8738B883D2A}"/>
+              </a:ext>
+            </a:extLst>
+          </p:cNvPr>
+          <p:cNvSpPr>
+            <a:spLocks noGrp="1"/>
+          </p:cNvSpPr>
+          <p:nvPr>
+            <p:ph idx="1"/>
+          </p:nvPr>
+        </p:nvSpPr>
+        <p:spPr/>
+        <p:txBody>
+          <a:bodyPr/>
+          <a:lstStyle/>
+          <a:p>
+            <a:pPr marL="0" indent="0">
+              <a:buNone/>
+            </a:pPr>
+            <a:r>
+              <a:rPr lang="en-US" altLang="ko-KR" dirty="0"/>
+              <a:t>LAN Card : N150UA-4dBi</a:t>
+            </a:r>
+          </a:p>
+          <a:p>
+            <a:pPr marL="0" indent="0">
+              <a:buNone/>
+            </a:pPr>
+            <a:endParaRPr lang="en-US" altLang="ko-KR" dirty="0"/>
+          </a:p>
+          <a:p>
+            <a:pPr marL="0" indent="0">
+              <a:buNone/>
+            </a:pPr>
+            <a:endParaRPr lang="ko-KR" altLang="en-US" dirty="0"/>
+          </a:p>
+        </p:txBody>
+      </p:sp>
+      <p:pic>
+        <p:nvPicPr>
+          <p:cNvPr id="2052" name="Picture 4" descr="EFM네트웍스 아이피타임 N150UA-4dBi 이미지">
+            <a:extLst>
+              <a:ext uri="{FF2B5EF4-FFF2-40B4-BE49-F238E27FC236}">
+                <a16:creationId xmlns:a16="http://schemas.microsoft.com/office/drawing/2014/main" id="{698993C0-0F71-4AA7-A904-BAA54E46969A}"/>
+              </a:ext>
+            </a:extLst>
+          </p:cNvPr>
+          <p:cNvPicPr>
+            <a:picLocks noChangeAspect="1" noChangeArrowheads="1"/>
+          </p:cNvPicPr>
+          <p:nvPr/>
+        </p:nvPicPr>
+        <p:blipFill>
+          <a:blip r:embed="rId2">
+            <a:extLst>
+              <a:ext uri="{28A0092B-C50C-407E-A947-70E740481C1C}">
+                <a14:useLocalDpi xmlns:a14="http://schemas.microsoft.com/office/drawing/2010/main" val="0"/>
+              </a:ext>
+            </a:extLst>
+          </a:blip>
+          <a:srcRect/>
+          <a:stretch>
+            <a:fillRect/>
+          </a:stretch>
+        </p:blipFill>
+        <p:spPr bwMode="auto">
+          <a:xfrm>
+            <a:off x="838201" y="1690687"/>
+            <a:ext cx="9305923" cy="4243387"/>
+          </a:xfrm>
+          <a:prstGeom prst="rect">
+            <a:avLst/>
+          </a:prstGeom>
+          <a:noFill/>
+          <a:extLst>
+            <a:ext uri="{909E8E84-426E-40DD-AFC4-6F175D3DCCD1}">
+              <a14:hiddenFill xmlns:a14="http://schemas.microsoft.com/office/drawing/2010/main">
+                <a:solidFill>
+                  <a:srgbClr val="FFFFFF"/>
+                </a:solidFill>
+              </a14:hiddenFill>
+            </a:ext>
+          </a:extLst>
+        </p:spPr>
+      </p:pic>
+    </p:spTree>
+    <p:extLst>
+      <p:ext uri="{BB962C8B-B14F-4D97-AF65-F5344CB8AC3E}">
+        <p14:creationId xmlns:p14="http://schemas.microsoft.com/office/powerpoint/2010/main" val="3346947794"/>
+      </p:ext>
+    </p:extLst>
+  </p:cSld>
+  <p:clrMapOvr>
+    <a:masterClrMapping/>
+  </p:clrMapOvr>
+</p:sld>
+</file>
+
+<file path=ppt/slides/slide60.xml><?xml version="1.0" encoding="utf-8"?>
 <p:sld xmlns:a="http://schemas.openxmlformats.org/drawingml/2006/main" xmlns:r="http://schemas.openxmlformats.org/officeDocument/2006/relationships" xmlns:p="http://schemas.openxmlformats.org/presentationml/2006/main">
   <p:cSld>
     <p:spTree>
@@ -10220,7 +11351,7 @@
 </p:sld>
 </file>
 
-<file path=ppt/slides/slide57.xml><?xml version="1.0" encoding="utf-8"?>
+<file path=ppt/slides/slide61.xml><?xml version="1.0" encoding="utf-8"?>
 <p:sld xmlns:a="http://schemas.openxmlformats.org/drawingml/2006/main" xmlns:r="http://schemas.openxmlformats.org/officeDocument/2006/relationships" xmlns:p="http://schemas.openxmlformats.org/presentationml/2006/main">
   <p:cSld>
     <p:spTree>
@@ -10317,7 +11448,7 @@
 </p:sld>
 </file>
 
-<file path=ppt/slides/slide58.xml><?xml version="1.0" encoding="utf-8"?>
+<file path=ppt/slides/slide62.xml><?xml version="1.0" encoding="utf-8"?>
 <p:sld xmlns:a="http://schemas.openxmlformats.org/drawingml/2006/main" xmlns:r="http://schemas.openxmlformats.org/officeDocument/2006/relationships" xmlns:p="http://schemas.openxmlformats.org/presentationml/2006/main">
   <p:cSld>
     <p:spTree>
@@ -10394,7 +11525,7 @@
 </p:sld>
 </file>
 
-<file path=ppt/slides/slide59.xml><?xml version="1.0" encoding="utf-8"?>
+<file path=ppt/slides/slide63.xml><?xml version="1.0" encoding="utf-8"?>
 <p:sld xmlns:a="http://schemas.openxmlformats.org/drawingml/2006/main" xmlns:r="http://schemas.openxmlformats.org/officeDocument/2006/relationships" xmlns:p="http://schemas.openxmlformats.org/presentationml/2006/main">
   <p:cSld>
     <p:spTree>
@@ -10502,161 +11633,7 @@
 </p:sld>
 </file>
 
-<file path=ppt/slides/slide6.xml><?xml version="1.0" encoding="utf-8"?>
-<p:sld xmlns:a="http://schemas.openxmlformats.org/drawingml/2006/main" xmlns:r="http://schemas.openxmlformats.org/officeDocument/2006/relationships" xmlns:p="http://schemas.openxmlformats.org/presentationml/2006/main">
-  <p:cSld>
-    <p:spTree>
-      <p:nvGrpSpPr>
-        <p:cNvPr id="1" name=""/>
-        <p:cNvGrpSpPr/>
-        <p:nvPr/>
-      </p:nvGrpSpPr>
-      <p:grpSpPr>
-        <a:xfrm>
-          <a:off x="0" y="0"/>
-          <a:ext cx="0" cy="0"/>
-          <a:chOff x="0" y="0"/>
-          <a:chExt cx="0" cy="0"/>
-        </a:xfrm>
-      </p:grpSpPr>
-      <p:sp>
-        <p:nvSpPr>
-          <p:cNvPr id="2" name="제목 1">
-            <a:extLst>
-              <a:ext uri="{FF2B5EF4-FFF2-40B4-BE49-F238E27FC236}">
-                <a16:creationId xmlns:a16="http://schemas.microsoft.com/office/drawing/2014/main" id="{D2584F0A-7326-4935-8118-8885187B7569}"/>
-              </a:ext>
-            </a:extLst>
-          </p:cNvPr>
-          <p:cNvSpPr>
-            <a:spLocks noGrp="1"/>
-          </p:cNvSpPr>
-          <p:nvPr>
-            <p:ph type="title"/>
-          </p:nvPr>
-        </p:nvSpPr>
-        <p:spPr/>
-        <p:txBody>
-          <a:bodyPr/>
-          <a:lstStyle/>
-          <a:p>
-            <a:r>
-              <a:rPr lang="en-US" altLang="ko-KR"/>
-              <a:t>Software</a:t>
-            </a:r>
-            <a:r>
-              <a:rPr lang="ko-KR" altLang="en-US"/>
-              <a:t> </a:t>
-            </a:r>
-            <a:r>
-              <a:rPr lang="en-US" altLang="ko-KR"/>
-              <a:t>Fuzzing</a:t>
-            </a:r>
-            <a:endParaRPr lang="ko-KR" altLang="en-US"/>
-          </a:p>
-        </p:txBody>
-      </p:sp>
-      <p:sp>
-        <p:nvSpPr>
-          <p:cNvPr id="3" name="내용 개체 틀 2">
-            <a:extLst>
-              <a:ext uri="{FF2B5EF4-FFF2-40B4-BE49-F238E27FC236}">
-                <a16:creationId xmlns:a16="http://schemas.microsoft.com/office/drawing/2014/main" id="{61447DD3-DC66-49E9-8E19-96E9C86490DD}"/>
-              </a:ext>
-            </a:extLst>
-          </p:cNvPr>
-          <p:cNvSpPr>
-            <a:spLocks noGrp="1"/>
-          </p:cNvSpPr>
-          <p:nvPr>
-            <p:ph idx="1"/>
-          </p:nvPr>
-        </p:nvSpPr>
-        <p:spPr/>
-        <p:txBody>
-          <a:bodyPr/>
-          <a:lstStyle/>
-          <a:p>
-            <a:pPr marL="0" indent="0">
-              <a:buNone/>
-            </a:pPr>
-            <a:r>
-              <a:rPr lang="ko-KR" altLang="en-US"/>
-              <a:t>각 파일들은 자체의 포맷을 가지고 있고 애플리케이션은 그 포맷에 맞추어서 파싱을 한다</a:t>
-            </a:r>
-            <a:r>
-              <a:rPr lang="en-US" altLang="ko-KR"/>
-              <a:t>. </a:t>
-            </a:r>
-            <a:r>
-              <a:rPr lang="ko-KR" altLang="en-US"/>
-              <a:t>이런 과정에서 애플리케이션은 취약점을 가질 수 있다</a:t>
-            </a:r>
-            <a:r>
-              <a:rPr lang="en-US" altLang="ko-KR"/>
-              <a:t>. </a:t>
-            </a:r>
-            <a:r>
-              <a:rPr lang="ko-KR" altLang="en-US"/>
-              <a:t>포맷만 봐서는 정상적인 파일이지만</a:t>
-            </a:r>
-            <a:r>
-              <a:rPr lang="en-US" altLang="ko-KR"/>
-              <a:t>, </a:t>
-            </a:r>
-            <a:r>
-              <a:rPr lang="ko-KR" altLang="en-US"/>
-              <a:t>그 내부에 에러를 발생할 쓰레기 코드가 숨을 수 있다</a:t>
-            </a:r>
-            <a:r>
-              <a:rPr lang="en-US" altLang="ko-KR"/>
-              <a:t>. </a:t>
-            </a:r>
-          </a:p>
-          <a:p>
-            <a:pPr marL="0" indent="0">
-              <a:buNone/>
-            </a:pPr>
-            <a:endParaRPr lang="en-US" altLang="ko-KR"/>
-          </a:p>
-          <a:p>
-            <a:pPr marL="0" indent="0">
-              <a:buNone/>
-            </a:pPr>
-            <a:r>
-              <a:rPr lang="ko-KR" altLang="en-US"/>
-              <a:t>파일 </a:t>
-            </a:r>
-            <a:r>
-              <a:rPr lang="ko-KR" altLang="en-US" err="1"/>
-              <a:t>퍼징은</a:t>
-            </a:r>
-            <a:r>
-              <a:rPr lang="ko-KR" altLang="en-US"/>
-              <a:t> 이러한 취 약점을 유발할 수 있는 쓰레기 코드가 존재할 수 있는지를 검사하는 작업이다</a:t>
-            </a:r>
-            <a:r>
-              <a:rPr lang="en-US" altLang="ko-KR"/>
-              <a:t>. </a:t>
-            </a:r>
-            <a:endParaRPr lang="ko-KR" altLang="en-US"/>
-          </a:p>
-        </p:txBody>
-      </p:sp>
-    </p:spTree>
-    <p:extLst>
-      <p:ext uri="{BB962C8B-B14F-4D97-AF65-F5344CB8AC3E}">
-        <p14:creationId xmlns:p14="http://schemas.microsoft.com/office/powerpoint/2010/main" val="3415629143"/>
-      </p:ext>
-    </p:extLst>
-  </p:cSld>
-  <p:clrMapOvr>
-    <a:masterClrMapping/>
-  </p:clrMapOvr>
-</p:sld>
-</file>
-
-<file path=ppt/slides/slide60.xml><?xml version="1.0" encoding="utf-8"?>
+<file path=ppt/slides/slide64.xml><?xml version="1.0" encoding="utf-8"?>
 <p:sld xmlns:a="http://schemas.openxmlformats.org/drawingml/2006/main" xmlns:r="http://schemas.openxmlformats.org/officeDocument/2006/relationships" xmlns:p="http://schemas.openxmlformats.org/presentationml/2006/main">
   <p:cSld>
     <p:spTree>
@@ -10753,7 +11730,7 @@
 </p:sld>
 </file>
 
-<file path=ppt/slides/slide61.xml><?xml version="1.0" encoding="utf-8"?>
+<file path=ppt/slides/slide65.xml><?xml version="1.0" encoding="utf-8"?>
 <p:sld xmlns:a="http://schemas.openxmlformats.org/drawingml/2006/main" xmlns:r="http://schemas.openxmlformats.org/officeDocument/2006/relationships" xmlns:p="http://schemas.openxmlformats.org/presentationml/2006/main">
   <p:cSld>
     <p:spTree>
@@ -10832,7 +11809,7 @@
 </p:sld>
 </file>
 
-<file path=ppt/slides/slide62.xml><?xml version="1.0" encoding="utf-8"?>
+<file path=ppt/slides/slide66.xml><?xml version="1.0" encoding="utf-8"?>
 <p:sld xmlns:a="http://schemas.openxmlformats.org/drawingml/2006/main" xmlns:r="http://schemas.openxmlformats.org/officeDocument/2006/relationships" xmlns:p="http://schemas.openxmlformats.org/presentationml/2006/main">
   <p:cSld>
     <p:spTree>
@@ -10982,7 +11959,7 @@
 </p:sld>
 </file>
 
-<file path=ppt/slides/slide63.xml><?xml version="1.0" encoding="utf-8"?>
+<file path=ppt/slides/slide67.xml><?xml version="1.0" encoding="utf-8"?>
 <p:sld xmlns:a="http://schemas.openxmlformats.org/drawingml/2006/main" xmlns:r="http://schemas.openxmlformats.org/officeDocument/2006/relationships" xmlns:p="http://schemas.openxmlformats.org/presentationml/2006/main">
   <p:cSld>
     <p:spTree>
@@ -11071,7 +12048,7 @@
 </p:sld>
 </file>
 
-<file path=ppt/slides/slide64.xml><?xml version="1.0" encoding="utf-8"?>
+<file path=ppt/slides/slide68.xml><?xml version="1.0" encoding="utf-8"?>
 <p:sld xmlns:a="http://schemas.openxmlformats.org/drawingml/2006/main" xmlns:r="http://schemas.openxmlformats.org/officeDocument/2006/relationships" xmlns:p="http://schemas.openxmlformats.org/presentationml/2006/main">
   <p:cSld>
     <p:spTree>
@@ -11200,7 +12177,7 @@
 </p:sld>
 </file>
 
-<file path=ppt/slides/slide65.xml><?xml version="1.0" encoding="utf-8"?>
+<file path=ppt/slides/slide69.xml><?xml version="1.0" encoding="utf-8"?>
 <p:sld xmlns:a="http://schemas.openxmlformats.org/drawingml/2006/main" xmlns:r="http://schemas.openxmlformats.org/officeDocument/2006/relationships" xmlns:p="http://schemas.openxmlformats.org/presentationml/2006/main">
   <p:cSld>
     <p:spTree>
@@ -11289,7 +12266,7 @@
 </p:sld>
 </file>
 
-<file path=ppt/slides/slide66.xml><?xml version="1.0" encoding="utf-8"?>
+<file path=ppt/slides/slide7.xml><?xml version="1.0" encoding="utf-8"?>
 <p:sld xmlns:a="http://schemas.openxmlformats.org/drawingml/2006/main" xmlns:r="http://schemas.openxmlformats.org/officeDocument/2006/relationships" xmlns:p="http://schemas.openxmlformats.org/presentationml/2006/main">
   <p:cSld>
     <p:spTree>
@@ -11311,7 +12288,7 @@
           <p:cNvPr id="2" name="제목 1">
             <a:extLst>
               <a:ext uri="{FF2B5EF4-FFF2-40B4-BE49-F238E27FC236}">
-                <a16:creationId xmlns:a16="http://schemas.microsoft.com/office/drawing/2014/main" id="{2DEBD899-78EE-487A-8E97-850F11837432}"/>
+                <a16:creationId xmlns:a16="http://schemas.microsoft.com/office/drawing/2014/main" id="{19FB6114-AD56-470B-894B-16435A3FC01E}"/>
               </a:ext>
             </a:extLst>
           </p:cNvPr>
@@ -11321,157 +12298,32 @@
           <p:nvPr>
             <p:ph type="title"/>
           </p:nvPr>
-        </p:nvSpPr>
-        <p:spPr/>
-        <p:txBody>
-          <a:bodyPr>
-            <a:normAutofit/>
-          </a:bodyPr>
-          <a:lstStyle/>
-          <a:p>
-            <a:r>
-              <a:rPr lang="en-US" altLang="ko-KR" sz="4200"/>
-              <a:t>Packet Mutating(MAC Frame header, Body)</a:t>
-            </a:r>
-            <a:endParaRPr lang="ko-KR" altLang="en-US" sz="4200"/>
-          </a:p>
-        </p:txBody>
-      </p:sp>
-      <p:sp>
-        <p:nvSpPr>
-          <p:cNvPr id="3" name="TextBox 2">
-            <a:extLst>
-              <a:ext uri="{FF2B5EF4-FFF2-40B4-BE49-F238E27FC236}">
-                <a16:creationId xmlns:a16="http://schemas.microsoft.com/office/drawing/2014/main" id="{18A4EFDB-E007-4948-89AE-35CAB2DE237F}"/>
-              </a:ext>
-            </a:extLst>
-          </p:cNvPr>
-          <p:cNvSpPr txBox="1"/>
-          <p:nvPr/>
         </p:nvSpPr>
         <p:spPr>
           <a:xfrm>
-            <a:off x="533400" y="1690688"/>
-            <a:ext cx="8342668" cy="4247317"/>
+            <a:off x="838200" y="2766220"/>
+            <a:ext cx="10515600" cy="1325563"/>
           </a:xfrm>
-          <a:prstGeom prst="rect">
-            <a:avLst/>
-          </a:prstGeom>
-          <a:noFill/>
         </p:spPr>
         <p:txBody>
-          <a:bodyPr wrap="none" rtlCol="0">
-            <a:spAutoFit/>
+          <a:bodyPr>
+            <a:noAutofit/>
           </a:bodyPr>
           <a:lstStyle/>
           <a:p>
-            <a:r>
-              <a:rPr lang="en-US" altLang="ko-KR" sz="3000"/>
-              <a:t>type, subtype</a:t>
-            </a:r>
-            <a:r>
-              <a:rPr lang="ko-KR" altLang="en-US" sz="3000"/>
-              <a:t>을 </a:t>
-            </a:r>
-            <a:r>
-              <a:rPr lang="en-US" altLang="ko-KR" sz="3000"/>
-              <a:t>mutate </a:t>
-            </a:r>
-          </a:p>
-          <a:p>
-            <a:pPr marL="457206" indent="-457206">
-              <a:buFont typeface="Wingdings" panose="05000000000000000000" pitchFamily="2" charset="2"/>
-              <a:buChar char="à"/>
-            </a:pPr>
-            <a:r>
-              <a:rPr lang="en-US" altLang="ko-KR" sz="3000"/>
-              <a:t>State</a:t>
-            </a:r>
-            <a:r>
-              <a:rPr lang="ko-KR" altLang="en-US" sz="3000"/>
-              <a:t>에 맞지 않음</a:t>
-            </a:r>
-            <a:endParaRPr lang="en-US" altLang="ko-KR" sz="3000"/>
-          </a:p>
-          <a:p>
-            <a:endParaRPr lang="en-US" altLang="ko-KR" sz="3000"/>
-          </a:p>
-          <a:p>
-            <a:r>
-              <a:rPr lang="en-US" altLang="ko-KR" sz="3000"/>
-              <a:t>addr1, addr2, addr3</a:t>
-            </a:r>
-            <a:r>
-              <a:rPr lang="ko-KR" altLang="en-US" sz="3000"/>
-              <a:t>을 </a:t>
-            </a:r>
-            <a:r>
-              <a:rPr lang="en-US" altLang="ko-KR" sz="3000"/>
-              <a:t>mutate</a:t>
-            </a:r>
-          </a:p>
-          <a:p>
-            <a:r>
-              <a:rPr lang="en-US" altLang="ko-KR" sz="3000">
-                <a:sym typeface="Wingdings" panose="05000000000000000000" pitchFamily="2" charset="2"/>
-              </a:rPr>
-              <a:t></a:t>
-            </a:r>
-            <a:r>
-              <a:rPr lang="en-US" altLang="ko-KR" sz="3000"/>
-              <a:t> </a:t>
-            </a:r>
-            <a:r>
-              <a:rPr lang="ko-KR" altLang="en-US" sz="3000"/>
-              <a:t>목적</a:t>
-            </a:r>
-            <a:r>
-              <a:rPr lang="en-US" altLang="ko-KR" sz="3000"/>
-              <a:t>AP</a:t>
-            </a:r>
-            <a:r>
-              <a:rPr lang="ko-KR" altLang="en-US" sz="3000"/>
-              <a:t>까지 도달하지못하고</a:t>
-            </a:r>
-            <a:r>
-              <a:rPr lang="en-US" altLang="ko-KR" sz="3000"/>
-              <a:t>, Receive</a:t>
-            </a:r>
-            <a:r>
-              <a:rPr lang="ko-KR" altLang="en-US" sz="3000"/>
-              <a:t>를 못함</a:t>
-            </a:r>
-            <a:endParaRPr lang="en-US" altLang="ko-KR" sz="3000"/>
-          </a:p>
-          <a:p>
-            <a:endParaRPr lang="en-US" altLang="ko-KR" sz="3000"/>
-          </a:p>
-          <a:p>
-            <a:r>
-              <a:rPr lang="en-US" altLang="ko-KR" sz="3000"/>
-              <a:t>mutate field</a:t>
-            </a:r>
-            <a:r>
-              <a:rPr lang="ko-KR" altLang="en-US" sz="3000"/>
-              <a:t>대상에서 제외</a:t>
-            </a:r>
-            <a:endParaRPr lang="en-US" altLang="ko-KR" sz="3000"/>
-          </a:p>
-          <a:p>
-            <a:endParaRPr lang="en-US" altLang="ko-KR" sz="3000"/>
-          </a:p>
-          <a:p>
-            <a:r>
-              <a:rPr lang="en-US" altLang="ko-KR" sz="3000"/>
-              <a:t> proto, FCfield, SC, ID, Each Frame’s Body field</a:t>
-            </a:r>
+            <a:pPr algn="ctr"/>
+            <a:r>
+              <a:rPr lang="en-US" altLang="ko-KR" sz="9600"/>
+              <a:t>Fuzzing</a:t>
+            </a:r>
+            <a:endParaRPr lang="ko-KR" altLang="en-US" sz="9600"/>
           </a:p>
         </p:txBody>
       </p:sp>
     </p:spTree>
     <p:extLst>
       <p:ext uri="{BB962C8B-B14F-4D97-AF65-F5344CB8AC3E}">
-        <p14:creationId xmlns:p14="http://schemas.microsoft.com/office/powerpoint/2010/main" val="2565133314"/>
+        <p14:creationId xmlns:p14="http://schemas.microsoft.com/office/powerpoint/2010/main" val="1095210043"/>
       </p:ext>
     </p:extLst>
   </p:cSld>
@@ -11481,7 +12333,7 @@
 </p:sld>
 </file>
 
-<file path=ppt/slides/slide67.xml><?xml version="1.0" encoding="utf-8"?>
+<file path=ppt/slides/slide70.xml><?xml version="1.0" encoding="utf-8"?>
 <p:sld xmlns:a="http://schemas.openxmlformats.org/drawingml/2006/main" xmlns:r="http://schemas.openxmlformats.org/officeDocument/2006/relationships" xmlns:p="http://schemas.openxmlformats.org/presentationml/2006/main">
   <p:cSld>
     <p:spTree>
@@ -11516,14 +12368,16 @@
         </p:nvSpPr>
         <p:spPr/>
         <p:txBody>
-          <a:bodyPr/>
-          <a:lstStyle/>
-          <a:p>
-            <a:r>
-              <a:rPr lang="en-US" altLang="ko-KR"/>
-              <a:t>Packet Mutating(MAC Frame Element)</a:t>
-            </a:r>
-            <a:endParaRPr lang="ko-KR" altLang="en-US"/>
+          <a:bodyPr>
+            <a:normAutofit/>
+          </a:bodyPr>
+          <a:lstStyle/>
+          <a:p>
+            <a:r>
+              <a:rPr lang="en-US" altLang="ko-KR" sz="4200"/>
+              <a:t>Packet Mutating(MAC Frame header, Body)</a:t>
+            </a:r>
+            <a:endParaRPr lang="ko-KR" altLang="en-US" sz="4200"/>
           </a:p>
         </p:txBody>
       </p:sp>
@@ -11532,7 +12386,7 @@
           <p:cNvPr id="3" name="TextBox 2">
             <a:extLst>
               <a:ext uri="{FF2B5EF4-FFF2-40B4-BE49-F238E27FC236}">
-                <a16:creationId xmlns:a16="http://schemas.microsoft.com/office/drawing/2014/main" id="{5E6AD2EA-744C-4C30-AFDA-236B74C92394}"/>
+                <a16:creationId xmlns:a16="http://schemas.microsoft.com/office/drawing/2014/main" id="{18A4EFDB-E007-4948-89AE-35CAB2DE237F}"/>
               </a:ext>
             </a:extLst>
           </p:cNvPr>
@@ -11541,8 +12395,8 @@
         </p:nvSpPr>
         <p:spPr>
           <a:xfrm>
-            <a:off x="838200" y="1690688"/>
-            <a:ext cx="10095136" cy="3970318"/>
+            <a:off x="533400" y="1690688"/>
+            <a:ext cx="8342668" cy="4247317"/>
           </a:xfrm>
           <a:prstGeom prst="rect">
             <a:avLst/>
@@ -11556,75 +12410,112 @@
           <a:lstStyle/>
           <a:p>
             <a:r>
-              <a:rPr lang="ko-KR" altLang="en-US" sz="3600"/>
-              <a:t>보낼 수 있는 최대 패킷의 길이 </a:t>
-            </a:r>
-            <a:r>
-              <a:rPr lang="en-US" altLang="ko-KR" sz="3600"/>
-              <a:t>= </a:t>
-            </a:r>
-            <a:r>
-              <a:rPr lang="ko-KR" altLang="en-US" sz="3600"/>
-              <a:t>약 </a:t>
-            </a:r>
-            <a:r>
-              <a:rPr lang="en-US" altLang="ko-KR" sz="3600"/>
-              <a:t>1514 bytes</a:t>
-            </a:r>
-          </a:p>
-          <a:p>
-            <a:endParaRPr lang="en-US" altLang="ko-KR" sz="3600"/>
-          </a:p>
-          <a:p>
-            <a:r>
-              <a:rPr lang="ko-KR" altLang="en-US" sz="3600"/>
-              <a:t>각 </a:t>
-            </a:r>
-            <a:r>
-              <a:rPr lang="en-US" altLang="ko-KR" sz="3600"/>
-              <a:t>MAC frame header + body</a:t>
-            </a:r>
-            <a:r>
-              <a:rPr lang="ko-KR" altLang="en-US" sz="3600"/>
-              <a:t>의 길이</a:t>
-            </a:r>
-            <a:endParaRPr lang="en-US" altLang="ko-KR" sz="3600"/>
-          </a:p>
-          <a:p>
-            <a:r>
-              <a:rPr lang="en-US" altLang="ko-KR" sz="3600"/>
-              <a:t>Probe : 42</a:t>
-            </a:r>
-          </a:p>
-          <a:p>
-            <a:r>
-              <a:rPr lang="en-US" altLang="ko-KR" sz="3600" err="1"/>
-              <a:t>Auth</a:t>
-            </a:r>
-            <a:r>
-              <a:rPr lang="en-US" altLang="ko-KR" sz="3600"/>
-              <a:t> : 54</a:t>
-            </a:r>
-          </a:p>
-          <a:p>
-            <a:r>
-              <a:rPr lang="en-US" altLang="ko-KR" sz="3600" err="1"/>
-              <a:t>Asso</a:t>
-            </a:r>
-            <a:r>
-              <a:rPr lang="en-US" altLang="ko-KR" sz="3600"/>
-              <a:t> : 48</a:t>
-            </a:r>
-          </a:p>
-          <a:p>
-            <a:endParaRPr lang="en-US" altLang="ko-KR" sz="3600"/>
+              <a:rPr lang="en-US" altLang="ko-KR" sz="3000"/>
+              <a:t>type, subtype</a:t>
+            </a:r>
+            <a:r>
+              <a:rPr lang="ko-KR" altLang="en-US" sz="3000"/>
+              <a:t>을 </a:t>
+            </a:r>
+            <a:r>
+              <a:rPr lang="en-US" altLang="ko-KR" sz="3000"/>
+              <a:t>mutate </a:t>
+            </a:r>
+          </a:p>
+          <a:p>
+            <a:pPr marL="457206" indent="-457206">
+              <a:buFont typeface="Wingdings" panose="05000000000000000000" pitchFamily="2" charset="2"/>
+              <a:buChar char="à"/>
+            </a:pPr>
+            <a:r>
+              <a:rPr lang="en-US" altLang="ko-KR" sz="3000"/>
+              <a:t>State</a:t>
+            </a:r>
+            <a:r>
+              <a:rPr lang="ko-KR" altLang="en-US" sz="3000"/>
+              <a:t>에 맞지 않음</a:t>
+            </a:r>
+            <a:endParaRPr lang="en-US" altLang="ko-KR" sz="3000"/>
+          </a:p>
+          <a:p>
+            <a:endParaRPr lang="en-US" altLang="ko-KR" sz="3000"/>
+          </a:p>
+          <a:p>
+            <a:r>
+              <a:rPr lang="en-US" altLang="ko-KR" sz="3000"/>
+              <a:t>addr1, addr2, addr3</a:t>
+            </a:r>
+            <a:r>
+              <a:rPr lang="ko-KR" altLang="en-US" sz="3000"/>
+              <a:t>을 </a:t>
+            </a:r>
+            <a:r>
+              <a:rPr lang="en-US" altLang="ko-KR" sz="3000"/>
+              <a:t>mutate</a:t>
+            </a:r>
+          </a:p>
+          <a:p>
+            <a:r>
+              <a:rPr lang="en-US" altLang="ko-KR" sz="3000">
+                <a:sym typeface="Wingdings" panose="05000000000000000000" pitchFamily="2" charset="2"/>
+              </a:rPr>
+              <a:t></a:t>
+            </a:r>
+            <a:r>
+              <a:rPr lang="en-US" altLang="ko-KR" sz="3000"/>
+              <a:t> </a:t>
+            </a:r>
+            <a:r>
+              <a:rPr lang="ko-KR" altLang="en-US" sz="3000"/>
+              <a:t>목적</a:t>
+            </a:r>
+            <a:r>
+              <a:rPr lang="en-US" altLang="ko-KR" sz="3000"/>
+              <a:t>AP</a:t>
+            </a:r>
+            <a:r>
+              <a:rPr lang="ko-KR" altLang="en-US" sz="3000"/>
+              <a:t>까지 도달하지못하고</a:t>
+            </a:r>
+            <a:r>
+              <a:rPr lang="en-US" altLang="ko-KR" sz="3000"/>
+              <a:t>, Receive</a:t>
+            </a:r>
+            <a:r>
+              <a:rPr lang="ko-KR" altLang="en-US" sz="3000"/>
+              <a:t>를 못함</a:t>
+            </a:r>
+            <a:endParaRPr lang="en-US" altLang="ko-KR" sz="3000"/>
+          </a:p>
+          <a:p>
+            <a:endParaRPr lang="en-US" altLang="ko-KR" sz="3000"/>
+          </a:p>
+          <a:p>
+            <a:r>
+              <a:rPr lang="en-US" altLang="ko-KR" sz="3000"/>
+              <a:t>mutate field</a:t>
+            </a:r>
+            <a:r>
+              <a:rPr lang="ko-KR" altLang="en-US" sz="3000"/>
+              <a:t>대상에서 제외</a:t>
+            </a:r>
+            <a:endParaRPr lang="en-US" altLang="ko-KR" sz="3000"/>
+          </a:p>
+          <a:p>
+            <a:endParaRPr lang="en-US" altLang="ko-KR" sz="3000"/>
+          </a:p>
+          <a:p>
+            <a:r>
+              <a:rPr lang="en-US" altLang="ko-KR" sz="3000"/>
+              <a:t> proto, FCfield, SC, ID, Each Frame’s Body field</a:t>
+            </a:r>
           </a:p>
         </p:txBody>
       </p:sp>
     </p:spTree>
     <p:extLst>
       <p:ext uri="{BB962C8B-B14F-4D97-AF65-F5344CB8AC3E}">
-        <p14:creationId xmlns:p14="http://schemas.microsoft.com/office/powerpoint/2010/main" val="1753636245"/>
+        <p14:creationId xmlns:p14="http://schemas.microsoft.com/office/powerpoint/2010/main" val="2565133314"/>
       </p:ext>
     </p:extLst>
   </p:cSld>
@@ -11634,7 +12525,7 @@
 </p:sld>
 </file>
 
-<file path=ppt/slides/slide68.xml><?xml version="1.0" encoding="utf-8"?>
+<file path=ppt/slides/slide71.xml><?xml version="1.0" encoding="utf-8"?>
 <p:sld xmlns:a="http://schemas.openxmlformats.org/drawingml/2006/main" xmlns:r="http://schemas.openxmlformats.org/officeDocument/2006/relationships" xmlns:p="http://schemas.openxmlformats.org/presentationml/2006/main">
   <p:cSld>
     <p:spTree>
@@ -11674,6 +12565,159 @@
           <a:p>
             <a:r>
               <a:rPr lang="en-US" altLang="ko-KR"/>
+              <a:t>Packet Mutating(MAC Frame Element)</a:t>
+            </a:r>
+            <a:endParaRPr lang="ko-KR" altLang="en-US"/>
+          </a:p>
+        </p:txBody>
+      </p:sp>
+      <p:sp>
+        <p:nvSpPr>
+          <p:cNvPr id="3" name="TextBox 2">
+            <a:extLst>
+              <a:ext uri="{FF2B5EF4-FFF2-40B4-BE49-F238E27FC236}">
+                <a16:creationId xmlns:a16="http://schemas.microsoft.com/office/drawing/2014/main" id="{5E6AD2EA-744C-4C30-AFDA-236B74C92394}"/>
+              </a:ext>
+            </a:extLst>
+          </p:cNvPr>
+          <p:cNvSpPr txBox="1"/>
+          <p:nvPr/>
+        </p:nvSpPr>
+        <p:spPr>
+          <a:xfrm>
+            <a:off x="838200" y="1690688"/>
+            <a:ext cx="10095136" cy="3970318"/>
+          </a:xfrm>
+          <a:prstGeom prst="rect">
+            <a:avLst/>
+          </a:prstGeom>
+          <a:noFill/>
+        </p:spPr>
+        <p:txBody>
+          <a:bodyPr wrap="none" rtlCol="0">
+            <a:spAutoFit/>
+          </a:bodyPr>
+          <a:lstStyle/>
+          <a:p>
+            <a:r>
+              <a:rPr lang="ko-KR" altLang="en-US" sz="3600"/>
+              <a:t>보낼 수 있는 최대 패킷의 길이 </a:t>
+            </a:r>
+            <a:r>
+              <a:rPr lang="en-US" altLang="ko-KR" sz="3600"/>
+              <a:t>= </a:t>
+            </a:r>
+            <a:r>
+              <a:rPr lang="ko-KR" altLang="en-US" sz="3600"/>
+              <a:t>약 </a:t>
+            </a:r>
+            <a:r>
+              <a:rPr lang="en-US" altLang="ko-KR" sz="3600"/>
+              <a:t>1514 bytes</a:t>
+            </a:r>
+          </a:p>
+          <a:p>
+            <a:endParaRPr lang="en-US" altLang="ko-KR" sz="3600"/>
+          </a:p>
+          <a:p>
+            <a:r>
+              <a:rPr lang="ko-KR" altLang="en-US" sz="3600"/>
+              <a:t>각 </a:t>
+            </a:r>
+            <a:r>
+              <a:rPr lang="en-US" altLang="ko-KR" sz="3600"/>
+              <a:t>MAC frame header + body</a:t>
+            </a:r>
+            <a:r>
+              <a:rPr lang="ko-KR" altLang="en-US" sz="3600"/>
+              <a:t>의 길이</a:t>
+            </a:r>
+            <a:endParaRPr lang="en-US" altLang="ko-KR" sz="3600"/>
+          </a:p>
+          <a:p>
+            <a:r>
+              <a:rPr lang="en-US" altLang="ko-KR" sz="3600"/>
+              <a:t>Probe : 42</a:t>
+            </a:r>
+          </a:p>
+          <a:p>
+            <a:r>
+              <a:rPr lang="en-US" altLang="ko-KR" sz="3600" err="1"/>
+              <a:t>Auth</a:t>
+            </a:r>
+            <a:r>
+              <a:rPr lang="en-US" altLang="ko-KR" sz="3600"/>
+              <a:t> : 54</a:t>
+            </a:r>
+          </a:p>
+          <a:p>
+            <a:r>
+              <a:rPr lang="en-US" altLang="ko-KR" sz="3600" err="1"/>
+              <a:t>Asso</a:t>
+            </a:r>
+            <a:r>
+              <a:rPr lang="en-US" altLang="ko-KR" sz="3600"/>
+              <a:t> : 48</a:t>
+            </a:r>
+          </a:p>
+          <a:p>
+            <a:endParaRPr lang="en-US" altLang="ko-KR" sz="3600"/>
+          </a:p>
+        </p:txBody>
+      </p:sp>
+    </p:spTree>
+    <p:extLst>
+      <p:ext uri="{BB962C8B-B14F-4D97-AF65-F5344CB8AC3E}">
+        <p14:creationId xmlns:p14="http://schemas.microsoft.com/office/powerpoint/2010/main" val="1753636245"/>
+      </p:ext>
+    </p:extLst>
+  </p:cSld>
+  <p:clrMapOvr>
+    <a:masterClrMapping/>
+  </p:clrMapOvr>
+</p:sld>
+</file>
+
+<file path=ppt/slides/slide72.xml><?xml version="1.0" encoding="utf-8"?>
+<p:sld xmlns:a="http://schemas.openxmlformats.org/drawingml/2006/main" xmlns:r="http://schemas.openxmlformats.org/officeDocument/2006/relationships" xmlns:p="http://schemas.openxmlformats.org/presentationml/2006/main">
+  <p:cSld>
+    <p:spTree>
+      <p:nvGrpSpPr>
+        <p:cNvPr id="1" name=""/>
+        <p:cNvGrpSpPr/>
+        <p:nvPr/>
+      </p:nvGrpSpPr>
+      <p:grpSpPr>
+        <a:xfrm>
+          <a:off x="0" y="0"/>
+          <a:ext cx="0" cy="0"/>
+          <a:chOff x="0" y="0"/>
+          <a:chExt cx="0" cy="0"/>
+        </a:xfrm>
+      </p:grpSpPr>
+      <p:sp>
+        <p:nvSpPr>
+          <p:cNvPr id="2" name="제목 1">
+            <a:extLst>
+              <a:ext uri="{FF2B5EF4-FFF2-40B4-BE49-F238E27FC236}">
+                <a16:creationId xmlns:a16="http://schemas.microsoft.com/office/drawing/2014/main" id="{2DEBD899-78EE-487A-8E97-850F11837432}"/>
+              </a:ext>
+            </a:extLst>
+          </p:cNvPr>
+          <p:cNvSpPr>
+            <a:spLocks noGrp="1"/>
+          </p:cNvSpPr>
+          <p:nvPr>
+            <p:ph type="title"/>
+          </p:nvPr>
+        </p:nvSpPr>
+        <p:spPr/>
+        <p:txBody>
+          <a:bodyPr/>
+          <a:lstStyle/>
+          <a:p>
+            <a:r>
+              <a:rPr lang="en-US" altLang="ko-KR"/>
               <a:t>Packet Mutating</a:t>
             </a:r>
             <a:endParaRPr lang="ko-KR" altLang="en-US"/>
@@ -11767,7 +12811,7 @@
 </p:sld>
 </file>
 
-<file path=ppt/slides/slide69.xml><?xml version="1.0" encoding="utf-8"?>
+<file path=ppt/slides/slide73.xml><?xml version="1.0" encoding="utf-8"?>
 <p:sld xmlns:a="http://schemas.openxmlformats.org/drawingml/2006/main" xmlns:r="http://schemas.openxmlformats.org/officeDocument/2006/relationships" xmlns:p="http://schemas.openxmlformats.org/presentationml/2006/main">
   <p:cSld>
     <p:spTree>
@@ -11961,205 +13005,7 @@
 </p:sld>
 </file>
 
-<file path=ppt/slides/slide7.xml><?xml version="1.0" encoding="utf-8"?>
-<p:sld xmlns:a="http://schemas.openxmlformats.org/drawingml/2006/main" xmlns:r="http://schemas.openxmlformats.org/officeDocument/2006/relationships" xmlns:p="http://schemas.openxmlformats.org/presentationml/2006/main">
-  <p:cSld>
-    <p:spTree>
-      <p:nvGrpSpPr>
-        <p:cNvPr id="1" name=""/>
-        <p:cNvGrpSpPr/>
-        <p:nvPr/>
-      </p:nvGrpSpPr>
-      <p:grpSpPr>
-        <a:xfrm>
-          <a:off x="0" y="0"/>
-          <a:ext cx="0" cy="0"/>
-          <a:chOff x="0" y="0"/>
-          <a:chExt cx="0" cy="0"/>
-        </a:xfrm>
-      </p:grpSpPr>
-      <p:sp>
-        <p:nvSpPr>
-          <p:cNvPr id="2" name="제목 1">
-            <a:extLst>
-              <a:ext uri="{FF2B5EF4-FFF2-40B4-BE49-F238E27FC236}">
-                <a16:creationId xmlns:a16="http://schemas.microsoft.com/office/drawing/2014/main" id="{82BE6E73-7BCB-425E-B802-AC2DA0BC1C50}"/>
-              </a:ext>
-            </a:extLst>
-          </p:cNvPr>
-          <p:cNvSpPr>
-            <a:spLocks noGrp="1"/>
-          </p:cNvSpPr>
-          <p:nvPr>
-            <p:ph type="title"/>
-          </p:nvPr>
-        </p:nvSpPr>
-        <p:spPr>
-          <a:xfrm>
-            <a:off x="838200" y="365125"/>
-            <a:ext cx="10515600" cy="1325563"/>
-          </a:xfrm>
-        </p:spPr>
-        <p:txBody>
-          <a:bodyPr/>
-          <a:lstStyle/>
-          <a:p>
-            <a:r>
-              <a:rPr lang="en-US" altLang="ko-KR"/>
-              <a:t>Fuzzing Type</a:t>
-            </a:r>
-            <a:endParaRPr lang="ko-KR" altLang="en-US"/>
-          </a:p>
-        </p:txBody>
-      </p:sp>
-      <p:sp>
-        <p:nvSpPr>
-          <p:cNvPr id="4" name="TextBox 3">
-            <a:extLst>
-              <a:ext uri="{FF2B5EF4-FFF2-40B4-BE49-F238E27FC236}">
-                <a16:creationId xmlns:a16="http://schemas.microsoft.com/office/drawing/2014/main" id="{DB445C6C-7B36-4D9D-A73D-C70DFEE8D292}"/>
-              </a:ext>
-            </a:extLst>
-          </p:cNvPr>
-          <p:cNvSpPr txBox="1"/>
-          <p:nvPr/>
-        </p:nvSpPr>
-        <p:spPr>
-          <a:xfrm>
-            <a:off x="2222500" y="1854200"/>
-            <a:ext cx="9542997" cy="4247317"/>
-          </a:xfrm>
-          <a:prstGeom prst="rect">
-            <a:avLst/>
-          </a:prstGeom>
-          <a:noFill/>
-        </p:spPr>
-        <p:txBody>
-          <a:bodyPr wrap="none" rtlCol="0">
-            <a:spAutoFit/>
-          </a:bodyPr>
-          <a:lstStyle/>
-          <a:p>
-            <a:r>
-              <a:rPr lang="ko-KR" altLang="en-US" sz="3000"/>
-              <a:t> * 로컬 </a:t>
-            </a:r>
-            <a:r>
-              <a:rPr lang="en-US" altLang="ko-KR" sz="3000" err="1"/>
-              <a:t>Fuzzer</a:t>
-            </a:r>
-            <a:br>
-              <a:rPr lang="ko-KR" altLang="en-US" sz="3000"/>
-            </a:br>
-            <a:r>
-              <a:rPr lang="ko-KR" altLang="en-US" sz="3000"/>
-              <a:t>  </a:t>
-            </a:r>
-            <a:r>
-              <a:rPr lang="en-US" altLang="ko-KR" sz="3000"/>
-              <a:t>- </a:t>
-            </a:r>
-            <a:r>
-              <a:rPr lang="ko-KR" altLang="en-US" sz="3000"/>
-              <a:t>프로그램 실행 변수</a:t>
-            </a:r>
-            <a:r>
-              <a:rPr lang="en-US" altLang="ko-KR" sz="3000"/>
-              <a:t>(Command-Line) </a:t>
-            </a:r>
-            <a:r>
-              <a:rPr lang="ko-KR" altLang="en-US" sz="3000"/>
-              <a:t>및 환경 변수</a:t>
-            </a:r>
-            <a:r>
-              <a:rPr lang="en-US" altLang="ko-KR" sz="3000"/>
-              <a:t>, </a:t>
-            </a:r>
-          </a:p>
-          <a:p>
-            <a:r>
-              <a:rPr lang="en-US" altLang="ko-KR" sz="3000"/>
-              <a:t>    </a:t>
-            </a:r>
-            <a:r>
-              <a:rPr lang="ko-KR" altLang="en-US" sz="3000" err="1"/>
-              <a:t>파일포멧을</a:t>
-            </a:r>
-            <a:r>
-              <a:rPr lang="ko-KR" altLang="en-US" sz="3000"/>
-              <a:t> 통한 </a:t>
-            </a:r>
-            <a:r>
-              <a:rPr lang="en-US" altLang="ko-KR" sz="3000" err="1"/>
-              <a:t>Fuzzer</a:t>
-            </a:r>
-            <a:br>
-              <a:rPr lang="ko-KR" altLang="en-US" sz="3000"/>
-            </a:br>
-            <a:r>
-              <a:rPr lang="ko-KR" altLang="en-US" sz="3000"/>
-              <a:t> * 원격 조작</a:t>
-            </a:r>
-            <a:br>
-              <a:rPr lang="ko-KR" altLang="en-US" sz="3000"/>
-            </a:br>
-            <a:r>
-              <a:rPr lang="ko-KR" altLang="en-US" sz="3000"/>
-              <a:t> * 네트워크 프로토콜</a:t>
-            </a:r>
-            <a:br>
-              <a:rPr lang="ko-KR" altLang="en-US" sz="3000"/>
-            </a:br>
-            <a:r>
-              <a:rPr lang="ko-KR" altLang="en-US" sz="3000"/>
-              <a:t> * 웹 어플리케이션</a:t>
-            </a:r>
-            <a:br>
-              <a:rPr lang="ko-KR" altLang="en-US" sz="3000"/>
-            </a:br>
-            <a:r>
-              <a:rPr lang="ko-KR" altLang="en-US" sz="3000"/>
-              <a:t> * 웹 </a:t>
-            </a:r>
-            <a:r>
-              <a:rPr lang="ko-KR" altLang="en-US" sz="3000" err="1"/>
-              <a:t>브라우져</a:t>
-            </a:r>
-            <a:br>
-              <a:rPr lang="ko-KR" altLang="en-US" sz="3000"/>
-            </a:br>
-            <a:r>
-              <a:rPr lang="ko-KR" altLang="en-US" sz="3000"/>
-              <a:t> * </a:t>
-            </a:r>
-            <a:r>
-              <a:rPr lang="en-US" altLang="ko-KR" sz="3000"/>
-              <a:t>In-Memory</a:t>
-            </a:r>
-            <a:br>
-              <a:rPr lang="ko-KR" altLang="en-US" sz="3000"/>
-            </a:br>
-            <a:r>
-              <a:rPr lang="ko-KR" altLang="en-US" sz="3000"/>
-              <a:t> * 프레임워크</a:t>
-            </a:r>
-          </a:p>
-        </p:txBody>
-      </p:sp>
-    </p:spTree>
-    <p:extLst>
-      <p:ext uri="{BB962C8B-B14F-4D97-AF65-F5344CB8AC3E}">
-        <p14:creationId xmlns:p14="http://schemas.microsoft.com/office/powerpoint/2010/main" val="4198081553"/>
-      </p:ext>
-    </p:extLst>
-  </p:cSld>
-  <p:clrMapOvr>
-    <a:masterClrMapping/>
-  </p:clrMapOvr>
-</p:sld>
-</file>
-
-<file path=ppt/slides/slide70.xml><?xml version="1.0" encoding="utf-8"?>
+<file path=ppt/slides/slide74.xml><?xml version="1.0" encoding="utf-8"?>
 <p:sld xmlns:a="http://schemas.openxmlformats.org/drawingml/2006/main" xmlns:r="http://schemas.openxmlformats.org/officeDocument/2006/relationships" xmlns:p="http://schemas.openxmlformats.org/presentationml/2006/main">
   <p:cSld>
     <p:spTree>
@@ -12351,7 +13197,7 @@
 </p:sld>
 </file>
 
-<file path=ppt/slides/slide71.xml><?xml version="1.0" encoding="utf-8"?>
+<file path=ppt/slides/slide75.xml><?xml version="1.0" encoding="utf-8"?>
 <p:sld xmlns:a="http://schemas.openxmlformats.org/drawingml/2006/main" xmlns:r="http://schemas.openxmlformats.org/officeDocument/2006/relationships" xmlns:p="http://schemas.openxmlformats.org/presentationml/2006/main">
   <p:cSld>
     <p:spTree>
@@ -12490,7 +13336,7 @@
 </p:sld>
 </file>
 
-<file path=ppt/slides/slide72.xml><?xml version="1.0" encoding="utf-8"?>
+<file path=ppt/slides/slide76.xml><?xml version="1.0" encoding="utf-8"?>
 <p:sld xmlns:a="http://schemas.openxmlformats.org/drawingml/2006/main" xmlns:r="http://schemas.openxmlformats.org/officeDocument/2006/relationships" xmlns:p="http://schemas.openxmlformats.org/presentationml/2006/main">
   <p:cSld>
     <p:spTree>
@@ -12616,659 +13462,6 @@
     <p:extLst>
       <p:ext uri="{BB962C8B-B14F-4D97-AF65-F5344CB8AC3E}">
         <p14:creationId xmlns:p14="http://schemas.microsoft.com/office/powerpoint/2010/main" val="478731574"/>
-      </p:ext>
-    </p:extLst>
-  </p:cSld>
-  <p:clrMapOvr>
-    <a:masterClrMapping/>
-  </p:clrMapOvr>
-</p:sld>
-</file>
-
-<file path=ppt/slides/slide73.xml><?xml version="1.0" encoding="utf-8"?>
-<p:sld xmlns:a="http://schemas.openxmlformats.org/drawingml/2006/main" xmlns:r="http://schemas.openxmlformats.org/officeDocument/2006/relationships" xmlns:p="http://schemas.openxmlformats.org/presentationml/2006/main">
-  <p:cSld>
-    <p:spTree>
-      <p:nvGrpSpPr>
-        <p:cNvPr id="1" name=""/>
-        <p:cNvGrpSpPr/>
-        <p:nvPr/>
-      </p:nvGrpSpPr>
-      <p:grpSpPr>
-        <a:xfrm>
-          <a:off x="0" y="0"/>
-          <a:ext cx="0" cy="0"/>
-          <a:chOff x="0" y="0"/>
-          <a:chExt cx="0" cy="0"/>
-        </a:xfrm>
-      </p:grpSpPr>
-      <p:sp>
-        <p:nvSpPr>
-          <p:cNvPr id="2" name="제목 1">
-            <a:extLst>
-              <a:ext uri="{FF2B5EF4-FFF2-40B4-BE49-F238E27FC236}">
-                <a16:creationId xmlns:a16="http://schemas.microsoft.com/office/drawing/2014/main" id="{34BDF563-C7C2-4C2A-A799-D68A036CCAEC}"/>
-              </a:ext>
-            </a:extLst>
-          </p:cNvPr>
-          <p:cNvSpPr>
-            <a:spLocks noGrp="1"/>
-          </p:cNvSpPr>
-          <p:nvPr>
-            <p:ph type="title"/>
-          </p:nvPr>
-        </p:nvSpPr>
-        <p:spPr/>
-        <p:txBody>
-          <a:bodyPr/>
-          <a:lstStyle/>
-          <a:p>
-            <a:r>
-              <a:rPr lang="ko-KR" altLang="en-US"/>
-              <a:t>개선점 </a:t>
-            </a:r>
-            <a:r>
-              <a:rPr lang="en-US" altLang="ko-KR"/>
-              <a:t>1</a:t>
-            </a:r>
-            <a:endParaRPr lang="ko-KR" altLang="en-US"/>
-          </a:p>
-        </p:txBody>
-      </p:sp>
-      <p:sp>
-        <p:nvSpPr>
-          <p:cNvPr id="3" name="내용 개체 틀 2">
-            <a:extLst>
-              <a:ext uri="{FF2B5EF4-FFF2-40B4-BE49-F238E27FC236}">
-                <a16:creationId xmlns:a16="http://schemas.microsoft.com/office/drawing/2014/main" id="{2D9AF1DE-7638-4193-B160-8FE86C9A2D94}"/>
-              </a:ext>
-            </a:extLst>
-          </p:cNvPr>
-          <p:cNvSpPr>
-            <a:spLocks noGrp="1"/>
-          </p:cNvSpPr>
-          <p:nvPr>
-            <p:ph idx="1"/>
-          </p:nvPr>
-        </p:nvSpPr>
-        <p:spPr>
-          <a:xfrm>
-            <a:off x="469900" y="3021013"/>
-            <a:ext cx="10883900" cy="815975"/>
-          </a:xfrm>
-        </p:spPr>
-        <p:txBody>
-          <a:bodyPr>
-            <a:normAutofit/>
-          </a:bodyPr>
-          <a:lstStyle/>
-          <a:p>
-            <a:pPr marL="0" indent="0" algn="ctr">
-              <a:buNone/>
-            </a:pPr>
-            <a:r>
-              <a:rPr lang="ko-KR" altLang="en-US" sz="5000"/>
-              <a:t>암호화된 </a:t>
-            </a:r>
-            <a:r>
-              <a:rPr lang="en-US" altLang="ko-KR" sz="5000"/>
-              <a:t>AP</a:t>
-            </a:r>
-            <a:r>
-              <a:rPr lang="ko-KR" altLang="en-US" sz="5000"/>
-              <a:t>로 </a:t>
-            </a:r>
-            <a:r>
-              <a:rPr lang="en-US" altLang="ko-KR" sz="5000"/>
-              <a:t>Test</a:t>
-            </a:r>
-          </a:p>
-        </p:txBody>
-      </p:sp>
-    </p:spTree>
-    <p:extLst>
-      <p:ext uri="{BB962C8B-B14F-4D97-AF65-F5344CB8AC3E}">
-        <p14:creationId xmlns:p14="http://schemas.microsoft.com/office/powerpoint/2010/main" val="1232744563"/>
-      </p:ext>
-    </p:extLst>
-  </p:cSld>
-  <p:clrMapOvr>
-    <a:masterClrMapping/>
-  </p:clrMapOvr>
-</p:sld>
-</file>
-
-<file path=ppt/slides/slide74.xml><?xml version="1.0" encoding="utf-8"?>
-<p:sld xmlns:a="http://schemas.openxmlformats.org/drawingml/2006/main" xmlns:r="http://schemas.openxmlformats.org/officeDocument/2006/relationships" xmlns:p="http://schemas.openxmlformats.org/presentationml/2006/main">
-  <p:cSld>
-    <p:spTree>
-      <p:nvGrpSpPr>
-        <p:cNvPr id="1" name=""/>
-        <p:cNvGrpSpPr/>
-        <p:nvPr/>
-      </p:nvGrpSpPr>
-      <p:grpSpPr>
-        <a:xfrm>
-          <a:off x="0" y="0"/>
-          <a:ext cx="0" cy="0"/>
-          <a:chOff x="0" y="0"/>
-          <a:chExt cx="0" cy="0"/>
-        </a:xfrm>
-      </p:grpSpPr>
-      <p:sp>
-        <p:nvSpPr>
-          <p:cNvPr id="2" name="제목 1">
-            <a:extLst>
-              <a:ext uri="{FF2B5EF4-FFF2-40B4-BE49-F238E27FC236}">
-                <a16:creationId xmlns:a16="http://schemas.microsoft.com/office/drawing/2014/main" id="{34BDF563-C7C2-4C2A-A799-D68A036CCAEC}"/>
-              </a:ext>
-            </a:extLst>
-          </p:cNvPr>
-          <p:cNvSpPr>
-            <a:spLocks noGrp="1"/>
-          </p:cNvSpPr>
-          <p:nvPr>
-            <p:ph type="title"/>
-          </p:nvPr>
-        </p:nvSpPr>
-        <p:spPr/>
-        <p:txBody>
-          <a:bodyPr/>
-          <a:lstStyle/>
-          <a:p>
-            <a:r>
-              <a:rPr lang="ko-KR" altLang="en-US"/>
-              <a:t>개선점 </a:t>
-            </a:r>
-            <a:r>
-              <a:rPr lang="en-US" altLang="ko-KR"/>
-              <a:t>2</a:t>
-            </a:r>
-            <a:endParaRPr lang="ko-KR" altLang="en-US"/>
-          </a:p>
-        </p:txBody>
-      </p:sp>
-      <p:sp>
-        <p:nvSpPr>
-          <p:cNvPr id="3" name="내용 개체 틀 2">
-            <a:extLst>
-              <a:ext uri="{FF2B5EF4-FFF2-40B4-BE49-F238E27FC236}">
-                <a16:creationId xmlns:a16="http://schemas.microsoft.com/office/drawing/2014/main" id="{2D9AF1DE-7638-4193-B160-8FE86C9A2D94}"/>
-              </a:ext>
-            </a:extLst>
-          </p:cNvPr>
-          <p:cNvSpPr>
-            <a:spLocks noGrp="1"/>
-          </p:cNvSpPr>
-          <p:nvPr>
-            <p:ph idx="1"/>
-          </p:nvPr>
-        </p:nvSpPr>
-        <p:spPr>
-          <a:xfrm>
-            <a:off x="469900" y="1825625"/>
-            <a:ext cx="10883900" cy="4351338"/>
-          </a:xfrm>
-        </p:spPr>
-        <p:txBody>
-          <a:bodyPr/>
-          <a:lstStyle/>
-          <a:p>
-            <a:pPr marL="0" indent="0">
-              <a:buNone/>
-            </a:pPr>
-            <a:r>
-              <a:rPr lang="en-US" altLang="ko-KR"/>
-              <a:t>1. mutate</a:t>
-            </a:r>
-            <a:r>
-              <a:rPr lang="ko-KR" altLang="en-US"/>
-              <a:t>된 패킷을 </a:t>
-            </a:r>
-            <a:r>
-              <a:rPr lang="en-US" altLang="ko-KR"/>
-              <a:t>1000</a:t>
-            </a:r>
-            <a:r>
-              <a:rPr lang="ko-KR" altLang="en-US"/>
-              <a:t>개씩 보낸다</a:t>
-            </a:r>
-            <a:r>
-              <a:rPr lang="en-US" altLang="ko-KR"/>
-              <a:t>. </a:t>
-            </a:r>
-          </a:p>
-          <a:p>
-            <a:pPr marL="0" indent="0">
-              <a:buNone/>
-            </a:pPr>
-            <a:r>
-              <a:rPr lang="en-US" altLang="ko-KR"/>
-              <a:t>2. </a:t>
-            </a:r>
-            <a:r>
-              <a:rPr lang="ko-KR" altLang="en-US"/>
-              <a:t>그 후</a:t>
-            </a:r>
-            <a:r>
-              <a:rPr lang="en-US" altLang="ko-KR"/>
-              <a:t>, normal </a:t>
-            </a:r>
-            <a:r>
-              <a:rPr lang="ko-KR" altLang="en-US"/>
-              <a:t>패킷을 보내서 </a:t>
-            </a:r>
-            <a:r>
-              <a:rPr lang="en-US" altLang="ko-KR"/>
-              <a:t>response</a:t>
-            </a:r>
-            <a:r>
-              <a:rPr lang="ko-KR" altLang="en-US"/>
-              <a:t>를 확인하는 과정</a:t>
-            </a:r>
-            <a:endParaRPr lang="en-US" altLang="ko-KR"/>
-          </a:p>
-          <a:p>
-            <a:pPr marL="0" indent="0">
-              <a:buNone/>
-            </a:pPr>
-            <a:r>
-              <a:rPr lang="en-US" altLang="ko-KR"/>
-              <a:t>3. 1000</a:t>
-            </a:r>
-            <a:r>
-              <a:rPr lang="ko-KR" altLang="en-US"/>
-              <a:t>개중 어떤 패킷이 </a:t>
-            </a:r>
-            <a:r>
-              <a:rPr lang="en-US" altLang="ko-KR"/>
-              <a:t>Crush</a:t>
-            </a:r>
-            <a:r>
-              <a:rPr lang="ko-KR" altLang="en-US"/>
-              <a:t>를 냈을까</a:t>
-            </a:r>
-            <a:r>
-              <a:rPr lang="en-US" altLang="ko-KR"/>
-              <a:t>???</a:t>
-            </a:r>
-          </a:p>
-          <a:p>
-            <a:pPr marL="0" indent="0">
-              <a:buNone/>
-            </a:pPr>
-            <a:endParaRPr lang="en-US" altLang="ko-KR"/>
-          </a:p>
-          <a:p>
-            <a:pPr marL="0" indent="0">
-              <a:buNone/>
-            </a:pPr>
-            <a:endParaRPr lang="en-US" altLang="ko-KR"/>
-          </a:p>
-          <a:p>
-            <a:pPr marL="0" indent="0">
-              <a:buNone/>
-            </a:pPr>
-            <a:endParaRPr lang="en-US" altLang="ko-KR"/>
-          </a:p>
-        </p:txBody>
-      </p:sp>
-    </p:spTree>
-    <p:extLst>
-      <p:ext uri="{BB962C8B-B14F-4D97-AF65-F5344CB8AC3E}">
-        <p14:creationId xmlns:p14="http://schemas.microsoft.com/office/powerpoint/2010/main" val="1431110160"/>
-      </p:ext>
-    </p:extLst>
-  </p:cSld>
-  <p:clrMapOvr>
-    <a:masterClrMapping/>
-  </p:clrMapOvr>
-</p:sld>
-</file>
-
-<file path=ppt/slides/slide75.xml><?xml version="1.0" encoding="utf-8"?>
-<p:sld xmlns:a="http://schemas.openxmlformats.org/drawingml/2006/main" xmlns:r="http://schemas.openxmlformats.org/officeDocument/2006/relationships" xmlns:p="http://schemas.openxmlformats.org/presentationml/2006/main">
-  <p:cSld>
-    <p:spTree>
-      <p:nvGrpSpPr>
-        <p:cNvPr id="1" name=""/>
-        <p:cNvGrpSpPr/>
-        <p:nvPr/>
-      </p:nvGrpSpPr>
-      <p:grpSpPr>
-        <a:xfrm>
-          <a:off x="0" y="0"/>
-          <a:ext cx="0" cy="0"/>
-          <a:chOff x="0" y="0"/>
-          <a:chExt cx="0" cy="0"/>
-        </a:xfrm>
-      </p:grpSpPr>
-      <p:sp>
-        <p:nvSpPr>
-          <p:cNvPr id="2" name="제목 1">
-            <a:extLst>
-              <a:ext uri="{FF2B5EF4-FFF2-40B4-BE49-F238E27FC236}">
-                <a16:creationId xmlns:a16="http://schemas.microsoft.com/office/drawing/2014/main" id="{34BDF563-C7C2-4C2A-A799-D68A036CCAEC}"/>
-              </a:ext>
-            </a:extLst>
-          </p:cNvPr>
-          <p:cNvSpPr>
-            <a:spLocks noGrp="1"/>
-          </p:cNvSpPr>
-          <p:nvPr>
-            <p:ph type="title"/>
-          </p:nvPr>
-        </p:nvSpPr>
-        <p:spPr/>
-        <p:txBody>
-          <a:bodyPr/>
-          <a:lstStyle/>
-          <a:p>
-            <a:r>
-              <a:rPr lang="ko-KR" altLang="en-US"/>
-              <a:t>개선점 </a:t>
-            </a:r>
-            <a:r>
-              <a:rPr lang="en-US" altLang="ko-KR"/>
-              <a:t>2</a:t>
-            </a:r>
-            <a:endParaRPr lang="ko-KR" altLang="en-US"/>
-          </a:p>
-        </p:txBody>
-      </p:sp>
-      <p:sp>
-        <p:nvSpPr>
-          <p:cNvPr id="3" name="내용 개체 틀 2">
-            <a:extLst>
-              <a:ext uri="{FF2B5EF4-FFF2-40B4-BE49-F238E27FC236}">
-                <a16:creationId xmlns:a16="http://schemas.microsoft.com/office/drawing/2014/main" id="{2D9AF1DE-7638-4193-B160-8FE86C9A2D94}"/>
-              </a:ext>
-            </a:extLst>
-          </p:cNvPr>
-          <p:cNvSpPr>
-            <a:spLocks noGrp="1"/>
-          </p:cNvSpPr>
-          <p:nvPr>
-            <p:ph idx="1"/>
-          </p:nvPr>
-        </p:nvSpPr>
-        <p:spPr>
-          <a:xfrm>
-            <a:off x="469900" y="1825625"/>
-            <a:ext cx="10883900" cy="4351338"/>
-          </a:xfrm>
-        </p:spPr>
-        <p:txBody>
-          <a:bodyPr/>
-          <a:lstStyle/>
-          <a:p>
-            <a:pPr marL="0" indent="0">
-              <a:buNone/>
-            </a:pPr>
-            <a:r>
-              <a:rPr lang="en-US" altLang="ko-KR"/>
-              <a:t>1. mutate</a:t>
-            </a:r>
-            <a:r>
-              <a:rPr lang="ko-KR" altLang="en-US"/>
-              <a:t>된 패킷을 </a:t>
-            </a:r>
-            <a:r>
-              <a:rPr lang="en-US" altLang="ko-KR"/>
-              <a:t>1000</a:t>
-            </a:r>
-            <a:r>
-              <a:rPr lang="ko-KR" altLang="en-US"/>
-              <a:t>개씩 보낸다</a:t>
-            </a:r>
-            <a:r>
-              <a:rPr lang="en-US" altLang="ko-KR"/>
-              <a:t>. </a:t>
-            </a:r>
-          </a:p>
-          <a:p>
-            <a:pPr marL="0" indent="0">
-              <a:buNone/>
-            </a:pPr>
-            <a:r>
-              <a:rPr lang="en-US" altLang="ko-KR"/>
-              <a:t>2. </a:t>
-            </a:r>
-            <a:r>
-              <a:rPr lang="ko-KR" altLang="en-US"/>
-              <a:t>그 후</a:t>
-            </a:r>
-            <a:r>
-              <a:rPr lang="en-US" altLang="ko-KR"/>
-              <a:t>, normal </a:t>
-            </a:r>
-            <a:r>
-              <a:rPr lang="ko-KR" altLang="en-US"/>
-              <a:t>패킷을 보내서 </a:t>
-            </a:r>
-            <a:r>
-              <a:rPr lang="en-US" altLang="ko-KR"/>
-              <a:t>response</a:t>
-            </a:r>
-            <a:r>
-              <a:rPr lang="ko-KR" altLang="en-US"/>
-              <a:t>를 확인하는 과정</a:t>
-            </a:r>
-            <a:endParaRPr lang="en-US" altLang="ko-KR"/>
-          </a:p>
-          <a:p>
-            <a:pPr marL="0" indent="0">
-              <a:buNone/>
-            </a:pPr>
-            <a:r>
-              <a:rPr lang="en-US" altLang="ko-KR"/>
-              <a:t>3. 1000</a:t>
-            </a:r>
-            <a:r>
-              <a:rPr lang="ko-KR" altLang="en-US"/>
-              <a:t>개중 어떤 패킷이 </a:t>
-            </a:r>
-            <a:r>
-              <a:rPr lang="en-US" altLang="ko-KR"/>
-              <a:t>Crush</a:t>
-            </a:r>
-            <a:r>
-              <a:rPr lang="ko-KR" altLang="en-US"/>
-              <a:t>를 냈을까</a:t>
-            </a:r>
-            <a:r>
-              <a:rPr lang="en-US" altLang="ko-KR"/>
-              <a:t>???</a:t>
-            </a:r>
-          </a:p>
-          <a:p>
-            <a:pPr marL="0" indent="0">
-              <a:buNone/>
-            </a:pPr>
-            <a:endParaRPr lang="en-US" altLang="ko-KR"/>
-          </a:p>
-          <a:p>
-            <a:pPr marL="0" indent="0">
-              <a:buNone/>
-            </a:pPr>
-            <a:r>
-              <a:rPr lang="en-US" altLang="ko-KR"/>
-              <a:t>Crush </a:t>
-            </a:r>
-            <a:r>
-              <a:rPr lang="ko-KR" altLang="en-US"/>
-              <a:t>패킷 추적 모듈 추가 </a:t>
-            </a:r>
-            <a:r>
-              <a:rPr lang="en-US" altLang="ko-KR"/>
-              <a:t>!</a:t>
-            </a:r>
-          </a:p>
-          <a:p>
-            <a:pPr marL="0" indent="0">
-              <a:buNone/>
-            </a:pPr>
-            <a:endParaRPr lang="en-US" altLang="ko-KR"/>
-          </a:p>
-          <a:p>
-            <a:pPr marL="0" indent="0">
-              <a:buNone/>
-            </a:pPr>
-            <a:endParaRPr lang="en-US" altLang="ko-KR"/>
-          </a:p>
-          <a:p>
-            <a:pPr marL="0" indent="0">
-              <a:buNone/>
-            </a:pPr>
-            <a:endParaRPr lang="en-US" altLang="ko-KR"/>
-          </a:p>
-        </p:txBody>
-      </p:sp>
-    </p:spTree>
-    <p:extLst>
-      <p:ext uri="{BB962C8B-B14F-4D97-AF65-F5344CB8AC3E}">
-        <p14:creationId xmlns:p14="http://schemas.microsoft.com/office/powerpoint/2010/main" val="1420683309"/>
-      </p:ext>
-    </p:extLst>
-  </p:cSld>
-  <p:clrMapOvr>
-    <a:masterClrMapping/>
-  </p:clrMapOvr>
-</p:sld>
-</file>
-
-<file path=ppt/slides/slide76.xml><?xml version="1.0" encoding="utf-8"?>
-<p:sld xmlns:a="http://schemas.openxmlformats.org/drawingml/2006/main" xmlns:r="http://schemas.openxmlformats.org/officeDocument/2006/relationships" xmlns:p="http://schemas.openxmlformats.org/presentationml/2006/main">
-  <p:cSld>
-    <p:spTree>
-      <p:nvGrpSpPr>
-        <p:cNvPr id="1" name=""/>
-        <p:cNvGrpSpPr/>
-        <p:nvPr/>
-      </p:nvGrpSpPr>
-      <p:grpSpPr>
-        <a:xfrm>
-          <a:off x="0" y="0"/>
-          <a:ext cx="0" cy="0"/>
-          <a:chOff x="0" y="0"/>
-          <a:chExt cx="0" cy="0"/>
-        </a:xfrm>
-      </p:grpSpPr>
-      <p:sp>
-        <p:nvSpPr>
-          <p:cNvPr id="2" name="제목 1">
-            <a:extLst>
-              <a:ext uri="{FF2B5EF4-FFF2-40B4-BE49-F238E27FC236}">
-                <a16:creationId xmlns:a16="http://schemas.microsoft.com/office/drawing/2014/main" id="{0447B1D2-0242-4A0C-B1F1-C59AE57A1F69}"/>
-              </a:ext>
-            </a:extLst>
-          </p:cNvPr>
-          <p:cNvSpPr>
-            <a:spLocks noGrp="1"/>
-          </p:cNvSpPr>
-          <p:nvPr>
-            <p:ph type="title"/>
-          </p:nvPr>
-        </p:nvSpPr>
-        <p:spPr/>
-        <p:txBody>
-          <a:bodyPr/>
-          <a:lstStyle/>
-          <a:p>
-            <a:r>
-              <a:rPr lang="ko-KR" altLang="en-US"/>
-              <a:t>개선점 </a:t>
-            </a:r>
-            <a:r>
-              <a:rPr lang="en-US" altLang="ko-KR"/>
-              <a:t>3</a:t>
-            </a:r>
-            <a:endParaRPr lang="ko-KR" altLang="en-US"/>
-          </a:p>
-        </p:txBody>
-      </p:sp>
-      <p:sp>
-        <p:nvSpPr>
-          <p:cNvPr id="3" name="내용 개체 틀 2">
-            <a:extLst>
-              <a:ext uri="{FF2B5EF4-FFF2-40B4-BE49-F238E27FC236}">
-                <a16:creationId xmlns:a16="http://schemas.microsoft.com/office/drawing/2014/main" id="{7C8452B1-F537-4835-845E-0843B64A7660}"/>
-              </a:ext>
-            </a:extLst>
-          </p:cNvPr>
-          <p:cNvSpPr>
-            <a:spLocks noGrp="1"/>
-          </p:cNvSpPr>
-          <p:nvPr>
-            <p:ph idx="1"/>
-          </p:nvPr>
-        </p:nvSpPr>
-        <p:spPr/>
-        <p:txBody>
-          <a:bodyPr/>
-          <a:lstStyle/>
-          <a:p>
-            <a:pPr marL="0" indent="0">
-              <a:buNone/>
-            </a:pPr>
-            <a:r>
-              <a:rPr lang="ko-KR" altLang="en-US"/>
-              <a:t>추적된 패킷이 왜 이 </a:t>
-            </a:r>
-            <a:r>
-              <a:rPr lang="en-US" altLang="ko-KR"/>
-              <a:t>AP</a:t>
-            </a:r>
-            <a:r>
-              <a:rPr lang="ko-KR" altLang="en-US"/>
-              <a:t>에 </a:t>
-            </a:r>
-            <a:r>
-              <a:rPr lang="en-US" altLang="ko-KR"/>
-              <a:t>Crush</a:t>
-            </a:r>
-            <a:r>
-              <a:rPr lang="ko-KR" altLang="en-US"/>
-              <a:t>를 유발했나</a:t>
-            </a:r>
-            <a:r>
-              <a:rPr lang="en-US" altLang="ko-KR"/>
-              <a:t>?</a:t>
-            </a:r>
-          </a:p>
-          <a:p>
-            <a:pPr marL="0" indent="0">
-              <a:buNone/>
-            </a:pPr>
-            <a:endParaRPr lang="en-US" altLang="ko-KR"/>
-          </a:p>
-          <a:p>
-            <a:pPr marL="0" indent="0">
-              <a:buNone/>
-            </a:pPr>
-            <a:r>
-              <a:rPr lang="en-US" altLang="ko-KR"/>
-              <a:t>-&gt; </a:t>
-            </a:r>
-            <a:r>
-              <a:rPr lang="ko-KR" altLang="en-US"/>
-              <a:t>패킷의 </a:t>
-            </a:r>
-            <a:r>
-              <a:rPr lang="en-US" altLang="ko-KR"/>
-              <a:t>Crush </a:t>
-            </a:r>
-            <a:r>
-              <a:rPr lang="ko-KR" altLang="en-US"/>
-              <a:t>유발 이유 분석 기능 추가</a:t>
-            </a:r>
-          </a:p>
-        </p:txBody>
-      </p:sp>
-    </p:spTree>
-    <p:extLst>
-      <p:ext uri="{BB962C8B-B14F-4D97-AF65-F5344CB8AC3E}">
-        <p14:creationId xmlns:p14="http://schemas.microsoft.com/office/powerpoint/2010/main" val="3946436717"/>
       </p:ext>
     </p:extLst>
   </p:cSld>
@@ -13300,7 +13493,7 @@
           <p:cNvPr id="2" name="제목 1">
             <a:extLst>
               <a:ext uri="{FF2B5EF4-FFF2-40B4-BE49-F238E27FC236}">
-                <a16:creationId xmlns:a16="http://schemas.microsoft.com/office/drawing/2014/main" id="{2ED11C5E-C48D-4E03-AEC3-2D274F050396}"/>
+                <a16:creationId xmlns:a16="http://schemas.microsoft.com/office/drawing/2014/main" id="{34BDF563-C7C2-4C2A-A799-D68A036CCAEC}"/>
               </a:ext>
             </a:extLst>
           </p:cNvPr>
@@ -13318,8 +13511,13 @@
           <a:p>
             <a:r>
               <a:rPr lang="ko-KR" altLang="en-US"/>
-              <a:t>참고자료</a:t>
-            </a:r>
+              <a:t>개선점 </a:t>
+            </a:r>
+            <a:r>
+              <a:rPr lang="en-US" altLang="ko-KR"/>
+              <a:t>1</a:t>
+            </a:r>
+            <a:endParaRPr lang="ko-KR" altLang="en-US"/>
           </a:p>
         </p:txBody>
       </p:sp>
@@ -13328,7 +13526,7 @@
           <p:cNvPr id="3" name="내용 개체 틀 2">
             <a:extLst>
               <a:ext uri="{FF2B5EF4-FFF2-40B4-BE49-F238E27FC236}">
-                <a16:creationId xmlns:a16="http://schemas.microsoft.com/office/drawing/2014/main" id="{3FC4A4FC-E71A-41B2-8DA3-BB606F22347F}"/>
+                <a16:creationId xmlns:a16="http://schemas.microsoft.com/office/drawing/2014/main" id="{2D9AF1DE-7638-4193-B160-8FE86C9A2D94}"/>
               </a:ext>
             </a:extLst>
           </p:cNvPr>
@@ -13339,216 +13537,44 @@
             <p:ph idx="1"/>
           </p:nvPr>
         </p:nvSpPr>
-        <p:spPr/>
+        <p:spPr>
+          <a:xfrm>
+            <a:off x="469900" y="3021013"/>
+            <a:ext cx="10883900" cy="815975"/>
+          </a:xfrm>
+        </p:spPr>
         <p:txBody>
           <a:bodyPr>
-            <a:normAutofit fontScale="70000" lnSpcReduction="20000"/>
+            <a:normAutofit/>
           </a:bodyPr>
           <a:lstStyle/>
           <a:p>
-            <a:r>
-              <a:rPr lang="en-US" altLang="ko-KR">
-                <a:hlinkClick r:id="rId2"/>
-              </a:rPr>
-              <a:t>http://blog.naver.com/siye1100/110171893416</a:t>
-            </a:r>
-            <a:r>
-              <a:rPr lang="en-US" altLang="ko-KR"/>
-              <a:t>(</a:t>
-            </a:r>
-            <a:r>
-              <a:rPr lang="ko-KR" altLang="en-US"/>
-              <a:t>연결방식</a:t>
-            </a:r>
-            <a:r>
-              <a:rPr lang="en-US" altLang="ko-KR"/>
-              <a:t>)</a:t>
-            </a:r>
-            <a:endParaRPr lang="ko-KR" altLang="en-US"/>
-          </a:p>
-          <a:p>
-            <a:r>
-              <a:rPr lang="en-US" altLang="ko-KR">
-                <a:hlinkClick r:id="rId3"/>
-              </a:rPr>
-              <a:t>http://www.ktword.co.kr/index.php</a:t>
-            </a:r>
-            <a:r>
-              <a:rPr lang="en-US" altLang="ko-KR"/>
-              <a:t> (</a:t>
-            </a:r>
-            <a:r>
-              <a:rPr lang="ko-KR" altLang="en-US"/>
-              <a:t>프레임 설명</a:t>
-            </a:r>
-            <a:r>
-              <a:rPr lang="en-US" altLang="ko-KR"/>
-              <a:t>)</a:t>
-            </a:r>
-          </a:p>
-          <a:p>
-            <a:r>
-              <a:rPr lang="en-US" altLang="ko-KR">
-                <a:hlinkClick r:id="rId4"/>
-              </a:rPr>
-              <a:t>https://mrncciew.com/2014/10/28/802-11-mgmt-association-reqresponse/</a:t>
-            </a:r>
-            <a:r>
-              <a:rPr lang="en-US" altLang="ko-KR"/>
-              <a:t> (</a:t>
-            </a:r>
-            <a:r>
-              <a:rPr lang="ko-KR" altLang="en-US"/>
-              <a:t>프레임 설명</a:t>
-            </a:r>
-            <a:r>
-              <a:rPr lang="en-US" altLang="ko-KR"/>
-              <a:t>)</a:t>
-            </a:r>
-          </a:p>
-          <a:p>
-            <a:r>
-              <a:rPr lang="en-US" altLang="ko-KR">
-                <a:hlinkClick r:id="rId5"/>
-              </a:rPr>
-              <a:t>https://github.com/secdev/scapy </a:t>
-            </a:r>
-            <a:r>
-              <a:rPr lang="en-US" altLang="ko-KR"/>
-              <a:t>(Scapy</a:t>
-            </a:r>
-            <a:r>
-              <a:rPr lang="ko-KR" altLang="en-US"/>
-              <a:t>코드 분석</a:t>
-            </a:r>
-            <a:r>
-              <a:rPr lang="en-US" altLang="ko-KR"/>
-              <a:t>)</a:t>
-            </a:r>
-          </a:p>
-          <a:p>
-            <a:r>
-              <a:rPr lang="en-US" altLang="ko-KR">
-                <a:hlinkClick r:id="rId6"/>
-              </a:rPr>
-              <a:t>http://www.secdev.org/projects/scapy/files/scapydoc.pdf</a:t>
-            </a:r>
-            <a:r>
-              <a:rPr lang="en-US" altLang="ko-KR"/>
-              <a:t> (scapy document)</a:t>
-            </a:r>
-          </a:p>
-          <a:p>
-            <a:r>
-              <a:rPr lang="en-US" altLang="ko-KR">
-                <a:hlinkClick r:id="rId7"/>
-              </a:rPr>
-              <a:t>http://hisjournal.net/doc/[KUCIS_Project]_Fuzzing_for_Finding_Vulnerabilities_by_CERT-IS.pdf</a:t>
-            </a:r>
-            <a:r>
-              <a:rPr lang="en-US" altLang="ko-KR"/>
-              <a:t> (fuzzing </a:t>
-            </a:r>
-            <a:r>
-              <a:rPr lang="ko-KR" altLang="en-US"/>
-              <a:t>개념</a:t>
-            </a:r>
-            <a:r>
-              <a:rPr lang="en-US" altLang="ko-KR"/>
-              <a:t>)</a:t>
-            </a:r>
-          </a:p>
-          <a:p>
-            <a:r>
-              <a:rPr lang="en-US" altLang="ko-KR">
-                <a:hlinkClick r:id="rId8"/>
-              </a:rPr>
-              <a:t>http://secuinside.com/archive/2016/2016-1-3.pdf</a:t>
-            </a:r>
-            <a:r>
-              <a:rPr lang="en-US" altLang="ko-KR"/>
-              <a:t> (fuzzer</a:t>
-            </a:r>
-            <a:r>
-              <a:rPr lang="ko-KR" altLang="en-US"/>
-              <a:t> 개념</a:t>
-            </a:r>
-            <a:r>
-              <a:rPr lang="en-US" altLang="ko-KR"/>
-              <a:t>)</a:t>
-            </a:r>
-          </a:p>
-          <a:p>
-            <a:r>
-              <a:rPr lang="en-US" altLang="ko-KR">
-                <a:hlinkClick r:id="rId9"/>
-              </a:rPr>
-              <a:t>https://wlan1nde.wordpress.com/2016/06/28/using-scapy-to-send-wlan-frames/</a:t>
-            </a:r>
-            <a:r>
-              <a:rPr lang="en-US" altLang="ko-KR"/>
-              <a:t> (fuzzer </a:t>
-            </a:r>
-            <a:r>
-              <a:rPr lang="ko-KR" altLang="en-US"/>
-              <a:t>코드</a:t>
-            </a:r>
-            <a:r>
-              <a:rPr lang="en-US" altLang="ko-KR"/>
-              <a:t>)</a:t>
-            </a:r>
-          </a:p>
-          <a:p>
-            <a:r>
-              <a:rPr lang="en-US" altLang="ko-KR">
-                <a:hlinkClick r:id="rId10"/>
-              </a:rPr>
-              <a:t>https://stackoverflow.com/questions/22670510/wireless-data-packet-capturing-with-help-of-scapy</a:t>
-            </a:r>
-            <a:r>
-              <a:rPr lang="en-US" altLang="ko-KR"/>
-              <a:t> (packet filter)</a:t>
-            </a:r>
-          </a:p>
-          <a:p>
-            <a:r>
-              <a:rPr lang="en-US" altLang="ko-KR">
-                <a:hlinkClick r:id="rId11"/>
-              </a:rPr>
-              <a:t>https://github.com/0xd012/wifuzzit</a:t>
-            </a:r>
-            <a:r>
-              <a:rPr lang="en-US" altLang="ko-KR"/>
-              <a:t> (fuzzer code)</a:t>
-            </a:r>
-          </a:p>
-          <a:p>
-            <a:r>
-              <a:rPr lang="en-US" altLang="ko-KR">
-                <a:hlinkClick r:id="rId12"/>
-              </a:rPr>
-              <a:t>https://github.com/OpenRCE/sulley</a:t>
-            </a:r>
-            <a:r>
-              <a:rPr lang="en-US" altLang="ko-KR"/>
-              <a:t> (fuzzer framework)</a:t>
-            </a:r>
-          </a:p>
-          <a:p>
-            <a:pPr marL="0" indent="0">
+            <a:pPr marL="0" indent="0" algn="ctr">
               <a:buNone/>
             </a:pPr>
-            <a:endParaRPr lang="en-US" altLang="ko-KR"/>
-          </a:p>
-          <a:p>
-            <a:endParaRPr lang="ko-KR" altLang="en-US"/>
+            <a:r>
+              <a:rPr lang="ko-KR" altLang="en-US" sz="5000"/>
+              <a:t>암호화된 </a:t>
+            </a:r>
+            <a:r>
+              <a:rPr lang="en-US" altLang="ko-KR" sz="5000"/>
+              <a:t>AP</a:t>
+            </a:r>
+            <a:r>
+              <a:rPr lang="ko-KR" altLang="en-US" sz="5000"/>
+              <a:t>로 </a:t>
+            </a:r>
+            <a:r>
+              <a:rPr lang="en-US" altLang="ko-KR" sz="5000"/>
+              <a:t>Test</a:t>
+            </a:r>
           </a:p>
         </p:txBody>
       </p:sp>
     </p:spTree>
     <p:extLst>
       <p:ext uri="{BB962C8B-B14F-4D97-AF65-F5344CB8AC3E}">
-        <p14:creationId xmlns:p14="http://schemas.microsoft.com/office/powerpoint/2010/main" val="1425110575"/>
+        <p14:creationId xmlns:p14="http://schemas.microsoft.com/office/powerpoint/2010/main" val="1232744563"/>
       </p:ext>
     </p:extLst>
   </p:cSld>
@@ -13577,37 +13603,166 @@
       </p:grpSpPr>
       <p:sp>
         <p:nvSpPr>
-          <p:cNvPr id="2" name="제목 1"/>
+          <p:cNvPr id="2" name="제목 1">
+            <a:extLst>
+              <a:ext uri="{FF2B5EF4-FFF2-40B4-BE49-F238E27FC236}">
+                <a16:creationId xmlns:a16="http://schemas.microsoft.com/office/drawing/2014/main" id="{34BDF563-C7C2-4C2A-A799-D68A036CCAEC}"/>
+              </a:ext>
+            </a:extLst>
+          </p:cNvPr>
           <p:cNvSpPr>
             <a:spLocks noGrp="1"/>
           </p:cNvSpPr>
           <p:nvPr>
             <p:ph type="title"/>
+          </p:nvPr>
+        </p:nvSpPr>
+        <p:spPr/>
+        <p:txBody>
+          <a:bodyPr/>
+          <a:lstStyle/>
+          <a:p>
+            <a:r>
+              <a:rPr lang="ko-KR" altLang="en-US"/>
+              <a:t>개선점 </a:t>
+            </a:r>
+            <a:r>
+              <a:rPr lang="en-US" altLang="ko-KR"/>
+              <a:t>2</a:t>
+            </a:r>
+            <a:endParaRPr lang="ko-KR" altLang="en-US"/>
+          </a:p>
+        </p:txBody>
+      </p:sp>
+      <p:sp>
+        <p:nvSpPr>
+          <p:cNvPr id="3" name="내용 개체 틀 2">
+            <a:extLst>
+              <a:ext uri="{FF2B5EF4-FFF2-40B4-BE49-F238E27FC236}">
+                <a16:creationId xmlns:a16="http://schemas.microsoft.com/office/drawing/2014/main" id="{2D9AF1DE-7638-4193-B160-8FE86C9A2D94}"/>
+              </a:ext>
+            </a:extLst>
+          </p:cNvPr>
+          <p:cNvSpPr>
+            <a:spLocks noGrp="1"/>
+          </p:cNvSpPr>
+          <p:nvPr>
+            <p:ph idx="1"/>
           </p:nvPr>
         </p:nvSpPr>
         <p:spPr>
           <a:xfrm>
-            <a:off x="838200" y="2766220"/>
-            <a:ext cx="10515600" cy="1325563"/>
+            <a:off x="469900" y="1825625"/>
+            <a:ext cx="10883900" cy="4351338"/>
           </a:xfrm>
         </p:spPr>
         <p:txBody>
           <a:bodyPr/>
           <a:lstStyle/>
           <a:p>
-            <a:pPr algn="ctr"/>
-            <a:r>
-              <a:rPr lang="en-US" altLang="ko-KR"/>
-              <a:t>Q&amp;A</a:t>
-            </a:r>
-            <a:endParaRPr lang="ko-KR" altLang="en-US"/>
+            <a:pPr marL="0" indent="0">
+              <a:buNone/>
+            </a:pPr>
+            <a:r>
+              <a:rPr lang="en-US" altLang="ko-KR"/>
+              <a:t>1. mutate</a:t>
+            </a:r>
+            <a:r>
+              <a:rPr lang="ko-KR" altLang="en-US"/>
+              <a:t>된 패킷을 </a:t>
+            </a:r>
+            <a:r>
+              <a:rPr lang="en-US" altLang="ko-KR"/>
+              <a:t>1000</a:t>
+            </a:r>
+            <a:r>
+              <a:rPr lang="ko-KR" altLang="en-US"/>
+              <a:t>개씩 보낸다</a:t>
+            </a:r>
+            <a:r>
+              <a:rPr lang="en-US" altLang="ko-KR"/>
+              <a:t>. </a:t>
+            </a:r>
+          </a:p>
+          <a:p>
+            <a:pPr marL="0" indent="0">
+              <a:buNone/>
+            </a:pPr>
+            <a:r>
+              <a:rPr lang="en-US" altLang="ko-KR"/>
+              <a:t>2. </a:t>
+            </a:r>
+            <a:r>
+              <a:rPr lang="ko-KR" altLang="en-US"/>
+              <a:t>그 후</a:t>
+            </a:r>
+            <a:r>
+              <a:rPr lang="en-US" altLang="ko-KR"/>
+              <a:t>, normal </a:t>
+            </a:r>
+            <a:r>
+              <a:rPr lang="ko-KR" altLang="en-US"/>
+              <a:t>패킷을 보내서 </a:t>
+            </a:r>
+            <a:r>
+              <a:rPr lang="en-US" altLang="ko-KR"/>
+              <a:t>response</a:t>
+            </a:r>
+            <a:r>
+              <a:rPr lang="ko-KR" altLang="en-US"/>
+              <a:t>를 확인하는 과정</a:t>
+            </a:r>
+            <a:endParaRPr lang="en-US" altLang="ko-KR"/>
+          </a:p>
+          <a:p>
+            <a:pPr marL="0" indent="0">
+              <a:buNone/>
+            </a:pPr>
+            <a:r>
+              <a:rPr lang="en-US" altLang="ko-KR"/>
+              <a:t>3. 1000</a:t>
+            </a:r>
+            <a:r>
+              <a:rPr lang="ko-KR" altLang="en-US"/>
+              <a:t>개중 어떤 패킷이 </a:t>
+            </a:r>
+            <a:r>
+              <a:rPr lang="en-US" altLang="ko-KR"/>
+              <a:t>Crush</a:t>
+            </a:r>
+            <a:r>
+              <a:rPr lang="ko-KR" altLang="en-US"/>
+              <a:t>를 냈을까</a:t>
+            </a:r>
+            <a:r>
+              <a:rPr lang="en-US" altLang="ko-KR"/>
+              <a:t>???</a:t>
+            </a:r>
+          </a:p>
+          <a:p>
+            <a:pPr marL="0" indent="0">
+              <a:buNone/>
+            </a:pPr>
+            <a:endParaRPr lang="en-US" altLang="ko-KR"/>
+          </a:p>
+          <a:p>
+            <a:pPr marL="0" indent="0">
+              <a:buNone/>
+            </a:pPr>
+            <a:endParaRPr lang="en-US" altLang="ko-KR"/>
+          </a:p>
+          <a:p>
+            <a:pPr marL="0" indent="0">
+              <a:buNone/>
+            </a:pPr>
+            <a:endParaRPr lang="en-US" altLang="ko-KR"/>
           </a:p>
         </p:txBody>
       </p:sp>
     </p:spTree>
     <p:extLst>
       <p:ext uri="{BB962C8B-B14F-4D97-AF65-F5344CB8AC3E}">
-        <p14:creationId xmlns:p14="http://schemas.microsoft.com/office/powerpoint/2010/main" val="3070793222"/>
+        <p14:creationId xmlns:p14="http://schemas.microsoft.com/office/powerpoint/2010/main" val="1431110160"/>
       </p:ext>
     </p:extLst>
   </p:cSld>
@@ -13639,7 +13794,7 @@
           <p:cNvPr id="2" name="제목 1">
             <a:extLst>
               <a:ext uri="{FF2B5EF4-FFF2-40B4-BE49-F238E27FC236}">
-                <a16:creationId xmlns:a16="http://schemas.microsoft.com/office/drawing/2014/main" id="{B6BB2A9D-200A-439B-9EFD-45676749385A}"/>
+                <a16:creationId xmlns:a16="http://schemas.microsoft.com/office/drawing/2014/main" id="{34BDF563-C7C2-4C2A-A799-D68A036CCAEC}"/>
               </a:ext>
             </a:extLst>
           </p:cNvPr>
@@ -13657,48 +13812,168 @@
           <a:p>
             <a:r>
               <a:rPr lang="ko-KR" altLang="en-US"/>
-              <a:t>여기서부턴 예상질문</a:t>
-            </a:r>
-            <a:r>
-              <a:rPr lang="en-US" altLang="ko-KR"/>
-              <a:t>, </a:t>
+              <a:t>개선점 </a:t>
+            </a:r>
+            <a:r>
+              <a:rPr lang="en-US" altLang="ko-KR"/>
+              <a:t>2</a:t>
+            </a:r>
+            <a:endParaRPr lang="ko-KR" altLang="en-US"/>
+          </a:p>
+        </p:txBody>
+      </p:sp>
+      <p:sp>
+        <p:nvSpPr>
+          <p:cNvPr id="3" name="내용 개체 틀 2">
+            <a:extLst>
+              <a:ext uri="{FF2B5EF4-FFF2-40B4-BE49-F238E27FC236}">
+                <a16:creationId xmlns:a16="http://schemas.microsoft.com/office/drawing/2014/main" id="{2D9AF1DE-7638-4193-B160-8FE86C9A2D94}"/>
+              </a:ext>
+            </a:extLst>
+          </p:cNvPr>
+          <p:cNvSpPr>
+            <a:spLocks noGrp="1"/>
+          </p:cNvSpPr>
+          <p:nvPr>
+            <p:ph idx="1"/>
+          </p:nvPr>
+        </p:nvSpPr>
+        <p:spPr>
+          <a:xfrm>
+            <a:off x="469900" y="1825625"/>
+            <a:ext cx="10883900" cy="4351338"/>
+          </a:xfrm>
+        </p:spPr>
+        <p:txBody>
+          <a:bodyPr/>
+          <a:lstStyle/>
+          <a:p>
+            <a:pPr marL="0" indent="0">
+              <a:buNone/>
+            </a:pPr>
+            <a:r>
+              <a:rPr lang="en-US" altLang="ko-KR"/>
+              <a:t>1. mutate</a:t>
             </a:r>
             <a:r>
               <a:rPr lang="ko-KR" altLang="en-US"/>
-              <a:t>실습필요자료</a:t>
-            </a:r>
-          </a:p>
-        </p:txBody>
-      </p:sp>
-      <p:sp>
-        <p:nvSpPr>
-          <p:cNvPr id="3" name="내용 개체 틀 2">
-            <a:extLst>
-              <a:ext uri="{FF2B5EF4-FFF2-40B4-BE49-F238E27FC236}">
-                <a16:creationId xmlns:a16="http://schemas.microsoft.com/office/drawing/2014/main" id="{87FF1DF6-AC36-4DDB-9944-1C88D35ECBBB}"/>
-              </a:ext>
-            </a:extLst>
-          </p:cNvPr>
-          <p:cNvSpPr>
-            <a:spLocks noGrp="1"/>
-          </p:cNvSpPr>
-          <p:nvPr>
-            <p:ph idx="1"/>
-          </p:nvPr>
-        </p:nvSpPr>
-        <p:spPr/>
-        <p:txBody>
-          <a:bodyPr/>
-          <a:lstStyle/>
-          <a:p>
-            <a:endParaRPr lang="ko-KR" altLang="en-US"/>
+              <a:t>된 패킷을 </a:t>
+            </a:r>
+            <a:r>
+              <a:rPr lang="en-US" altLang="ko-KR"/>
+              <a:t>1000</a:t>
+            </a:r>
+            <a:r>
+              <a:rPr lang="ko-KR" altLang="en-US"/>
+              <a:t>개씩 보낸다</a:t>
+            </a:r>
+            <a:r>
+              <a:rPr lang="en-US" altLang="ko-KR"/>
+              <a:t>. </a:t>
+            </a:r>
+          </a:p>
+          <a:p>
+            <a:pPr marL="0" indent="0">
+              <a:buNone/>
+            </a:pPr>
+            <a:r>
+              <a:rPr lang="en-US" altLang="ko-KR"/>
+              <a:t>2. </a:t>
+            </a:r>
+            <a:r>
+              <a:rPr lang="ko-KR" altLang="en-US"/>
+              <a:t>그 후</a:t>
+            </a:r>
+            <a:r>
+              <a:rPr lang="en-US" altLang="ko-KR"/>
+              <a:t>, normal </a:t>
+            </a:r>
+            <a:r>
+              <a:rPr lang="ko-KR" altLang="en-US"/>
+              <a:t>패킷을 보내서 </a:t>
+            </a:r>
+            <a:r>
+              <a:rPr lang="en-US" altLang="ko-KR"/>
+              <a:t>response</a:t>
+            </a:r>
+            <a:r>
+              <a:rPr lang="ko-KR" altLang="en-US"/>
+              <a:t>를 확인하는 과정</a:t>
+            </a:r>
+            <a:endParaRPr lang="en-US" altLang="ko-KR"/>
+          </a:p>
+          <a:p>
+            <a:pPr marL="0" indent="0">
+              <a:buNone/>
+            </a:pPr>
+            <a:r>
+              <a:rPr lang="en-US" altLang="ko-KR"/>
+              <a:t>3. 1000</a:t>
+            </a:r>
+            <a:r>
+              <a:rPr lang="ko-KR" altLang="en-US"/>
+              <a:t>개중 어떤 패킷이 </a:t>
+            </a:r>
+            <a:r>
+              <a:rPr lang="en-US" altLang="ko-KR"/>
+              <a:t>Crush</a:t>
+            </a:r>
+            <a:r>
+              <a:rPr lang="ko-KR" altLang="en-US"/>
+              <a:t>를 냈을까</a:t>
+            </a:r>
+            <a:r>
+              <a:rPr lang="en-US" altLang="ko-KR"/>
+              <a:t>???</a:t>
+            </a:r>
+          </a:p>
+          <a:p>
+            <a:pPr marL="0" indent="0">
+              <a:buNone/>
+            </a:pPr>
+            <a:endParaRPr lang="en-US" altLang="ko-KR"/>
+          </a:p>
+          <a:p>
+            <a:pPr marL="0" indent="0">
+              <a:buNone/>
+            </a:pPr>
+            <a:r>
+              <a:rPr lang="en-US" altLang="ko-KR"/>
+              <a:t>Crush </a:t>
+            </a:r>
+            <a:r>
+              <a:rPr lang="ko-KR" altLang="en-US"/>
+              <a:t>패킷 추적 모듈 추가 </a:t>
+            </a:r>
+            <a:r>
+              <a:rPr lang="en-US" altLang="ko-KR"/>
+              <a:t>!</a:t>
+            </a:r>
+          </a:p>
+          <a:p>
+            <a:pPr marL="0" indent="0">
+              <a:buNone/>
+            </a:pPr>
+            <a:endParaRPr lang="en-US" altLang="ko-KR"/>
+          </a:p>
+          <a:p>
+            <a:pPr marL="0" indent="0">
+              <a:buNone/>
+            </a:pPr>
+            <a:endParaRPr lang="en-US" altLang="ko-KR"/>
+          </a:p>
+          <a:p>
+            <a:pPr marL="0" indent="0">
+              <a:buNone/>
+            </a:pPr>
+            <a:endParaRPr lang="en-US" altLang="ko-KR"/>
           </a:p>
         </p:txBody>
       </p:sp>
     </p:spTree>
     <p:extLst>
       <p:ext uri="{BB962C8B-B14F-4D97-AF65-F5344CB8AC3E}">
-        <p14:creationId xmlns:p14="http://schemas.microsoft.com/office/powerpoint/2010/main" val="2260017133"/>
+        <p14:creationId xmlns:p14="http://schemas.microsoft.com/office/powerpoint/2010/main" val="1420683309"/>
       </p:ext>
     </p:extLst>
   </p:cSld>
@@ -13741,219 +14016,53 @@
             <p:ph type="title"/>
           </p:nvPr>
         </p:nvSpPr>
+        <p:spPr/>
+        <p:txBody>
+          <a:bodyPr/>
+          <a:lstStyle/>
+          <a:p>
+            <a:r>
+              <a:rPr lang="en-US" altLang="ko-KR"/>
+              <a:t>Fuzzing</a:t>
+            </a:r>
+            <a:endParaRPr lang="ko-KR" altLang="en-US"/>
+          </a:p>
+        </p:txBody>
+      </p:sp>
+      <p:pic>
+        <p:nvPicPr>
+          <p:cNvPr id="4" name="그림 3">
+            <a:extLst>
+              <a:ext uri="{FF2B5EF4-FFF2-40B4-BE49-F238E27FC236}">
+                <a16:creationId xmlns:a16="http://schemas.microsoft.com/office/drawing/2014/main" id="{224F7006-F381-4FA0-8DA5-73FA1C135228}"/>
+              </a:ext>
+            </a:extLst>
+          </p:cNvPr>
+          <p:cNvPicPr>
+            <a:picLocks noChangeAspect="1"/>
+          </p:cNvPicPr>
+          <p:nvPr/>
+        </p:nvPicPr>
+        <p:blipFill>
+          <a:blip r:embed="rId2"/>
+          <a:stretch>
+            <a:fillRect/>
+          </a:stretch>
+        </p:blipFill>
         <p:spPr>
           <a:xfrm>
-            <a:off x="838200" y="365125"/>
-            <a:ext cx="10515600" cy="1325563"/>
-          </a:xfrm>
-        </p:spPr>
-        <p:txBody>
-          <a:bodyPr/>
-          <a:lstStyle/>
-          <a:p>
-            <a:r>
-              <a:rPr lang="en-US" altLang="ko-KR"/>
-              <a:t>Fuzzing Type</a:t>
-            </a:r>
-            <a:endParaRPr lang="ko-KR" altLang="en-US"/>
-          </a:p>
-        </p:txBody>
-      </p:sp>
-      <p:sp>
-        <p:nvSpPr>
-          <p:cNvPr id="4" name="TextBox 3">
-            <a:extLst>
-              <a:ext uri="{FF2B5EF4-FFF2-40B4-BE49-F238E27FC236}">
-                <a16:creationId xmlns:a16="http://schemas.microsoft.com/office/drawing/2014/main" id="{DB445C6C-7B36-4D9D-A73D-C70DFEE8D292}"/>
-              </a:ext>
-            </a:extLst>
-          </p:cNvPr>
-          <p:cNvSpPr txBox="1"/>
-          <p:nvPr/>
-        </p:nvSpPr>
-        <p:spPr>
-          <a:xfrm>
-            <a:off x="2222500" y="1854200"/>
-            <a:ext cx="9542997" cy="4247317"/>
+            <a:off x="838200" y="1857375"/>
+            <a:ext cx="4406900" cy="2203450"/>
           </a:xfrm>
           <a:prstGeom prst="rect">
             <a:avLst/>
           </a:prstGeom>
-          <a:noFill/>
         </p:spPr>
-        <p:txBody>
-          <a:bodyPr wrap="none" rtlCol="0">
-            <a:spAutoFit/>
-          </a:bodyPr>
-          <a:lstStyle/>
-          <a:p>
-            <a:r>
-              <a:rPr lang="ko-KR" altLang="en-US" sz="3000"/>
-              <a:t> * 로컬 </a:t>
-            </a:r>
-            <a:r>
-              <a:rPr lang="en-US" altLang="ko-KR" sz="3000" err="1"/>
-              <a:t>Fuzzer</a:t>
-            </a:r>
-            <a:br>
-              <a:rPr lang="ko-KR" altLang="en-US" sz="3000"/>
-            </a:br>
-            <a:r>
-              <a:rPr lang="ko-KR" altLang="en-US" sz="3000"/>
-              <a:t>  </a:t>
-            </a:r>
-            <a:r>
-              <a:rPr lang="en-US" altLang="ko-KR" sz="3000"/>
-              <a:t>- </a:t>
-            </a:r>
-            <a:r>
-              <a:rPr lang="ko-KR" altLang="en-US" sz="3000"/>
-              <a:t>프로그램 실행 변수</a:t>
-            </a:r>
-            <a:r>
-              <a:rPr lang="en-US" altLang="ko-KR" sz="3000"/>
-              <a:t>(Command-Line) </a:t>
-            </a:r>
-            <a:r>
-              <a:rPr lang="ko-KR" altLang="en-US" sz="3000"/>
-              <a:t>및 환경 변수</a:t>
-            </a:r>
-            <a:r>
-              <a:rPr lang="en-US" altLang="ko-KR" sz="3000"/>
-              <a:t>, </a:t>
-            </a:r>
-          </a:p>
-          <a:p>
-            <a:r>
-              <a:rPr lang="en-US" altLang="ko-KR" sz="3000"/>
-              <a:t>    </a:t>
-            </a:r>
-            <a:r>
-              <a:rPr lang="ko-KR" altLang="en-US" sz="3000" err="1"/>
-              <a:t>파일포멧을</a:t>
-            </a:r>
-            <a:r>
-              <a:rPr lang="ko-KR" altLang="en-US" sz="3000"/>
-              <a:t> 통한 </a:t>
-            </a:r>
-            <a:r>
-              <a:rPr lang="en-US" altLang="ko-KR" sz="3000" err="1"/>
-              <a:t>Fuzzer</a:t>
-            </a:r>
-            <a:br>
-              <a:rPr lang="ko-KR" altLang="en-US" sz="3000"/>
-            </a:br>
-            <a:r>
-              <a:rPr lang="ko-KR" altLang="en-US" sz="3000"/>
-              <a:t> * 원격 조작</a:t>
-            </a:r>
-            <a:br>
-              <a:rPr lang="ko-KR" altLang="en-US" sz="3000"/>
-            </a:br>
-            <a:r>
-              <a:rPr lang="ko-KR" altLang="en-US" sz="3000"/>
-              <a:t> * 네트워크 프로토콜</a:t>
-            </a:r>
-            <a:br>
-              <a:rPr lang="ko-KR" altLang="en-US" sz="3000"/>
-            </a:br>
-            <a:r>
-              <a:rPr lang="ko-KR" altLang="en-US" sz="3000"/>
-              <a:t> * 웹 어플리케이션</a:t>
-            </a:r>
-            <a:br>
-              <a:rPr lang="ko-KR" altLang="en-US" sz="3000"/>
-            </a:br>
-            <a:r>
-              <a:rPr lang="ko-KR" altLang="en-US" sz="3000"/>
-              <a:t> * 웹 </a:t>
-            </a:r>
-            <a:r>
-              <a:rPr lang="ko-KR" altLang="en-US" sz="3000" err="1"/>
-              <a:t>브라우져</a:t>
-            </a:r>
-            <a:br>
-              <a:rPr lang="ko-KR" altLang="en-US" sz="3000"/>
-            </a:br>
-            <a:r>
-              <a:rPr lang="ko-KR" altLang="en-US" sz="3000"/>
-              <a:t> * </a:t>
-            </a:r>
-            <a:r>
-              <a:rPr lang="en-US" altLang="ko-KR" sz="3000"/>
-              <a:t>In-Memory</a:t>
-            </a:r>
-            <a:br>
-              <a:rPr lang="ko-KR" altLang="en-US" sz="3000"/>
-            </a:br>
-            <a:r>
-              <a:rPr lang="ko-KR" altLang="en-US" sz="3000"/>
-              <a:t> * 프레임워크</a:t>
-            </a:r>
-          </a:p>
-        </p:txBody>
-      </p:sp>
-      <p:sp>
-        <p:nvSpPr>
-          <p:cNvPr id="3" name="타원 2">
-            <a:extLst>
-              <a:ext uri="{FF2B5EF4-FFF2-40B4-BE49-F238E27FC236}">
-                <a16:creationId xmlns:a16="http://schemas.microsoft.com/office/drawing/2014/main" id="{BACA9974-384E-48ED-A9E7-9DE667471338}"/>
-              </a:ext>
-            </a:extLst>
-          </p:cNvPr>
-          <p:cNvSpPr/>
-          <p:nvPr/>
-        </p:nvSpPr>
-        <p:spPr>
-          <a:xfrm>
-            <a:off x="2222500" y="3543300"/>
-            <a:ext cx="4038600" cy="787400"/>
-          </a:xfrm>
-          <a:prstGeom prst="ellipse">
-            <a:avLst/>
-          </a:prstGeom>
-          <a:noFill/>
-          <a:ln w="38100">
-            <a:solidFill>
-              <a:srgbClr val="FF0000"/>
-            </a:solidFill>
-          </a:ln>
-        </p:spPr>
-        <p:style>
-          <a:lnRef idx="2">
-            <a:schemeClr val="accent1">
-              <a:shade val="50000"/>
-            </a:schemeClr>
-          </a:lnRef>
-          <a:fillRef idx="1">
-            <a:schemeClr val="accent1"/>
-          </a:fillRef>
-          <a:effectRef idx="0">
-            <a:schemeClr val="accent1"/>
-          </a:effectRef>
-          <a:fontRef idx="minor">
-            <a:schemeClr val="lt1"/>
-          </a:fontRef>
-        </p:style>
-        <p:txBody>
-          <a:bodyPr rot="0" spcFirstLastPara="0" vertOverflow="overflow" horzOverflow="overflow" vert="horz" wrap="square" lIns="91440" tIns="45720" rIns="91440" bIns="45720" numCol="1" spcCol="0" rtlCol="0" fromWordArt="0" anchor="ctr" anchorCtr="0" forceAA="0" compatLnSpc="1">
-            <a:prstTxWarp prst="textNoShape">
-              <a:avLst/>
-            </a:prstTxWarp>
-            <a:noAutofit/>
-          </a:bodyPr>
-          <a:lstStyle/>
-          <a:p>
-            <a:pPr algn="ctr"/>
-            <a:endParaRPr lang="ko-KR" altLang="en-US"/>
-          </a:p>
-        </p:txBody>
-      </p:sp>
+      </p:pic>
     </p:spTree>
     <p:extLst>
       <p:ext uri="{BB962C8B-B14F-4D97-AF65-F5344CB8AC3E}">
-        <p14:creationId xmlns:p14="http://schemas.microsoft.com/office/powerpoint/2010/main" val="362368248"/>
+        <p14:creationId xmlns:p14="http://schemas.microsoft.com/office/powerpoint/2010/main" val="879325802"/>
       </p:ext>
     </p:extLst>
   </p:cSld>
@@ -13985,7 +14094,7 @@
           <p:cNvPr id="2" name="제목 1">
             <a:extLst>
               <a:ext uri="{FF2B5EF4-FFF2-40B4-BE49-F238E27FC236}">
-                <a16:creationId xmlns:a16="http://schemas.microsoft.com/office/drawing/2014/main" id="{B7F26178-E7F4-4F5B-8406-068240184CD5}"/>
+                <a16:creationId xmlns:a16="http://schemas.microsoft.com/office/drawing/2014/main" id="{0447B1D2-0242-4A0C-B1F1-C59AE57A1F69}"/>
               </a:ext>
             </a:extLst>
           </p:cNvPr>
@@ -14002,15 +14111,12 @@
           <a:lstStyle/>
           <a:p>
             <a:r>
-              <a:rPr lang="en-US" altLang="ko-KR"/>
-              <a:t>Wireshark Filter Condition for </a:t>
-            </a:r>
-            <a:br>
-              <a:rPr lang="en-US" altLang="ko-KR"/>
-            </a:br>
-            <a:r>
-              <a:rPr lang="en-US" altLang="ko-KR"/>
-              <a:t>MAC Frame</a:t>
+              <a:rPr lang="ko-KR" altLang="en-US"/>
+              <a:t>개선점 </a:t>
+            </a:r>
+            <a:r>
+              <a:rPr lang="en-US" altLang="ko-KR"/>
+              <a:t>3</a:t>
             </a:r>
             <a:endParaRPr lang="ko-KR" altLang="en-US"/>
           </a:p>
@@ -14021,7 +14127,7 @@
           <p:cNvPr id="3" name="내용 개체 틀 2">
             <a:extLst>
               <a:ext uri="{FF2B5EF4-FFF2-40B4-BE49-F238E27FC236}">
-                <a16:creationId xmlns:a16="http://schemas.microsoft.com/office/drawing/2014/main" id="{1254C262-2441-4A7F-B990-1AAF2515FAA1}"/>
+                <a16:creationId xmlns:a16="http://schemas.microsoft.com/office/drawing/2014/main" id="{7C8452B1-F537-4835-845E-0843B64A7660}"/>
               </a:ext>
             </a:extLst>
           </p:cNvPr>
@@ -14034,88 +14140,70 @@
         </p:nvSpPr>
         <p:spPr/>
         <p:txBody>
-          <a:bodyPr>
-            <a:normAutofit/>
-          </a:bodyPr>
-          <a:lstStyle/>
-          <a:p>
-            <a:pPr marL="0" indent="0" algn="ctr">
+          <a:bodyPr/>
+          <a:lstStyle/>
+          <a:p>
+            <a:pPr marL="0" indent="0">
               <a:buNone/>
             </a:pPr>
             <a:r>
-              <a:rPr lang="en-US" altLang="ko-KR" sz="5000" err="1"/>
-              <a:t>wlan.fc.type_subtype</a:t>
-            </a:r>
-            <a:r>
-              <a:rPr lang="en-US" altLang="ko-KR" sz="5000"/>
-              <a:t> == 8</a:t>
-            </a:r>
-          </a:p>
-          <a:p>
-            <a:pPr marL="0" indent="0" algn="ctr">
+              <a:rPr lang="ko-KR" altLang="en-US"/>
+              <a:t>추적된 패킷이 왜 이 </a:t>
+            </a:r>
+            <a:r>
+              <a:rPr lang="en-US" altLang="ko-KR"/>
+              <a:t>AP</a:t>
+            </a:r>
+            <a:r>
+              <a:rPr lang="ko-KR" altLang="en-US"/>
+              <a:t>에 </a:t>
+            </a:r>
+            <a:r>
+              <a:rPr lang="en-US" altLang="ko-KR"/>
+              <a:t>Crush</a:t>
+            </a:r>
+            <a:r>
+              <a:rPr lang="ko-KR" altLang="en-US"/>
+              <a:t>를 유발했나</a:t>
+            </a:r>
+            <a:r>
+              <a:rPr lang="en-US" altLang="ko-KR"/>
+              <a:t>?</a:t>
+            </a:r>
+          </a:p>
+          <a:p>
+            <a:pPr marL="0" indent="0">
               <a:buNone/>
             </a:pPr>
-            <a:r>
-              <a:rPr lang="en-US" altLang="ko-KR" sz="5000"/>
-              <a:t>Or </a:t>
-            </a:r>
-            <a:r>
-              <a:rPr lang="en-US" altLang="ko-KR" sz="5000" err="1"/>
-              <a:t>wlan.fc.type_subtype</a:t>
-            </a:r>
-            <a:r>
-              <a:rPr lang="en-US" altLang="ko-KR" sz="5000"/>
-              <a:t> == 11</a:t>
-            </a:r>
-          </a:p>
-          <a:p>
-            <a:pPr marL="0" indent="0" algn="ctr">
+            <a:endParaRPr lang="en-US" altLang="ko-KR"/>
+          </a:p>
+          <a:p>
+            <a:pPr marL="0" indent="0">
               <a:buNone/>
             </a:pPr>
             <a:r>
-              <a:rPr lang="en-US" altLang="ko-KR" sz="5000"/>
-              <a:t>Or </a:t>
-            </a:r>
-            <a:r>
-              <a:rPr lang="en-US" altLang="ko-KR" sz="5000" err="1"/>
-              <a:t>wlan.fc.type_subtype</a:t>
-            </a:r>
-            <a:r>
-              <a:rPr lang="en-US" altLang="ko-KR" sz="5000"/>
-              <a:t> == 0</a:t>
-            </a:r>
-            <a:endParaRPr lang="ko-KR" altLang="en-US" sz="5000"/>
-          </a:p>
-          <a:p>
-            <a:pPr marL="0" indent="0" algn="ctr">
-              <a:buNone/>
-            </a:pPr>
-            <a:r>
-              <a:rPr lang="en-US" altLang="ko-KR" sz="5000"/>
-              <a:t>Or </a:t>
-            </a:r>
-            <a:r>
-              <a:rPr lang="en-US" altLang="ko-KR" sz="5000" err="1"/>
-              <a:t>wlan.fc.type_subtype</a:t>
-            </a:r>
-            <a:r>
-              <a:rPr lang="en-US" altLang="ko-KR" sz="5000"/>
-              <a:t> == 1</a:t>
-            </a:r>
-            <a:endParaRPr lang="ko-KR" altLang="en-US" sz="5000"/>
-          </a:p>
-          <a:p>
-            <a:pPr marL="0" indent="0" algn="ctr">
-              <a:buNone/>
-            </a:pPr>
-            <a:endParaRPr lang="ko-KR" altLang="en-US" sz="5000"/>
+              <a:rPr lang="en-US" altLang="ko-KR"/>
+              <a:t>-&gt; </a:t>
+            </a:r>
+            <a:r>
+              <a:rPr lang="ko-KR" altLang="en-US"/>
+              <a:t>패킷의 </a:t>
+            </a:r>
+            <a:r>
+              <a:rPr lang="en-US" altLang="ko-KR"/>
+              <a:t>Crush </a:t>
+            </a:r>
+            <a:r>
+              <a:rPr lang="ko-KR" altLang="en-US"/>
+              <a:t>유발 이유 분석 기능 추가</a:t>
+            </a:r>
           </a:p>
         </p:txBody>
       </p:sp>
     </p:spTree>
     <p:extLst>
       <p:ext uri="{BB962C8B-B14F-4D97-AF65-F5344CB8AC3E}">
-        <p14:creationId xmlns:p14="http://schemas.microsoft.com/office/powerpoint/2010/main" val="2909938906"/>
+        <p14:creationId xmlns:p14="http://schemas.microsoft.com/office/powerpoint/2010/main" val="3946436717"/>
       </p:ext>
     </p:extLst>
   </p:cSld>
@@ -14147,6 +14235,598 @@
           <p:cNvPr id="2" name="제목 1">
             <a:extLst>
               <a:ext uri="{FF2B5EF4-FFF2-40B4-BE49-F238E27FC236}">
+                <a16:creationId xmlns:a16="http://schemas.microsoft.com/office/drawing/2014/main" id="{2ED11C5E-C48D-4E03-AEC3-2D274F050396}"/>
+              </a:ext>
+            </a:extLst>
+          </p:cNvPr>
+          <p:cNvSpPr>
+            <a:spLocks noGrp="1"/>
+          </p:cNvSpPr>
+          <p:nvPr>
+            <p:ph type="title"/>
+          </p:nvPr>
+        </p:nvSpPr>
+        <p:spPr/>
+        <p:txBody>
+          <a:bodyPr/>
+          <a:lstStyle/>
+          <a:p>
+            <a:r>
+              <a:rPr lang="ko-KR" altLang="en-US"/>
+              <a:t>참고자료</a:t>
+            </a:r>
+          </a:p>
+        </p:txBody>
+      </p:sp>
+      <p:sp>
+        <p:nvSpPr>
+          <p:cNvPr id="3" name="내용 개체 틀 2">
+            <a:extLst>
+              <a:ext uri="{FF2B5EF4-FFF2-40B4-BE49-F238E27FC236}">
+                <a16:creationId xmlns:a16="http://schemas.microsoft.com/office/drawing/2014/main" id="{3FC4A4FC-E71A-41B2-8DA3-BB606F22347F}"/>
+              </a:ext>
+            </a:extLst>
+          </p:cNvPr>
+          <p:cNvSpPr>
+            <a:spLocks noGrp="1"/>
+          </p:cNvSpPr>
+          <p:nvPr>
+            <p:ph idx="1"/>
+          </p:nvPr>
+        </p:nvSpPr>
+        <p:spPr/>
+        <p:txBody>
+          <a:bodyPr>
+            <a:normAutofit fontScale="70000" lnSpcReduction="20000"/>
+          </a:bodyPr>
+          <a:lstStyle/>
+          <a:p>
+            <a:r>
+              <a:rPr lang="en-US" altLang="ko-KR">
+                <a:hlinkClick r:id="rId2"/>
+              </a:rPr>
+              <a:t>http://blog.naver.com/siye1100/110171893416</a:t>
+            </a:r>
+            <a:r>
+              <a:rPr lang="en-US" altLang="ko-KR"/>
+              <a:t>(</a:t>
+            </a:r>
+            <a:r>
+              <a:rPr lang="ko-KR" altLang="en-US"/>
+              <a:t>연결방식</a:t>
+            </a:r>
+            <a:r>
+              <a:rPr lang="en-US" altLang="ko-KR"/>
+              <a:t>)</a:t>
+            </a:r>
+            <a:endParaRPr lang="ko-KR" altLang="en-US"/>
+          </a:p>
+          <a:p>
+            <a:r>
+              <a:rPr lang="en-US" altLang="ko-KR">
+                <a:hlinkClick r:id="rId3"/>
+              </a:rPr>
+              <a:t>http://www.ktword.co.kr/index.php</a:t>
+            </a:r>
+            <a:r>
+              <a:rPr lang="en-US" altLang="ko-KR"/>
+              <a:t> (</a:t>
+            </a:r>
+            <a:r>
+              <a:rPr lang="ko-KR" altLang="en-US"/>
+              <a:t>프레임 설명</a:t>
+            </a:r>
+            <a:r>
+              <a:rPr lang="en-US" altLang="ko-KR"/>
+              <a:t>)</a:t>
+            </a:r>
+          </a:p>
+          <a:p>
+            <a:r>
+              <a:rPr lang="en-US" altLang="ko-KR">
+                <a:hlinkClick r:id="rId4"/>
+              </a:rPr>
+              <a:t>https://mrncciew.com/2014/10/28/802-11-mgmt-association-reqresponse/</a:t>
+            </a:r>
+            <a:r>
+              <a:rPr lang="en-US" altLang="ko-KR"/>
+              <a:t> (</a:t>
+            </a:r>
+            <a:r>
+              <a:rPr lang="ko-KR" altLang="en-US"/>
+              <a:t>프레임 설명</a:t>
+            </a:r>
+            <a:r>
+              <a:rPr lang="en-US" altLang="ko-KR"/>
+              <a:t>)</a:t>
+            </a:r>
+          </a:p>
+          <a:p>
+            <a:r>
+              <a:rPr lang="en-US" altLang="ko-KR">
+                <a:hlinkClick r:id="rId5"/>
+              </a:rPr>
+              <a:t>https://github.com/secdev/scapy </a:t>
+            </a:r>
+            <a:r>
+              <a:rPr lang="en-US" altLang="ko-KR"/>
+              <a:t>(Scapy</a:t>
+            </a:r>
+            <a:r>
+              <a:rPr lang="ko-KR" altLang="en-US"/>
+              <a:t>코드 분석</a:t>
+            </a:r>
+            <a:r>
+              <a:rPr lang="en-US" altLang="ko-KR"/>
+              <a:t>)</a:t>
+            </a:r>
+          </a:p>
+          <a:p>
+            <a:r>
+              <a:rPr lang="en-US" altLang="ko-KR">
+                <a:hlinkClick r:id="rId6"/>
+              </a:rPr>
+              <a:t>http://www.secdev.org/projects/scapy/files/scapydoc.pdf</a:t>
+            </a:r>
+            <a:r>
+              <a:rPr lang="en-US" altLang="ko-KR"/>
+              <a:t> (scapy document)</a:t>
+            </a:r>
+          </a:p>
+          <a:p>
+            <a:r>
+              <a:rPr lang="en-US" altLang="ko-KR">
+                <a:hlinkClick r:id="rId7"/>
+              </a:rPr>
+              <a:t>http://hisjournal.net/doc/[KUCIS_Project]_Fuzzing_for_Finding_Vulnerabilities_by_CERT-IS.pdf</a:t>
+            </a:r>
+            <a:r>
+              <a:rPr lang="en-US" altLang="ko-KR"/>
+              <a:t> (fuzzing </a:t>
+            </a:r>
+            <a:r>
+              <a:rPr lang="ko-KR" altLang="en-US"/>
+              <a:t>개념</a:t>
+            </a:r>
+            <a:r>
+              <a:rPr lang="en-US" altLang="ko-KR"/>
+              <a:t>)</a:t>
+            </a:r>
+          </a:p>
+          <a:p>
+            <a:r>
+              <a:rPr lang="en-US" altLang="ko-KR">
+                <a:hlinkClick r:id="rId8"/>
+              </a:rPr>
+              <a:t>http://secuinside.com/archive/2016/2016-1-3.pdf</a:t>
+            </a:r>
+            <a:r>
+              <a:rPr lang="en-US" altLang="ko-KR"/>
+              <a:t> (fuzzer</a:t>
+            </a:r>
+            <a:r>
+              <a:rPr lang="ko-KR" altLang="en-US"/>
+              <a:t> 개념</a:t>
+            </a:r>
+            <a:r>
+              <a:rPr lang="en-US" altLang="ko-KR"/>
+              <a:t>)</a:t>
+            </a:r>
+          </a:p>
+          <a:p>
+            <a:r>
+              <a:rPr lang="en-US" altLang="ko-KR">
+                <a:hlinkClick r:id="rId9"/>
+              </a:rPr>
+              <a:t>https://wlan1nde.wordpress.com/2016/06/28/using-scapy-to-send-wlan-frames/</a:t>
+            </a:r>
+            <a:r>
+              <a:rPr lang="en-US" altLang="ko-KR"/>
+              <a:t> (fuzzer </a:t>
+            </a:r>
+            <a:r>
+              <a:rPr lang="ko-KR" altLang="en-US"/>
+              <a:t>코드</a:t>
+            </a:r>
+            <a:r>
+              <a:rPr lang="en-US" altLang="ko-KR"/>
+              <a:t>)</a:t>
+            </a:r>
+          </a:p>
+          <a:p>
+            <a:r>
+              <a:rPr lang="en-US" altLang="ko-KR">
+                <a:hlinkClick r:id="rId10"/>
+              </a:rPr>
+              <a:t>https://stackoverflow.com/questions/22670510/wireless-data-packet-capturing-with-help-of-scapy</a:t>
+            </a:r>
+            <a:r>
+              <a:rPr lang="en-US" altLang="ko-KR"/>
+              <a:t> (packet filter)</a:t>
+            </a:r>
+          </a:p>
+          <a:p>
+            <a:r>
+              <a:rPr lang="en-US" altLang="ko-KR">
+                <a:hlinkClick r:id="rId11"/>
+              </a:rPr>
+              <a:t>https://github.com/0xd012/wifuzzit</a:t>
+            </a:r>
+            <a:r>
+              <a:rPr lang="en-US" altLang="ko-KR"/>
+              <a:t> (fuzzer code)</a:t>
+            </a:r>
+          </a:p>
+          <a:p>
+            <a:r>
+              <a:rPr lang="en-US" altLang="ko-KR">
+                <a:hlinkClick r:id="rId12"/>
+              </a:rPr>
+              <a:t>https://github.com/OpenRCE/sulley</a:t>
+            </a:r>
+            <a:r>
+              <a:rPr lang="en-US" altLang="ko-KR"/>
+              <a:t> (fuzzer framework)</a:t>
+            </a:r>
+          </a:p>
+          <a:p>
+            <a:pPr marL="0" indent="0">
+              <a:buNone/>
+            </a:pPr>
+            <a:endParaRPr lang="en-US" altLang="ko-KR"/>
+          </a:p>
+          <a:p>
+            <a:endParaRPr lang="ko-KR" altLang="en-US"/>
+          </a:p>
+        </p:txBody>
+      </p:sp>
+    </p:spTree>
+    <p:extLst>
+      <p:ext uri="{BB962C8B-B14F-4D97-AF65-F5344CB8AC3E}">
+        <p14:creationId xmlns:p14="http://schemas.microsoft.com/office/powerpoint/2010/main" val="1425110575"/>
+      </p:ext>
+    </p:extLst>
+  </p:cSld>
+  <p:clrMapOvr>
+    <a:masterClrMapping/>
+  </p:clrMapOvr>
+</p:sld>
+</file>
+
+<file path=ppt/slides/slide82.xml><?xml version="1.0" encoding="utf-8"?>
+<p:sld xmlns:a="http://schemas.openxmlformats.org/drawingml/2006/main" xmlns:r="http://schemas.openxmlformats.org/officeDocument/2006/relationships" xmlns:p="http://schemas.openxmlformats.org/presentationml/2006/main">
+  <p:cSld>
+    <p:spTree>
+      <p:nvGrpSpPr>
+        <p:cNvPr id="1" name=""/>
+        <p:cNvGrpSpPr/>
+        <p:nvPr/>
+      </p:nvGrpSpPr>
+      <p:grpSpPr>
+        <a:xfrm>
+          <a:off x="0" y="0"/>
+          <a:ext cx="0" cy="0"/>
+          <a:chOff x="0" y="0"/>
+          <a:chExt cx="0" cy="0"/>
+        </a:xfrm>
+      </p:grpSpPr>
+      <p:sp>
+        <p:nvSpPr>
+          <p:cNvPr id="2" name="제목 1"/>
+          <p:cNvSpPr>
+            <a:spLocks noGrp="1"/>
+          </p:cNvSpPr>
+          <p:nvPr>
+            <p:ph type="title"/>
+          </p:nvPr>
+        </p:nvSpPr>
+        <p:spPr>
+          <a:xfrm>
+            <a:off x="838200" y="2766220"/>
+            <a:ext cx="10515600" cy="1325563"/>
+          </a:xfrm>
+        </p:spPr>
+        <p:txBody>
+          <a:bodyPr/>
+          <a:lstStyle/>
+          <a:p>
+            <a:pPr algn="ctr"/>
+            <a:r>
+              <a:rPr lang="en-US" altLang="ko-KR"/>
+              <a:t>Q&amp;A</a:t>
+            </a:r>
+            <a:endParaRPr lang="ko-KR" altLang="en-US"/>
+          </a:p>
+        </p:txBody>
+      </p:sp>
+    </p:spTree>
+    <p:extLst>
+      <p:ext uri="{BB962C8B-B14F-4D97-AF65-F5344CB8AC3E}">
+        <p14:creationId xmlns:p14="http://schemas.microsoft.com/office/powerpoint/2010/main" val="3070793222"/>
+      </p:ext>
+    </p:extLst>
+  </p:cSld>
+  <p:clrMapOvr>
+    <a:masterClrMapping/>
+  </p:clrMapOvr>
+</p:sld>
+</file>
+
+<file path=ppt/slides/slide83.xml><?xml version="1.0" encoding="utf-8"?>
+<p:sld xmlns:a="http://schemas.openxmlformats.org/drawingml/2006/main" xmlns:r="http://schemas.openxmlformats.org/officeDocument/2006/relationships" xmlns:p="http://schemas.openxmlformats.org/presentationml/2006/main">
+  <p:cSld>
+    <p:spTree>
+      <p:nvGrpSpPr>
+        <p:cNvPr id="1" name=""/>
+        <p:cNvGrpSpPr/>
+        <p:nvPr/>
+      </p:nvGrpSpPr>
+      <p:grpSpPr>
+        <a:xfrm>
+          <a:off x="0" y="0"/>
+          <a:ext cx="0" cy="0"/>
+          <a:chOff x="0" y="0"/>
+          <a:chExt cx="0" cy="0"/>
+        </a:xfrm>
+      </p:grpSpPr>
+      <p:sp>
+        <p:nvSpPr>
+          <p:cNvPr id="2" name="제목 1">
+            <a:extLst>
+              <a:ext uri="{FF2B5EF4-FFF2-40B4-BE49-F238E27FC236}">
+                <a16:creationId xmlns:a16="http://schemas.microsoft.com/office/drawing/2014/main" id="{B6BB2A9D-200A-439B-9EFD-45676749385A}"/>
+              </a:ext>
+            </a:extLst>
+          </p:cNvPr>
+          <p:cNvSpPr>
+            <a:spLocks noGrp="1"/>
+          </p:cNvSpPr>
+          <p:nvPr>
+            <p:ph type="title"/>
+          </p:nvPr>
+        </p:nvSpPr>
+        <p:spPr/>
+        <p:txBody>
+          <a:bodyPr/>
+          <a:lstStyle/>
+          <a:p>
+            <a:r>
+              <a:rPr lang="ko-KR" altLang="en-US"/>
+              <a:t>여기서부턴 예상질문</a:t>
+            </a:r>
+            <a:r>
+              <a:rPr lang="en-US" altLang="ko-KR"/>
+              <a:t>, </a:t>
+            </a:r>
+            <a:r>
+              <a:rPr lang="ko-KR" altLang="en-US"/>
+              <a:t>실습필요자료</a:t>
+            </a:r>
+          </a:p>
+        </p:txBody>
+      </p:sp>
+      <p:sp>
+        <p:nvSpPr>
+          <p:cNvPr id="3" name="내용 개체 틀 2">
+            <a:extLst>
+              <a:ext uri="{FF2B5EF4-FFF2-40B4-BE49-F238E27FC236}">
+                <a16:creationId xmlns:a16="http://schemas.microsoft.com/office/drawing/2014/main" id="{87FF1DF6-AC36-4DDB-9944-1C88D35ECBBB}"/>
+              </a:ext>
+            </a:extLst>
+          </p:cNvPr>
+          <p:cNvSpPr>
+            <a:spLocks noGrp="1"/>
+          </p:cNvSpPr>
+          <p:nvPr>
+            <p:ph idx="1"/>
+          </p:nvPr>
+        </p:nvSpPr>
+        <p:spPr/>
+        <p:txBody>
+          <a:bodyPr/>
+          <a:lstStyle/>
+          <a:p>
+            <a:endParaRPr lang="ko-KR" altLang="en-US"/>
+          </a:p>
+        </p:txBody>
+      </p:sp>
+    </p:spTree>
+    <p:extLst>
+      <p:ext uri="{BB962C8B-B14F-4D97-AF65-F5344CB8AC3E}">
+        <p14:creationId xmlns:p14="http://schemas.microsoft.com/office/powerpoint/2010/main" val="2260017133"/>
+      </p:ext>
+    </p:extLst>
+  </p:cSld>
+  <p:clrMapOvr>
+    <a:masterClrMapping/>
+  </p:clrMapOvr>
+</p:sld>
+</file>
+
+<file path=ppt/slides/slide84.xml><?xml version="1.0" encoding="utf-8"?>
+<p:sld xmlns:a="http://schemas.openxmlformats.org/drawingml/2006/main" xmlns:r="http://schemas.openxmlformats.org/officeDocument/2006/relationships" xmlns:p="http://schemas.openxmlformats.org/presentationml/2006/main">
+  <p:cSld>
+    <p:spTree>
+      <p:nvGrpSpPr>
+        <p:cNvPr id="1" name=""/>
+        <p:cNvGrpSpPr/>
+        <p:nvPr/>
+      </p:nvGrpSpPr>
+      <p:grpSpPr>
+        <a:xfrm>
+          <a:off x="0" y="0"/>
+          <a:ext cx="0" cy="0"/>
+          <a:chOff x="0" y="0"/>
+          <a:chExt cx="0" cy="0"/>
+        </a:xfrm>
+      </p:grpSpPr>
+      <p:sp>
+        <p:nvSpPr>
+          <p:cNvPr id="2" name="제목 1">
+            <a:extLst>
+              <a:ext uri="{FF2B5EF4-FFF2-40B4-BE49-F238E27FC236}">
+                <a16:creationId xmlns:a16="http://schemas.microsoft.com/office/drawing/2014/main" id="{B7F26178-E7F4-4F5B-8406-068240184CD5}"/>
+              </a:ext>
+            </a:extLst>
+          </p:cNvPr>
+          <p:cNvSpPr>
+            <a:spLocks noGrp="1"/>
+          </p:cNvSpPr>
+          <p:nvPr>
+            <p:ph type="title"/>
+          </p:nvPr>
+        </p:nvSpPr>
+        <p:spPr/>
+        <p:txBody>
+          <a:bodyPr/>
+          <a:lstStyle/>
+          <a:p>
+            <a:r>
+              <a:rPr lang="en-US" altLang="ko-KR"/>
+              <a:t>Wireshark Filter Condition for </a:t>
+            </a:r>
+            <a:br>
+              <a:rPr lang="en-US" altLang="ko-KR"/>
+            </a:br>
+            <a:r>
+              <a:rPr lang="en-US" altLang="ko-KR"/>
+              <a:t>MAC Frame</a:t>
+            </a:r>
+            <a:endParaRPr lang="ko-KR" altLang="en-US"/>
+          </a:p>
+        </p:txBody>
+      </p:sp>
+      <p:sp>
+        <p:nvSpPr>
+          <p:cNvPr id="3" name="내용 개체 틀 2">
+            <a:extLst>
+              <a:ext uri="{FF2B5EF4-FFF2-40B4-BE49-F238E27FC236}">
+                <a16:creationId xmlns:a16="http://schemas.microsoft.com/office/drawing/2014/main" id="{1254C262-2441-4A7F-B990-1AAF2515FAA1}"/>
+              </a:ext>
+            </a:extLst>
+          </p:cNvPr>
+          <p:cNvSpPr>
+            <a:spLocks noGrp="1"/>
+          </p:cNvSpPr>
+          <p:nvPr>
+            <p:ph idx="1"/>
+          </p:nvPr>
+        </p:nvSpPr>
+        <p:spPr/>
+        <p:txBody>
+          <a:bodyPr>
+            <a:normAutofit/>
+          </a:bodyPr>
+          <a:lstStyle/>
+          <a:p>
+            <a:pPr marL="0" indent="0" algn="ctr">
+              <a:buNone/>
+            </a:pPr>
+            <a:r>
+              <a:rPr lang="en-US" altLang="ko-KR" sz="5000" err="1"/>
+              <a:t>wlan.fc.type_subtype</a:t>
+            </a:r>
+            <a:r>
+              <a:rPr lang="en-US" altLang="ko-KR" sz="5000"/>
+              <a:t> == 8</a:t>
+            </a:r>
+          </a:p>
+          <a:p>
+            <a:pPr marL="0" indent="0" algn="ctr">
+              <a:buNone/>
+            </a:pPr>
+            <a:r>
+              <a:rPr lang="en-US" altLang="ko-KR" sz="5000"/>
+              <a:t>Or </a:t>
+            </a:r>
+            <a:r>
+              <a:rPr lang="en-US" altLang="ko-KR" sz="5000" err="1"/>
+              <a:t>wlan.fc.type_subtype</a:t>
+            </a:r>
+            <a:r>
+              <a:rPr lang="en-US" altLang="ko-KR" sz="5000"/>
+              <a:t> == 11</a:t>
+            </a:r>
+          </a:p>
+          <a:p>
+            <a:pPr marL="0" indent="0" algn="ctr">
+              <a:buNone/>
+            </a:pPr>
+            <a:r>
+              <a:rPr lang="en-US" altLang="ko-KR" sz="5000"/>
+              <a:t>Or </a:t>
+            </a:r>
+            <a:r>
+              <a:rPr lang="en-US" altLang="ko-KR" sz="5000" err="1"/>
+              <a:t>wlan.fc.type_subtype</a:t>
+            </a:r>
+            <a:r>
+              <a:rPr lang="en-US" altLang="ko-KR" sz="5000"/>
+              <a:t> == 0</a:t>
+            </a:r>
+            <a:endParaRPr lang="ko-KR" altLang="en-US" sz="5000"/>
+          </a:p>
+          <a:p>
+            <a:pPr marL="0" indent="0" algn="ctr">
+              <a:buNone/>
+            </a:pPr>
+            <a:r>
+              <a:rPr lang="en-US" altLang="ko-KR" sz="5000"/>
+              <a:t>Or </a:t>
+            </a:r>
+            <a:r>
+              <a:rPr lang="en-US" altLang="ko-KR" sz="5000" err="1"/>
+              <a:t>wlan.fc.type_subtype</a:t>
+            </a:r>
+            <a:r>
+              <a:rPr lang="en-US" altLang="ko-KR" sz="5000"/>
+              <a:t> == 1</a:t>
+            </a:r>
+            <a:endParaRPr lang="ko-KR" altLang="en-US" sz="5000"/>
+          </a:p>
+          <a:p>
+            <a:pPr marL="0" indent="0" algn="ctr">
+              <a:buNone/>
+            </a:pPr>
+            <a:endParaRPr lang="ko-KR" altLang="en-US" sz="5000"/>
+          </a:p>
+        </p:txBody>
+      </p:sp>
+    </p:spTree>
+    <p:extLst>
+      <p:ext uri="{BB962C8B-B14F-4D97-AF65-F5344CB8AC3E}">
+        <p14:creationId xmlns:p14="http://schemas.microsoft.com/office/powerpoint/2010/main" val="2909938906"/>
+      </p:ext>
+    </p:extLst>
+  </p:cSld>
+  <p:clrMapOvr>
+    <a:masterClrMapping/>
+  </p:clrMapOvr>
+</p:sld>
+</file>
+
+<file path=ppt/slides/slide85.xml><?xml version="1.0" encoding="utf-8"?>
+<p:sld xmlns:a="http://schemas.openxmlformats.org/drawingml/2006/main" xmlns:r="http://schemas.openxmlformats.org/officeDocument/2006/relationships" xmlns:p="http://schemas.openxmlformats.org/presentationml/2006/main">
+  <p:cSld>
+    <p:spTree>
+      <p:nvGrpSpPr>
+        <p:cNvPr id="1" name=""/>
+        <p:cNvGrpSpPr/>
+        <p:nvPr/>
+      </p:nvGrpSpPr>
+      <p:grpSpPr>
+        <a:xfrm>
+          <a:off x="0" y="0"/>
+          <a:ext cx="0" cy="0"/>
+          <a:chOff x="0" y="0"/>
+          <a:chExt cx="0" cy="0"/>
+        </a:xfrm>
+      </p:grpSpPr>
+      <p:sp>
+        <p:nvSpPr>
+          <p:cNvPr id="2" name="제목 1">
+            <a:extLst>
+              <a:ext uri="{FF2B5EF4-FFF2-40B4-BE49-F238E27FC236}">
                 <a16:creationId xmlns:a16="http://schemas.microsoft.com/office/drawing/2014/main" id="{3527480E-C71F-4C44-B76E-70048BDB2072}"/>
               </a:ext>
             </a:extLst>
@@ -14229,7 +14909,7 @@
 </p:sld>
 </file>
 
-<file path=ppt/slides/slide82.xml><?xml version="1.0" encoding="utf-8"?>
+<file path=ppt/slides/slide86.xml><?xml version="1.0" encoding="utf-8"?>
 <p:sld xmlns:a="http://schemas.openxmlformats.org/drawingml/2006/main" xmlns:r="http://schemas.openxmlformats.org/officeDocument/2006/relationships" xmlns:p="http://schemas.openxmlformats.org/presentationml/2006/main">
   <p:cSld>
     <p:spTree>
@@ -14322,7 +15002,7 @@
 </p:sld>
 </file>
 
-<file path=ppt/slides/slide83.xml><?xml version="1.0" encoding="utf-8"?>
+<file path=ppt/slides/slide87.xml><?xml version="1.0" encoding="utf-8"?>
 <p:sld xmlns:a="http://schemas.openxmlformats.org/drawingml/2006/main" xmlns:r="http://schemas.openxmlformats.org/officeDocument/2006/relationships" xmlns:p="http://schemas.openxmlformats.org/presentationml/2006/main">
   <p:cSld>
     <p:spTree>
@@ -14435,7 +15115,7 @@
 </p:sld>
 </file>
 
-<file path=ppt/slides/slide84.xml><?xml version="1.0" encoding="utf-8"?>
+<file path=ppt/slides/slide88.xml><?xml version="1.0" encoding="utf-8"?>
 <p:sld xmlns:a="http://schemas.openxmlformats.org/drawingml/2006/main" xmlns:r="http://schemas.openxmlformats.org/officeDocument/2006/relationships" xmlns:p="http://schemas.openxmlformats.org/presentationml/2006/main">
   <p:cSld>
     <p:spTree>
@@ -14527,7 +15207,7 @@
 </p:sld>
 </file>
 
-<file path=ppt/slides/slide85.xml><?xml version="1.0" encoding="utf-8"?>
+<file path=ppt/slides/slide89.xml><?xml version="1.0" encoding="utf-8"?>
 <p:sld xmlns:a="http://schemas.openxmlformats.org/drawingml/2006/main" xmlns:r="http://schemas.openxmlformats.org/officeDocument/2006/relationships" xmlns:p="http://schemas.openxmlformats.org/presentationml/2006/main">
   <p:cSld>
     <p:spTree>
@@ -14607,7 +15287,128 @@
 </p:sld>
 </file>
 
-<file path=ppt/slides/slide86.xml><?xml version="1.0" encoding="utf-8"?>
+<file path=ppt/slides/slide9.xml><?xml version="1.0" encoding="utf-8"?>
+<p:sld xmlns:a="http://schemas.openxmlformats.org/drawingml/2006/main" xmlns:r="http://schemas.openxmlformats.org/officeDocument/2006/relationships" xmlns:p="http://schemas.openxmlformats.org/presentationml/2006/main">
+  <p:cSld>
+    <p:spTree>
+      <p:nvGrpSpPr>
+        <p:cNvPr id="1" name=""/>
+        <p:cNvGrpSpPr/>
+        <p:nvPr/>
+      </p:nvGrpSpPr>
+      <p:grpSpPr>
+        <a:xfrm>
+          <a:off x="0" y="0"/>
+          <a:ext cx="0" cy="0"/>
+          <a:chOff x="0" y="0"/>
+          <a:chExt cx="0" cy="0"/>
+        </a:xfrm>
+      </p:grpSpPr>
+      <p:sp>
+        <p:nvSpPr>
+          <p:cNvPr id="2" name="제목 1">
+            <a:extLst>
+              <a:ext uri="{FF2B5EF4-FFF2-40B4-BE49-F238E27FC236}">
+                <a16:creationId xmlns:a16="http://schemas.microsoft.com/office/drawing/2014/main" id="{82BE6E73-7BCB-425E-B802-AC2DA0BC1C50}"/>
+              </a:ext>
+            </a:extLst>
+          </p:cNvPr>
+          <p:cNvSpPr>
+            <a:spLocks noGrp="1"/>
+          </p:cNvSpPr>
+          <p:nvPr>
+            <p:ph type="title"/>
+          </p:nvPr>
+        </p:nvSpPr>
+        <p:spPr/>
+        <p:txBody>
+          <a:bodyPr/>
+          <a:lstStyle/>
+          <a:p>
+            <a:r>
+              <a:rPr lang="en-US" altLang="ko-KR"/>
+              <a:t>Fuzzing</a:t>
+            </a:r>
+            <a:endParaRPr lang="ko-KR" altLang="en-US"/>
+          </a:p>
+        </p:txBody>
+      </p:sp>
+      <p:sp>
+        <p:nvSpPr>
+          <p:cNvPr id="3" name="TextBox 2">
+            <a:extLst>
+              <a:ext uri="{FF2B5EF4-FFF2-40B4-BE49-F238E27FC236}">
+                <a16:creationId xmlns:a16="http://schemas.microsoft.com/office/drawing/2014/main" id="{1539FD28-6723-4D37-814C-4EE2E1CDCCB7}"/>
+              </a:ext>
+            </a:extLst>
+          </p:cNvPr>
+          <p:cNvSpPr txBox="1"/>
+          <p:nvPr/>
+        </p:nvSpPr>
+        <p:spPr>
+          <a:xfrm>
+            <a:off x="838200" y="1690688"/>
+            <a:ext cx="9946954" cy="2785378"/>
+          </a:xfrm>
+          <a:prstGeom prst="rect">
+            <a:avLst/>
+          </a:prstGeom>
+          <a:noFill/>
+        </p:spPr>
+        <p:txBody>
+          <a:bodyPr wrap="none" rtlCol="0">
+            <a:spAutoFit/>
+          </a:bodyPr>
+          <a:lstStyle/>
+          <a:p>
+            <a:r>
+              <a:rPr lang="ko-KR" altLang="en-US" sz="3500"/>
+              <a:t>애플리케이션에 입력된 데이터가 보풀을 일으켜 </a:t>
+            </a:r>
+            <a:endParaRPr lang="en-US" altLang="ko-KR" sz="3500"/>
+          </a:p>
+          <a:p>
+            <a:r>
+              <a:rPr lang="ko-KR" altLang="en-US" sz="3500"/>
+              <a:t>어떠한 특정 상태를 만든다는 의미</a:t>
+            </a:r>
+            <a:r>
+              <a:rPr lang="en-US" altLang="ko-KR" sz="3500"/>
+              <a:t>.</a:t>
+            </a:r>
+          </a:p>
+          <a:p>
+            <a:endParaRPr lang="en-US" altLang="ko-KR" sz="3500"/>
+          </a:p>
+          <a:p>
+            <a:r>
+              <a:rPr lang="ko-KR" altLang="en-US" sz="3500"/>
+              <a:t>비정상적인 데이터를 </a:t>
+            </a:r>
+            <a:endParaRPr lang="en-US" altLang="ko-KR" sz="3500"/>
+          </a:p>
+          <a:p>
+            <a:r>
+              <a:rPr lang="ko-KR" altLang="en-US" sz="3500"/>
+              <a:t>애플리케이션에 전달하여 에러를 유도하는 방법</a:t>
+            </a:r>
+          </a:p>
+        </p:txBody>
+      </p:sp>
+    </p:spTree>
+    <p:extLst>
+      <p:ext uri="{BB962C8B-B14F-4D97-AF65-F5344CB8AC3E}">
+        <p14:creationId xmlns:p14="http://schemas.microsoft.com/office/powerpoint/2010/main" val="3560924733"/>
+      </p:ext>
+    </p:extLst>
+  </p:cSld>
+  <p:clrMapOvr>
+    <a:masterClrMapping/>
+  </p:clrMapOvr>
+</p:sld>
+</file>
+
+<file path=ppt/slides/slide90.xml><?xml version="1.0" encoding="utf-8"?>
 <p:sld xmlns:a="http://schemas.openxmlformats.org/drawingml/2006/main" xmlns:r="http://schemas.openxmlformats.org/officeDocument/2006/relationships" xmlns:p="http://schemas.openxmlformats.org/presentationml/2006/main">
   <p:cSld>
     <p:spTree>
@@ -14696,7 +15497,7 @@
 </p:sld>
 </file>
 
-<file path=ppt/slides/slide87.xml><?xml version="1.0" encoding="utf-8"?>
+<file path=ppt/slides/slide91.xml><?xml version="1.0" encoding="utf-8"?>
 <p:sld xmlns:a="http://schemas.openxmlformats.org/drawingml/2006/main" xmlns:r="http://schemas.openxmlformats.org/officeDocument/2006/relationships" xmlns:p="http://schemas.openxmlformats.org/presentationml/2006/main">
   <p:cSld>
     <p:spTree>
@@ -14779,7 +15580,7 @@
 </p:sld>
 </file>
 
-<file path=ppt/slides/slide88.xml><?xml version="1.0" encoding="utf-8"?>
+<file path=ppt/slides/slide92.xml><?xml version="1.0" encoding="utf-8"?>
 <p:sld xmlns:a="http://schemas.openxmlformats.org/drawingml/2006/main" xmlns:r="http://schemas.openxmlformats.org/officeDocument/2006/relationships" xmlns:p="http://schemas.openxmlformats.org/presentationml/2006/main">
   <p:cSld>
     <p:spTree>
@@ -14853,147 +15654,6 @@
     <p:extLst>
       <p:ext uri="{BB962C8B-B14F-4D97-AF65-F5344CB8AC3E}">
         <p14:creationId xmlns:p14="http://schemas.microsoft.com/office/powerpoint/2010/main" val="1649278081"/>
-      </p:ext>
-    </p:extLst>
-  </p:cSld>
-  <p:clrMapOvr>
-    <a:masterClrMapping/>
-  </p:clrMapOvr>
-</p:sld>
-</file>
-
-<file path=ppt/slides/slide9.xml><?xml version="1.0" encoding="utf-8"?>
-<p:sld xmlns:a="http://schemas.openxmlformats.org/drawingml/2006/main" xmlns:r="http://schemas.openxmlformats.org/officeDocument/2006/relationships" xmlns:p="http://schemas.openxmlformats.org/presentationml/2006/main">
-  <p:cSld>
-    <p:spTree>
-      <p:nvGrpSpPr>
-        <p:cNvPr id="1" name=""/>
-        <p:cNvGrpSpPr/>
-        <p:nvPr/>
-      </p:nvGrpSpPr>
-      <p:grpSpPr>
-        <a:xfrm>
-          <a:off x="0" y="0"/>
-          <a:ext cx="0" cy="0"/>
-          <a:chOff x="0" y="0"/>
-          <a:chExt cx="0" cy="0"/>
-        </a:xfrm>
-      </p:grpSpPr>
-      <p:sp>
-        <p:nvSpPr>
-          <p:cNvPr id="2" name="제목 1">
-            <a:extLst>
-              <a:ext uri="{FF2B5EF4-FFF2-40B4-BE49-F238E27FC236}">
-                <a16:creationId xmlns:a16="http://schemas.microsoft.com/office/drawing/2014/main" id="{99EC90E8-37F1-4C88-8930-8690DAAFBA7C}"/>
-              </a:ext>
-            </a:extLst>
-          </p:cNvPr>
-          <p:cNvSpPr>
-            <a:spLocks noGrp="1"/>
-          </p:cNvSpPr>
-          <p:nvPr>
-            <p:ph type="title"/>
-          </p:nvPr>
-        </p:nvSpPr>
-        <p:spPr/>
-        <p:txBody>
-          <a:bodyPr/>
-          <a:lstStyle/>
-          <a:p>
-            <a:r>
-              <a:rPr lang="en-US" altLang="ko-KR"/>
-              <a:t>Network</a:t>
-            </a:r>
-            <a:r>
-              <a:rPr lang="ko-KR" altLang="en-US"/>
-              <a:t> </a:t>
-            </a:r>
-            <a:r>
-              <a:rPr lang="en-US" altLang="ko-KR"/>
-              <a:t>Fuzzing</a:t>
-            </a:r>
-            <a:endParaRPr lang="ko-KR" altLang="en-US"/>
-          </a:p>
-        </p:txBody>
-      </p:sp>
-      <p:sp>
-        <p:nvSpPr>
-          <p:cNvPr id="3" name="내용 개체 틀 2">
-            <a:extLst>
-              <a:ext uri="{FF2B5EF4-FFF2-40B4-BE49-F238E27FC236}">
-                <a16:creationId xmlns:a16="http://schemas.microsoft.com/office/drawing/2014/main" id="{F20E5E5F-5C29-4EAE-AD81-239E7EE58C28}"/>
-              </a:ext>
-            </a:extLst>
-          </p:cNvPr>
-          <p:cNvSpPr>
-            <a:spLocks noGrp="1"/>
-          </p:cNvSpPr>
-          <p:nvPr>
-            <p:ph idx="1"/>
-          </p:nvPr>
-        </p:nvSpPr>
-        <p:spPr/>
-        <p:txBody>
-          <a:bodyPr/>
-          <a:lstStyle/>
-          <a:p>
-            <a:pPr marL="0" indent="0">
-              <a:buNone/>
-            </a:pPr>
-            <a:r>
-              <a:rPr lang="ko-KR" altLang="en-US"/>
-              <a:t>네트워크 프로토콜 </a:t>
-            </a:r>
-            <a:r>
-              <a:rPr lang="ko-KR" altLang="en-US" err="1"/>
-              <a:t>퍼징은</a:t>
-            </a:r>
-            <a:r>
-              <a:rPr lang="ko-KR" altLang="en-US"/>
-              <a:t> 서버의 </a:t>
-            </a:r>
-            <a:r>
-              <a:rPr lang="ko-KR" altLang="en-US" err="1"/>
-              <a:t>데몬을</a:t>
-            </a:r>
-            <a:r>
-              <a:rPr lang="ko-KR" altLang="en-US"/>
-              <a:t> 대상으로 하여 조작된 패킷을 전송하는 행위</a:t>
-            </a:r>
-            <a:r>
-              <a:rPr lang="en-US" altLang="ko-KR"/>
-              <a:t>.</a:t>
-            </a:r>
-          </a:p>
-          <a:p>
-            <a:pPr marL="0" indent="0">
-              <a:buNone/>
-            </a:pPr>
-            <a:endParaRPr lang="en-US" altLang="ko-KR"/>
-          </a:p>
-          <a:p>
-            <a:pPr marL="0" indent="0">
-              <a:buNone/>
-            </a:pPr>
-            <a:r>
-              <a:rPr lang="ko-KR" altLang="en-US"/>
-              <a:t>네트워크 프로토콜 </a:t>
-            </a:r>
-            <a:r>
-              <a:rPr lang="ko-KR" altLang="en-US" err="1"/>
-              <a:t>퍼저는</a:t>
-            </a:r>
-            <a:r>
-              <a:rPr lang="ko-KR" altLang="en-US"/>
-              <a:t> 클라이언트의 입장에서 메시지를 조작하여 소켓을 통해 서버로 전송</a:t>
-            </a:r>
-          </a:p>
-        </p:txBody>
-      </p:sp>
-    </p:spTree>
-    <p:extLst>
-      <p:ext uri="{BB962C8B-B14F-4D97-AF65-F5344CB8AC3E}">
-        <p14:creationId xmlns:p14="http://schemas.microsoft.com/office/powerpoint/2010/main" val="1413314215"/>
       </p:ext>
     </p:extLst>
   </p:cSld>

--- a/networkfuzzer/Network fuzzer.pptx
+++ b/networkfuzzer/Network fuzzer.pptx
@@ -4,47 +4,50 @@
   <p:sldMasterIdLst>
     <p:sldMasterId id="2147483648" r:id="rId1"/>
   </p:sldMasterIdLst>
+  <p:notesMasterIdLst>
+    <p:notesMasterId r:id="rId94"/>
+  </p:notesMasterIdLst>
   <p:sldIdLst>
     <p:sldId id="256" r:id="rId2"/>
-    <p:sldId id="348" r:id="rId3"/>
-    <p:sldId id="349" r:id="rId4"/>
-    <p:sldId id="352" r:id="rId5"/>
-    <p:sldId id="350" r:id="rId6"/>
-    <p:sldId id="353" r:id="rId7"/>
-    <p:sldId id="313" r:id="rId8"/>
-    <p:sldId id="314" r:id="rId9"/>
-    <p:sldId id="315" r:id="rId10"/>
-    <p:sldId id="328" r:id="rId11"/>
-    <p:sldId id="329" r:id="rId12"/>
-    <p:sldId id="335" r:id="rId13"/>
-    <p:sldId id="316" r:id="rId14"/>
-    <p:sldId id="317" r:id="rId15"/>
-    <p:sldId id="318" r:id="rId16"/>
-    <p:sldId id="320" r:id="rId17"/>
-    <p:sldId id="319" r:id="rId18"/>
-    <p:sldId id="331" r:id="rId19"/>
-    <p:sldId id="332" r:id="rId20"/>
-    <p:sldId id="322" r:id="rId21"/>
-    <p:sldId id="330" r:id="rId22"/>
-    <p:sldId id="325" r:id="rId23"/>
-    <p:sldId id="323" r:id="rId24"/>
-    <p:sldId id="324" r:id="rId25"/>
-    <p:sldId id="326" r:id="rId26"/>
-    <p:sldId id="327" r:id="rId27"/>
-    <p:sldId id="336" r:id="rId28"/>
-    <p:sldId id="333" r:id="rId29"/>
-    <p:sldId id="321" r:id="rId30"/>
-    <p:sldId id="268" r:id="rId31"/>
-    <p:sldId id="257" r:id="rId32"/>
-    <p:sldId id="297" r:id="rId33"/>
-    <p:sldId id="258" r:id="rId34"/>
-    <p:sldId id="308" r:id="rId35"/>
-    <p:sldId id="269" r:id="rId36"/>
-    <p:sldId id="261" r:id="rId37"/>
-    <p:sldId id="262" r:id="rId38"/>
-    <p:sldId id="260" r:id="rId39"/>
-    <p:sldId id="263" r:id="rId40"/>
-    <p:sldId id="266" r:id="rId41"/>
+    <p:sldId id="313" r:id="rId3"/>
+    <p:sldId id="314" r:id="rId4"/>
+    <p:sldId id="315" r:id="rId5"/>
+    <p:sldId id="329" r:id="rId6"/>
+    <p:sldId id="335" r:id="rId7"/>
+    <p:sldId id="328" r:id="rId8"/>
+    <p:sldId id="316" r:id="rId9"/>
+    <p:sldId id="317" r:id="rId10"/>
+    <p:sldId id="318" r:id="rId11"/>
+    <p:sldId id="320" r:id="rId12"/>
+    <p:sldId id="319" r:id="rId13"/>
+    <p:sldId id="331" r:id="rId14"/>
+    <p:sldId id="332" r:id="rId15"/>
+    <p:sldId id="322" r:id="rId16"/>
+    <p:sldId id="330" r:id="rId17"/>
+    <p:sldId id="325" r:id="rId18"/>
+    <p:sldId id="323" r:id="rId19"/>
+    <p:sldId id="324" r:id="rId20"/>
+    <p:sldId id="326" r:id="rId21"/>
+    <p:sldId id="327" r:id="rId22"/>
+    <p:sldId id="336" r:id="rId23"/>
+    <p:sldId id="333" r:id="rId24"/>
+    <p:sldId id="321" r:id="rId25"/>
+    <p:sldId id="268" r:id="rId26"/>
+    <p:sldId id="257" r:id="rId27"/>
+    <p:sldId id="297" r:id="rId28"/>
+    <p:sldId id="258" r:id="rId29"/>
+    <p:sldId id="308" r:id="rId30"/>
+    <p:sldId id="269" r:id="rId31"/>
+    <p:sldId id="261" r:id="rId32"/>
+    <p:sldId id="262" r:id="rId33"/>
+    <p:sldId id="260" r:id="rId34"/>
+    <p:sldId id="263" r:id="rId35"/>
+    <p:sldId id="266" r:id="rId36"/>
+    <p:sldId id="348" r:id="rId37"/>
+    <p:sldId id="349" r:id="rId38"/>
+    <p:sldId id="352" r:id="rId39"/>
+    <p:sldId id="350" r:id="rId40"/>
+    <p:sldId id="353" r:id="rId41"/>
     <p:sldId id="271" r:id="rId42"/>
     <p:sldId id="272" r:id="rId43"/>
     <p:sldId id="265" r:id="rId44"/>
@@ -212,11 +215,3391 @@
       </p:ext>
     </p:extLst>
   </p:cmAuthor>
+  <p:cmAuthor id="2" name="Kim" initials="K" lastIdx="1" clrIdx="1">
+    <p:extLst>
+      <p:ext uri="{19B8F6BF-5375-455C-9EA6-DF929625EA0E}">
+        <p15:presenceInfo xmlns:p15="http://schemas.microsoft.com/office/powerpoint/2012/main" userId="Kim" providerId="None"/>
+      </p:ext>
+    </p:extLst>
+  </p:cmAuthor>
 </p:cmAuthorLst>
 </file>
 
 <file path=ppt/revisionInfo.xml><?xml version="1.0" encoding="utf-8"?>
 <p1510:revInfo xmlns:a="http://schemas.openxmlformats.org/drawingml/2006/main" xmlns:r="http://schemas.openxmlformats.org/officeDocument/2006/relationships" xmlns:p1510="http://schemas.microsoft.com/office/powerpoint/2015/10/main"/>
+</file>
+
+<file path=ppt/notesMasters/notesMaster1.xml><?xml version="1.0" encoding="utf-8"?>
+<p:notesMaster xmlns:a="http://schemas.openxmlformats.org/drawingml/2006/main" xmlns:r="http://schemas.openxmlformats.org/officeDocument/2006/relationships" xmlns:p="http://schemas.openxmlformats.org/presentationml/2006/main">
+  <p:cSld>
+    <p:bg>
+      <p:bgRef idx="1001">
+        <a:schemeClr val="bg1"/>
+      </p:bgRef>
+    </p:bg>
+    <p:spTree>
+      <p:nvGrpSpPr>
+        <p:cNvPr id="1" name=""/>
+        <p:cNvGrpSpPr/>
+        <p:nvPr/>
+      </p:nvGrpSpPr>
+      <p:grpSpPr>
+        <a:xfrm>
+          <a:off x="0" y="0"/>
+          <a:ext cx="0" cy="0"/>
+          <a:chOff x="0" y="0"/>
+          <a:chExt cx="0" cy="0"/>
+        </a:xfrm>
+      </p:grpSpPr>
+      <p:sp>
+        <p:nvSpPr>
+          <p:cNvPr id="2" name="머리글 개체 틀 1"/>
+          <p:cNvSpPr>
+            <a:spLocks noGrp="1"/>
+          </p:cNvSpPr>
+          <p:nvPr>
+            <p:ph type="hdr" sz="quarter"/>
+          </p:nvPr>
+        </p:nvSpPr>
+        <p:spPr>
+          <a:xfrm>
+            <a:off x="0" y="0"/>
+            <a:ext cx="2971800" cy="458788"/>
+          </a:xfrm>
+          <a:prstGeom prst="rect">
+            <a:avLst/>
+          </a:prstGeom>
+        </p:spPr>
+        <p:txBody>
+          <a:bodyPr vert="horz" lIns="91440" tIns="45720" rIns="91440" bIns="45720" rtlCol="0"/>
+          <a:lstStyle>
+            <a:lvl1pPr algn="l">
+              <a:defRPr sz="1200"/>
+            </a:lvl1pPr>
+          </a:lstStyle>
+          <a:p>
+            <a:endParaRPr lang="ko-KR" altLang="en-US"/>
+          </a:p>
+        </p:txBody>
+      </p:sp>
+      <p:sp>
+        <p:nvSpPr>
+          <p:cNvPr id="3" name="날짜 개체 틀 2"/>
+          <p:cNvSpPr>
+            <a:spLocks noGrp="1"/>
+          </p:cNvSpPr>
+          <p:nvPr>
+            <p:ph type="dt" idx="1"/>
+          </p:nvPr>
+        </p:nvSpPr>
+        <p:spPr>
+          <a:xfrm>
+            <a:off x="3884613" y="0"/>
+            <a:ext cx="2971800" cy="458788"/>
+          </a:xfrm>
+          <a:prstGeom prst="rect">
+            <a:avLst/>
+          </a:prstGeom>
+        </p:spPr>
+        <p:txBody>
+          <a:bodyPr vert="horz" lIns="91440" tIns="45720" rIns="91440" bIns="45720" rtlCol="0"/>
+          <a:lstStyle>
+            <a:lvl1pPr algn="r">
+              <a:defRPr sz="1200"/>
+            </a:lvl1pPr>
+          </a:lstStyle>
+          <a:p>
+            <a:fld id="{C450A0CA-33E0-4AF9-AD4C-FC6E72627AD9}" type="datetimeFigureOut">
+              <a:rPr lang="ko-KR" altLang="en-US" smtClean="0"/>
+              <a:t>2017-08-10</a:t>
+            </a:fld>
+            <a:endParaRPr lang="ko-KR" altLang="en-US"/>
+          </a:p>
+        </p:txBody>
+      </p:sp>
+      <p:sp>
+        <p:nvSpPr>
+          <p:cNvPr id="4" name="슬라이드 이미지 개체 틀 3"/>
+          <p:cNvSpPr>
+            <a:spLocks noGrp="1" noRot="1" noChangeAspect="1"/>
+          </p:cNvSpPr>
+          <p:nvPr>
+            <p:ph type="sldImg" idx="2"/>
+          </p:nvPr>
+        </p:nvSpPr>
+        <p:spPr>
+          <a:xfrm>
+            <a:off x="685800" y="1143000"/>
+            <a:ext cx="5486400" cy="3086100"/>
+          </a:xfrm>
+          <a:prstGeom prst="rect">
+            <a:avLst/>
+          </a:prstGeom>
+          <a:noFill/>
+          <a:ln w="12700">
+            <a:solidFill>
+              <a:prstClr val="black"/>
+            </a:solidFill>
+          </a:ln>
+        </p:spPr>
+        <p:txBody>
+          <a:bodyPr vert="horz" lIns="91440" tIns="45720" rIns="91440" bIns="45720" rtlCol="0" anchor="ctr"/>
+          <a:lstStyle/>
+          <a:p>
+            <a:endParaRPr lang="ko-KR" altLang="en-US"/>
+          </a:p>
+        </p:txBody>
+      </p:sp>
+      <p:sp>
+        <p:nvSpPr>
+          <p:cNvPr id="5" name="슬라이드 노트 개체 틀 4"/>
+          <p:cNvSpPr>
+            <a:spLocks noGrp="1"/>
+          </p:cNvSpPr>
+          <p:nvPr>
+            <p:ph type="body" sz="quarter" idx="3"/>
+          </p:nvPr>
+        </p:nvSpPr>
+        <p:spPr>
+          <a:xfrm>
+            <a:off x="685800" y="4400550"/>
+            <a:ext cx="5486400" cy="3600450"/>
+          </a:xfrm>
+          <a:prstGeom prst="rect">
+            <a:avLst/>
+          </a:prstGeom>
+        </p:spPr>
+        <p:txBody>
+          <a:bodyPr vert="horz" lIns="91440" tIns="45720" rIns="91440" bIns="45720" rtlCol="0"/>
+          <a:lstStyle/>
+          <a:p>
+            <a:pPr lvl="0"/>
+            <a:r>
+              <a:rPr lang="ko-KR" altLang="en-US" smtClean="0"/>
+              <a:t>마스터 텍스트 스타일을 편집합니다</a:t>
+            </a:r>
+          </a:p>
+          <a:p>
+            <a:pPr lvl="1"/>
+            <a:r>
+              <a:rPr lang="ko-KR" altLang="en-US" smtClean="0"/>
+              <a:t>둘째 수준</a:t>
+            </a:r>
+          </a:p>
+          <a:p>
+            <a:pPr lvl="2"/>
+            <a:r>
+              <a:rPr lang="ko-KR" altLang="en-US" smtClean="0"/>
+              <a:t>셋째 수준</a:t>
+            </a:r>
+          </a:p>
+          <a:p>
+            <a:pPr lvl="3"/>
+            <a:r>
+              <a:rPr lang="ko-KR" altLang="en-US" smtClean="0"/>
+              <a:t>넷째 수준</a:t>
+            </a:r>
+          </a:p>
+          <a:p>
+            <a:pPr lvl="4"/>
+            <a:r>
+              <a:rPr lang="ko-KR" altLang="en-US" smtClean="0"/>
+              <a:t>다섯째 수준</a:t>
+            </a:r>
+            <a:endParaRPr lang="ko-KR" altLang="en-US"/>
+          </a:p>
+        </p:txBody>
+      </p:sp>
+      <p:sp>
+        <p:nvSpPr>
+          <p:cNvPr id="6" name="바닥글 개체 틀 5"/>
+          <p:cNvSpPr>
+            <a:spLocks noGrp="1"/>
+          </p:cNvSpPr>
+          <p:nvPr>
+            <p:ph type="ftr" sz="quarter" idx="4"/>
+          </p:nvPr>
+        </p:nvSpPr>
+        <p:spPr>
+          <a:xfrm>
+            <a:off x="0" y="8685213"/>
+            <a:ext cx="2971800" cy="458787"/>
+          </a:xfrm>
+          <a:prstGeom prst="rect">
+            <a:avLst/>
+          </a:prstGeom>
+        </p:spPr>
+        <p:txBody>
+          <a:bodyPr vert="horz" lIns="91440" tIns="45720" rIns="91440" bIns="45720" rtlCol="0" anchor="b"/>
+          <a:lstStyle>
+            <a:lvl1pPr algn="l">
+              <a:defRPr sz="1200"/>
+            </a:lvl1pPr>
+          </a:lstStyle>
+          <a:p>
+            <a:endParaRPr lang="ko-KR" altLang="en-US"/>
+          </a:p>
+        </p:txBody>
+      </p:sp>
+      <p:sp>
+        <p:nvSpPr>
+          <p:cNvPr id="7" name="슬라이드 번호 개체 틀 6"/>
+          <p:cNvSpPr>
+            <a:spLocks noGrp="1"/>
+          </p:cNvSpPr>
+          <p:nvPr>
+            <p:ph type="sldNum" sz="quarter" idx="5"/>
+          </p:nvPr>
+        </p:nvSpPr>
+        <p:spPr>
+          <a:xfrm>
+            <a:off x="3884613" y="8685213"/>
+            <a:ext cx="2971800" cy="458787"/>
+          </a:xfrm>
+          <a:prstGeom prst="rect">
+            <a:avLst/>
+          </a:prstGeom>
+        </p:spPr>
+        <p:txBody>
+          <a:bodyPr vert="horz" lIns="91440" tIns="45720" rIns="91440" bIns="45720" rtlCol="0" anchor="b"/>
+          <a:lstStyle>
+            <a:lvl1pPr algn="r">
+              <a:defRPr sz="1200"/>
+            </a:lvl1pPr>
+          </a:lstStyle>
+          <a:p>
+            <a:fld id="{2013ADBF-0F06-430B-9F10-A547BAB32F14}" type="slidenum">
+              <a:rPr lang="ko-KR" altLang="en-US" smtClean="0"/>
+              <a:t>‹#›</a:t>
+            </a:fld>
+            <a:endParaRPr lang="ko-KR" altLang="en-US"/>
+          </a:p>
+        </p:txBody>
+      </p:sp>
+    </p:spTree>
+    <p:extLst>
+      <p:ext uri="{BB962C8B-B14F-4D97-AF65-F5344CB8AC3E}">
+        <p14:creationId xmlns:p14="http://schemas.microsoft.com/office/powerpoint/2010/main" val="891201849"/>
+      </p:ext>
+    </p:extLst>
+  </p:cSld>
+  <p:clrMap bg1="lt1" tx1="dk1" bg2="lt2" tx2="dk2" accent1="accent1" accent2="accent2" accent3="accent3" accent4="accent4" accent5="accent5" accent6="accent6" hlink="hlink" folHlink="folHlink"/>
+  <p:notesStyle>
+    <a:lvl1pPr marL="0" algn="l" defTabSz="914400" rtl="0" eaLnBrk="1" latinLnBrk="1" hangingPunct="1">
+      <a:defRPr sz="1200" kern="1200">
+        <a:solidFill>
+          <a:schemeClr val="tx1"/>
+        </a:solidFill>
+        <a:latin typeface="+mn-lt"/>
+        <a:ea typeface="+mn-ea"/>
+        <a:cs typeface="+mn-cs"/>
+      </a:defRPr>
+    </a:lvl1pPr>
+    <a:lvl2pPr marL="457200" algn="l" defTabSz="914400" rtl="0" eaLnBrk="1" latinLnBrk="1" hangingPunct="1">
+      <a:defRPr sz="1200" kern="1200">
+        <a:solidFill>
+          <a:schemeClr val="tx1"/>
+        </a:solidFill>
+        <a:latin typeface="+mn-lt"/>
+        <a:ea typeface="+mn-ea"/>
+        <a:cs typeface="+mn-cs"/>
+      </a:defRPr>
+    </a:lvl2pPr>
+    <a:lvl3pPr marL="914400" algn="l" defTabSz="914400" rtl="0" eaLnBrk="1" latinLnBrk="1" hangingPunct="1">
+      <a:defRPr sz="1200" kern="1200">
+        <a:solidFill>
+          <a:schemeClr val="tx1"/>
+        </a:solidFill>
+        <a:latin typeface="+mn-lt"/>
+        <a:ea typeface="+mn-ea"/>
+        <a:cs typeface="+mn-cs"/>
+      </a:defRPr>
+    </a:lvl3pPr>
+    <a:lvl4pPr marL="1371600" algn="l" defTabSz="914400" rtl="0" eaLnBrk="1" latinLnBrk="1" hangingPunct="1">
+      <a:defRPr sz="1200" kern="1200">
+        <a:solidFill>
+          <a:schemeClr val="tx1"/>
+        </a:solidFill>
+        <a:latin typeface="+mn-lt"/>
+        <a:ea typeface="+mn-ea"/>
+        <a:cs typeface="+mn-cs"/>
+      </a:defRPr>
+    </a:lvl4pPr>
+    <a:lvl5pPr marL="1828800" algn="l" defTabSz="914400" rtl="0" eaLnBrk="1" latinLnBrk="1" hangingPunct="1">
+      <a:defRPr sz="1200" kern="1200">
+        <a:solidFill>
+          <a:schemeClr val="tx1"/>
+        </a:solidFill>
+        <a:latin typeface="+mn-lt"/>
+        <a:ea typeface="+mn-ea"/>
+        <a:cs typeface="+mn-cs"/>
+      </a:defRPr>
+    </a:lvl5pPr>
+    <a:lvl6pPr marL="2286000" algn="l" defTabSz="914400" rtl="0" eaLnBrk="1" latinLnBrk="1" hangingPunct="1">
+      <a:defRPr sz="1200" kern="1200">
+        <a:solidFill>
+          <a:schemeClr val="tx1"/>
+        </a:solidFill>
+        <a:latin typeface="+mn-lt"/>
+        <a:ea typeface="+mn-ea"/>
+        <a:cs typeface="+mn-cs"/>
+      </a:defRPr>
+    </a:lvl6pPr>
+    <a:lvl7pPr marL="2743200" algn="l" defTabSz="914400" rtl="0" eaLnBrk="1" latinLnBrk="1" hangingPunct="1">
+      <a:defRPr sz="1200" kern="1200">
+        <a:solidFill>
+          <a:schemeClr val="tx1"/>
+        </a:solidFill>
+        <a:latin typeface="+mn-lt"/>
+        <a:ea typeface="+mn-ea"/>
+        <a:cs typeface="+mn-cs"/>
+      </a:defRPr>
+    </a:lvl7pPr>
+    <a:lvl8pPr marL="3200400" algn="l" defTabSz="914400" rtl="0" eaLnBrk="1" latinLnBrk="1" hangingPunct="1">
+      <a:defRPr sz="1200" kern="1200">
+        <a:solidFill>
+          <a:schemeClr val="tx1"/>
+        </a:solidFill>
+        <a:latin typeface="+mn-lt"/>
+        <a:ea typeface="+mn-ea"/>
+        <a:cs typeface="+mn-cs"/>
+      </a:defRPr>
+    </a:lvl8pPr>
+    <a:lvl9pPr marL="3657600" algn="l" defTabSz="914400" rtl="0" eaLnBrk="1" latinLnBrk="1" hangingPunct="1">
+      <a:defRPr sz="1200" kern="1200">
+        <a:solidFill>
+          <a:schemeClr val="tx1"/>
+        </a:solidFill>
+        <a:latin typeface="+mn-lt"/>
+        <a:ea typeface="+mn-ea"/>
+        <a:cs typeface="+mn-cs"/>
+      </a:defRPr>
+    </a:lvl9pPr>
+  </p:notesStyle>
+</p:notesMaster>
+</file>
+
+<file path=ppt/notesSlides/notesSlide1.xml><?xml version="1.0" encoding="utf-8"?>
+<p:notes xmlns:a="http://schemas.openxmlformats.org/drawingml/2006/main" xmlns:r="http://schemas.openxmlformats.org/officeDocument/2006/relationships" xmlns:p="http://schemas.openxmlformats.org/presentationml/2006/main">
+  <p:cSld>
+    <p:spTree>
+      <p:nvGrpSpPr>
+        <p:cNvPr id="1" name=""/>
+        <p:cNvGrpSpPr/>
+        <p:nvPr/>
+      </p:nvGrpSpPr>
+      <p:grpSpPr>
+        <a:xfrm>
+          <a:off x="0" y="0"/>
+          <a:ext cx="0" cy="0"/>
+          <a:chOff x="0" y="0"/>
+          <a:chExt cx="0" cy="0"/>
+        </a:xfrm>
+      </p:grpSpPr>
+      <p:sp>
+        <p:nvSpPr>
+          <p:cNvPr id="2" name="슬라이드 이미지 개체 틀 1"/>
+          <p:cNvSpPr>
+            <a:spLocks noGrp="1" noRot="1" noChangeAspect="1"/>
+          </p:cNvSpPr>
+          <p:nvPr>
+            <p:ph type="sldImg"/>
+          </p:nvPr>
+        </p:nvSpPr>
+        <p:spPr/>
+      </p:sp>
+      <p:sp>
+        <p:nvSpPr>
+          <p:cNvPr id="3" name="슬라이드 노트 개체 틀 2"/>
+          <p:cNvSpPr>
+            <a:spLocks noGrp="1"/>
+          </p:cNvSpPr>
+          <p:nvPr>
+            <p:ph type="body" idx="1"/>
+          </p:nvPr>
+        </p:nvSpPr>
+        <p:spPr/>
+        <p:txBody>
+          <a:bodyPr/>
+          <a:lstStyle/>
+          <a:p>
+            <a:r>
+              <a:rPr lang="ko-KR" altLang="en-US" dirty="0" smtClean="0"/>
+              <a:t>안녕하세요</a:t>
+            </a:r>
+            <a:r>
+              <a:rPr lang="en-US" altLang="ko-KR" dirty="0" smtClean="0"/>
+              <a:t>, </a:t>
+            </a:r>
+            <a:r>
+              <a:rPr lang="ko-KR" altLang="en-US" dirty="0" smtClean="0"/>
+              <a:t>저는 이번 </a:t>
+            </a:r>
+            <a:r>
+              <a:rPr lang="en-US" altLang="ko-KR" dirty="0" smtClean="0"/>
+              <a:t>Network </a:t>
+            </a:r>
+            <a:r>
+              <a:rPr lang="en-US" altLang="ko-KR" dirty="0" err="1" smtClean="0"/>
+              <a:t>Fuzzer</a:t>
+            </a:r>
+            <a:r>
+              <a:rPr lang="en-US" altLang="ko-KR" dirty="0" smtClean="0"/>
+              <a:t> </a:t>
+            </a:r>
+            <a:r>
+              <a:rPr lang="ko-KR" altLang="en-US" dirty="0" smtClean="0"/>
+              <a:t>발표를 </a:t>
+            </a:r>
+            <a:r>
+              <a:rPr lang="ko-KR" altLang="en-US" dirty="0" err="1" smtClean="0"/>
+              <a:t>맡게된</a:t>
+            </a:r>
+            <a:r>
+              <a:rPr lang="ko-KR" altLang="en-US" dirty="0" smtClean="0"/>
+              <a:t> 김건우입니다</a:t>
+            </a:r>
+            <a:r>
+              <a:rPr lang="en-US" altLang="ko-KR" dirty="0" smtClean="0"/>
+              <a:t>. </a:t>
+            </a:r>
+            <a:r>
+              <a:rPr lang="ko-KR" altLang="en-US" dirty="0" smtClean="0"/>
+              <a:t>반갑습니다</a:t>
+            </a:r>
+            <a:r>
+              <a:rPr lang="en-US" altLang="ko-KR" dirty="0" smtClean="0"/>
+              <a:t>.</a:t>
+            </a:r>
+            <a:endParaRPr lang="ko-KR" altLang="en-US" dirty="0"/>
+          </a:p>
+        </p:txBody>
+      </p:sp>
+      <p:sp>
+        <p:nvSpPr>
+          <p:cNvPr id="4" name="슬라이드 번호 개체 틀 3"/>
+          <p:cNvSpPr>
+            <a:spLocks noGrp="1"/>
+          </p:cNvSpPr>
+          <p:nvPr>
+            <p:ph type="sldNum" sz="quarter" idx="10"/>
+          </p:nvPr>
+        </p:nvSpPr>
+        <p:spPr/>
+        <p:txBody>
+          <a:bodyPr/>
+          <a:lstStyle/>
+          <a:p>
+            <a:fld id="{2013ADBF-0F06-430B-9F10-A547BAB32F14}" type="slidenum">
+              <a:rPr lang="ko-KR" altLang="en-US" smtClean="0"/>
+              <a:t>1</a:t>
+            </a:fld>
+            <a:endParaRPr lang="ko-KR" altLang="en-US"/>
+          </a:p>
+        </p:txBody>
+      </p:sp>
+    </p:spTree>
+    <p:extLst>
+      <p:ext uri="{BB962C8B-B14F-4D97-AF65-F5344CB8AC3E}">
+        <p14:creationId xmlns:p14="http://schemas.microsoft.com/office/powerpoint/2010/main" val="3518571075"/>
+      </p:ext>
+    </p:extLst>
+  </p:cSld>
+  <p:clrMapOvr>
+    <a:masterClrMapping/>
+  </p:clrMapOvr>
+</p:notes>
+</file>
+
+<file path=ppt/notesSlides/notesSlide10.xml><?xml version="1.0" encoding="utf-8"?>
+<p:notes xmlns:a="http://schemas.openxmlformats.org/drawingml/2006/main" xmlns:r="http://schemas.openxmlformats.org/officeDocument/2006/relationships" xmlns:p="http://schemas.openxmlformats.org/presentationml/2006/main">
+  <p:cSld>
+    <p:spTree>
+      <p:nvGrpSpPr>
+        <p:cNvPr id="1" name=""/>
+        <p:cNvGrpSpPr/>
+        <p:nvPr/>
+      </p:nvGrpSpPr>
+      <p:grpSpPr>
+        <a:xfrm>
+          <a:off x="0" y="0"/>
+          <a:ext cx="0" cy="0"/>
+          <a:chOff x="0" y="0"/>
+          <a:chExt cx="0" cy="0"/>
+        </a:xfrm>
+      </p:grpSpPr>
+      <p:sp>
+        <p:nvSpPr>
+          <p:cNvPr id="2" name="슬라이드 이미지 개체 틀 1"/>
+          <p:cNvSpPr>
+            <a:spLocks noGrp="1" noRot="1" noChangeAspect="1"/>
+          </p:cNvSpPr>
+          <p:nvPr>
+            <p:ph type="sldImg"/>
+          </p:nvPr>
+        </p:nvSpPr>
+        <p:spPr/>
+      </p:sp>
+      <p:sp>
+        <p:nvSpPr>
+          <p:cNvPr id="3" name="슬라이드 노트 개체 틀 2"/>
+          <p:cNvSpPr>
+            <a:spLocks noGrp="1"/>
+          </p:cNvSpPr>
+          <p:nvPr>
+            <p:ph type="body" idx="1"/>
+          </p:nvPr>
+        </p:nvSpPr>
+        <p:spPr/>
+        <p:txBody>
+          <a:bodyPr/>
+          <a:lstStyle/>
+          <a:p>
+            <a:r>
+              <a:rPr lang="ko-KR" altLang="en-US" dirty="0" smtClean="0"/>
+              <a:t>우선 </a:t>
+            </a:r>
+            <a:r>
+              <a:rPr lang="ko-KR" altLang="en-US" dirty="0" err="1" smtClean="0"/>
+              <a:t>단순퍼징에</a:t>
+            </a:r>
+            <a:r>
+              <a:rPr lang="ko-KR" altLang="en-US" dirty="0" smtClean="0"/>
+              <a:t> 대해 설명하자면</a:t>
+            </a:r>
+            <a:r>
+              <a:rPr lang="en-US" altLang="ko-KR" dirty="0" smtClean="0"/>
+              <a:t>, (</a:t>
+            </a:r>
+            <a:r>
+              <a:rPr lang="ko-KR" altLang="en-US" dirty="0" smtClean="0"/>
+              <a:t>본문</a:t>
+            </a:r>
+            <a:r>
+              <a:rPr lang="en-US" altLang="ko-KR" dirty="0" smtClean="0"/>
+              <a:t>)</a:t>
+            </a:r>
+            <a:r>
+              <a:rPr lang="ko-KR" altLang="en-US" dirty="0" smtClean="0"/>
+              <a:t>하는 것입니다</a:t>
+            </a:r>
+            <a:r>
+              <a:rPr lang="en-US" altLang="ko-KR" dirty="0" smtClean="0"/>
+              <a:t>.</a:t>
+            </a:r>
+            <a:r>
+              <a:rPr lang="en-US" altLang="ko-KR" baseline="0" dirty="0" smtClean="0"/>
+              <a:t> </a:t>
+            </a:r>
+            <a:endParaRPr lang="ko-KR" altLang="en-US" dirty="0"/>
+          </a:p>
+        </p:txBody>
+      </p:sp>
+      <p:sp>
+        <p:nvSpPr>
+          <p:cNvPr id="4" name="슬라이드 번호 개체 틀 3"/>
+          <p:cNvSpPr>
+            <a:spLocks noGrp="1"/>
+          </p:cNvSpPr>
+          <p:nvPr>
+            <p:ph type="sldNum" sz="quarter" idx="10"/>
+          </p:nvPr>
+        </p:nvSpPr>
+        <p:spPr/>
+        <p:txBody>
+          <a:bodyPr/>
+          <a:lstStyle/>
+          <a:p>
+            <a:fld id="{2013ADBF-0F06-430B-9F10-A547BAB32F14}" type="slidenum">
+              <a:rPr lang="ko-KR" altLang="en-US" smtClean="0"/>
+              <a:t>10</a:t>
+            </a:fld>
+            <a:endParaRPr lang="ko-KR" altLang="en-US"/>
+          </a:p>
+        </p:txBody>
+      </p:sp>
+    </p:spTree>
+    <p:extLst>
+      <p:ext uri="{BB962C8B-B14F-4D97-AF65-F5344CB8AC3E}">
+        <p14:creationId xmlns:p14="http://schemas.microsoft.com/office/powerpoint/2010/main" val="102797617"/>
+      </p:ext>
+    </p:extLst>
+  </p:cSld>
+  <p:clrMapOvr>
+    <a:masterClrMapping/>
+  </p:clrMapOvr>
+</p:notes>
+</file>
+
+<file path=ppt/notesSlides/notesSlide11.xml><?xml version="1.0" encoding="utf-8"?>
+<p:notes xmlns:a="http://schemas.openxmlformats.org/drawingml/2006/main" xmlns:r="http://schemas.openxmlformats.org/officeDocument/2006/relationships" xmlns:p="http://schemas.openxmlformats.org/presentationml/2006/main">
+  <p:cSld>
+    <p:spTree>
+      <p:nvGrpSpPr>
+        <p:cNvPr id="1" name=""/>
+        <p:cNvGrpSpPr/>
+        <p:nvPr/>
+      </p:nvGrpSpPr>
+      <p:grpSpPr>
+        <a:xfrm>
+          <a:off x="0" y="0"/>
+          <a:ext cx="0" cy="0"/>
+          <a:chOff x="0" y="0"/>
+          <a:chExt cx="0" cy="0"/>
+        </a:xfrm>
+      </p:grpSpPr>
+      <p:sp>
+        <p:nvSpPr>
+          <p:cNvPr id="2" name="슬라이드 이미지 개체 틀 1"/>
+          <p:cNvSpPr>
+            <a:spLocks noGrp="1" noRot="1" noChangeAspect="1"/>
+          </p:cNvSpPr>
+          <p:nvPr>
+            <p:ph type="sldImg"/>
+          </p:nvPr>
+        </p:nvSpPr>
+        <p:spPr/>
+      </p:sp>
+      <p:sp>
+        <p:nvSpPr>
+          <p:cNvPr id="3" name="슬라이드 노트 개체 틀 2"/>
+          <p:cNvSpPr>
+            <a:spLocks noGrp="1"/>
+          </p:cNvSpPr>
+          <p:nvPr>
+            <p:ph type="body" idx="1"/>
+          </p:nvPr>
+        </p:nvSpPr>
+        <p:spPr/>
+        <p:txBody>
+          <a:bodyPr/>
+          <a:lstStyle/>
+          <a:p>
+            <a:r>
+              <a:rPr lang="ko-KR" altLang="en-US" dirty="0" smtClean="0"/>
+              <a:t>만약 </a:t>
+            </a:r>
+            <a:r>
+              <a:rPr lang="ko-KR" altLang="en-US" dirty="0" err="1" smtClean="0"/>
+              <a:t>패킷을</a:t>
+            </a:r>
+            <a:r>
+              <a:rPr lang="ko-KR" altLang="en-US" dirty="0" smtClean="0"/>
+              <a:t> </a:t>
+            </a:r>
+            <a:r>
+              <a:rPr lang="en-US" altLang="ko-KR" dirty="0" smtClean="0"/>
+              <a:t>4bytes</a:t>
+            </a:r>
+            <a:r>
+              <a:rPr lang="ko-KR" altLang="en-US" dirty="0" smtClean="0"/>
+              <a:t>짜리를 보낸 다는 상황을 가정한다면</a:t>
+            </a:r>
+            <a:r>
+              <a:rPr lang="en-US" altLang="ko-KR" dirty="0" smtClean="0"/>
+              <a:t>, </a:t>
+            </a:r>
+            <a:r>
+              <a:rPr lang="ko-KR" altLang="en-US" dirty="0" err="1" smtClean="0"/>
+              <a:t>패킷의</a:t>
+            </a:r>
+            <a:r>
+              <a:rPr lang="ko-KR" altLang="en-US" dirty="0" smtClean="0"/>
+              <a:t> 각 필드에 상관없이 </a:t>
+            </a:r>
+            <a:r>
+              <a:rPr lang="en-US" altLang="ko-KR" dirty="0" smtClean="0"/>
+              <a:t>4bytes</a:t>
+            </a:r>
+            <a:r>
+              <a:rPr lang="ko-KR" altLang="en-US" dirty="0" smtClean="0"/>
+              <a:t>길이의 무작위 </a:t>
+            </a:r>
+            <a:r>
+              <a:rPr lang="ko-KR" altLang="en-US" dirty="0" err="1" smtClean="0"/>
+              <a:t>랜덤한</a:t>
+            </a:r>
+            <a:r>
+              <a:rPr lang="ko-KR" altLang="en-US" dirty="0" smtClean="0"/>
+              <a:t> 값을 산출해서 보내는 것입니다</a:t>
+            </a:r>
+            <a:r>
+              <a:rPr lang="en-US" altLang="ko-KR" dirty="0" smtClean="0"/>
+              <a:t>.</a:t>
+            </a:r>
+          </a:p>
+          <a:p>
+            <a:r>
+              <a:rPr lang="ko-KR" altLang="en-US" dirty="0" smtClean="0"/>
+              <a:t>단순 </a:t>
+            </a:r>
+            <a:r>
+              <a:rPr lang="ko-KR" altLang="en-US" dirty="0" err="1" smtClean="0"/>
+              <a:t>퍼징은은</a:t>
+            </a:r>
+            <a:r>
+              <a:rPr lang="ko-KR" altLang="en-US" dirty="0" smtClean="0"/>
+              <a:t> 랜덤화 과정을 신경 쓸 필요가 없다는 장점이 있지만</a:t>
+            </a:r>
+            <a:r>
+              <a:rPr lang="en-US" altLang="ko-KR" dirty="0" smtClean="0"/>
+              <a:t>, </a:t>
+            </a:r>
+          </a:p>
+          <a:p>
+            <a:r>
+              <a:rPr lang="en-US" altLang="ko-KR" dirty="0" smtClean="0"/>
+              <a:t>Crush</a:t>
+            </a:r>
+            <a:r>
+              <a:rPr lang="ko-KR" altLang="en-US" dirty="0" smtClean="0"/>
+              <a:t>를 유발할 확률이 적고</a:t>
+            </a:r>
+            <a:r>
+              <a:rPr lang="en-US" altLang="ko-KR" dirty="0" smtClean="0"/>
+              <a:t>, </a:t>
+            </a:r>
+            <a:r>
+              <a:rPr lang="ko-KR" altLang="en-US" dirty="0" smtClean="0"/>
+              <a:t>프로토콜과 </a:t>
+            </a:r>
+            <a:r>
+              <a:rPr lang="en-US" altLang="ko-KR" dirty="0" smtClean="0"/>
+              <a:t>state</a:t>
+            </a:r>
+            <a:r>
+              <a:rPr lang="ko-KR" altLang="en-US" dirty="0" smtClean="0"/>
+              <a:t>를 고려하지 않아 한정된 </a:t>
+            </a:r>
+            <a:r>
+              <a:rPr lang="ko-KR" altLang="en-US" dirty="0" err="1" smtClean="0"/>
+              <a:t>퍼징기법이라고</a:t>
+            </a:r>
+            <a:r>
+              <a:rPr lang="ko-KR" altLang="en-US" dirty="0" smtClean="0"/>
+              <a:t> 볼 수 있습니다</a:t>
+            </a:r>
+            <a:r>
+              <a:rPr lang="en-US" altLang="ko-KR" dirty="0" smtClean="0"/>
+              <a:t>.</a:t>
+            </a:r>
+            <a:endParaRPr lang="ko-KR" altLang="en-US" dirty="0"/>
+          </a:p>
+        </p:txBody>
+      </p:sp>
+      <p:sp>
+        <p:nvSpPr>
+          <p:cNvPr id="4" name="슬라이드 번호 개체 틀 3"/>
+          <p:cNvSpPr>
+            <a:spLocks noGrp="1"/>
+          </p:cNvSpPr>
+          <p:nvPr>
+            <p:ph type="sldNum" sz="quarter" idx="10"/>
+          </p:nvPr>
+        </p:nvSpPr>
+        <p:spPr/>
+        <p:txBody>
+          <a:bodyPr/>
+          <a:lstStyle/>
+          <a:p>
+            <a:fld id="{2013ADBF-0F06-430B-9F10-A547BAB32F14}" type="slidenum">
+              <a:rPr lang="ko-KR" altLang="en-US" smtClean="0"/>
+              <a:t>11</a:t>
+            </a:fld>
+            <a:endParaRPr lang="ko-KR" altLang="en-US"/>
+          </a:p>
+        </p:txBody>
+      </p:sp>
+    </p:spTree>
+    <p:extLst>
+      <p:ext uri="{BB962C8B-B14F-4D97-AF65-F5344CB8AC3E}">
+        <p14:creationId xmlns:p14="http://schemas.microsoft.com/office/powerpoint/2010/main" val="2269878056"/>
+      </p:ext>
+    </p:extLst>
+  </p:cSld>
+  <p:clrMapOvr>
+    <a:masterClrMapping/>
+  </p:clrMapOvr>
+</p:notes>
+</file>
+
+<file path=ppt/notesSlides/notesSlide12.xml><?xml version="1.0" encoding="utf-8"?>
+<p:notes xmlns:a="http://schemas.openxmlformats.org/drawingml/2006/main" xmlns:r="http://schemas.openxmlformats.org/officeDocument/2006/relationships" xmlns:p="http://schemas.openxmlformats.org/presentationml/2006/main">
+  <p:cSld>
+    <p:spTree>
+      <p:nvGrpSpPr>
+        <p:cNvPr id="1" name=""/>
+        <p:cNvGrpSpPr/>
+        <p:nvPr/>
+      </p:nvGrpSpPr>
+      <p:grpSpPr>
+        <a:xfrm>
+          <a:off x="0" y="0"/>
+          <a:ext cx="0" cy="0"/>
+          <a:chOff x="0" y="0"/>
+          <a:chExt cx="0" cy="0"/>
+        </a:xfrm>
+      </p:grpSpPr>
+      <p:sp>
+        <p:nvSpPr>
+          <p:cNvPr id="2" name="슬라이드 이미지 개체 틀 1"/>
+          <p:cNvSpPr>
+            <a:spLocks noGrp="1" noRot="1" noChangeAspect="1"/>
+          </p:cNvSpPr>
+          <p:nvPr>
+            <p:ph type="sldImg"/>
+          </p:nvPr>
+        </p:nvSpPr>
+        <p:spPr/>
+      </p:sp>
+      <p:sp>
+        <p:nvSpPr>
+          <p:cNvPr id="3" name="슬라이드 노트 개체 틀 2"/>
+          <p:cNvSpPr>
+            <a:spLocks noGrp="1"/>
+          </p:cNvSpPr>
+          <p:nvPr>
+            <p:ph type="body" idx="1"/>
+          </p:nvPr>
+        </p:nvSpPr>
+        <p:spPr/>
+        <p:txBody>
+          <a:bodyPr/>
+          <a:lstStyle/>
+          <a:p>
+            <a:r>
+              <a:rPr lang="ko-KR" altLang="en-US" dirty="0" smtClean="0"/>
+              <a:t>그 다음 단계로</a:t>
+            </a:r>
+            <a:r>
+              <a:rPr lang="en-US" altLang="ko-KR" dirty="0" smtClean="0"/>
+              <a:t>, </a:t>
+            </a:r>
+            <a:r>
+              <a:rPr lang="ko-KR" altLang="en-US" dirty="0" smtClean="0"/>
+              <a:t>스마트 </a:t>
+            </a:r>
+            <a:r>
+              <a:rPr lang="ko-KR" altLang="en-US" dirty="0" err="1" smtClean="0"/>
+              <a:t>퍼징이</a:t>
+            </a:r>
+            <a:r>
+              <a:rPr lang="ko-KR" altLang="en-US" dirty="0" smtClean="0"/>
+              <a:t> 있는데요</a:t>
+            </a:r>
+            <a:r>
+              <a:rPr lang="en-US" altLang="ko-KR" dirty="0" smtClean="0"/>
+              <a:t>.</a:t>
+            </a:r>
+          </a:p>
+          <a:p>
+            <a:r>
+              <a:rPr lang="ko-KR" altLang="en-US" dirty="0" smtClean="0"/>
+              <a:t>프로토콜이나 파일의 포맷영역에 맞춰서 랜덤화를 적용하는 방법입니다</a:t>
+            </a:r>
+            <a:r>
+              <a:rPr lang="en-US" altLang="ko-KR" dirty="0" smtClean="0"/>
+              <a:t>.</a:t>
+            </a:r>
+            <a:endParaRPr lang="ko-KR" altLang="en-US" dirty="0"/>
+          </a:p>
+        </p:txBody>
+      </p:sp>
+      <p:sp>
+        <p:nvSpPr>
+          <p:cNvPr id="4" name="슬라이드 번호 개체 틀 3"/>
+          <p:cNvSpPr>
+            <a:spLocks noGrp="1"/>
+          </p:cNvSpPr>
+          <p:nvPr>
+            <p:ph type="sldNum" sz="quarter" idx="10"/>
+          </p:nvPr>
+        </p:nvSpPr>
+        <p:spPr/>
+        <p:txBody>
+          <a:bodyPr/>
+          <a:lstStyle/>
+          <a:p>
+            <a:fld id="{2013ADBF-0F06-430B-9F10-A547BAB32F14}" type="slidenum">
+              <a:rPr lang="ko-KR" altLang="en-US" smtClean="0"/>
+              <a:t>12</a:t>
+            </a:fld>
+            <a:endParaRPr lang="ko-KR" altLang="en-US"/>
+          </a:p>
+        </p:txBody>
+      </p:sp>
+    </p:spTree>
+    <p:extLst>
+      <p:ext uri="{BB962C8B-B14F-4D97-AF65-F5344CB8AC3E}">
+        <p14:creationId xmlns:p14="http://schemas.microsoft.com/office/powerpoint/2010/main" val="3123415722"/>
+      </p:ext>
+    </p:extLst>
+  </p:cSld>
+  <p:clrMapOvr>
+    <a:masterClrMapping/>
+  </p:clrMapOvr>
+</p:notes>
+</file>
+
+<file path=ppt/notesSlides/notesSlide13.xml><?xml version="1.0" encoding="utf-8"?>
+<p:notes xmlns:a="http://schemas.openxmlformats.org/drawingml/2006/main" xmlns:r="http://schemas.openxmlformats.org/officeDocument/2006/relationships" xmlns:p="http://schemas.openxmlformats.org/presentationml/2006/main">
+  <p:cSld>
+    <p:spTree>
+      <p:nvGrpSpPr>
+        <p:cNvPr id="1" name=""/>
+        <p:cNvGrpSpPr/>
+        <p:nvPr/>
+      </p:nvGrpSpPr>
+      <p:grpSpPr>
+        <a:xfrm>
+          <a:off x="0" y="0"/>
+          <a:ext cx="0" cy="0"/>
+          <a:chOff x="0" y="0"/>
+          <a:chExt cx="0" cy="0"/>
+        </a:xfrm>
+      </p:grpSpPr>
+      <p:sp>
+        <p:nvSpPr>
+          <p:cNvPr id="2" name="슬라이드 이미지 개체 틀 1"/>
+          <p:cNvSpPr>
+            <a:spLocks noGrp="1" noRot="1" noChangeAspect="1"/>
+          </p:cNvSpPr>
+          <p:nvPr>
+            <p:ph type="sldImg"/>
+          </p:nvPr>
+        </p:nvSpPr>
+        <p:spPr/>
+      </p:sp>
+      <p:sp>
+        <p:nvSpPr>
+          <p:cNvPr id="3" name="슬라이드 노트 개체 틀 2"/>
+          <p:cNvSpPr>
+            <a:spLocks noGrp="1"/>
+          </p:cNvSpPr>
+          <p:nvPr>
+            <p:ph type="body" idx="1"/>
+          </p:nvPr>
+        </p:nvSpPr>
+        <p:spPr/>
+        <p:txBody>
+          <a:bodyPr/>
+          <a:lstStyle/>
+          <a:p>
+            <a:r>
+              <a:rPr lang="en-US" altLang="ko-KR" dirty="0" err="1" smtClean="0"/>
+              <a:t>Sowftware</a:t>
+            </a:r>
+            <a:r>
+              <a:rPr lang="en-US" altLang="ko-KR" baseline="0" dirty="0" smtClean="0"/>
+              <a:t> fuzzing</a:t>
+            </a:r>
+            <a:r>
+              <a:rPr lang="ko-KR" altLang="en-US" baseline="0" dirty="0" smtClean="0"/>
+              <a:t>의 경우라면</a:t>
+            </a:r>
+            <a:r>
+              <a:rPr lang="en-US" altLang="ko-KR" baseline="0" dirty="0" smtClean="0"/>
+              <a:t>, </a:t>
+            </a:r>
+            <a:r>
+              <a:rPr lang="ko-KR" altLang="en-US" baseline="0" dirty="0" smtClean="0"/>
+              <a:t>먼저 이미지</a:t>
+            </a:r>
+            <a:r>
+              <a:rPr lang="en-US" altLang="ko-KR" baseline="0" dirty="0" smtClean="0"/>
+              <a:t>.</a:t>
+            </a:r>
+          </a:p>
+          <a:p>
+            <a:endParaRPr lang="en-US" altLang="ko-KR" baseline="0" dirty="0" smtClean="0"/>
+          </a:p>
+          <a:p>
+            <a:r>
+              <a:rPr lang="en-US" altLang="ko-KR" baseline="0" dirty="0" smtClean="0"/>
+              <a:t>JPG</a:t>
+            </a:r>
+            <a:r>
+              <a:rPr lang="ko-KR" altLang="en-US" baseline="0" dirty="0" smtClean="0"/>
+              <a:t>파일의 </a:t>
+            </a:r>
+            <a:r>
+              <a:rPr lang="en-US" altLang="ko-KR" baseline="0" dirty="0" smtClean="0"/>
+              <a:t>Field</a:t>
+            </a:r>
+            <a:r>
+              <a:rPr lang="ko-KR" altLang="en-US" baseline="0" dirty="0" smtClean="0"/>
+              <a:t>는 </a:t>
+            </a:r>
+            <a:r>
+              <a:rPr lang="ko-KR" altLang="en-US" baseline="0" dirty="0" err="1" smtClean="0"/>
+              <a:t>이렇게되있고</a:t>
+            </a:r>
+            <a:r>
+              <a:rPr lang="en-US" altLang="ko-KR" baseline="0" dirty="0" smtClean="0"/>
+              <a:t>,</a:t>
+            </a:r>
+            <a:endParaRPr lang="ko-KR" altLang="en-US" dirty="0"/>
+          </a:p>
+        </p:txBody>
+      </p:sp>
+      <p:sp>
+        <p:nvSpPr>
+          <p:cNvPr id="4" name="슬라이드 번호 개체 틀 3"/>
+          <p:cNvSpPr>
+            <a:spLocks noGrp="1"/>
+          </p:cNvSpPr>
+          <p:nvPr>
+            <p:ph type="sldNum" sz="quarter" idx="10"/>
+          </p:nvPr>
+        </p:nvSpPr>
+        <p:spPr/>
+        <p:txBody>
+          <a:bodyPr/>
+          <a:lstStyle/>
+          <a:p>
+            <a:fld id="{2013ADBF-0F06-430B-9F10-A547BAB32F14}" type="slidenum">
+              <a:rPr lang="ko-KR" altLang="en-US" smtClean="0"/>
+              <a:t>13</a:t>
+            </a:fld>
+            <a:endParaRPr lang="ko-KR" altLang="en-US"/>
+          </a:p>
+        </p:txBody>
+      </p:sp>
+    </p:spTree>
+    <p:extLst>
+      <p:ext uri="{BB962C8B-B14F-4D97-AF65-F5344CB8AC3E}">
+        <p14:creationId xmlns:p14="http://schemas.microsoft.com/office/powerpoint/2010/main" val="2853743722"/>
+      </p:ext>
+    </p:extLst>
+  </p:cSld>
+  <p:clrMapOvr>
+    <a:masterClrMapping/>
+  </p:clrMapOvr>
+</p:notes>
+</file>
+
+<file path=ppt/notesSlides/notesSlide14.xml><?xml version="1.0" encoding="utf-8"?>
+<p:notes xmlns:a="http://schemas.openxmlformats.org/drawingml/2006/main" xmlns:r="http://schemas.openxmlformats.org/officeDocument/2006/relationships" xmlns:p="http://schemas.openxmlformats.org/presentationml/2006/main">
+  <p:cSld>
+    <p:spTree>
+      <p:nvGrpSpPr>
+        <p:cNvPr id="1" name=""/>
+        <p:cNvGrpSpPr/>
+        <p:nvPr/>
+      </p:nvGrpSpPr>
+      <p:grpSpPr>
+        <a:xfrm>
+          <a:off x="0" y="0"/>
+          <a:ext cx="0" cy="0"/>
+          <a:chOff x="0" y="0"/>
+          <a:chExt cx="0" cy="0"/>
+        </a:xfrm>
+      </p:grpSpPr>
+      <p:sp>
+        <p:nvSpPr>
+          <p:cNvPr id="2" name="슬라이드 이미지 개체 틀 1"/>
+          <p:cNvSpPr>
+            <a:spLocks noGrp="1" noRot="1" noChangeAspect="1"/>
+          </p:cNvSpPr>
+          <p:nvPr>
+            <p:ph type="sldImg"/>
+          </p:nvPr>
+        </p:nvSpPr>
+        <p:spPr/>
+      </p:sp>
+      <p:sp>
+        <p:nvSpPr>
+          <p:cNvPr id="3" name="슬라이드 노트 개체 틀 2"/>
+          <p:cNvSpPr>
+            <a:spLocks noGrp="1"/>
+          </p:cNvSpPr>
+          <p:nvPr>
+            <p:ph type="body" idx="1"/>
+          </p:nvPr>
+        </p:nvSpPr>
+        <p:spPr/>
+        <p:txBody>
+          <a:bodyPr/>
+          <a:lstStyle/>
+          <a:p>
+            <a:r>
+              <a:rPr lang="en-US" altLang="ko-KR" dirty="0" smtClean="0"/>
+              <a:t>AVI</a:t>
+            </a:r>
+            <a:r>
+              <a:rPr lang="ko-KR" altLang="en-US" dirty="0" smtClean="0"/>
+              <a:t>파일의 </a:t>
+            </a:r>
+            <a:r>
+              <a:rPr lang="en-US" altLang="ko-KR" dirty="0" smtClean="0"/>
+              <a:t>Field</a:t>
+            </a:r>
+            <a:r>
+              <a:rPr lang="ko-KR" altLang="en-US" dirty="0" smtClean="0"/>
+              <a:t>는 이렇게 구성되어있습니다</a:t>
+            </a:r>
+            <a:r>
+              <a:rPr lang="en-US" altLang="ko-KR" dirty="0" smtClean="0"/>
+              <a:t>. </a:t>
+            </a:r>
+            <a:r>
+              <a:rPr lang="ko-KR" altLang="en-US" dirty="0" smtClean="0"/>
+              <a:t>각각의 필드를 고려해서 </a:t>
+            </a:r>
+            <a:r>
+              <a:rPr lang="ko-KR" altLang="en-US" dirty="0" err="1" smtClean="0"/>
+              <a:t>랜덤화값을</a:t>
+            </a:r>
+            <a:r>
+              <a:rPr lang="ko-KR" altLang="en-US" dirty="0" smtClean="0"/>
+              <a:t> 설정해 </a:t>
+            </a:r>
+            <a:r>
+              <a:rPr lang="ko-KR" altLang="en-US" dirty="0" err="1" smtClean="0"/>
+              <a:t>주는것인데요</a:t>
+            </a:r>
+            <a:r>
+              <a:rPr lang="en-US" altLang="ko-KR" dirty="0" smtClean="0"/>
+              <a:t>.</a:t>
+            </a:r>
+          </a:p>
+          <a:p>
+            <a:endParaRPr lang="en-US" altLang="ko-KR" dirty="0" smtClean="0"/>
+          </a:p>
+          <a:p>
+            <a:r>
+              <a:rPr lang="ko-KR" altLang="en-US" dirty="0" err="1" smtClean="0"/>
+              <a:t>스마트퍼징에서</a:t>
+            </a:r>
+            <a:r>
+              <a:rPr lang="ko-KR" altLang="en-US" dirty="0" smtClean="0"/>
+              <a:t> </a:t>
+            </a:r>
+            <a:r>
+              <a:rPr lang="ko-KR" altLang="en-US" dirty="0" err="1" smtClean="0"/>
+              <a:t>신경써야할</a:t>
+            </a:r>
+            <a:r>
+              <a:rPr lang="ko-KR" altLang="en-US" dirty="0" smtClean="0"/>
+              <a:t> 가장 대표적인 </a:t>
+            </a:r>
+            <a:r>
+              <a:rPr lang="en-US" altLang="ko-KR" dirty="0" smtClean="0"/>
+              <a:t>Field</a:t>
+            </a:r>
+            <a:r>
+              <a:rPr lang="ko-KR" altLang="en-US" dirty="0" smtClean="0"/>
+              <a:t>는 바로 이 </a:t>
+            </a:r>
+            <a:r>
+              <a:rPr lang="en-US" altLang="ko-KR" dirty="0" smtClean="0"/>
+              <a:t>Size</a:t>
+            </a:r>
+            <a:r>
+              <a:rPr lang="ko-KR" altLang="en-US" dirty="0" smtClean="0"/>
+              <a:t>입니다</a:t>
+            </a:r>
+            <a:r>
+              <a:rPr lang="en-US" altLang="ko-KR" dirty="0" smtClean="0"/>
+              <a:t>. </a:t>
+            </a:r>
+            <a:r>
+              <a:rPr lang="ko-KR" altLang="en-US" dirty="0" smtClean="0"/>
+              <a:t>전체적인 파일의 </a:t>
+            </a:r>
+            <a:r>
+              <a:rPr lang="en-US" altLang="ko-KR" dirty="0" smtClean="0"/>
+              <a:t>Size</a:t>
+            </a:r>
+            <a:r>
+              <a:rPr lang="ko-KR" altLang="en-US" dirty="0" smtClean="0"/>
+              <a:t>가 </a:t>
+            </a:r>
+            <a:r>
+              <a:rPr lang="en-US" altLang="ko-KR" dirty="0" smtClean="0"/>
+              <a:t>100bytes</a:t>
+            </a:r>
+            <a:r>
+              <a:rPr lang="ko-KR" altLang="en-US" dirty="0" smtClean="0"/>
+              <a:t>라고 친다면</a:t>
+            </a:r>
+            <a:r>
+              <a:rPr lang="en-US" altLang="ko-KR" dirty="0" smtClean="0"/>
+              <a:t>, </a:t>
+            </a:r>
+            <a:r>
+              <a:rPr lang="ko-KR" altLang="en-US" dirty="0" smtClean="0"/>
+              <a:t>저 </a:t>
+            </a:r>
+            <a:r>
+              <a:rPr lang="en-US" altLang="ko-KR" dirty="0" smtClean="0"/>
+              <a:t>Size Field</a:t>
+            </a:r>
+            <a:r>
+              <a:rPr lang="ko-KR" altLang="en-US" dirty="0" smtClean="0"/>
+              <a:t>에도 </a:t>
+            </a:r>
+            <a:r>
+              <a:rPr lang="en-US" altLang="ko-KR" dirty="0" smtClean="0"/>
+              <a:t>100bytes</a:t>
+            </a:r>
+            <a:r>
+              <a:rPr lang="ko-KR" altLang="en-US" dirty="0" smtClean="0"/>
+              <a:t>도 맞게 </a:t>
+            </a:r>
+            <a:r>
+              <a:rPr lang="ko-KR" altLang="en-US" dirty="0" err="1" smtClean="0"/>
+              <a:t>신경써서</a:t>
+            </a:r>
+            <a:r>
+              <a:rPr lang="ko-KR" altLang="en-US" dirty="0" smtClean="0"/>
+              <a:t> </a:t>
+            </a:r>
+            <a:r>
+              <a:rPr lang="ko-KR" altLang="en-US" dirty="0" err="1" smtClean="0"/>
+              <a:t>해줘야합니다</a:t>
+            </a:r>
+            <a:r>
+              <a:rPr lang="en-US" altLang="ko-KR" dirty="0" smtClean="0"/>
+              <a:t>.</a:t>
+            </a:r>
+          </a:p>
+          <a:p>
+            <a:endParaRPr lang="en-US" altLang="ko-KR" dirty="0" smtClean="0"/>
+          </a:p>
+          <a:p>
+            <a:r>
+              <a:rPr lang="ko-KR" altLang="en-US" dirty="0" smtClean="0"/>
+              <a:t>즉</a:t>
+            </a:r>
+            <a:r>
+              <a:rPr lang="en-US" altLang="ko-KR" dirty="0" smtClean="0"/>
+              <a:t>, </a:t>
+            </a:r>
+            <a:r>
+              <a:rPr lang="ko-KR" altLang="en-US" dirty="0" smtClean="0"/>
+              <a:t>서로 종속된 </a:t>
+            </a:r>
+            <a:r>
+              <a:rPr lang="en-US" altLang="ko-KR" dirty="0" smtClean="0"/>
+              <a:t>Field</a:t>
+            </a:r>
+            <a:r>
+              <a:rPr lang="ko-KR" altLang="en-US" dirty="0" smtClean="0"/>
+              <a:t>의 값은 무작위 </a:t>
+            </a:r>
+            <a:r>
+              <a:rPr lang="ko-KR" altLang="en-US" dirty="0" err="1" smtClean="0"/>
+              <a:t>값이아니라</a:t>
+            </a:r>
+            <a:r>
+              <a:rPr lang="en-US" altLang="ko-KR" baseline="0" dirty="0" smtClean="0"/>
+              <a:t> </a:t>
+            </a:r>
+            <a:r>
+              <a:rPr lang="ko-KR" altLang="en-US" baseline="0" dirty="0" smtClean="0"/>
+              <a:t>파일의 상태에 따라 넣어줘야 한다는 것입니다</a:t>
+            </a:r>
+            <a:r>
+              <a:rPr lang="en-US" altLang="ko-KR" baseline="0" dirty="0" smtClean="0"/>
+              <a:t>.</a:t>
+            </a:r>
+            <a:endParaRPr lang="ko-KR" altLang="en-US" dirty="0"/>
+          </a:p>
+        </p:txBody>
+      </p:sp>
+      <p:sp>
+        <p:nvSpPr>
+          <p:cNvPr id="4" name="슬라이드 번호 개체 틀 3"/>
+          <p:cNvSpPr>
+            <a:spLocks noGrp="1"/>
+          </p:cNvSpPr>
+          <p:nvPr>
+            <p:ph type="sldNum" sz="quarter" idx="10"/>
+          </p:nvPr>
+        </p:nvSpPr>
+        <p:spPr/>
+        <p:txBody>
+          <a:bodyPr/>
+          <a:lstStyle/>
+          <a:p>
+            <a:fld id="{2013ADBF-0F06-430B-9F10-A547BAB32F14}" type="slidenum">
+              <a:rPr lang="ko-KR" altLang="en-US" smtClean="0"/>
+              <a:t>14</a:t>
+            </a:fld>
+            <a:endParaRPr lang="ko-KR" altLang="en-US"/>
+          </a:p>
+        </p:txBody>
+      </p:sp>
+    </p:spTree>
+    <p:extLst>
+      <p:ext uri="{BB962C8B-B14F-4D97-AF65-F5344CB8AC3E}">
+        <p14:creationId xmlns:p14="http://schemas.microsoft.com/office/powerpoint/2010/main" val="339986429"/>
+      </p:ext>
+    </p:extLst>
+  </p:cSld>
+  <p:clrMapOvr>
+    <a:masterClrMapping/>
+  </p:clrMapOvr>
+</p:notes>
+</file>
+
+<file path=ppt/notesSlides/notesSlide15.xml><?xml version="1.0" encoding="utf-8"?>
+<p:notes xmlns:a="http://schemas.openxmlformats.org/drawingml/2006/main" xmlns:r="http://schemas.openxmlformats.org/officeDocument/2006/relationships" xmlns:p="http://schemas.openxmlformats.org/presentationml/2006/main">
+  <p:cSld>
+    <p:spTree>
+      <p:nvGrpSpPr>
+        <p:cNvPr id="1" name=""/>
+        <p:cNvGrpSpPr/>
+        <p:nvPr/>
+      </p:nvGrpSpPr>
+      <p:grpSpPr>
+        <a:xfrm>
+          <a:off x="0" y="0"/>
+          <a:ext cx="0" cy="0"/>
+          <a:chOff x="0" y="0"/>
+          <a:chExt cx="0" cy="0"/>
+        </a:xfrm>
+      </p:grpSpPr>
+      <p:sp>
+        <p:nvSpPr>
+          <p:cNvPr id="2" name="슬라이드 이미지 개체 틀 1"/>
+          <p:cNvSpPr>
+            <a:spLocks noGrp="1" noRot="1" noChangeAspect="1"/>
+          </p:cNvSpPr>
+          <p:nvPr>
+            <p:ph type="sldImg"/>
+          </p:nvPr>
+        </p:nvSpPr>
+        <p:spPr/>
+      </p:sp>
+      <p:sp>
+        <p:nvSpPr>
+          <p:cNvPr id="3" name="슬라이드 노트 개체 틀 2"/>
+          <p:cNvSpPr>
+            <a:spLocks noGrp="1"/>
+          </p:cNvSpPr>
+          <p:nvPr>
+            <p:ph type="body" idx="1"/>
+          </p:nvPr>
+        </p:nvSpPr>
+        <p:spPr/>
+        <p:txBody>
+          <a:bodyPr/>
+          <a:lstStyle/>
+          <a:p>
+            <a:r>
+              <a:rPr lang="ko-KR" altLang="en-US" dirty="0" smtClean="0"/>
+              <a:t>이건 </a:t>
+            </a:r>
+            <a:r>
+              <a:rPr lang="en-US" altLang="ko-KR" dirty="0" smtClean="0"/>
+              <a:t>IP</a:t>
+            </a:r>
+            <a:r>
+              <a:rPr lang="ko-KR" altLang="en-US" baseline="0" dirty="0" smtClean="0"/>
+              <a:t> </a:t>
+            </a:r>
+            <a:r>
+              <a:rPr lang="en-US" altLang="ko-KR" baseline="0" dirty="0" smtClean="0"/>
+              <a:t>HEADER</a:t>
+            </a:r>
+            <a:r>
+              <a:rPr lang="ko-KR" altLang="en-US" baseline="0" dirty="0" smtClean="0"/>
+              <a:t>의 </a:t>
+            </a:r>
+            <a:r>
+              <a:rPr lang="ko-KR" altLang="en-US" baseline="0" dirty="0" err="1" smtClean="0"/>
+              <a:t>패킷</a:t>
+            </a:r>
+            <a:r>
+              <a:rPr lang="ko-KR" altLang="en-US" baseline="0" dirty="0" smtClean="0"/>
+              <a:t> 구조입니다</a:t>
+            </a:r>
+            <a:r>
+              <a:rPr lang="en-US" altLang="ko-KR" baseline="0" dirty="0" smtClean="0"/>
+              <a:t>. </a:t>
+            </a:r>
+            <a:r>
+              <a:rPr lang="ko-KR" altLang="en-US" baseline="0" dirty="0" smtClean="0"/>
+              <a:t>마찬가지로</a:t>
+            </a:r>
+            <a:r>
+              <a:rPr lang="en-US" altLang="ko-KR" baseline="0" dirty="0" smtClean="0"/>
+              <a:t>,</a:t>
+            </a:r>
+            <a:endParaRPr lang="ko-KR" altLang="en-US" dirty="0"/>
+          </a:p>
+        </p:txBody>
+      </p:sp>
+      <p:sp>
+        <p:nvSpPr>
+          <p:cNvPr id="4" name="슬라이드 번호 개체 틀 3"/>
+          <p:cNvSpPr>
+            <a:spLocks noGrp="1"/>
+          </p:cNvSpPr>
+          <p:nvPr>
+            <p:ph type="sldNum" sz="quarter" idx="10"/>
+          </p:nvPr>
+        </p:nvSpPr>
+        <p:spPr/>
+        <p:txBody>
+          <a:bodyPr/>
+          <a:lstStyle/>
+          <a:p>
+            <a:fld id="{2013ADBF-0F06-430B-9F10-A547BAB32F14}" type="slidenum">
+              <a:rPr lang="ko-KR" altLang="en-US" smtClean="0"/>
+              <a:t>15</a:t>
+            </a:fld>
+            <a:endParaRPr lang="ko-KR" altLang="en-US"/>
+          </a:p>
+        </p:txBody>
+      </p:sp>
+    </p:spTree>
+    <p:extLst>
+      <p:ext uri="{BB962C8B-B14F-4D97-AF65-F5344CB8AC3E}">
+        <p14:creationId xmlns:p14="http://schemas.microsoft.com/office/powerpoint/2010/main" val="3081217607"/>
+      </p:ext>
+    </p:extLst>
+  </p:cSld>
+  <p:clrMapOvr>
+    <a:masterClrMapping/>
+  </p:clrMapOvr>
+</p:notes>
+</file>
+
+<file path=ppt/notesSlides/notesSlide16.xml><?xml version="1.0" encoding="utf-8"?>
+<p:notes xmlns:a="http://schemas.openxmlformats.org/drawingml/2006/main" xmlns:r="http://schemas.openxmlformats.org/officeDocument/2006/relationships" xmlns:p="http://schemas.openxmlformats.org/presentationml/2006/main">
+  <p:cSld>
+    <p:spTree>
+      <p:nvGrpSpPr>
+        <p:cNvPr id="1" name=""/>
+        <p:cNvGrpSpPr/>
+        <p:nvPr/>
+      </p:nvGrpSpPr>
+      <p:grpSpPr>
+        <a:xfrm>
+          <a:off x="0" y="0"/>
+          <a:ext cx="0" cy="0"/>
+          <a:chOff x="0" y="0"/>
+          <a:chExt cx="0" cy="0"/>
+        </a:xfrm>
+      </p:grpSpPr>
+      <p:sp>
+        <p:nvSpPr>
+          <p:cNvPr id="2" name="슬라이드 이미지 개체 틀 1"/>
+          <p:cNvSpPr>
+            <a:spLocks noGrp="1" noRot="1" noChangeAspect="1"/>
+          </p:cNvSpPr>
+          <p:nvPr>
+            <p:ph type="sldImg"/>
+          </p:nvPr>
+        </p:nvSpPr>
+        <p:spPr/>
+      </p:sp>
+      <p:sp>
+        <p:nvSpPr>
+          <p:cNvPr id="3" name="슬라이드 노트 개체 틀 2"/>
+          <p:cNvSpPr>
+            <a:spLocks noGrp="1"/>
+          </p:cNvSpPr>
+          <p:nvPr>
+            <p:ph type="body" idx="1"/>
+          </p:nvPr>
+        </p:nvSpPr>
+        <p:spPr/>
+        <p:txBody>
+          <a:bodyPr/>
+          <a:lstStyle/>
+          <a:p>
+            <a:r>
+              <a:rPr lang="ko-KR" altLang="en-US" dirty="0" smtClean="0"/>
+              <a:t>버전</a:t>
+            </a:r>
+            <a:r>
+              <a:rPr lang="en-US" altLang="ko-KR" dirty="0" smtClean="0"/>
+              <a:t>, IHL,</a:t>
+            </a:r>
+            <a:r>
+              <a:rPr lang="en-US" altLang="ko-KR" baseline="0" dirty="0" smtClean="0"/>
+              <a:t> TTL,,,,, </a:t>
+            </a:r>
+            <a:r>
+              <a:rPr lang="ko-KR" altLang="en-US" baseline="0" dirty="0" smtClean="0"/>
+              <a:t>등등 </a:t>
+            </a:r>
+            <a:r>
+              <a:rPr lang="en-US" altLang="ko-KR" baseline="0" dirty="0" smtClean="0"/>
+              <a:t>Field</a:t>
+            </a:r>
+            <a:r>
+              <a:rPr lang="ko-KR" altLang="en-US" baseline="0" dirty="0" smtClean="0"/>
+              <a:t>에 맞게 값을 랜덤화 해서 </a:t>
+            </a:r>
+            <a:r>
+              <a:rPr lang="ko-KR" altLang="en-US" baseline="0" dirty="0" err="1" smtClean="0"/>
+              <a:t>설정해야합니다</a:t>
+            </a:r>
+            <a:r>
+              <a:rPr lang="en-US" altLang="ko-KR" baseline="0" dirty="0" smtClean="0"/>
+              <a:t>.</a:t>
+            </a:r>
+          </a:p>
+          <a:p>
+            <a:endParaRPr lang="ko-KR" altLang="en-US" dirty="0"/>
+          </a:p>
+        </p:txBody>
+      </p:sp>
+      <p:sp>
+        <p:nvSpPr>
+          <p:cNvPr id="4" name="슬라이드 번호 개체 틀 3"/>
+          <p:cNvSpPr>
+            <a:spLocks noGrp="1"/>
+          </p:cNvSpPr>
+          <p:nvPr>
+            <p:ph type="sldNum" sz="quarter" idx="10"/>
+          </p:nvPr>
+        </p:nvSpPr>
+        <p:spPr/>
+        <p:txBody>
+          <a:bodyPr/>
+          <a:lstStyle/>
+          <a:p>
+            <a:fld id="{2013ADBF-0F06-430B-9F10-A547BAB32F14}" type="slidenum">
+              <a:rPr lang="ko-KR" altLang="en-US" smtClean="0"/>
+              <a:t>16</a:t>
+            </a:fld>
+            <a:endParaRPr lang="ko-KR" altLang="en-US"/>
+          </a:p>
+        </p:txBody>
+      </p:sp>
+    </p:spTree>
+    <p:extLst>
+      <p:ext uri="{BB962C8B-B14F-4D97-AF65-F5344CB8AC3E}">
+        <p14:creationId xmlns:p14="http://schemas.microsoft.com/office/powerpoint/2010/main" val="18221664"/>
+      </p:ext>
+    </p:extLst>
+  </p:cSld>
+  <p:clrMapOvr>
+    <a:masterClrMapping/>
+  </p:clrMapOvr>
+</p:notes>
+</file>
+
+<file path=ppt/notesSlides/notesSlide17.xml><?xml version="1.0" encoding="utf-8"?>
+<p:notes xmlns:a="http://schemas.openxmlformats.org/drawingml/2006/main" xmlns:r="http://schemas.openxmlformats.org/officeDocument/2006/relationships" xmlns:p="http://schemas.openxmlformats.org/presentationml/2006/main">
+  <p:cSld>
+    <p:spTree>
+      <p:nvGrpSpPr>
+        <p:cNvPr id="1" name=""/>
+        <p:cNvGrpSpPr/>
+        <p:nvPr/>
+      </p:nvGrpSpPr>
+      <p:grpSpPr>
+        <a:xfrm>
+          <a:off x="0" y="0"/>
+          <a:ext cx="0" cy="0"/>
+          <a:chOff x="0" y="0"/>
+          <a:chExt cx="0" cy="0"/>
+        </a:xfrm>
+      </p:grpSpPr>
+      <p:sp>
+        <p:nvSpPr>
+          <p:cNvPr id="2" name="슬라이드 이미지 개체 틀 1"/>
+          <p:cNvSpPr>
+            <a:spLocks noGrp="1" noRot="1" noChangeAspect="1"/>
+          </p:cNvSpPr>
+          <p:nvPr>
+            <p:ph type="sldImg"/>
+          </p:nvPr>
+        </p:nvSpPr>
+        <p:spPr/>
+      </p:sp>
+      <p:sp>
+        <p:nvSpPr>
+          <p:cNvPr id="3" name="슬라이드 노트 개체 틀 2"/>
+          <p:cNvSpPr>
+            <a:spLocks noGrp="1"/>
+          </p:cNvSpPr>
+          <p:nvPr>
+            <p:ph type="body" idx="1"/>
+          </p:nvPr>
+        </p:nvSpPr>
+        <p:spPr/>
+        <p:txBody>
+          <a:bodyPr/>
+          <a:lstStyle/>
+          <a:p>
+            <a:r>
+              <a:rPr lang="ko-KR" altLang="en-US" dirty="0" err="1" smtClean="0"/>
+              <a:t>그중</a:t>
+            </a:r>
+            <a:r>
+              <a:rPr lang="en-US" altLang="ko-KR" dirty="0" smtClean="0"/>
+              <a:t>, Total Length</a:t>
+            </a:r>
+            <a:r>
+              <a:rPr lang="ko-KR" altLang="en-US" dirty="0" smtClean="0"/>
+              <a:t>는 파일의 실제 길이 값에 맞게 넣어줘야 합니다</a:t>
+            </a:r>
+            <a:r>
+              <a:rPr lang="en-US" altLang="ko-KR" dirty="0" smtClean="0"/>
+              <a:t>.</a:t>
+            </a:r>
+            <a:endParaRPr lang="ko-KR" altLang="en-US" dirty="0"/>
+          </a:p>
+        </p:txBody>
+      </p:sp>
+      <p:sp>
+        <p:nvSpPr>
+          <p:cNvPr id="4" name="슬라이드 번호 개체 틀 3"/>
+          <p:cNvSpPr>
+            <a:spLocks noGrp="1"/>
+          </p:cNvSpPr>
+          <p:nvPr>
+            <p:ph type="sldNum" sz="quarter" idx="10"/>
+          </p:nvPr>
+        </p:nvSpPr>
+        <p:spPr/>
+        <p:txBody>
+          <a:bodyPr/>
+          <a:lstStyle/>
+          <a:p>
+            <a:fld id="{2013ADBF-0F06-430B-9F10-A547BAB32F14}" type="slidenum">
+              <a:rPr lang="ko-KR" altLang="en-US" smtClean="0"/>
+              <a:t>17</a:t>
+            </a:fld>
+            <a:endParaRPr lang="ko-KR" altLang="en-US"/>
+          </a:p>
+        </p:txBody>
+      </p:sp>
+    </p:spTree>
+    <p:extLst>
+      <p:ext uri="{BB962C8B-B14F-4D97-AF65-F5344CB8AC3E}">
+        <p14:creationId xmlns:p14="http://schemas.microsoft.com/office/powerpoint/2010/main" val="3904649640"/>
+      </p:ext>
+    </p:extLst>
+  </p:cSld>
+  <p:clrMapOvr>
+    <a:masterClrMapping/>
+  </p:clrMapOvr>
+</p:notes>
+</file>
+
+<file path=ppt/notesSlides/notesSlide18.xml><?xml version="1.0" encoding="utf-8"?>
+<p:notes xmlns:a="http://schemas.openxmlformats.org/drawingml/2006/main" xmlns:r="http://schemas.openxmlformats.org/officeDocument/2006/relationships" xmlns:p="http://schemas.openxmlformats.org/presentationml/2006/main">
+  <p:cSld>
+    <p:spTree>
+      <p:nvGrpSpPr>
+        <p:cNvPr id="1" name=""/>
+        <p:cNvGrpSpPr/>
+        <p:nvPr/>
+      </p:nvGrpSpPr>
+      <p:grpSpPr>
+        <a:xfrm>
+          <a:off x="0" y="0"/>
+          <a:ext cx="0" cy="0"/>
+          <a:chOff x="0" y="0"/>
+          <a:chExt cx="0" cy="0"/>
+        </a:xfrm>
+      </p:grpSpPr>
+      <p:sp>
+        <p:nvSpPr>
+          <p:cNvPr id="2" name="슬라이드 이미지 개체 틀 1"/>
+          <p:cNvSpPr>
+            <a:spLocks noGrp="1" noRot="1" noChangeAspect="1"/>
+          </p:cNvSpPr>
+          <p:nvPr>
+            <p:ph type="sldImg"/>
+          </p:nvPr>
+        </p:nvSpPr>
+        <p:spPr/>
+      </p:sp>
+      <p:sp>
+        <p:nvSpPr>
+          <p:cNvPr id="3" name="슬라이드 노트 개체 틀 2"/>
+          <p:cNvSpPr>
+            <a:spLocks noGrp="1"/>
+          </p:cNvSpPr>
+          <p:nvPr>
+            <p:ph type="body" idx="1"/>
+          </p:nvPr>
+        </p:nvSpPr>
+        <p:spPr/>
+        <p:txBody>
+          <a:bodyPr/>
+          <a:lstStyle/>
+          <a:p>
+            <a:r>
+              <a:rPr lang="ko-KR" altLang="en-US" dirty="0" smtClean="0"/>
+              <a:t>여기서 다른 </a:t>
+            </a:r>
+            <a:r>
+              <a:rPr lang="en-US" altLang="ko-KR" dirty="0" smtClean="0"/>
+              <a:t>Fuzzing</a:t>
+            </a:r>
+            <a:r>
+              <a:rPr lang="ko-KR" altLang="en-US" dirty="0" smtClean="0"/>
+              <a:t>들과 달리</a:t>
+            </a:r>
+            <a:r>
+              <a:rPr lang="en-US" altLang="ko-KR" dirty="0" smtClean="0"/>
+              <a:t>,  Network</a:t>
+            </a:r>
+            <a:r>
+              <a:rPr lang="en-US" altLang="ko-KR" baseline="0" dirty="0" smtClean="0"/>
+              <a:t> Fuzzing</a:t>
+            </a:r>
+            <a:r>
+              <a:rPr lang="ko-KR" altLang="en-US" baseline="0" dirty="0" smtClean="0"/>
+              <a:t>에서 신경 써줘야 할 한가지 조건이 더 있는데요</a:t>
+            </a:r>
+            <a:r>
+              <a:rPr lang="en-US" altLang="ko-KR" baseline="0" dirty="0" smtClean="0"/>
+              <a:t>, </a:t>
+            </a:r>
+            <a:r>
+              <a:rPr lang="ko-KR" altLang="en-US" baseline="0" dirty="0" smtClean="0"/>
+              <a:t>그걸 고려하고 </a:t>
+            </a:r>
+            <a:r>
+              <a:rPr lang="en-US" altLang="ko-KR" baseline="0" dirty="0" smtClean="0"/>
+              <a:t>fuzzing</a:t>
+            </a:r>
+            <a:r>
+              <a:rPr lang="ko-KR" altLang="en-US" baseline="0" dirty="0" smtClean="0"/>
+              <a:t>을 진행 </a:t>
+            </a:r>
+            <a:r>
+              <a:rPr lang="ko-KR" altLang="en-US" baseline="0" dirty="0" err="1" smtClean="0"/>
+              <a:t>하는것을</a:t>
+            </a:r>
+            <a:r>
+              <a:rPr lang="ko-KR" altLang="en-US" baseline="0" dirty="0" smtClean="0"/>
+              <a:t> </a:t>
+            </a:r>
+            <a:endParaRPr lang="en-US" altLang="ko-KR" baseline="0" dirty="0" smtClean="0"/>
+          </a:p>
+          <a:p>
+            <a:r>
+              <a:rPr lang="en-US" altLang="ko-KR" baseline="0" dirty="0" smtClean="0"/>
+              <a:t>State fuzzing</a:t>
+            </a:r>
+            <a:r>
+              <a:rPr lang="ko-KR" altLang="en-US" baseline="0" dirty="0" smtClean="0"/>
+              <a:t>이라고 합니다</a:t>
+            </a:r>
+            <a:r>
+              <a:rPr lang="en-US" altLang="ko-KR" baseline="0" dirty="0" smtClean="0"/>
+              <a:t>.</a:t>
+            </a:r>
+            <a:endParaRPr lang="ko-KR" altLang="en-US" dirty="0"/>
+          </a:p>
+        </p:txBody>
+      </p:sp>
+      <p:sp>
+        <p:nvSpPr>
+          <p:cNvPr id="4" name="슬라이드 번호 개체 틀 3"/>
+          <p:cNvSpPr>
+            <a:spLocks noGrp="1"/>
+          </p:cNvSpPr>
+          <p:nvPr>
+            <p:ph type="sldNum" sz="quarter" idx="10"/>
+          </p:nvPr>
+        </p:nvSpPr>
+        <p:spPr/>
+        <p:txBody>
+          <a:bodyPr/>
+          <a:lstStyle/>
+          <a:p>
+            <a:fld id="{2013ADBF-0F06-430B-9F10-A547BAB32F14}" type="slidenum">
+              <a:rPr lang="ko-KR" altLang="en-US" smtClean="0"/>
+              <a:t>18</a:t>
+            </a:fld>
+            <a:endParaRPr lang="ko-KR" altLang="en-US"/>
+          </a:p>
+        </p:txBody>
+      </p:sp>
+    </p:spTree>
+    <p:extLst>
+      <p:ext uri="{BB962C8B-B14F-4D97-AF65-F5344CB8AC3E}">
+        <p14:creationId xmlns:p14="http://schemas.microsoft.com/office/powerpoint/2010/main" val="3951458044"/>
+      </p:ext>
+    </p:extLst>
+  </p:cSld>
+  <p:clrMapOvr>
+    <a:masterClrMapping/>
+  </p:clrMapOvr>
+</p:notes>
+</file>
+
+<file path=ppt/notesSlides/notesSlide19.xml><?xml version="1.0" encoding="utf-8"?>
+<p:notes xmlns:a="http://schemas.openxmlformats.org/drawingml/2006/main" xmlns:r="http://schemas.openxmlformats.org/officeDocument/2006/relationships" xmlns:p="http://schemas.openxmlformats.org/presentationml/2006/main">
+  <p:cSld>
+    <p:spTree>
+      <p:nvGrpSpPr>
+        <p:cNvPr id="1" name=""/>
+        <p:cNvGrpSpPr/>
+        <p:nvPr/>
+      </p:nvGrpSpPr>
+      <p:grpSpPr>
+        <a:xfrm>
+          <a:off x="0" y="0"/>
+          <a:ext cx="0" cy="0"/>
+          <a:chOff x="0" y="0"/>
+          <a:chExt cx="0" cy="0"/>
+        </a:xfrm>
+      </p:grpSpPr>
+      <p:sp>
+        <p:nvSpPr>
+          <p:cNvPr id="2" name="슬라이드 이미지 개체 틀 1"/>
+          <p:cNvSpPr>
+            <a:spLocks noGrp="1" noRot="1" noChangeAspect="1"/>
+          </p:cNvSpPr>
+          <p:nvPr>
+            <p:ph type="sldImg"/>
+          </p:nvPr>
+        </p:nvSpPr>
+        <p:spPr/>
+      </p:sp>
+      <p:sp>
+        <p:nvSpPr>
+          <p:cNvPr id="3" name="슬라이드 노트 개체 틀 2"/>
+          <p:cNvSpPr>
+            <a:spLocks noGrp="1"/>
+          </p:cNvSpPr>
+          <p:nvPr>
+            <p:ph type="body" idx="1"/>
+          </p:nvPr>
+        </p:nvSpPr>
+        <p:spPr/>
+        <p:txBody>
+          <a:bodyPr/>
+          <a:lstStyle/>
+          <a:p>
+            <a:r>
+              <a:rPr lang="ko-KR" altLang="en-US" dirty="0" smtClean="0"/>
+              <a:t>여기 </a:t>
+            </a:r>
+            <a:r>
+              <a:rPr lang="en-US" altLang="ko-KR" dirty="0" smtClean="0"/>
+              <a:t>3-handShake</a:t>
+            </a:r>
+            <a:r>
+              <a:rPr lang="ko-KR" altLang="en-US" dirty="0" smtClean="0"/>
+              <a:t>가 있습니다</a:t>
+            </a:r>
+            <a:r>
+              <a:rPr lang="en-US" altLang="ko-KR" smtClean="0"/>
+              <a:t>.</a:t>
+            </a:r>
+            <a:endParaRPr lang="ko-KR" altLang="en-US"/>
+          </a:p>
+        </p:txBody>
+      </p:sp>
+      <p:sp>
+        <p:nvSpPr>
+          <p:cNvPr id="4" name="슬라이드 번호 개체 틀 3"/>
+          <p:cNvSpPr>
+            <a:spLocks noGrp="1"/>
+          </p:cNvSpPr>
+          <p:nvPr>
+            <p:ph type="sldNum" sz="quarter" idx="10"/>
+          </p:nvPr>
+        </p:nvSpPr>
+        <p:spPr/>
+        <p:txBody>
+          <a:bodyPr/>
+          <a:lstStyle/>
+          <a:p>
+            <a:fld id="{2013ADBF-0F06-430B-9F10-A547BAB32F14}" type="slidenum">
+              <a:rPr lang="ko-KR" altLang="en-US" smtClean="0"/>
+              <a:t>19</a:t>
+            </a:fld>
+            <a:endParaRPr lang="ko-KR" altLang="en-US"/>
+          </a:p>
+        </p:txBody>
+      </p:sp>
+    </p:spTree>
+    <p:extLst>
+      <p:ext uri="{BB962C8B-B14F-4D97-AF65-F5344CB8AC3E}">
+        <p14:creationId xmlns:p14="http://schemas.microsoft.com/office/powerpoint/2010/main" val="1588772604"/>
+      </p:ext>
+    </p:extLst>
+  </p:cSld>
+  <p:clrMapOvr>
+    <a:masterClrMapping/>
+  </p:clrMapOvr>
+</p:notes>
+</file>
+
+<file path=ppt/notesSlides/notesSlide2.xml><?xml version="1.0" encoding="utf-8"?>
+<p:notes xmlns:a="http://schemas.openxmlformats.org/drawingml/2006/main" xmlns:r="http://schemas.openxmlformats.org/officeDocument/2006/relationships" xmlns:p="http://schemas.openxmlformats.org/presentationml/2006/main">
+  <p:cSld>
+    <p:spTree>
+      <p:nvGrpSpPr>
+        <p:cNvPr id="1" name=""/>
+        <p:cNvGrpSpPr/>
+        <p:nvPr/>
+      </p:nvGrpSpPr>
+      <p:grpSpPr>
+        <a:xfrm>
+          <a:off x="0" y="0"/>
+          <a:ext cx="0" cy="0"/>
+          <a:chOff x="0" y="0"/>
+          <a:chExt cx="0" cy="0"/>
+        </a:xfrm>
+      </p:grpSpPr>
+      <p:sp>
+        <p:nvSpPr>
+          <p:cNvPr id="2" name="슬라이드 이미지 개체 틀 1"/>
+          <p:cNvSpPr>
+            <a:spLocks noGrp="1" noRot="1" noChangeAspect="1"/>
+          </p:cNvSpPr>
+          <p:nvPr>
+            <p:ph type="sldImg"/>
+          </p:nvPr>
+        </p:nvSpPr>
+        <p:spPr/>
+      </p:sp>
+      <p:sp>
+        <p:nvSpPr>
+          <p:cNvPr id="3" name="슬라이드 노트 개체 틀 2"/>
+          <p:cNvSpPr>
+            <a:spLocks noGrp="1"/>
+          </p:cNvSpPr>
+          <p:nvPr>
+            <p:ph type="body" idx="1"/>
+          </p:nvPr>
+        </p:nvSpPr>
+        <p:spPr/>
+        <p:txBody>
+          <a:bodyPr/>
+          <a:lstStyle/>
+          <a:p>
+            <a:r>
+              <a:rPr lang="ko-KR" altLang="en-US" dirty="0" smtClean="0"/>
+              <a:t>들어가기 앞서</a:t>
+            </a:r>
+            <a:r>
+              <a:rPr lang="en-US" altLang="ko-KR" dirty="0" smtClean="0"/>
+              <a:t>,</a:t>
+            </a:r>
+            <a:r>
+              <a:rPr lang="ko-KR" altLang="en-US" dirty="0" smtClean="0"/>
+              <a:t> </a:t>
+            </a:r>
+            <a:r>
+              <a:rPr lang="en-US" altLang="ko-KR" dirty="0" smtClean="0"/>
+              <a:t>fuzzing</a:t>
+            </a:r>
+            <a:r>
+              <a:rPr lang="ko-KR" altLang="en-US" dirty="0" smtClean="0"/>
+              <a:t>에 대해 설명하도록 하겠습니다</a:t>
+            </a:r>
+            <a:r>
+              <a:rPr lang="en-US" altLang="ko-KR" dirty="0" smtClean="0"/>
+              <a:t>.</a:t>
+            </a:r>
+            <a:endParaRPr lang="ko-KR" altLang="en-US" dirty="0"/>
+          </a:p>
+        </p:txBody>
+      </p:sp>
+      <p:sp>
+        <p:nvSpPr>
+          <p:cNvPr id="4" name="슬라이드 번호 개체 틀 3"/>
+          <p:cNvSpPr>
+            <a:spLocks noGrp="1"/>
+          </p:cNvSpPr>
+          <p:nvPr>
+            <p:ph type="sldNum" sz="quarter" idx="10"/>
+          </p:nvPr>
+        </p:nvSpPr>
+        <p:spPr/>
+        <p:txBody>
+          <a:bodyPr/>
+          <a:lstStyle/>
+          <a:p>
+            <a:fld id="{2013ADBF-0F06-430B-9F10-A547BAB32F14}" type="slidenum">
+              <a:rPr lang="ko-KR" altLang="en-US" smtClean="0"/>
+              <a:t>2</a:t>
+            </a:fld>
+            <a:endParaRPr lang="ko-KR" altLang="en-US"/>
+          </a:p>
+        </p:txBody>
+      </p:sp>
+    </p:spTree>
+    <p:extLst>
+      <p:ext uri="{BB962C8B-B14F-4D97-AF65-F5344CB8AC3E}">
+        <p14:creationId xmlns:p14="http://schemas.microsoft.com/office/powerpoint/2010/main" val="1506072210"/>
+      </p:ext>
+    </p:extLst>
+  </p:cSld>
+  <p:clrMapOvr>
+    <a:masterClrMapping/>
+  </p:clrMapOvr>
+</p:notes>
+</file>
+
+<file path=ppt/notesSlides/notesSlide20.xml><?xml version="1.0" encoding="utf-8"?>
+<p:notes xmlns:a="http://schemas.openxmlformats.org/drawingml/2006/main" xmlns:r="http://schemas.openxmlformats.org/officeDocument/2006/relationships" xmlns:p="http://schemas.openxmlformats.org/presentationml/2006/main">
+  <p:cSld>
+    <p:spTree>
+      <p:nvGrpSpPr>
+        <p:cNvPr id="1" name=""/>
+        <p:cNvGrpSpPr/>
+        <p:nvPr/>
+      </p:nvGrpSpPr>
+      <p:grpSpPr>
+        <a:xfrm>
+          <a:off x="0" y="0"/>
+          <a:ext cx="0" cy="0"/>
+          <a:chOff x="0" y="0"/>
+          <a:chExt cx="0" cy="0"/>
+        </a:xfrm>
+      </p:grpSpPr>
+      <p:sp>
+        <p:nvSpPr>
+          <p:cNvPr id="2" name="슬라이드 이미지 개체 틀 1"/>
+          <p:cNvSpPr>
+            <a:spLocks noGrp="1" noRot="1" noChangeAspect="1"/>
+          </p:cNvSpPr>
+          <p:nvPr>
+            <p:ph type="sldImg"/>
+          </p:nvPr>
+        </p:nvSpPr>
+        <p:spPr/>
+      </p:sp>
+      <p:sp>
+        <p:nvSpPr>
+          <p:cNvPr id="3" name="슬라이드 노트 개체 틀 2"/>
+          <p:cNvSpPr>
+            <a:spLocks noGrp="1"/>
+          </p:cNvSpPr>
+          <p:nvPr>
+            <p:ph type="body" idx="1"/>
+          </p:nvPr>
+        </p:nvSpPr>
+        <p:spPr/>
+        <p:txBody>
+          <a:bodyPr/>
+          <a:lstStyle/>
+          <a:p>
+            <a:r>
+              <a:rPr lang="ko-KR" altLang="en-US" dirty="0" smtClean="0"/>
+              <a:t>저는 이 프로젝트를</a:t>
+            </a:r>
+            <a:r>
+              <a:rPr lang="en-US" altLang="ko-KR" dirty="0" smtClean="0"/>
+              <a:t> OS</a:t>
+            </a:r>
+            <a:r>
+              <a:rPr lang="ko-KR" altLang="en-US" dirty="0" smtClean="0"/>
+              <a:t>는 </a:t>
+            </a:r>
+            <a:r>
+              <a:rPr lang="en-US" altLang="ko-KR" dirty="0" smtClean="0"/>
+              <a:t>Ubuntu 16.04</a:t>
+            </a:r>
+            <a:r>
+              <a:rPr lang="ko-KR" altLang="en-US" dirty="0" smtClean="0"/>
+              <a:t>버전 환경에서 진행하였고</a:t>
+            </a:r>
+            <a:r>
+              <a:rPr lang="en-US" altLang="ko-KR" dirty="0" smtClean="0"/>
+              <a:t>, Tool</a:t>
+            </a:r>
+            <a:r>
+              <a:rPr lang="ko-KR" altLang="en-US" dirty="0" smtClean="0"/>
+              <a:t>은 </a:t>
+            </a:r>
+            <a:r>
+              <a:rPr lang="en-US" altLang="ko-KR" dirty="0" err="1" smtClean="0"/>
+              <a:t>Scapy</a:t>
+            </a:r>
+            <a:r>
+              <a:rPr lang="ko-KR" altLang="en-US" dirty="0" smtClean="0"/>
+              <a:t>를 사용하였습니다</a:t>
+            </a:r>
+            <a:r>
+              <a:rPr lang="en-US" altLang="ko-KR" dirty="0" smtClean="0"/>
+              <a:t>.</a:t>
+            </a:r>
+          </a:p>
+        </p:txBody>
+      </p:sp>
+      <p:sp>
+        <p:nvSpPr>
+          <p:cNvPr id="4" name="슬라이드 번호 개체 틀 3"/>
+          <p:cNvSpPr>
+            <a:spLocks noGrp="1"/>
+          </p:cNvSpPr>
+          <p:nvPr>
+            <p:ph type="sldNum" sz="quarter" idx="10"/>
+          </p:nvPr>
+        </p:nvSpPr>
+        <p:spPr/>
+        <p:txBody>
+          <a:bodyPr/>
+          <a:lstStyle/>
+          <a:p>
+            <a:fld id="{2013ADBF-0F06-430B-9F10-A547BAB32F14}" type="slidenum">
+              <a:rPr lang="ko-KR" altLang="en-US" smtClean="0"/>
+              <a:t>36</a:t>
+            </a:fld>
+            <a:endParaRPr lang="ko-KR" altLang="en-US"/>
+          </a:p>
+        </p:txBody>
+      </p:sp>
+    </p:spTree>
+    <p:extLst>
+      <p:ext uri="{BB962C8B-B14F-4D97-AF65-F5344CB8AC3E}">
+        <p14:creationId xmlns:p14="http://schemas.microsoft.com/office/powerpoint/2010/main" val="3070482333"/>
+      </p:ext>
+    </p:extLst>
+  </p:cSld>
+  <p:clrMapOvr>
+    <a:masterClrMapping/>
+  </p:clrMapOvr>
+</p:notes>
+</file>
+
+<file path=ppt/notesSlides/notesSlide21.xml><?xml version="1.0" encoding="utf-8"?>
+<p:notes xmlns:a="http://schemas.openxmlformats.org/drawingml/2006/main" xmlns:r="http://schemas.openxmlformats.org/officeDocument/2006/relationships" xmlns:p="http://schemas.openxmlformats.org/presentationml/2006/main">
+  <p:cSld>
+    <p:spTree>
+      <p:nvGrpSpPr>
+        <p:cNvPr id="1" name=""/>
+        <p:cNvGrpSpPr/>
+        <p:nvPr/>
+      </p:nvGrpSpPr>
+      <p:grpSpPr>
+        <a:xfrm>
+          <a:off x="0" y="0"/>
+          <a:ext cx="0" cy="0"/>
+          <a:chOff x="0" y="0"/>
+          <a:chExt cx="0" cy="0"/>
+        </a:xfrm>
+      </p:grpSpPr>
+      <p:sp>
+        <p:nvSpPr>
+          <p:cNvPr id="2" name="슬라이드 이미지 개체 틀 1"/>
+          <p:cNvSpPr>
+            <a:spLocks noGrp="1" noRot="1" noChangeAspect="1"/>
+          </p:cNvSpPr>
+          <p:nvPr>
+            <p:ph type="sldImg"/>
+          </p:nvPr>
+        </p:nvSpPr>
+        <p:spPr/>
+      </p:sp>
+      <p:sp>
+        <p:nvSpPr>
+          <p:cNvPr id="3" name="슬라이드 노트 개체 틀 2"/>
+          <p:cNvSpPr>
+            <a:spLocks noGrp="1"/>
+          </p:cNvSpPr>
+          <p:nvPr>
+            <p:ph type="body" idx="1"/>
+          </p:nvPr>
+        </p:nvSpPr>
+        <p:spPr/>
+        <p:txBody>
+          <a:bodyPr/>
+          <a:lstStyle/>
+          <a:p>
+            <a:r>
+              <a:rPr lang="en-US" altLang="ko-KR" dirty="0" smtClean="0"/>
+              <a:t>AP</a:t>
+            </a:r>
+            <a:r>
+              <a:rPr lang="ko-KR" altLang="en-US" dirty="0" smtClean="0"/>
+              <a:t>는 </a:t>
+            </a:r>
+            <a:r>
+              <a:rPr lang="en-US" altLang="ko-KR" dirty="0" smtClean="0"/>
+              <a:t>N104</a:t>
+            </a:r>
+            <a:r>
+              <a:rPr lang="ko-KR" altLang="en-US" dirty="0" smtClean="0"/>
+              <a:t>라는 제품을 사용했는데요</a:t>
+            </a:r>
+            <a:r>
+              <a:rPr lang="en-US" altLang="ko-KR" dirty="0" smtClean="0"/>
+              <a:t>, </a:t>
+            </a:r>
+            <a:r>
+              <a:rPr lang="ko-KR" altLang="en-US" dirty="0" err="1" smtClean="0"/>
+              <a:t>스펙은</a:t>
+            </a:r>
+            <a:r>
+              <a:rPr lang="ko-KR" altLang="en-US" dirty="0" smtClean="0"/>
+              <a:t> 이렇습니다</a:t>
+            </a:r>
+            <a:r>
+              <a:rPr lang="en-US" altLang="ko-KR" dirty="0" smtClean="0"/>
+              <a:t>.</a:t>
+            </a:r>
+            <a:endParaRPr lang="ko-KR" altLang="en-US" dirty="0"/>
+          </a:p>
+        </p:txBody>
+      </p:sp>
+      <p:sp>
+        <p:nvSpPr>
+          <p:cNvPr id="4" name="슬라이드 번호 개체 틀 3"/>
+          <p:cNvSpPr>
+            <a:spLocks noGrp="1"/>
+          </p:cNvSpPr>
+          <p:nvPr>
+            <p:ph type="sldNum" sz="quarter" idx="10"/>
+          </p:nvPr>
+        </p:nvSpPr>
+        <p:spPr/>
+        <p:txBody>
+          <a:bodyPr/>
+          <a:lstStyle/>
+          <a:p>
+            <a:fld id="{2013ADBF-0F06-430B-9F10-A547BAB32F14}" type="slidenum">
+              <a:rPr lang="ko-KR" altLang="en-US" smtClean="0"/>
+              <a:t>37</a:t>
+            </a:fld>
+            <a:endParaRPr lang="ko-KR" altLang="en-US"/>
+          </a:p>
+        </p:txBody>
+      </p:sp>
+    </p:spTree>
+    <p:extLst>
+      <p:ext uri="{BB962C8B-B14F-4D97-AF65-F5344CB8AC3E}">
+        <p14:creationId xmlns:p14="http://schemas.microsoft.com/office/powerpoint/2010/main" val="1808826415"/>
+      </p:ext>
+    </p:extLst>
+  </p:cSld>
+  <p:clrMapOvr>
+    <a:masterClrMapping/>
+  </p:clrMapOvr>
+</p:notes>
+</file>
+
+<file path=ppt/notesSlides/notesSlide22.xml><?xml version="1.0" encoding="utf-8"?>
+<p:notes xmlns:a="http://schemas.openxmlformats.org/drawingml/2006/main" xmlns:r="http://schemas.openxmlformats.org/officeDocument/2006/relationships" xmlns:p="http://schemas.openxmlformats.org/presentationml/2006/main">
+  <p:cSld>
+    <p:spTree>
+      <p:nvGrpSpPr>
+        <p:cNvPr id="1" name=""/>
+        <p:cNvGrpSpPr/>
+        <p:nvPr/>
+      </p:nvGrpSpPr>
+      <p:grpSpPr>
+        <a:xfrm>
+          <a:off x="0" y="0"/>
+          <a:ext cx="0" cy="0"/>
+          <a:chOff x="0" y="0"/>
+          <a:chExt cx="0" cy="0"/>
+        </a:xfrm>
+      </p:grpSpPr>
+      <p:sp>
+        <p:nvSpPr>
+          <p:cNvPr id="2" name="슬라이드 이미지 개체 틀 1"/>
+          <p:cNvSpPr>
+            <a:spLocks noGrp="1" noRot="1" noChangeAspect="1"/>
+          </p:cNvSpPr>
+          <p:nvPr>
+            <p:ph type="sldImg"/>
+          </p:nvPr>
+        </p:nvSpPr>
+        <p:spPr/>
+      </p:sp>
+      <p:sp>
+        <p:nvSpPr>
+          <p:cNvPr id="3" name="슬라이드 노트 개체 틀 2"/>
+          <p:cNvSpPr>
+            <a:spLocks noGrp="1"/>
+          </p:cNvSpPr>
+          <p:nvPr>
+            <p:ph type="body" idx="1"/>
+          </p:nvPr>
+        </p:nvSpPr>
+        <p:spPr/>
+        <p:txBody>
+          <a:bodyPr/>
+          <a:lstStyle/>
+          <a:p>
+            <a:r>
+              <a:rPr lang="ko-KR" altLang="en-US" dirty="0" err="1" smtClean="0"/>
+              <a:t>생긴건</a:t>
+            </a:r>
+            <a:r>
+              <a:rPr lang="ko-KR" altLang="en-US" dirty="0" smtClean="0"/>
+              <a:t> 이렇게 검은색모양으로 생겼고</a:t>
+            </a:r>
+            <a:r>
+              <a:rPr lang="en-US" altLang="ko-KR" dirty="0" smtClean="0"/>
+              <a:t>, </a:t>
+            </a:r>
+            <a:r>
+              <a:rPr lang="ko-KR" altLang="en-US" dirty="0" smtClean="0"/>
+              <a:t>실제로는 이렇게 생겼습니다</a:t>
+            </a:r>
+            <a:r>
+              <a:rPr lang="en-US" altLang="ko-KR" dirty="0" smtClean="0"/>
+              <a:t>.</a:t>
+            </a:r>
+            <a:endParaRPr lang="ko-KR" altLang="en-US" dirty="0"/>
+          </a:p>
+        </p:txBody>
+      </p:sp>
+      <p:sp>
+        <p:nvSpPr>
+          <p:cNvPr id="4" name="슬라이드 번호 개체 틀 3"/>
+          <p:cNvSpPr>
+            <a:spLocks noGrp="1"/>
+          </p:cNvSpPr>
+          <p:nvPr>
+            <p:ph type="sldNum" sz="quarter" idx="10"/>
+          </p:nvPr>
+        </p:nvSpPr>
+        <p:spPr/>
+        <p:txBody>
+          <a:bodyPr/>
+          <a:lstStyle/>
+          <a:p>
+            <a:fld id="{2013ADBF-0F06-430B-9F10-A547BAB32F14}" type="slidenum">
+              <a:rPr lang="ko-KR" altLang="en-US" smtClean="0"/>
+              <a:t>38</a:t>
+            </a:fld>
+            <a:endParaRPr lang="ko-KR" altLang="en-US"/>
+          </a:p>
+        </p:txBody>
+      </p:sp>
+    </p:spTree>
+    <p:extLst>
+      <p:ext uri="{BB962C8B-B14F-4D97-AF65-F5344CB8AC3E}">
+        <p14:creationId xmlns:p14="http://schemas.microsoft.com/office/powerpoint/2010/main" val="1546002422"/>
+      </p:ext>
+    </p:extLst>
+  </p:cSld>
+  <p:clrMapOvr>
+    <a:masterClrMapping/>
+  </p:clrMapOvr>
+</p:notes>
+</file>
+
+<file path=ppt/notesSlides/notesSlide23.xml><?xml version="1.0" encoding="utf-8"?>
+<p:notes xmlns:a="http://schemas.openxmlformats.org/drawingml/2006/main" xmlns:r="http://schemas.openxmlformats.org/officeDocument/2006/relationships" xmlns:p="http://schemas.openxmlformats.org/presentationml/2006/main">
+  <p:cSld>
+    <p:spTree>
+      <p:nvGrpSpPr>
+        <p:cNvPr id="1" name=""/>
+        <p:cNvGrpSpPr/>
+        <p:nvPr/>
+      </p:nvGrpSpPr>
+      <p:grpSpPr>
+        <a:xfrm>
+          <a:off x="0" y="0"/>
+          <a:ext cx="0" cy="0"/>
+          <a:chOff x="0" y="0"/>
+          <a:chExt cx="0" cy="0"/>
+        </a:xfrm>
+      </p:grpSpPr>
+      <p:sp>
+        <p:nvSpPr>
+          <p:cNvPr id="2" name="슬라이드 이미지 개체 틀 1"/>
+          <p:cNvSpPr>
+            <a:spLocks noGrp="1" noRot="1" noChangeAspect="1"/>
+          </p:cNvSpPr>
+          <p:nvPr>
+            <p:ph type="sldImg"/>
+          </p:nvPr>
+        </p:nvSpPr>
+        <p:spPr/>
+      </p:sp>
+      <p:sp>
+        <p:nvSpPr>
+          <p:cNvPr id="3" name="슬라이드 노트 개체 틀 2"/>
+          <p:cNvSpPr>
+            <a:spLocks noGrp="1"/>
+          </p:cNvSpPr>
+          <p:nvPr>
+            <p:ph type="body" idx="1"/>
+          </p:nvPr>
+        </p:nvSpPr>
+        <p:spPr/>
+        <p:txBody>
+          <a:bodyPr/>
+          <a:lstStyle/>
+          <a:p>
+            <a:r>
+              <a:rPr lang="ko-KR" altLang="en-US" dirty="0" smtClean="0"/>
+              <a:t>다음으로</a:t>
+            </a:r>
+            <a:r>
+              <a:rPr lang="en-US" altLang="ko-KR" dirty="0" smtClean="0"/>
+              <a:t>,</a:t>
+            </a:r>
+            <a:r>
+              <a:rPr lang="en-US" altLang="ko-KR" baseline="0" dirty="0" smtClean="0"/>
+              <a:t> LAN</a:t>
+            </a:r>
+            <a:r>
+              <a:rPr lang="ko-KR" altLang="en-US" baseline="0" dirty="0" smtClean="0"/>
+              <a:t>카드가 필요한데요</a:t>
+            </a:r>
+            <a:r>
+              <a:rPr lang="en-US" altLang="ko-KR" baseline="0" dirty="0" smtClean="0"/>
+              <a:t>.</a:t>
+            </a:r>
+          </a:p>
+          <a:p>
+            <a:r>
+              <a:rPr lang="en-US" altLang="ko-KR" baseline="0" dirty="0" smtClean="0"/>
+              <a:t>Monitor</a:t>
+            </a:r>
+            <a:r>
+              <a:rPr lang="ko-KR" altLang="en-US" baseline="0" dirty="0" smtClean="0"/>
+              <a:t>모드가 지원하는 </a:t>
+            </a:r>
+            <a:r>
+              <a:rPr lang="en-US" altLang="ko-KR" baseline="0" dirty="0" smtClean="0"/>
+              <a:t>LAN</a:t>
+            </a:r>
+            <a:r>
+              <a:rPr lang="ko-KR" altLang="en-US" baseline="0" dirty="0" smtClean="0"/>
+              <a:t>카드를 </a:t>
+            </a:r>
+            <a:r>
+              <a:rPr lang="ko-KR" altLang="en-US" baseline="0" dirty="0" err="1" smtClean="0"/>
+              <a:t>사용해야하는데</a:t>
+            </a:r>
+            <a:r>
+              <a:rPr lang="en-US" altLang="ko-KR" baseline="0" dirty="0" smtClean="0"/>
+              <a:t>, </a:t>
+            </a:r>
+            <a:r>
+              <a:rPr lang="ko-KR" altLang="en-US" baseline="0" dirty="0" smtClean="0"/>
+              <a:t>저는 </a:t>
+            </a:r>
+            <a:r>
+              <a:rPr lang="en-US" altLang="ko-KR" baseline="0" dirty="0" smtClean="0"/>
+              <a:t>N105UA-4dBi</a:t>
+            </a:r>
+            <a:r>
+              <a:rPr lang="ko-KR" altLang="en-US" baseline="0" dirty="0" err="1" smtClean="0"/>
+              <a:t>를</a:t>
+            </a:r>
+            <a:r>
+              <a:rPr lang="ko-KR" altLang="en-US" baseline="0" dirty="0" smtClean="0"/>
+              <a:t> 사용했습니다</a:t>
+            </a:r>
+            <a:r>
+              <a:rPr lang="en-US" altLang="ko-KR" baseline="0" dirty="0" smtClean="0"/>
+              <a:t>.</a:t>
+            </a:r>
+            <a:endParaRPr lang="ko-KR" altLang="en-US" dirty="0"/>
+          </a:p>
+        </p:txBody>
+      </p:sp>
+      <p:sp>
+        <p:nvSpPr>
+          <p:cNvPr id="4" name="슬라이드 번호 개체 틀 3"/>
+          <p:cNvSpPr>
+            <a:spLocks noGrp="1"/>
+          </p:cNvSpPr>
+          <p:nvPr>
+            <p:ph type="sldNum" sz="quarter" idx="10"/>
+          </p:nvPr>
+        </p:nvSpPr>
+        <p:spPr/>
+        <p:txBody>
+          <a:bodyPr/>
+          <a:lstStyle/>
+          <a:p>
+            <a:fld id="{2013ADBF-0F06-430B-9F10-A547BAB32F14}" type="slidenum">
+              <a:rPr lang="ko-KR" altLang="en-US" smtClean="0"/>
+              <a:t>39</a:t>
+            </a:fld>
+            <a:endParaRPr lang="ko-KR" altLang="en-US"/>
+          </a:p>
+        </p:txBody>
+      </p:sp>
+    </p:spTree>
+    <p:extLst>
+      <p:ext uri="{BB962C8B-B14F-4D97-AF65-F5344CB8AC3E}">
+        <p14:creationId xmlns:p14="http://schemas.microsoft.com/office/powerpoint/2010/main" val="1513049028"/>
+      </p:ext>
+    </p:extLst>
+  </p:cSld>
+  <p:clrMapOvr>
+    <a:masterClrMapping/>
+  </p:clrMapOvr>
+</p:notes>
+</file>
+
+<file path=ppt/notesSlides/notesSlide3.xml><?xml version="1.0" encoding="utf-8"?>
+<p:notes xmlns:a="http://schemas.openxmlformats.org/drawingml/2006/main" xmlns:r="http://schemas.openxmlformats.org/officeDocument/2006/relationships" xmlns:p="http://schemas.openxmlformats.org/presentationml/2006/main">
+  <p:cSld>
+    <p:spTree>
+      <p:nvGrpSpPr>
+        <p:cNvPr id="1" name=""/>
+        <p:cNvGrpSpPr/>
+        <p:nvPr/>
+      </p:nvGrpSpPr>
+      <p:grpSpPr>
+        <a:xfrm>
+          <a:off x="0" y="0"/>
+          <a:ext cx="0" cy="0"/>
+          <a:chOff x="0" y="0"/>
+          <a:chExt cx="0" cy="0"/>
+        </a:xfrm>
+      </p:grpSpPr>
+      <p:sp>
+        <p:nvSpPr>
+          <p:cNvPr id="2" name="슬라이드 이미지 개체 틀 1"/>
+          <p:cNvSpPr>
+            <a:spLocks noGrp="1" noRot="1" noChangeAspect="1"/>
+          </p:cNvSpPr>
+          <p:nvPr>
+            <p:ph type="sldImg"/>
+          </p:nvPr>
+        </p:nvSpPr>
+        <p:spPr/>
+      </p:sp>
+      <p:sp>
+        <p:nvSpPr>
+          <p:cNvPr id="3" name="슬라이드 노트 개체 틀 2"/>
+          <p:cNvSpPr>
+            <a:spLocks noGrp="1"/>
+          </p:cNvSpPr>
+          <p:nvPr>
+            <p:ph type="body" idx="1"/>
+          </p:nvPr>
+        </p:nvSpPr>
+        <p:spPr/>
+        <p:txBody>
+          <a:bodyPr/>
+          <a:lstStyle/>
+          <a:p>
+            <a:r>
+              <a:rPr lang="en-US" altLang="ko-KR" dirty="0" smtClean="0"/>
+              <a:t>Fuzzy</a:t>
+            </a:r>
+            <a:r>
+              <a:rPr lang="ko-KR" altLang="en-US" dirty="0" smtClean="0"/>
+              <a:t>라는 단어의 뜻은 보시는 바와 같이 솜털이 </a:t>
+            </a:r>
+            <a:r>
+              <a:rPr lang="en-US" altLang="ko-KR" dirty="0" smtClean="0"/>
+              <a:t>…</a:t>
+            </a:r>
+            <a:r>
+              <a:rPr lang="ko-KR" altLang="en-US" dirty="0" smtClean="0"/>
+              <a:t>한</a:t>
+            </a:r>
+            <a:r>
+              <a:rPr lang="en-US" altLang="ko-KR" dirty="0" smtClean="0"/>
+              <a:t>, </a:t>
+            </a:r>
+            <a:r>
+              <a:rPr lang="ko-KR" altLang="en-US" dirty="0" smtClean="0"/>
+              <a:t>곱슬</a:t>
+            </a:r>
+            <a:r>
+              <a:rPr lang="en-US" altLang="ko-KR" dirty="0" smtClean="0"/>
+              <a:t>,,,</a:t>
+            </a:r>
+            <a:r>
+              <a:rPr lang="ko-KR" altLang="en-US" dirty="0" smtClean="0"/>
+              <a:t>한</a:t>
+            </a:r>
+            <a:r>
+              <a:rPr lang="en-US" altLang="ko-KR" dirty="0" smtClean="0"/>
+              <a:t>, </a:t>
+            </a:r>
+            <a:r>
+              <a:rPr lang="ko-KR" altLang="en-US" dirty="0" smtClean="0"/>
+              <a:t>흐릿한</a:t>
+            </a:r>
+            <a:r>
+              <a:rPr lang="en-US" altLang="ko-KR" dirty="0" smtClean="0"/>
+              <a:t>.. </a:t>
+            </a:r>
+            <a:r>
+              <a:rPr lang="ko-KR" altLang="en-US" dirty="0" smtClean="0"/>
+              <a:t>등의 뜻으로 사전에 나와있는데요</a:t>
+            </a:r>
+            <a:endParaRPr lang="ko-KR" altLang="en-US" dirty="0"/>
+          </a:p>
+        </p:txBody>
+      </p:sp>
+      <p:sp>
+        <p:nvSpPr>
+          <p:cNvPr id="4" name="슬라이드 번호 개체 틀 3"/>
+          <p:cNvSpPr>
+            <a:spLocks noGrp="1"/>
+          </p:cNvSpPr>
+          <p:nvPr>
+            <p:ph type="sldNum" sz="quarter" idx="10"/>
+          </p:nvPr>
+        </p:nvSpPr>
+        <p:spPr/>
+        <p:txBody>
+          <a:bodyPr/>
+          <a:lstStyle/>
+          <a:p>
+            <a:fld id="{2013ADBF-0F06-430B-9F10-A547BAB32F14}" type="slidenum">
+              <a:rPr lang="ko-KR" altLang="en-US" smtClean="0"/>
+              <a:t>3</a:t>
+            </a:fld>
+            <a:endParaRPr lang="ko-KR" altLang="en-US"/>
+          </a:p>
+        </p:txBody>
+      </p:sp>
+    </p:spTree>
+    <p:extLst>
+      <p:ext uri="{BB962C8B-B14F-4D97-AF65-F5344CB8AC3E}">
+        <p14:creationId xmlns:p14="http://schemas.microsoft.com/office/powerpoint/2010/main" val="301324390"/>
+      </p:ext>
+    </p:extLst>
+  </p:cSld>
+  <p:clrMapOvr>
+    <a:masterClrMapping/>
+  </p:clrMapOvr>
+</p:notes>
+</file>
+
+<file path=ppt/notesSlides/notesSlide4.xml><?xml version="1.0" encoding="utf-8"?>
+<p:notes xmlns:a="http://schemas.openxmlformats.org/drawingml/2006/main" xmlns:r="http://schemas.openxmlformats.org/officeDocument/2006/relationships" xmlns:p="http://schemas.openxmlformats.org/presentationml/2006/main">
+  <p:cSld>
+    <p:spTree>
+      <p:nvGrpSpPr>
+        <p:cNvPr id="1" name=""/>
+        <p:cNvGrpSpPr/>
+        <p:nvPr/>
+      </p:nvGrpSpPr>
+      <p:grpSpPr>
+        <a:xfrm>
+          <a:off x="0" y="0"/>
+          <a:ext cx="0" cy="0"/>
+          <a:chOff x="0" y="0"/>
+          <a:chExt cx="0" cy="0"/>
+        </a:xfrm>
+      </p:grpSpPr>
+      <p:sp>
+        <p:nvSpPr>
+          <p:cNvPr id="2" name="슬라이드 이미지 개체 틀 1"/>
+          <p:cNvSpPr>
+            <a:spLocks noGrp="1" noRot="1" noChangeAspect="1"/>
+          </p:cNvSpPr>
+          <p:nvPr>
+            <p:ph type="sldImg"/>
+          </p:nvPr>
+        </p:nvSpPr>
+        <p:spPr/>
+      </p:sp>
+      <p:sp>
+        <p:nvSpPr>
+          <p:cNvPr id="3" name="슬라이드 노트 개체 틀 2"/>
+          <p:cNvSpPr>
+            <a:spLocks noGrp="1"/>
+          </p:cNvSpPr>
+          <p:nvPr>
+            <p:ph type="body" idx="1"/>
+          </p:nvPr>
+        </p:nvSpPr>
+        <p:spPr/>
+        <p:txBody>
+          <a:bodyPr/>
+          <a:lstStyle/>
+          <a:p>
+            <a:r>
+              <a:rPr lang="ko-KR" altLang="en-US" dirty="0" smtClean="0"/>
+              <a:t>취약점 분석 관점에서의 </a:t>
+            </a:r>
+            <a:r>
+              <a:rPr lang="en-US" altLang="ko-KR" dirty="0" smtClean="0"/>
+              <a:t>fuzzing</a:t>
+            </a:r>
+            <a:r>
+              <a:rPr lang="ko-KR" altLang="en-US" dirty="0" smtClean="0"/>
+              <a:t>이라는 용어는</a:t>
+            </a:r>
+            <a:r>
+              <a:rPr lang="en-US" altLang="ko-KR" dirty="0" smtClean="0"/>
+              <a:t>, (</a:t>
+            </a:r>
+            <a:r>
+              <a:rPr lang="ko-KR" altLang="en-US" dirty="0" smtClean="0"/>
+              <a:t>본문</a:t>
+            </a:r>
+            <a:r>
+              <a:rPr lang="en-US" altLang="ko-KR" dirty="0" smtClean="0"/>
+              <a:t>)</a:t>
+            </a:r>
+            <a:r>
+              <a:rPr lang="ko-KR" altLang="en-US" baseline="0" dirty="0" smtClean="0"/>
+              <a:t> 입니다</a:t>
+            </a:r>
+            <a:r>
+              <a:rPr lang="en-US" altLang="ko-KR" baseline="0" dirty="0" smtClean="0"/>
+              <a:t>.</a:t>
+            </a:r>
+            <a:endParaRPr lang="ko-KR" altLang="en-US" dirty="0"/>
+          </a:p>
+        </p:txBody>
+      </p:sp>
+      <p:sp>
+        <p:nvSpPr>
+          <p:cNvPr id="4" name="슬라이드 번호 개체 틀 3"/>
+          <p:cNvSpPr>
+            <a:spLocks noGrp="1"/>
+          </p:cNvSpPr>
+          <p:nvPr>
+            <p:ph type="sldNum" sz="quarter" idx="10"/>
+          </p:nvPr>
+        </p:nvSpPr>
+        <p:spPr/>
+        <p:txBody>
+          <a:bodyPr/>
+          <a:lstStyle/>
+          <a:p>
+            <a:fld id="{2013ADBF-0F06-430B-9F10-A547BAB32F14}" type="slidenum">
+              <a:rPr lang="ko-KR" altLang="en-US" smtClean="0"/>
+              <a:t>4</a:t>
+            </a:fld>
+            <a:endParaRPr lang="ko-KR" altLang="en-US"/>
+          </a:p>
+        </p:txBody>
+      </p:sp>
+    </p:spTree>
+    <p:extLst>
+      <p:ext uri="{BB962C8B-B14F-4D97-AF65-F5344CB8AC3E}">
+        <p14:creationId xmlns:p14="http://schemas.microsoft.com/office/powerpoint/2010/main" val="775491740"/>
+      </p:ext>
+    </p:extLst>
+  </p:cSld>
+  <p:clrMapOvr>
+    <a:masterClrMapping/>
+  </p:clrMapOvr>
+</p:notes>
+</file>
+
+<file path=ppt/notesSlides/notesSlide5.xml><?xml version="1.0" encoding="utf-8"?>
+<p:notes xmlns:a="http://schemas.openxmlformats.org/drawingml/2006/main" xmlns:r="http://schemas.openxmlformats.org/officeDocument/2006/relationships" xmlns:p="http://schemas.openxmlformats.org/presentationml/2006/main">
+  <p:cSld>
+    <p:spTree>
+      <p:nvGrpSpPr>
+        <p:cNvPr id="1" name=""/>
+        <p:cNvGrpSpPr/>
+        <p:nvPr/>
+      </p:nvGrpSpPr>
+      <p:grpSpPr>
+        <a:xfrm>
+          <a:off x="0" y="0"/>
+          <a:ext cx="0" cy="0"/>
+          <a:chOff x="0" y="0"/>
+          <a:chExt cx="0" cy="0"/>
+        </a:xfrm>
+      </p:grpSpPr>
+      <p:sp>
+        <p:nvSpPr>
+          <p:cNvPr id="2" name="슬라이드 이미지 개체 틀 1"/>
+          <p:cNvSpPr>
+            <a:spLocks noGrp="1" noRot="1" noChangeAspect="1"/>
+          </p:cNvSpPr>
+          <p:nvPr>
+            <p:ph type="sldImg"/>
+          </p:nvPr>
+        </p:nvSpPr>
+        <p:spPr/>
+      </p:sp>
+      <p:sp>
+        <p:nvSpPr>
+          <p:cNvPr id="3" name="슬라이드 노트 개체 틀 2"/>
+          <p:cNvSpPr>
+            <a:spLocks noGrp="1"/>
+          </p:cNvSpPr>
+          <p:nvPr>
+            <p:ph type="body" idx="1"/>
+          </p:nvPr>
+        </p:nvSpPr>
+        <p:spPr/>
+        <p:txBody>
+          <a:bodyPr/>
+          <a:lstStyle/>
+          <a:p>
+            <a:r>
+              <a:rPr lang="en-US" altLang="ko-KR" dirty="0" smtClean="0"/>
+              <a:t>Fuzzing</a:t>
+            </a:r>
+            <a:r>
+              <a:rPr lang="ko-KR" altLang="en-US" dirty="0" smtClean="0"/>
+              <a:t>의 종류와 대상은 다음과 같습니다</a:t>
+            </a:r>
+            <a:r>
+              <a:rPr lang="en-US" altLang="ko-KR" dirty="0" smtClean="0"/>
+              <a:t>. </a:t>
+            </a:r>
+            <a:r>
+              <a:rPr lang="ko-KR" altLang="en-US" dirty="0" err="1" smtClean="0"/>
+              <a:t>그중에서</a:t>
+            </a:r>
+            <a:r>
+              <a:rPr lang="ko-KR" altLang="en-US" dirty="0" smtClean="0"/>
+              <a:t> 오늘 발표할 내용은</a:t>
+            </a:r>
+            <a:r>
+              <a:rPr lang="en-US" altLang="ko-KR" dirty="0" smtClean="0"/>
+              <a:t>, </a:t>
+            </a:r>
+            <a:endParaRPr lang="ko-KR" altLang="en-US" dirty="0"/>
+          </a:p>
+        </p:txBody>
+      </p:sp>
+      <p:sp>
+        <p:nvSpPr>
+          <p:cNvPr id="4" name="슬라이드 번호 개체 틀 3"/>
+          <p:cNvSpPr>
+            <a:spLocks noGrp="1"/>
+          </p:cNvSpPr>
+          <p:nvPr>
+            <p:ph type="sldNum" sz="quarter" idx="10"/>
+          </p:nvPr>
+        </p:nvSpPr>
+        <p:spPr/>
+        <p:txBody>
+          <a:bodyPr/>
+          <a:lstStyle/>
+          <a:p>
+            <a:fld id="{2013ADBF-0F06-430B-9F10-A547BAB32F14}" type="slidenum">
+              <a:rPr lang="ko-KR" altLang="en-US" smtClean="0"/>
+              <a:t>5</a:t>
+            </a:fld>
+            <a:endParaRPr lang="ko-KR" altLang="en-US"/>
+          </a:p>
+        </p:txBody>
+      </p:sp>
+    </p:spTree>
+    <p:extLst>
+      <p:ext uri="{BB962C8B-B14F-4D97-AF65-F5344CB8AC3E}">
+        <p14:creationId xmlns:p14="http://schemas.microsoft.com/office/powerpoint/2010/main" val="3729493068"/>
+      </p:ext>
+    </p:extLst>
+  </p:cSld>
+  <p:clrMapOvr>
+    <a:masterClrMapping/>
+  </p:clrMapOvr>
+</p:notes>
+</file>
+
+<file path=ppt/notesSlides/notesSlide6.xml><?xml version="1.0" encoding="utf-8"?>
+<p:notes xmlns:a="http://schemas.openxmlformats.org/drawingml/2006/main" xmlns:r="http://schemas.openxmlformats.org/officeDocument/2006/relationships" xmlns:p="http://schemas.openxmlformats.org/presentationml/2006/main">
+  <p:cSld>
+    <p:spTree>
+      <p:nvGrpSpPr>
+        <p:cNvPr id="1" name=""/>
+        <p:cNvGrpSpPr/>
+        <p:nvPr/>
+      </p:nvGrpSpPr>
+      <p:grpSpPr>
+        <a:xfrm>
+          <a:off x="0" y="0"/>
+          <a:ext cx="0" cy="0"/>
+          <a:chOff x="0" y="0"/>
+          <a:chExt cx="0" cy="0"/>
+        </a:xfrm>
+      </p:grpSpPr>
+      <p:sp>
+        <p:nvSpPr>
+          <p:cNvPr id="2" name="슬라이드 이미지 개체 틀 1"/>
+          <p:cNvSpPr>
+            <a:spLocks noGrp="1" noRot="1" noChangeAspect="1"/>
+          </p:cNvSpPr>
+          <p:nvPr>
+            <p:ph type="sldImg"/>
+          </p:nvPr>
+        </p:nvSpPr>
+        <p:spPr/>
+      </p:sp>
+      <p:sp>
+        <p:nvSpPr>
+          <p:cNvPr id="3" name="슬라이드 노트 개체 틀 2"/>
+          <p:cNvSpPr>
+            <a:spLocks noGrp="1"/>
+          </p:cNvSpPr>
+          <p:nvPr>
+            <p:ph type="body" idx="1"/>
+          </p:nvPr>
+        </p:nvSpPr>
+        <p:spPr/>
+        <p:txBody>
+          <a:bodyPr/>
+          <a:lstStyle/>
+          <a:p>
+            <a:r>
+              <a:rPr lang="ko-KR" altLang="en-US" dirty="0" smtClean="0"/>
+              <a:t>바로 이 네트워크 프로토콜에 대해서 </a:t>
+            </a:r>
+            <a:r>
+              <a:rPr lang="ko-KR" altLang="en-US" dirty="0" err="1" smtClean="0"/>
+              <a:t>볼것입니다</a:t>
+            </a:r>
+            <a:r>
+              <a:rPr lang="en-US" altLang="ko-KR" dirty="0" smtClean="0"/>
+              <a:t>.</a:t>
+            </a:r>
+            <a:endParaRPr lang="ko-KR" altLang="en-US" dirty="0"/>
+          </a:p>
+        </p:txBody>
+      </p:sp>
+      <p:sp>
+        <p:nvSpPr>
+          <p:cNvPr id="4" name="슬라이드 번호 개체 틀 3"/>
+          <p:cNvSpPr>
+            <a:spLocks noGrp="1"/>
+          </p:cNvSpPr>
+          <p:nvPr>
+            <p:ph type="sldNum" sz="quarter" idx="10"/>
+          </p:nvPr>
+        </p:nvSpPr>
+        <p:spPr/>
+        <p:txBody>
+          <a:bodyPr/>
+          <a:lstStyle/>
+          <a:p>
+            <a:fld id="{2013ADBF-0F06-430B-9F10-A547BAB32F14}" type="slidenum">
+              <a:rPr lang="ko-KR" altLang="en-US" smtClean="0"/>
+              <a:t>6</a:t>
+            </a:fld>
+            <a:endParaRPr lang="ko-KR" altLang="en-US"/>
+          </a:p>
+        </p:txBody>
+      </p:sp>
+    </p:spTree>
+    <p:extLst>
+      <p:ext uri="{BB962C8B-B14F-4D97-AF65-F5344CB8AC3E}">
+        <p14:creationId xmlns:p14="http://schemas.microsoft.com/office/powerpoint/2010/main" val="2867386014"/>
+      </p:ext>
+    </p:extLst>
+  </p:cSld>
+  <p:clrMapOvr>
+    <a:masterClrMapping/>
+  </p:clrMapOvr>
+</p:notes>
+</file>
+
+<file path=ppt/notesSlides/notesSlide7.xml><?xml version="1.0" encoding="utf-8"?>
+<p:notes xmlns:a="http://schemas.openxmlformats.org/drawingml/2006/main" xmlns:r="http://schemas.openxmlformats.org/officeDocument/2006/relationships" xmlns:p="http://schemas.openxmlformats.org/presentationml/2006/main">
+  <p:cSld>
+    <p:spTree>
+      <p:nvGrpSpPr>
+        <p:cNvPr id="1" name=""/>
+        <p:cNvGrpSpPr/>
+        <p:nvPr/>
+      </p:nvGrpSpPr>
+      <p:grpSpPr>
+        <a:xfrm>
+          <a:off x="0" y="0"/>
+          <a:ext cx="0" cy="0"/>
+          <a:chOff x="0" y="0"/>
+          <a:chExt cx="0" cy="0"/>
+        </a:xfrm>
+      </p:grpSpPr>
+      <p:sp>
+        <p:nvSpPr>
+          <p:cNvPr id="2" name="슬라이드 이미지 개체 틀 1"/>
+          <p:cNvSpPr>
+            <a:spLocks noGrp="1" noRot="1" noChangeAspect="1"/>
+          </p:cNvSpPr>
+          <p:nvPr>
+            <p:ph type="sldImg"/>
+          </p:nvPr>
+        </p:nvSpPr>
+        <p:spPr/>
+      </p:sp>
+      <p:sp>
+        <p:nvSpPr>
+          <p:cNvPr id="3" name="슬라이드 노트 개체 틀 2"/>
+          <p:cNvSpPr>
+            <a:spLocks noGrp="1"/>
+          </p:cNvSpPr>
+          <p:nvPr>
+            <p:ph type="body" idx="1"/>
+          </p:nvPr>
+        </p:nvSpPr>
+        <p:spPr/>
+        <p:txBody>
+          <a:bodyPr/>
+          <a:lstStyle/>
+          <a:p>
+            <a:r>
+              <a:rPr lang="ko-KR" altLang="en-US" dirty="0" smtClean="0"/>
+              <a:t>일반적인 </a:t>
+            </a:r>
+            <a:r>
+              <a:rPr lang="en-US" altLang="ko-KR" dirty="0" smtClean="0"/>
+              <a:t>SW</a:t>
+            </a:r>
+            <a:r>
+              <a:rPr lang="en-US" altLang="ko-KR" baseline="0" dirty="0" smtClean="0"/>
+              <a:t> Fuzzing</a:t>
+            </a:r>
+            <a:r>
+              <a:rPr lang="ko-KR" altLang="en-US" baseline="0" dirty="0" smtClean="0"/>
+              <a:t>은 </a:t>
+            </a:r>
+            <a:r>
+              <a:rPr lang="ko-KR" altLang="en-US" baseline="0" dirty="0" err="1" smtClean="0"/>
+              <a:t>다음과같이</a:t>
+            </a:r>
+            <a:r>
+              <a:rPr lang="en-US" altLang="ko-KR" baseline="0" dirty="0" smtClean="0"/>
+              <a:t>, </a:t>
+            </a:r>
+            <a:r>
+              <a:rPr lang="ko-KR" altLang="en-US" baseline="0" dirty="0" smtClean="0"/>
+              <a:t>파일들의 포맷에 맞게 </a:t>
+            </a:r>
+            <a:r>
+              <a:rPr lang="ko-KR" altLang="en-US" baseline="0" dirty="0" err="1" smtClean="0"/>
+              <a:t>파싱해서</a:t>
+            </a:r>
+            <a:r>
+              <a:rPr lang="ko-KR" altLang="en-US" baseline="0" dirty="0" smtClean="0"/>
+              <a:t> </a:t>
+            </a:r>
+            <a:r>
+              <a:rPr lang="en-US" altLang="ko-KR" baseline="0" dirty="0" smtClean="0"/>
+              <a:t>fuzzing</a:t>
+            </a:r>
+            <a:r>
+              <a:rPr lang="ko-KR" altLang="en-US" baseline="0" dirty="0" smtClean="0"/>
+              <a:t>을 하는 방식이라고 하면</a:t>
+            </a:r>
+            <a:r>
+              <a:rPr lang="en-US" altLang="ko-KR" baseline="0" dirty="0" smtClean="0"/>
+              <a:t>,</a:t>
+            </a:r>
+            <a:endParaRPr lang="ko-KR" altLang="en-US" dirty="0"/>
+          </a:p>
+        </p:txBody>
+      </p:sp>
+      <p:sp>
+        <p:nvSpPr>
+          <p:cNvPr id="4" name="슬라이드 번호 개체 틀 3"/>
+          <p:cNvSpPr>
+            <a:spLocks noGrp="1"/>
+          </p:cNvSpPr>
+          <p:nvPr>
+            <p:ph type="sldNum" sz="quarter" idx="10"/>
+          </p:nvPr>
+        </p:nvSpPr>
+        <p:spPr/>
+        <p:txBody>
+          <a:bodyPr/>
+          <a:lstStyle/>
+          <a:p>
+            <a:fld id="{2013ADBF-0F06-430B-9F10-A547BAB32F14}" type="slidenum">
+              <a:rPr lang="ko-KR" altLang="en-US" smtClean="0"/>
+              <a:t>7</a:t>
+            </a:fld>
+            <a:endParaRPr lang="ko-KR" altLang="en-US"/>
+          </a:p>
+        </p:txBody>
+      </p:sp>
+    </p:spTree>
+    <p:extLst>
+      <p:ext uri="{BB962C8B-B14F-4D97-AF65-F5344CB8AC3E}">
+        <p14:creationId xmlns:p14="http://schemas.microsoft.com/office/powerpoint/2010/main" val="2325936907"/>
+      </p:ext>
+    </p:extLst>
+  </p:cSld>
+  <p:clrMapOvr>
+    <a:masterClrMapping/>
+  </p:clrMapOvr>
+</p:notes>
+</file>
+
+<file path=ppt/notesSlides/notesSlide8.xml><?xml version="1.0" encoding="utf-8"?>
+<p:notes xmlns:a="http://schemas.openxmlformats.org/drawingml/2006/main" xmlns:r="http://schemas.openxmlformats.org/officeDocument/2006/relationships" xmlns:p="http://schemas.openxmlformats.org/presentationml/2006/main">
+  <p:cSld>
+    <p:spTree>
+      <p:nvGrpSpPr>
+        <p:cNvPr id="1" name=""/>
+        <p:cNvGrpSpPr/>
+        <p:nvPr/>
+      </p:nvGrpSpPr>
+      <p:grpSpPr>
+        <a:xfrm>
+          <a:off x="0" y="0"/>
+          <a:ext cx="0" cy="0"/>
+          <a:chOff x="0" y="0"/>
+          <a:chExt cx="0" cy="0"/>
+        </a:xfrm>
+      </p:grpSpPr>
+      <p:sp>
+        <p:nvSpPr>
+          <p:cNvPr id="2" name="슬라이드 이미지 개체 틀 1"/>
+          <p:cNvSpPr>
+            <a:spLocks noGrp="1" noRot="1" noChangeAspect="1"/>
+          </p:cNvSpPr>
+          <p:nvPr>
+            <p:ph type="sldImg"/>
+          </p:nvPr>
+        </p:nvSpPr>
+        <p:spPr/>
+      </p:sp>
+      <p:sp>
+        <p:nvSpPr>
+          <p:cNvPr id="3" name="슬라이드 노트 개체 틀 2"/>
+          <p:cNvSpPr>
+            <a:spLocks noGrp="1"/>
+          </p:cNvSpPr>
+          <p:nvPr>
+            <p:ph type="body" idx="1"/>
+          </p:nvPr>
+        </p:nvSpPr>
+        <p:spPr/>
+        <p:txBody>
+          <a:bodyPr/>
+          <a:lstStyle/>
+          <a:p>
+            <a:r>
+              <a:rPr lang="en-US" altLang="ko-KR" dirty="0" smtClean="0"/>
+              <a:t>Network</a:t>
+            </a:r>
+            <a:r>
+              <a:rPr lang="en-US" altLang="ko-KR" baseline="0" dirty="0" smtClean="0"/>
+              <a:t> fuzzing</a:t>
+            </a:r>
+            <a:r>
+              <a:rPr lang="ko-KR" altLang="en-US" baseline="0" dirty="0" smtClean="0"/>
+              <a:t>은 </a:t>
+            </a:r>
+            <a:r>
+              <a:rPr lang="en-US" altLang="ko-KR" baseline="0" dirty="0" err="1" smtClean="0"/>
+              <a:t>clinet</a:t>
+            </a:r>
+            <a:r>
+              <a:rPr lang="ko-KR" altLang="en-US" baseline="0" dirty="0" smtClean="0"/>
+              <a:t>입장 뿐 아니라 </a:t>
+            </a:r>
+            <a:r>
+              <a:rPr lang="en-US" altLang="ko-KR" baseline="0" dirty="0" smtClean="0"/>
+              <a:t>AP</a:t>
+            </a:r>
+            <a:r>
+              <a:rPr lang="ko-KR" altLang="en-US" baseline="0" dirty="0" smtClean="0"/>
+              <a:t>입장에서도 </a:t>
+            </a:r>
+            <a:r>
+              <a:rPr lang="ko-KR" altLang="en-US" baseline="0" dirty="0" err="1" smtClean="0"/>
+              <a:t>패킷을</a:t>
+            </a:r>
+            <a:r>
+              <a:rPr lang="ko-KR" altLang="en-US" baseline="0" dirty="0" smtClean="0"/>
+              <a:t> 보내서 상대방의 </a:t>
+            </a:r>
+            <a:r>
+              <a:rPr lang="en-US" altLang="ko-KR" baseline="0" dirty="0" smtClean="0"/>
+              <a:t>response</a:t>
+            </a:r>
+            <a:r>
+              <a:rPr lang="ko-KR" altLang="en-US" baseline="0" dirty="0" smtClean="0"/>
+              <a:t>를 확인하는 방식으로 </a:t>
+            </a:r>
+            <a:r>
+              <a:rPr lang="en-US" altLang="ko-KR" baseline="0" dirty="0" smtClean="0"/>
+              <a:t>fuzzing</a:t>
+            </a:r>
+            <a:r>
+              <a:rPr lang="ko-KR" altLang="en-US" baseline="0" dirty="0" smtClean="0"/>
+              <a:t>을 진행할 수 있습니다</a:t>
+            </a:r>
+            <a:r>
+              <a:rPr lang="en-US" altLang="ko-KR" baseline="0" dirty="0" smtClean="0"/>
+              <a:t>.</a:t>
+            </a:r>
+            <a:endParaRPr lang="ko-KR" altLang="en-US" dirty="0"/>
+          </a:p>
+        </p:txBody>
+      </p:sp>
+      <p:sp>
+        <p:nvSpPr>
+          <p:cNvPr id="4" name="슬라이드 번호 개체 틀 3"/>
+          <p:cNvSpPr>
+            <a:spLocks noGrp="1"/>
+          </p:cNvSpPr>
+          <p:nvPr>
+            <p:ph type="sldNum" sz="quarter" idx="10"/>
+          </p:nvPr>
+        </p:nvSpPr>
+        <p:spPr/>
+        <p:txBody>
+          <a:bodyPr/>
+          <a:lstStyle/>
+          <a:p>
+            <a:fld id="{2013ADBF-0F06-430B-9F10-A547BAB32F14}" type="slidenum">
+              <a:rPr lang="ko-KR" altLang="en-US" smtClean="0"/>
+              <a:t>8</a:t>
+            </a:fld>
+            <a:endParaRPr lang="ko-KR" altLang="en-US"/>
+          </a:p>
+        </p:txBody>
+      </p:sp>
+    </p:spTree>
+    <p:extLst>
+      <p:ext uri="{BB962C8B-B14F-4D97-AF65-F5344CB8AC3E}">
+        <p14:creationId xmlns:p14="http://schemas.microsoft.com/office/powerpoint/2010/main" val="2657135384"/>
+      </p:ext>
+    </p:extLst>
+  </p:cSld>
+  <p:clrMapOvr>
+    <a:masterClrMapping/>
+  </p:clrMapOvr>
+</p:notes>
+</file>
+
+<file path=ppt/notesSlides/notesSlide9.xml><?xml version="1.0" encoding="utf-8"?>
+<p:notes xmlns:a="http://schemas.openxmlformats.org/drawingml/2006/main" xmlns:r="http://schemas.openxmlformats.org/officeDocument/2006/relationships" xmlns:p="http://schemas.openxmlformats.org/presentationml/2006/main">
+  <p:cSld>
+    <p:spTree>
+      <p:nvGrpSpPr>
+        <p:cNvPr id="1" name=""/>
+        <p:cNvGrpSpPr/>
+        <p:nvPr/>
+      </p:nvGrpSpPr>
+      <p:grpSpPr>
+        <a:xfrm>
+          <a:off x="0" y="0"/>
+          <a:ext cx="0" cy="0"/>
+          <a:chOff x="0" y="0"/>
+          <a:chExt cx="0" cy="0"/>
+        </a:xfrm>
+      </p:grpSpPr>
+      <p:sp>
+        <p:nvSpPr>
+          <p:cNvPr id="2" name="슬라이드 이미지 개체 틀 1"/>
+          <p:cNvSpPr>
+            <a:spLocks noGrp="1" noRot="1" noChangeAspect="1"/>
+          </p:cNvSpPr>
+          <p:nvPr>
+            <p:ph type="sldImg"/>
+          </p:nvPr>
+        </p:nvSpPr>
+        <p:spPr/>
+      </p:sp>
+      <p:sp>
+        <p:nvSpPr>
+          <p:cNvPr id="3" name="슬라이드 노트 개체 틀 2"/>
+          <p:cNvSpPr>
+            <a:spLocks noGrp="1"/>
+          </p:cNvSpPr>
+          <p:nvPr>
+            <p:ph type="body" idx="1"/>
+          </p:nvPr>
+        </p:nvSpPr>
+        <p:spPr/>
+        <p:txBody>
+          <a:bodyPr/>
+          <a:lstStyle/>
+          <a:p>
+            <a:r>
+              <a:rPr lang="en-US" altLang="ko-KR" dirty="0" smtClean="0"/>
+              <a:t>Network fuzzing</a:t>
+            </a:r>
+            <a:r>
+              <a:rPr lang="ko-KR" altLang="en-US" dirty="0" smtClean="0"/>
+              <a:t>의 단계는 크게</a:t>
+            </a:r>
+            <a:r>
+              <a:rPr lang="ko-KR" altLang="en-US" baseline="0" dirty="0" smtClean="0"/>
+              <a:t> 세가지로 나눌 수 있는데</a:t>
+            </a:r>
+            <a:r>
+              <a:rPr lang="en-US" altLang="ko-KR" baseline="0" dirty="0" smtClean="0"/>
+              <a:t>, </a:t>
+            </a:r>
+            <a:r>
+              <a:rPr lang="ko-KR" altLang="en-US" baseline="0" dirty="0" smtClean="0"/>
+              <a:t>단순 </a:t>
+            </a:r>
+            <a:r>
+              <a:rPr lang="ko-KR" altLang="en-US" baseline="0" dirty="0" err="1" smtClean="0"/>
+              <a:t>퍼징</a:t>
+            </a:r>
+            <a:r>
+              <a:rPr lang="en-US" altLang="ko-KR" baseline="0" dirty="0" smtClean="0"/>
+              <a:t>, </a:t>
+            </a:r>
+            <a:r>
+              <a:rPr lang="ko-KR" altLang="en-US" baseline="0" dirty="0" smtClean="0"/>
+              <a:t>스마트 </a:t>
+            </a:r>
+            <a:r>
+              <a:rPr lang="ko-KR" altLang="en-US" baseline="0" dirty="0" err="1" smtClean="0"/>
+              <a:t>퍼징</a:t>
+            </a:r>
+            <a:r>
+              <a:rPr lang="en-US" altLang="ko-KR" baseline="0" dirty="0" smtClean="0"/>
+              <a:t>, </a:t>
+            </a:r>
+            <a:r>
+              <a:rPr lang="ko-KR" altLang="en-US" baseline="0" dirty="0" err="1" smtClean="0"/>
+              <a:t>스테이트</a:t>
+            </a:r>
+            <a:r>
+              <a:rPr lang="ko-KR" altLang="en-US" baseline="0" dirty="0" smtClean="0"/>
+              <a:t> </a:t>
+            </a:r>
+            <a:r>
+              <a:rPr lang="ko-KR" altLang="en-US" baseline="0" dirty="0" err="1" smtClean="0"/>
+              <a:t>퍼징으로</a:t>
+            </a:r>
+            <a:r>
+              <a:rPr lang="ko-KR" altLang="en-US" baseline="0" dirty="0" smtClean="0"/>
+              <a:t> 나눌 수 있습니다</a:t>
+            </a:r>
+            <a:r>
+              <a:rPr lang="en-US" altLang="ko-KR" baseline="0" dirty="0" smtClean="0"/>
+              <a:t>.</a:t>
+            </a:r>
+            <a:endParaRPr lang="ko-KR" altLang="en-US" dirty="0"/>
+          </a:p>
+        </p:txBody>
+      </p:sp>
+      <p:sp>
+        <p:nvSpPr>
+          <p:cNvPr id="4" name="슬라이드 번호 개체 틀 3"/>
+          <p:cNvSpPr>
+            <a:spLocks noGrp="1"/>
+          </p:cNvSpPr>
+          <p:nvPr>
+            <p:ph type="sldNum" sz="quarter" idx="10"/>
+          </p:nvPr>
+        </p:nvSpPr>
+        <p:spPr/>
+        <p:txBody>
+          <a:bodyPr/>
+          <a:lstStyle/>
+          <a:p>
+            <a:fld id="{2013ADBF-0F06-430B-9F10-A547BAB32F14}" type="slidenum">
+              <a:rPr lang="ko-KR" altLang="en-US" smtClean="0"/>
+              <a:t>9</a:t>
+            </a:fld>
+            <a:endParaRPr lang="ko-KR" altLang="en-US"/>
+          </a:p>
+        </p:txBody>
+      </p:sp>
+    </p:spTree>
+    <p:extLst>
+      <p:ext uri="{BB962C8B-B14F-4D97-AF65-F5344CB8AC3E}">
+        <p14:creationId xmlns:p14="http://schemas.microsoft.com/office/powerpoint/2010/main" val="3288415391"/>
+      </p:ext>
+    </p:extLst>
+  </p:cSld>
+  <p:clrMapOvr>
+    <a:masterClrMapping/>
+  </p:clrMapOvr>
+</p:notes>
 </file>
 
 <file path=ppt/slideLayouts/slideLayout1.xml><?xml version="1.0" encoding="utf-8"?>
@@ -241,7 +3624,7 @@
           <p:cNvPr id="2" name="제목 1">
             <a:extLst>
               <a:ext uri="{FF2B5EF4-FFF2-40B4-BE49-F238E27FC236}">
-                <a16:creationId xmlns:a16="http://schemas.microsoft.com/office/drawing/2014/main" id="{B940CEA2-2746-431D-977F-77F5948CAD3B}"/>
+                <a16:creationId xmlns:a16="http://schemas.microsoft.com/office/drawing/2014/main" xmlns="" id="{B940CEA2-2746-431D-977F-77F5948CAD3B}"/>
               </a:ext>
             </a:extLst>
           </p:cNvPr>
@@ -278,7 +3661,7 @@
           <p:cNvPr id="3" name="부제목 2">
             <a:extLst>
               <a:ext uri="{FF2B5EF4-FFF2-40B4-BE49-F238E27FC236}">
-                <a16:creationId xmlns:a16="http://schemas.microsoft.com/office/drawing/2014/main" id="{6881ED3A-0C4B-44C0-AE0F-36F00FE90FF3}"/>
+                <a16:creationId xmlns:a16="http://schemas.microsoft.com/office/drawing/2014/main" xmlns="" id="{6881ED3A-0C4B-44C0-AE0F-36F00FE90FF3}"/>
               </a:ext>
             </a:extLst>
           </p:cNvPr>
@@ -348,7 +3731,7 @@
           <p:cNvPr id="4" name="날짜 개체 틀 3">
             <a:extLst>
               <a:ext uri="{FF2B5EF4-FFF2-40B4-BE49-F238E27FC236}">
-                <a16:creationId xmlns:a16="http://schemas.microsoft.com/office/drawing/2014/main" id="{2C848626-12A2-4304-8F5A-D5B848BF460F}"/>
+                <a16:creationId xmlns:a16="http://schemas.microsoft.com/office/drawing/2014/main" xmlns="" id="{2C848626-12A2-4304-8F5A-D5B848BF460F}"/>
               </a:ext>
             </a:extLst>
           </p:cNvPr>
@@ -377,7 +3760,7 @@
           <p:cNvPr id="5" name="바닥글 개체 틀 4">
             <a:extLst>
               <a:ext uri="{FF2B5EF4-FFF2-40B4-BE49-F238E27FC236}">
-                <a16:creationId xmlns:a16="http://schemas.microsoft.com/office/drawing/2014/main" id="{D9262B71-44D3-4FEF-AA4C-946EE8F64FCE}"/>
+                <a16:creationId xmlns:a16="http://schemas.microsoft.com/office/drawing/2014/main" xmlns="" id="{D9262B71-44D3-4FEF-AA4C-946EE8F64FCE}"/>
               </a:ext>
             </a:extLst>
           </p:cNvPr>
@@ -402,7 +3785,7 @@
           <p:cNvPr id="6" name="슬라이드 번호 개체 틀 5">
             <a:extLst>
               <a:ext uri="{FF2B5EF4-FFF2-40B4-BE49-F238E27FC236}">
-                <a16:creationId xmlns:a16="http://schemas.microsoft.com/office/drawing/2014/main" id="{E4A474FF-4221-48B2-BE3E-3806922E5754}"/>
+                <a16:creationId xmlns:a16="http://schemas.microsoft.com/office/drawing/2014/main" xmlns="" id="{E4A474FF-4221-48B2-BE3E-3806922E5754}"/>
               </a:ext>
             </a:extLst>
           </p:cNvPr>
@@ -461,7 +3844,7 @@
           <p:cNvPr id="2" name="제목 1">
             <a:extLst>
               <a:ext uri="{FF2B5EF4-FFF2-40B4-BE49-F238E27FC236}">
-                <a16:creationId xmlns:a16="http://schemas.microsoft.com/office/drawing/2014/main" id="{9BAE36DF-D19D-4D8C-A538-4E3E8C1BE171}"/>
+                <a16:creationId xmlns:a16="http://schemas.microsoft.com/office/drawing/2014/main" xmlns="" id="{9BAE36DF-D19D-4D8C-A538-4E3E8C1BE171}"/>
               </a:ext>
             </a:extLst>
           </p:cNvPr>
@@ -489,7 +3872,7 @@
           <p:cNvPr id="3" name="세로 텍스트 개체 틀 2">
             <a:extLst>
               <a:ext uri="{FF2B5EF4-FFF2-40B4-BE49-F238E27FC236}">
-                <a16:creationId xmlns:a16="http://schemas.microsoft.com/office/drawing/2014/main" id="{188DBBD1-08D1-457C-B2B8-00686489D433}"/>
+                <a16:creationId xmlns:a16="http://schemas.microsoft.com/office/drawing/2014/main" xmlns="" id="{188DBBD1-08D1-457C-B2B8-00686489D433}"/>
               </a:ext>
             </a:extLst>
           </p:cNvPr>
@@ -546,7 +3929,7 @@
           <p:cNvPr id="4" name="날짜 개체 틀 3">
             <a:extLst>
               <a:ext uri="{FF2B5EF4-FFF2-40B4-BE49-F238E27FC236}">
-                <a16:creationId xmlns:a16="http://schemas.microsoft.com/office/drawing/2014/main" id="{E54024DF-AD51-433A-8A14-7F14C22FFEC1}"/>
+                <a16:creationId xmlns:a16="http://schemas.microsoft.com/office/drawing/2014/main" xmlns="" id="{E54024DF-AD51-433A-8A14-7F14C22FFEC1}"/>
               </a:ext>
             </a:extLst>
           </p:cNvPr>
@@ -575,7 +3958,7 @@
           <p:cNvPr id="5" name="바닥글 개체 틀 4">
             <a:extLst>
               <a:ext uri="{FF2B5EF4-FFF2-40B4-BE49-F238E27FC236}">
-                <a16:creationId xmlns:a16="http://schemas.microsoft.com/office/drawing/2014/main" id="{ADC3FE34-4020-406E-B275-10BC7F90A331}"/>
+                <a16:creationId xmlns:a16="http://schemas.microsoft.com/office/drawing/2014/main" xmlns="" id="{ADC3FE34-4020-406E-B275-10BC7F90A331}"/>
               </a:ext>
             </a:extLst>
           </p:cNvPr>
@@ -600,7 +3983,7 @@
           <p:cNvPr id="6" name="슬라이드 번호 개체 틀 5">
             <a:extLst>
               <a:ext uri="{FF2B5EF4-FFF2-40B4-BE49-F238E27FC236}">
-                <a16:creationId xmlns:a16="http://schemas.microsoft.com/office/drawing/2014/main" id="{23ADD093-6A7D-4AFC-AE83-8A6A32284DCE}"/>
+                <a16:creationId xmlns:a16="http://schemas.microsoft.com/office/drawing/2014/main" xmlns="" id="{23ADD093-6A7D-4AFC-AE83-8A6A32284DCE}"/>
               </a:ext>
             </a:extLst>
           </p:cNvPr>
@@ -659,7 +4042,7 @@
           <p:cNvPr id="2" name="세로 제목 1">
             <a:extLst>
               <a:ext uri="{FF2B5EF4-FFF2-40B4-BE49-F238E27FC236}">
-                <a16:creationId xmlns:a16="http://schemas.microsoft.com/office/drawing/2014/main" id="{0DDE13B8-A683-4E24-ADDB-24D1DF1CD86B}"/>
+                <a16:creationId xmlns:a16="http://schemas.microsoft.com/office/drawing/2014/main" xmlns="" id="{0DDE13B8-A683-4E24-ADDB-24D1DF1CD86B}"/>
               </a:ext>
             </a:extLst>
           </p:cNvPr>
@@ -692,7 +4075,7 @@
           <p:cNvPr id="3" name="세로 텍스트 개체 틀 2">
             <a:extLst>
               <a:ext uri="{FF2B5EF4-FFF2-40B4-BE49-F238E27FC236}">
-                <a16:creationId xmlns:a16="http://schemas.microsoft.com/office/drawing/2014/main" id="{463AF1B3-A89C-4807-894C-88FD2580F569}"/>
+                <a16:creationId xmlns:a16="http://schemas.microsoft.com/office/drawing/2014/main" xmlns="" id="{463AF1B3-A89C-4807-894C-88FD2580F569}"/>
               </a:ext>
             </a:extLst>
           </p:cNvPr>
@@ -754,7 +4137,7 @@
           <p:cNvPr id="4" name="날짜 개체 틀 3">
             <a:extLst>
               <a:ext uri="{FF2B5EF4-FFF2-40B4-BE49-F238E27FC236}">
-                <a16:creationId xmlns:a16="http://schemas.microsoft.com/office/drawing/2014/main" id="{4A763D51-2529-4074-B9B3-2290BD48E2EE}"/>
+                <a16:creationId xmlns:a16="http://schemas.microsoft.com/office/drawing/2014/main" xmlns="" id="{4A763D51-2529-4074-B9B3-2290BD48E2EE}"/>
               </a:ext>
             </a:extLst>
           </p:cNvPr>
@@ -783,7 +4166,7 @@
           <p:cNvPr id="5" name="바닥글 개체 틀 4">
             <a:extLst>
               <a:ext uri="{FF2B5EF4-FFF2-40B4-BE49-F238E27FC236}">
-                <a16:creationId xmlns:a16="http://schemas.microsoft.com/office/drawing/2014/main" id="{76653C3E-118A-48E0-9BF7-0AFE787E369C}"/>
+                <a16:creationId xmlns:a16="http://schemas.microsoft.com/office/drawing/2014/main" xmlns="" id="{76653C3E-118A-48E0-9BF7-0AFE787E369C}"/>
               </a:ext>
             </a:extLst>
           </p:cNvPr>
@@ -808,7 +4191,7 @@
           <p:cNvPr id="6" name="슬라이드 번호 개체 틀 5">
             <a:extLst>
               <a:ext uri="{FF2B5EF4-FFF2-40B4-BE49-F238E27FC236}">
-                <a16:creationId xmlns:a16="http://schemas.microsoft.com/office/drawing/2014/main" id="{8BE34464-46AF-47E9-9B80-818F908FB3E9}"/>
+                <a16:creationId xmlns:a16="http://schemas.microsoft.com/office/drawing/2014/main" xmlns="" id="{8BE34464-46AF-47E9-9B80-818F908FB3E9}"/>
               </a:ext>
             </a:extLst>
           </p:cNvPr>
@@ -867,7 +4250,7 @@
           <p:cNvPr id="2" name="제목 1">
             <a:extLst>
               <a:ext uri="{FF2B5EF4-FFF2-40B4-BE49-F238E27FC236}">
-                <a16:creationId xmlns:a16="http://schemas.microsoft.com/office/drawing/2014/main" id="{74FEB7D4-6945-4014-BFF9-C29919D7746F}"/>
+                <a16:creationId xmlns:a16="http://schemas.microsoft.com/office/drawing/2014/main" xmlns="" id="{74FEB7D4-6945-4014-BFF9-C29919D7746F}"/>
               </a:ext>
             </a:extLst>
           </p:cNvPr>
@@ -895,7 +4278,7 @@
           <p:cNvPr id="3" name="내용 개체 틀 2">
             <a:extLst>
               <a:ext uri="{FF2B5EF4-FFF2-40B4-BE49-F238E27FC236}">
-                <a16:creationId xmlns:a16="http://schemas.microsoft.com/office/drawing/2014/main" id="{0593BA57-5B96-4AD5-9412-1322E53821AF}"/>
+                <a16:creationId xmlns:a16="http://schemas.microsoft.com/office/drawing/2014/main" xmlns="" id="{0593BA57-5B96-4AD5-9412-1322E53821AF}"/>
               </a:ext>
             </a:extLst>
           </p:cNvPr>
@@ -952,7 +4335,7 @@
           <p:cNvPr id="4" name="날짜 개체 틀 3">
             <a:extLst>
               <a:ext uri="{FF2B5EF4-FFF2-40B4-BE49-F238E27FC236}">
-                <a16:creationId xmlns:a16="http://schemas.microsoft.com/office/drawing/2014/main" id="{97AD4FC5-49BA-4B63-B987-56A8D910D630}"/>
+                <a16:creationId xmlns:a16="http://schemas.microsoft.com/office/drawing/2014/main" xmlns="" id="{97AD4FC5-49BA-4B63-B987-56A8D910D630}"/>
               </a:ext>
             </a:extLst>
           </p:cNvPr>
@@ -981,7 +4364,7 @@
           <p:cNvPr id="5" name="바닥글 개체 틀 4">
             <a:extLst>
               <a:ext uri="{FF2B5EF4-FFF2-40B4-BE49-F238E27FC236}">
-                <a16:creationId xmlns:a16="http://schemas.microsoft.com/office/drawing/2014/main" id="{9F878C15-3ACA-4058-9C7E-2482DB6D249E}"/>
+                <a16:creationId xmlns:a16="http://schemas.microsoft.com/office/drawing/2014/main" xmlns="" id="{9F878C15-3ACA-4058-9C7E-2482DB6D249E}"/>
               </a:ext>
             </a:extLst>
           </p:cNvPr>
@@ -1006,7 +4389,7 @@
           <p:cNvPr id="6" name="슬라이드 번호 개체 틀 5">
             <a:extLst>
               <a:ext uri="{FF2B5EF4-FFF2-40B4-BE49-F238E27FC236}">
-                <a16:creationId xmlns:a16="http://schemas.microsoft.com/office/drawing/2014/main" id="{E68F5BD0-E4D5-4345-A432-7D2B4F16CC16}"/>
+                <a16:creationId xmlns:a16="http://schemas.microsoft.com/office/drawing/2014/main" xmlns="" id="{E68F5BD0-E4D5-4345-A432-7D2B4F16CC16}"/>
               </a:ext>
             </a:extLst>
           </p:cNvPr>
@@ -1065,7 +4448,7 @@
           <p:cNvPr id="2" name="제목 1">
             <a:extLst>
               <a:ext uri="{FF2B5EF4-FFF2-40B4-BE49-F238E27FC236}">
-                <a16:creationId xmlns:a16="http://schemas.microsoft.com/office/drawing/2014/main" id="{EA023368-3D8D-4890-A57B-39E18FEEDAE2}"/>
+                <a16:creationId xmlns:a16="http://schemas.microsoft.com/office/drawing/2014/main" xmlns="" id="{EA023368-3D8D-4890-A57B-39E18FEEDAE2}"/>
               </a:ext>
             </a:extLst>
           </p:cNvPr>
@@ -1102,7 +4485,7 @@
           <p:cNvPr id="3" name="텍스트 개체 틀 2">
             <a:extLst>
               <a:ext uri="{FF2B5EF4-FFF2-40B4-BE49-F238E27FC236}">
-                <a16:creationId xmlns:a16="http://schemas.microsoft.com/office/drawing/2014/main" id="{FA1B07C5-E7FB-46E7-8D27-A3A2D209C8EF}"/>
+                <a16:creationId xmlns:a16="http://schemas.microsoft.com/office/drawing/2014/main" xmlns="" id="{FA1B07C5-E7FB-46E7-8D27-A3A2D209C8EF}"/>
               </a:ext>
             </a:extLst>
           </p:cNvPr>
@@ -1227,7 +4610,7 @@
           <p:cNvPr id="4" name="날짜 개체 틀 3">
             <a:extLst>
               <a:ext uri="{FF2B5EF4-FFF2-40B4-BE49-F238E27FC236}">
-                <a16:creationId xmlns:a16="http://schemas.microsoft.com/office/drawing/2014/main" id="{E652B40B-C9D4-4EC0-A8D3-7C0E9EC1F42F}"/>
+                <a16:creationId xmlns:a16="http://schemas.microsoft.com/office/drawing/2014/main" xmlns="" id="{E652B40B-C9D4-4EC0-A8D3-7C0E9EC1F42F}"/>
               </a:ext>
             </a:extLst>
           </p:cNvPr>
@@ -1256,7 +4639,7 @@
           <p:cNvPr id="5" name="바닥글 개체 틀 4">
             <a:extLst>
               <a:ext uri="{FF2B5EF4-FFF2-40B4-BE49-F238E27FC236}">
-                <a16:creationId xmlns:a16="http://schemas.microsoft.com/office/drawing/2014/main" id="{2D295532-0DE6-46EC-9897-49677A712700}"/>
+                <a16:creationId xmlns:a16="http://schemas.microsoft.com/office/drawing/2014/main" xmlns="" id="{2D295532-0DE6-46EC-9897-49677A712700}"/>
               </a:ext>
             </a:extLst>
           </p:cNvPr>
@@ -1281,7 +4664,7 @@
           <p:cNvPr id="6" name="슬라이드 번호 개체 틀 5">
             <a:extLst>
               <a:ext uri="{FF2B5EF4-FFF2-40B4-BE49-F238E27FC236}">
-                <a16:creationId xmlns:a16="http://schemas.microsoft.com/office/drawing/2014/main" id="{808779FC-6C4C-4D48-86CB-0B5FC4A1ECAC}"/>
+                <a16:creationId xmlns:a16="http://schemas.microsoft.com/office/drawing/2014/main" xmlns="" id="{808779FC-6C4C-4D48-86CB-0B5FC4A1ECAC}"/>
               </a:ext>
             </a:extLst>
           </p:cNvPr>
@@ -1340,7 +4723,7 @@
           <p:cNvPr id="2" name="제목 1">
             <a:extLst>
               <a:ext uri="{FF2B5EF4-FFF2-40B4-BE49-F238E27FC236}">
-                <a16:creationId xmlns:a16="http://schemas.microsoft.com/office/drawing/2014/main" id="{49A30631-9536-4D56-BF33-B19623BB9CEB}"/>
+                <a16:creationId xmlns:a16="http://schemas.microsoft.com/office/drawing/2014/main" xmlns="" id="{49A30631-9536-4D56-BF33-B19623BB9CEB}"/>
               </a:ext>
             </a:extLst>
           </p:cNvPr>
@@ -1368,7 +4751,7 @@
           <p:cNvPr id="3" name="내용 개체 틀 2">
             <a:extLst>
               <a:ext uri="{FF2B5EF4-FFF2-40B4-BE49-F238E27FC236}">
-                <a16:creationId xmlns:a16="http://schemas.microsoft.com/office/drawing/2014/main" id="{E7C566C7-11BC-40FD-AEB7-5085EE595385}"/>
+                <a16:creationId xmlns:a16="http://schemas.microsoft.com/office/drawing/2014/main" xmlns="" id="{E7C566C7-11BC-40FD-AEB7-5085EE595385}"/>
               </a:ext>
             </a:extLst>
           </p:cNvPr>
@@ -1430,7 +4813,7 @@
           <p:cNvPr id="4" name="내용 개체 틀 3">
             <a:extLst>
               <a:ext uri="{FF2B5EF4-FFF2-40B4-BE49-F238E27FC236}">
-                <a16:creationId xmlns:a16="http://schemas.microsoft.com/office/drawing/2014/main" id="{95363F76-3881-4D9A-A757-AA4DEAFE2B82}"/>
+                <a16:creationId xmlns:a16="http://schemas.microsoft.com/office/drawing/2014/main" xmlns="" id="{95363F76-3881-4D9A-A757-AA4DEAFE2B82}"/>
               </a:ext>
             </a:extLst>
           </p:cNvPr>
@@ -1492,7 +4875,7 @@
           <p:cNvPr id="5" name="날짜 개체 틀 4">
             <a:extLst>
               <a:ext uri="{FF2B5EF4-FFF2-40B4-BE49-F238E27FC236}">
-                <a16:creationId xmlns:a16="http://schemas.microsoft.com/office/drawing/2014/main" id="{3019A5C9-1231-4B8B-93F7-4632A2A2495B}"/>
+                <a16:creationId xmlns:a16="http://schemas.microsoft.com/office/drawing/2014/main" xmlns="" id="{3019A5C9-1231-4B8B-93F7-4632A2A2495B}"/>
               </a:ext>
             </a:extLst>
           </p:cNvPr>
@@ -1521,7 +4904,7 @@
           <p:cNvPr id="6" name="바닥글 개체 틀 5">
             <a:extLst>
               <a:ext uri="{FF2B5EF4-FFF2-40B4-BE49-F238E27FC236}">
-                <a16:creationId xmlns:a16="http://schemas.microsoft.com/office/drawing/2014/main" id="{24508BDF-7019-48A8-BEE7-7DB53C6C9D4F}"/>
+                <a16:creationId xmlns:a16="http://schemas.microsoft.com/office/drawing/2014/main" xmlns="" id="{24508BDF-7019-48A8-BEE7-7DB53C6C9D4F}"/>
               </a:ext>
             </a:extLst>
           </p:cNvPr>
@@ -1546,7 +4929,7 @@
           <p:cNvPr id="7" name="슬라이드 번호 개체 틀 6">
             <a:extLst>
               <a:ext uri="{FF2B5EF4-FFF2-40B4-BE49-F238E27FC236}">
-                <a16:creationId xmlns:a16="http://schemas.microsoft.com/office/drawing/2014/main" id="{50FA8736-4E27-4CBB-8B28-EEC80C855A43}"/>
+                <a16:creationId xmlns:a16="http://schemas.microsoft.com/office/drawing/2014/main" xmlns="" id="{50FA8736-4E27-4CBB-8B28-EEC80C855A43}"/>
               </a:ext>
             </a:extLst>
           </p:cNvPr>
@@ -1605,7 +4988,7 @@
           <p:cNvPr id="2" name="제목 1">
             <a:extLst>
               <a:ext uri="{FF2B5EF4-FFF2-40B4-BE49-F238E27FC236}">
-                <a16:creationId xmlns:a16="http://schemas.microsoft.com/office/drawing/2014/main" id="{1FDF15F7-6706-45DB-9A7B-CA198FAE3388}"/>
+                <a16:creationId xmlns:a16="http://schemas.microsoft.com/office/drawing/2014/main" xmlns="" id="{1FDF15F7-6706-45DB-9A7B-CA198FAE3388}"/>
               </a:ext>
             </a:extLst>
           </p:cNvPr>
@@ -1638,7 +5021,7 @@
           <p:cNvPr id="3" name="텍스트 개체 틀 2">
             <a:extLst>
               <a:ext uri="{FF2B5EF4-FFF2-40B4-BE49-F238E27FC236}">
-                <a16:creationId xmlns:a16="http://schemas.microsoft.com/office/drawing/2014/main" id="{F4F2E7E0-FFE6-4F70-BFE9-F9D522289ED6}"/>
+                <a16:creationId xmlns:a16="http://schemas.microsoft.com/office/drawing/2014/main" xmlns="" id="{F4F2E7E0-FFE6-4F70-BFE9-F9D522289ED6}"/>
               </a:ext>
             </a:extLst>
           </p:cNvPr>
@@ -1709,7 +5092,7 @@
           <p:cNvPr id="4" name="내용 개체 틀 3">
             <a:extLst>
               <a:ext uri="{FF2B5EF4-FFF2-40B4-BE49-F238E27FC236}">
-                <a16:creationId xmlns:a16="http://schemas.microsoft.com/office/drawing/2014/main" id="{ABFF5CD8-0646-4A63-BAF1-CEB90F09565B}"/>
+                <a16:creationId xmlns:a16="http://schemas.microsoft.com/office/drawing/2014/main" xmlns="" id="{ABFF5CD8-0646-4A63-BAF1-CEB90F09565B}"/>
               </a:ext>
             </a:extLst>
           </p:cNvPr>
@@ -1771,7 +5154,7 @@
           <p:cNvPr id="5" name="텍스트 개체 틀 4">
             <a:extLst>
               <a:ext uri="{FF2B5EF4-FFF2-40B4-BE49-F238E27FC236}">
-                <a16:creationId xmlns:a16="http://schemas.microsoft.com/office/drawing/2014/main" id="{C9B30379-E72B-44B0-AB7A-2AF75F1E6B09}"/>
+                <a16:creationId xmlns:a16="http://schemas.microsoft.com/office/drawing/2014/main" xmlns="" id="{C9B30379-E72B-44B0-AB7A-2AF75F1E6B09}"/>
               </a:ext>
             </a:extLst>
           </p:cNvPr>
@@ -1842,7 +5225,7 @@
           <p:cNvPr id="6" name="내용 개체 틀 5">
             <a:extLst>
               <a:ext uri="{FF2B5EF4-FFF2-40B4-BE49-F238E27FC236}">
-                <a16:creationId xmlns:a16="http://schemas.microsoft.com/office/drawing/2014/main" id="{CAC92AC6-4848-4B7A-82DF-FC3E9F9843D3}"/>
+                <a16:creationId xmlns:a16="http://schemas.microsoft.com/office/drawing/2014/main" xmlns="" id="{CAC92AC6-4848-4B7A-82DF-FC3E9F9843D3}"/>
               </a:ext>
             </a:extLst>
           </p:cNvPr>
@@ -1904,7 +5287,7 @@
           <p:cNvPr id="7" name="날짜 개체 틀 6">
             <a:extLst>
               <a:ext uri="{FF2B5EF4-FFF2-40B4-BE49-F238E27FC236}">
-                <a16:creationId xmlns:a16="http://schemas.microsoft.com/office/drawing/2014/main" id="{A0C3BD60-1F45-4660-9991-50B987E62F1E}"/>
+                <a16:creationId xmlns:a16="http://schemas.microsoft.com/office/drawing/2014/main" xmlns="" id="{A0C3BD60-1F45-4660-9991-50B987E62F1E}"/>
               </a:ext>
             </a:extLst>
           </p:cNvPr>
@@ -1933,7 +5316,7 @@
           <p:cNvPr id="8" name="바닥글 개체 틀 7">
             <a:extLst>
               <a:ext uri="{FF2B5EF4-FFF2-40B4-BE49-F238E27FC236}">
-                <a16:creationId xmlns:a16="http://schemas.microsoft.com/office/drawing/2014/main" id="{A40DB249-E341-4043-832E-515CDC180A9B}"/>
+                <a16:creationId xmlns:a16="http://schemas.microsoft.com/office/drawing/2014/main" xmlns="" id="{A40DB249-E341-4043-832E-515CDC180A9B}"/>
               </a:ext>
             </a:extLst>
           </p:cNvPr>
@@ -1958,7 +5341,7 @@
           <p:cNvPr id="9" name="슬라이드 번호 개체 틀 8">
             <a:extLst>
               <a:ext uri="{FF2B5EF4-FFF2-40B4-BE49-F238E27FC236}">
-                <a16:creationId xmlns:a16="http://schemas.microsoft.com/office/drawing/2014/main" id="{8026BCCA-C143-4A7C-8A3B-CEE90BBCBA9F}"/>
+                <a16:creationId xmlns:a16="http://schemas.microsoft.com/office/drawing/2014/main" xmlns="" id="{8026BCCA-C143-4A7C-8A3B-CEE90BBCBA9F}"/>
               </a:ext>
             </a:extLst>
           </p:cNvPr>
@@ -2017,7 +5400,7 @@
           <p:cNvPr id="2" name="제목 1">
             <a:extLst>
               <a:ext uri="{FF2B5EF4-FFF2-40B4-BE49-F238E27FC236}">
-                <a16:creationId xmlns:a16="http://schemas.microsoft.com/office/drawing/2014/main" id="{0709EC6F-5814-4B96-9B94-95E579A491CB}"/>
+                <a16:creationId xmlns:a16="http://schemas.microsoft.com/office/drawing/2014/main" xmlns="" id="{0709EC6F-5814-4B96-9B94-95E579A491CB}"/>
               </a:ext>
             </a:extLst>
           </p:cNvPr>
@@ -2045,7 +5428,7 @@
           <p:cNvPr id="3" name="날짜 개체 틀 2">
             <a:extLst>
               <a:ext uri="{FF2B5EF4-FFF2-40B4-BE49-F238E27FC236}">
-                <a16:creationId xmlns:a16="http://schemas.microsoft.com/office/drawing/2014/main" id="{4E6C4629-3A5B-4488-9101-DECBF81FAE7A}"/>
+                <a16:creationId xmlns:a16="http://schemas.microsoft.com/office/drawing/2014/main" xmlns="" id="{4E6C4629-3A5B-4488-9101-DECBF81FAE7A}"/>
               </a:ext>
             </a:extLst>
           </p:cNvPr>
@@ -2074,7 +5457,7 @@
           <p:cNvPr id="4" name="바닥글 개체 틀 3">
             <a:extLst>
               <a:ext uri="{FF2B5EF4-FFF2-40B4-BE49-F238E27FC236}">
-                <a16:creationId xmlns:a16="http://schemas.microsoft.com/office/drawing/2014/main" id="{3422F756-3551-42B6-A9EE-08467915DE44}"/>
+                <a16:creationId xmlns:a16="http://schemas.microsoft.com/office/drawing/2014/main" xmlns="" id="{3422F756-3551-42B6-A9EE-08467915DE44}"/>
               </a:ext>
             </a:extLst>
           </p:cNvPr>
@@ -2099,7 +5482,7 @@
           <p:cNvPr id="5" name="슬라이드 번호 개체 틀 4">
             <a:extLst>
               <a:ext uri="{FF2B5EF4-FFF2-40B4-BE49-F238E27FC236}">
-                <a16:creationId xmlns:a16="http://schemas.microsoft.com/office/drawing/2014/main" id="{6FC8A30A-06F1-4C54-9281-E3D711450837}"/>
+                <a16:creationId xmlns:a16="http://schemas.microsoft.com/office/drawing/2014/main" xmlns="" id="{6FC8A30A-06F1-4C54-9281-E3D711450837}"/>
               </a:ext>
             </a:extLst>
           </p:cNvPr>
@@ -2158,7 +5541,7 @@
           <p:cNvPr id="2" name="날짜 개체 틀 1">
             <a:extLst>
               <a:ext uri="{FF2B5EF4-FFF2-40B4-BE49-F238E27FC236}">
-                <a16:creationId xmlns:a16="http://schemas.microsoft.com/office/drawing/2014/main" id="{DBBBFBD2-1F83-4810-B1BE-E68A2ADCE10D}"/>
+                <a16:creationId xmlns:a16="http://schemas.microsoft.com/office/drawing/2014/main" xmlns="" id="{DBBBFBD2-1F83-4810-B1BE-E68A2ADCE10D}"/>
               </a:ext>
             </a:extLst>
           </p:cNvPr>
@@ -2187,7 +5570,7 @@
           <p:cNvPr id="3" name="바닥글 개체 틀 2">
             <a:extLst>
               <a:ext uri="{FF2B5EF4-FFF2-40B4-BE49-F238E27FC236}">
-                <a16:creationId xmlns:a16="http://schemas.microsoft.com/office/drawing/2014/main" id="{F5EFA859-C824-45BA-8663-CFE076132DF7}"/>
+                <a16:creationId xmlns:a16="http://schemas.microsoft.com/office/drawing/2014/main" xmlns="" id="{F5EFA859-C824-45BA-8663-CFE076132DF7}"/>
               </a:ext>
             </a:extLst>
           </p:cNvPr>
@@ -2212,7 +5595,7 @@
           <p:cNvPr id="4" name="슬라이드 번호 개체 틀 3">
             <a:extLst>
               <a:ext uri="{FF2B5EF4-FFF2-40B4-BE49-F238E27FC236}">
-                <a16:creationId xmlns:a16="http://schemas.microsoft.com/office/drawing/2014/main" id="{9EC61102-3A29-4DA3-87E2-B0D2632F56F1}"/>
+                <a16:creationId xmlns:a16="http://schemas.microsoft.com/office/drawing/2014/main" xmlns="" id="{9EC61102-3A29-4DA3-87E2-B0D2632F56F1}"/>
               </a:ext>
             </a:extLst>
           </p:cNvPr>
@@ -2271,7 +5654,7 @@
           <p:cNvPr id="2" name="제목 1">
             <a:extLst>
               <a:ext uri="{FF2B5EF4-FFF2-40B4-BE49-F238E27FC236}">
-                <a16:creationId xmlns:a16="http://schemas.microsoft.com/office/drawing/2014/main" id="{1EAA1258-A224-49A8-9F8D-D9B9EF7214F2}"/>
+                <a16:creationId xmlns:a16="http://schemas.microsoft.com/office/drawing/2014/main" xmlns="" id="{1EAA1258-A224-49A8-9F8D-D9B9EF7214F2}"/>
               </a:ext>
             </a:extLst>
           </p:cNvPr>
@@ -2308,7 +5691,7 @@
           <p:cNvPr id="3" name="내용 개체 틀 2">
             <a:extLst>
               <a:ext uri="{FF2B5EF4-FFF2-40B4-BE49-F238E27FC236}">
-                <a16:creationId xmlns:a16="http://schemas.microsoft.com/office/drawing/2014/main" id="{26DCE2CF-1F24-4C35-89DC-F17F09FDAD61}"/>
+                <a16:creationId xmlns:a16="http://schemas.microsoft.com/office/drawing/2014/main" xmlns="" id="{26DCE2CF-1F24-4C35-89DC-F17F09FDAD61}"/>
               </a:ext>
             </a:extLst>
           </p:cNvPr>
@@ -2398,7 +5781,7 @@
           <p:cNvPr id="4" name="텍스트 개체 틀 3">
             <a:extLst>
               <a:ext uri="{FF2B5EF4-FFF2-40B4-BE49-F238E27FC236}">
-                <a16:creationId xmlns:a16="http://schemas.microsoft.com/office/drawing/2014/main" id="{90D95495-B8D3-410E-BCF6-ACBB6C566421}"/>
+                <a16:creationId xmlns:a16="http://schemas.microsoft.com/office/drawing/2014/main" xmlns="" id="{90D95495-B8D3-410E-BCF6-ACBB6C566421}"/>
               </a:ext>
             </a:extLst>
           </p:cNvPr>
@@ -2469,7 +5852,7 @@
           <p:cNvPr id="5" name="날짜 개체 틀 4">
             <a:extLst>
               <a:ext uri="{FF2B5EF4-FFF2-40B4-BE49-F238E27FC236}">
-                <a16:creationId xmlns:a16="http://schemas.microsoft.com/office/drawing/2014/main" id="{0E387A01-5AC6-4F36-A9F5-0D079CA1F67F}"/>
+                <a16:creationId xmlns:a16="http://schemas.microsoft.com/office/drawing/2014/main" xmlns="" id="{0E387A01-5AC6-4F36-A9F5-0D079CA1F67F}"/>
               </a:ext>
             </a:extLst>
           </p:cNvPr>
@@ -2498,7 +5881,7 @@
           <p:cNvPr id="6" name="바닥글 개체 틀 5">
             <a:extLst>
               <a:ext uri="{FF2B5EF4-FFF2-40B4-BE49-F238E27FC236}">
-                <a16:creationId xmlns:a16="http://schemas.microsoft.com/office/drawing/2014/main" id="{84409306-4A0F-416E-A52A-D2B22F720CB8}"/>
+                <a16:creationId xmlns:a16="http://schemas.microsoft.com/office/drawing/2014/main" xmlns="" id="{84409306-4A0F-416E-A52A-D2B22F720CB8}"/>
               </a:ext>
             </a:extLst>
           </p:cNvPr>
@@ -2523,7 +5906,7 @@
           <p:cNvPr id="7" name="슬라이드 번호 개체 틀 6">
             <a:extLst>
               <a:ext uri="{FF2B5EF4-FFF2-40B4-BE49-F238E27FC236}">
-                <a16:creationId xmlns:a16="http://schemas.microsoft.com/office/drawing/2014/main" id="{3DD2C045-4685-48D9-BE44-3C2AC4801924}"/>
+                <a16:creationId xmlns:a16="http://schemas.microsoft.com/office/drawing/2014/main" xmlns="" id="{3DD2C045-4685-48D9-BE44-3C2AC4801924}"/>
               </a:ext>
             </a:extLst>
           </p:cNvPr>
@@ -2582,7 +5965,7 @@
           <p:cNvPr id="2" name="제목 1">
             <a:extLst>
               <a:ext uri="{FF2B5EF4-FFF2-40B4-BE49-F238E27FC236}">
-                <a16:creationId xmlns:a16="http://schemas.microsoft.com/office/drawing/2014/main" id="{765220B0-DC88-4FBE-B0EB-3C553B09408A}"/>
+                <a16:creationId xmlns:a16="http://schemas.microsoft.com/office/drawing/2014/main" xmlns="" id="{765220B0-DC88-4FBE-B0EB-3C553B09408A}"/>
               </a:ext>
             </a:extLst>
           </p:cNvPr>
@@ -2619,7 +6002,7 @@
           <p:cNvPr id="3" name="그림 개체 틀 2">
             <a:extLst>
               <a:ext uri="{FF2B5EF4-FFF2-40B4-BE49-F238E27FC236}">
-                <a16:creationId xmlns:a16="http://schemas.microsoft.com/office/drawing/2014/main" id="{40292FB5-ED60-4880-B8F3-1FE9DCF7F781}"/>
+                <a16:creationId xmlns:a16="http://schemas.microsoft.com/office/drawing/2014/main" xmlns="" id="{40292FB5-ED60-4880-B8F3-1FE9DCF7F781}"/>
               </a:ext>
             </a:extLst>
           </p:cNvPr>
@@ -2686,7 +6069,7 @@
           <p:cNvPr id="4" name="텍스트 개체 틀 3">
             <a:extLst>
               <a:ext uri="{FF2B5EF4-FFF2-40B4-BE49-F238E27FC236}">
-                <a16:creationId xmlns:a16="http://schemas.microsoft.com/office/drawing/2014/main" id="{BDDC94BD-4F77-4094-A23C-FBAF2536049E}"/>
+                <a16:creationId xmlns:a16="http://schemas.microsoft.com/office/drawing/2014/main" xmlns="" id="{BDDC94BD-4F77-4094-A23C-FBAF2536049E}"/>
               </a:ext>
             </a:extLst>
           </p:cNvPr>
@@ -2757,7 +6140,7 @@
           <p:cNvPr id="5" name="날짜 개체 틀 4">
             <a:extLst>
               <a:ext uri="{FF2B5EF4-FFF2-40B4-BE49-F238E27FC236}">
-                <a16:creationId xmlns:a16="http://schemas.microsoft.com/office/drawing/2014/main" id="{BB05B4B7-6650-4C3F-9F6F-8729459F7E51}"/>
+                <a16:creationId xmlns:a16="http://schemas.microsoft.com/office/drawing/2014/main" xmlns="" id="{BB05B4B7-6650-4C3F-9F6F-8729459F7E51}"/>
               </a:ext>
             </a:extLst>
           </p:cNvPr>
@@ -2786,7 +6169,7 @@
           <p:cNvPr id="6" name="바닥글 개체 틀 5">
             <a:extLst>
               <a:ext uri="{FF2B5EF4-FFF2-40B4-BE49-F238E27FC236}">
-                <a16:creationId xmlns:a16="http://schemas.microsoft.com/office/drawing/2014/main" id="{046E89BA-5D63-4830-82E5-B5F9DCB3899E}"/>
+                <a16:creationId xmlns:a16="http://schemas.microsoft.com/office/drawing/2014/main" xmlns="" id="{046E89BA-5D63-4830-82E5-B5F9DCB3899E}"/>
               </a:ext>
             </a:extLst>
           </p:cNvPr>
@@ -2811,7 +6194,7 @@
           <p:cNvPr id="7" name="슬라이드 번호 개체 틀 6">
             <a:extLst>
               <a:ext uri="{FF2B5EF4-FFF2-40B4-BE49-F238E27FC236}">
-                <a16:creationId xmlns:a16="http://schemas.microsoft.com/office/drawing/2014/main" id="{023BF9F1-08DF-4CA0-AE36-CB28587C2D68}"/>
+                <a16:creationId xmlns:a16="http://schemas.microsoft.com/office/drawing/2014/main" xmlns="" id="{023BF9F1-08DF-4CA0-AE36-CB28587C2D68}"/>
               </a:ext>
             </a:extLst>
           </p:cNvPr>
@@ -2875,7 +6258,7 @@
           <p:cNvPr id="2" name="제목 개체 틀 1">
             <a:extLst>
               <a:ext uri="{FF2B5EF4-FFF2-40B4-BE49-F238E27FC236}">
-                <a16:creationId xmlns:a16="http://schemas.microsoft.com/office/drawing/2014/main" id="{BABBAE2E-C121-4052-9CB1-914094071BA6}"/>
+                <a16:creationId xmlns:a16="http://schemas.microsoft.com/office/drawing/2014/main" xmlns="" id="{BABBAE2E-C121-4052-9CB1-914094071BA6}"/>
               </a:ext>
             </a:extLst>
           </p:cNvPr>
@@ -2913,7 +6296,7 @@
           <p:cNvPr id="3" name="텍스트 개체 틀 2">
             <a:extLst>
               <a:ext uri="{FF2B5EF4-FFF2-40B4-BE49-F238E27FC236}">
-                <a16:creationId xmlns:a16="http://schemas.microsoft.com/office/drawing/2014/main" id="{5CED2327-FEBB-4BD3-96FB-5F89AEBD8ADF}"/>
+                <a16:creationId xmlns:a16="http://schemas.microsoft.com/office/drawing/2014/main" xmlns="" id="{5CED2327-FEBB-4BD3-96FB-5F89AEBD8ADF}"/>
               </a:ext>
             </a:extLst>
           </p:cNvPr>
@@ -2980,7 +6363,7 @@
           <p:cNvPr id="4" name="날짜 개체 틀 3">
             <a:extLst>
               <a:ext uri="{FF2B5EF4-FFF2-40B4-BE49-F238E27FC236}">
-                <a16:creationId xmlns:a16="http://schemas.microsoft.com/office/drawing/2014/main" id="{8920C9CA-AF36-43AF-B12A-FCF8C2C003EC}"/>
+                <a16:creationId xmlns:a16="http://schemas.microsoft.com/office/drawing/2014/main" xmlns="" id="{8920C9CA-AF36-43AF-B12A-FCF8C2C003EC}"/>
               </a:ext>
             </a:extLst>
           </p:cNvPr>
@@ -3027,7 +6410,7 @@
           <p:cNvPr id="5" name="바닥글 개체 틀 4">
             <a:extLst>
               <a:ext uri="{FF2B5EF4-FFF2-40B4-BE49-F238E27FC236}">
-                <a16:creationId xmlns:a16="http://schemas.microsoft.com/office/drawing/2014/main" id="{92E4011B-0D36-4C81-B2CF-638262B5D70B}"/>
+                <a16:creationId xmlns:a16="http://schemas.microsoft.com/office/drawing/2014/main" xmlns="" id="{92E4011B-0D36-4C81-B2CF-638262B5D70B}"/>
               </a:ext>
             </a:extLst>
           </p:cNvPr>
@@ -3070,7 +6453,7 @@
           <p:cNvPr id="6" name="슬라이드 번호 개체 틀 5">
             <a:extLst>
               <a:ext uri="{FF2B5EF4-FFF2-40B4-BE49-F238E27FC236}">
-                <a16:creationId xmlns:a16="http://schemas.microsoft.com/office/drawing/2014/main" id="{B687ED65-D48F-4A55-8E2C-6E7BB3453F6D}"/>
+                <a16:creationId xmlns:a16="http://schemas.microsoft.com/office/drawing/2014/main" xmlns="" id="{B687ED65-D48F-4A55-8E2C-6E7BB3453F6D}"/>
               </a:ext>
             </a:extLst>
           </p:cNvPr>
@@ -3438,7 +6821,7 @@
           <p:cNvPr id="2" name="제목 1">
             <a:extLst>
               <a:ext uri="{FF2B5EF4-FFF2-40B4-BE49-F238E27FC236}">
-                <a16:creationId xmlns:a16="http://schemas.microsoft.com/office/drawing/2014/main" id="{599EAC82-9E12-4EF9-B236-6A0E055BEED6}"/>
+                <a16:creationId xmlns:a16="http://schemas.microsoft.com/office/drawing/2014/main" xmlns="" id="{599EAC82-9E12-4EF9-B236-6A0E055BEED6}"/>
               </a:ext>
             </a:extLst>
           </p:cNvPr>
@@ -3471,7 +6854,7 @@
           <p:cNvPr id="4" name="TextBox 3">
             <a:extLst>
               <a:ext uri="{FF2B5EF4-FFF2-40B4-BE49-F238E27FC236}">
-                <a16:creationId xmlns:a16="http://schemas.microsoft.com/office/drawing/2014/main" id="{93079864-C3CD-4A45-ACD4-B4702AFCD948}"/>
+                <a16:creationId xmlns:a16="http://schemas.microsoft.com/office/drawing/2014/main" xmlns="" id="{93079864-C3CD-4A45-ACD4-B4702AFCD948}"/>
               </a:ext>
             </a:extLst>
           </p:cNvPr>
@@ -3481,7 +6864,7 @@
         <p:spPr>
           <a:xfrm>
             <a:off x="9448800" y="5651500"/>
-            <a:ext cx="3546164" cy="646331"/>
+            <a:ext cx="2053767" cy="646331"/>
           </a:xfrm>
           <a:prstGeom prst="rect">
             <a:avLst/>
@@ -3495,37 +6878,37 @@
           <a:lstStyle/>
           <a:p>
             <a:r>
-              <a:rPr lang="en-US" altLang="ko-KR"/>
+              <a:rPr lang="en-US" altLang="ko-KR" dirty="0"/>
               <a:t>2017</a:t>
             </a:r>
             <a:r>
-              <a:rPr lang="ko-KR" altLang="en-US"/>
+              <a:rPr lang="ko-KR" altLang="en-US" dirty="0"/>
               <a:t>년 </a:t>
             </a:r>
             <a:r>
-              <a:rPr lang="en-US" altLang="ko-KR"/>
+              <a:rPr lang="en-US" altLang="ko-KR" dirty="0"/>
               <a:t>08</a:t>
             </a:r>
             <a:r>
-              <a:rPr lang="ko-KR" altLang="en-US"/>
+              <a:rPr lang="ko-KR" altLang="en-US" dirty="0"/>
               <a:t>월 </a:t>
             </a:r>
             <a:r>
-              <a:rPr lang="en-US" altLang="ko-KR"/>
+              <a:rPr lang="en-US" altLang="ko-KR" dirty="0"/>
               <a:t>24</a:t>
             </a:r>
             <a:r>
-              <a:rPr lang="ko-KR" altLang="en-US"/>
+              <a:rPr lang="ko-KR" altLang="en-US" dirty="0" smtClean="0"/>
               <a:t>일</a:t>
             </a:r>
-            <a:endParaRPr lang="en-US" altLang="ko-KR"/>
-          </a:p>
-          <a:p>
-            <a:pPr algn="r"/>
-            <a:r>
-              <a:rPr lang="ko-KR" altLang="en-US"/>
+            <a:endParaRPr lang="en-US" altLang="ko-KR" dirty="0"/>
+          </a:p>
+          <a:p>
+            <a:r>
+              <a:rPr lang="ko-KR" altLang="en-US" dirty="0" smtClean="0"/>
               <a:t>김건우</a:t>
             </a:r>
+            <a:endParaRPr lang="ko-KR" altLang="en-US" dirty="0"/>
           </a:p>
         </p:txBody>
       </p:sp>
@@ -3539,6 +6922,13 @@
   <p:clrMapOvr>
     <a:masterClrMapping/>
   </p:clrMapOvr>
+  <p:timing>
+    <p:tnLst>
+      <p:par>
+        <p:cTn id="1" dur="indefinite" restart="never" nodeType="tmRoot"/>
+      </p:par>
+    </p:tnLst>
+  </p:timing>
 </p:sld>
 </file>
 
@@ -3564,7 +6954,7 @@
           <p:cNvPr id="2" name="제목 1">
             <a:extLst>
               <a:ext uri="{FF2B5EF4-FFF2-40B4-BE49-F238E27FC236}">
-                <a16:creationId xmlns:a16="http://schemas.microsoft.com/office/drawing/2014/main" id="{D2584F0A-7326-4935-8118-8885187B7569}"/>
+                <a16:creationId xmlns:a16="http://schemas.microsoft.com/office/drawing/2014/main" xmlns="" id="{9C38FD61-C9F3-4BC7-8D5C-372A53F1A719}"/>
               </a:ext>
             </a:extLst>
           </p:cNvPr>
@@ -3581,18 +6971,13 @@
           <a:lstStyle/>
           <a:p>
             <a:r>
-              <a:rPr lang="en-US" altLang="ko-KR"/>
-              <a:t>Software</a:t>
+              <a:rPr lang="ko-KR" altLang="en-US" err="1"/>
+              <a:t>퍼징의</a:t>
             </a:r>
             <a:r>
               <a:rPr lang="ko-KR" altLang="en-US"/>
-              <a:t> </a:t>
-            </a:r>
-            <a:r>
-              <a:rPr lang="en-US" altLang="ko-KR"/>
-              <a:t>Fuzzing</a:t>
-            </a:r>
-            <a:endParaRPr lang="ko-KR" altLang="en-US"/>
+              <a:t> 단계</a:t>
+            </a:r>
           </a:p>
         </p:txBody>
       </p:sp>
@@ -3601,7 +6986,7 @@
           <p:cNvPr id="3" name="내용 개체 틀 2">
             <a:extLst>
               <a:ext uri="{FF2B5EF4-FFF2-40B4-BE49-F238E27FC236}">
-                <a16:creationId xmlns:a16="http://schemas.microsoft.com/office/drawing/2014/main" id="{61447DD3-DC66-49E9-8E19-96E9C86490DD}"/>
+                <a16:creationId xmlns:a16="http://schemas.microsoft.com/office/drawing/2014/main" xmlns="" id="{8B432828-F35C-4941-A2C0-EE7825FE5A02}"/>
               </a:ext>
             </a:extLst>
           </p:cNvPr>
@@ -3614,79 +6999,59 @@
         </p:nvSpPr>
         <p:spPr/>
         <p:txBody>
-          <a:bodyPr/>
+          <a:bodyPr>
+            <a:normAutofit/>
+          </a:bodyPr>
           <a:lstStyle/>
           <a:p>
             <a:pPr marL="0" indent="0">
               <a:buNone/>
             </a:pPr>
             <a:r>
-              <a:rPr lang="ko-KR" altLang="en-US"/>
-              <a:t>각 파일들은 자체의 포맷을 가지고 있고 애플리케이션은 그 포맷에 맞추어서 파싱을 한다</a:t>
-            </a:r>
-            <a:r>
-              <a:rPr lang="en-US" altLang="ko-KR"/>
-              <a:t>. </a:t>
-            </a:r>
-            <a:r>
-              <a:rPr lang="ko-KR" altLang="en-US"/>
-              <a:t>이런 과정에서 애플리케이션은 취약점을 가질 수 있다</a:t>
-            </a:r>
-            <a:r>
-              <a:rPr lang="en-US" altLang="ko-KR"/>
-              <a:t>. </a:t>
-            </a:r>
-            <a:r>
-              <a:rPr lang="ko-KR" altLang="en-US"/>
-              <a:t>포맷만 봐서는 정상적인 파일이지만</a:t>
-            </a:r>
-            <a:r>
-              <a:rPr lang="en-US" altLang="ko-KR"/>
-              <a:t>, </a:t>
-            </a:r>
-            <a:r>
-              <a:rPr lang="ko-KR" altLang="en-US"/>
-              <a:t>그 내부에 에러를 발생할 쓰레기 코드가 숨을 수 있다</a:t>
-            </a:r>
-            <a:r>
-              <a:rPr lang="en-US" altLang="ko-KR"/>
-              <a:t>. </a:t>
+              <a:rPr lang="ko-KR" altLang="en-US" sz="3400"/>
+              <a:t>단순 </a:t>
+            </a:r>
+            <a:r>
+              <a:rPr lang="ko-KR" altLang="en-US" sz="3400" err="1"/>
+              <a:t>퍼징</a:t>
+            </a:r>
+            <a:r>
+              <a:rPr lang="en-US" altLang="ko-KR" sz="3400"/>
+              <a:t>(Simple fuzzing) : </a:t>
             </a:r>
           </a:p>
           <a:p>
             <a:pPr marL="0" indent="0">
               <a:buNone/>
             </a:pPr>
-            <a:endParaRPr lang="en-US" altLang="ko-KR"/>
+            <a:r>
+              <a:rPr lang="en-US" altLang="ko-KR" sz="3400"/>
+              <a:t>		</a:t>
+            </a:r>
+            <a:r>
+              <a:rPr lang="ko-KR" altLang="en-US" sz="3400"/>
+              <a:t>일부 바이트 랜덤화 적용</a:t>
+            </a:r>
+            <a:endParaRPr lang="en-US" altLang="ko-KR" sz="3400"/>
           </a:p>
           <a:p>
             <a:pPr marL="0" indent="0">
               <a:buNone/>
             </a:pPr>
-            <a:r>
-              <a:rPr lang="ko-KR" altLang="en-US"/>
-              <a:t>파일 </a:t>
-            </a:r>
-            <a:r>
-              <a:rPr lang="ko-KR" altLang="en-US" err="1"/>
-              <a:t>퍼징은</a:t>
-            </a:r>
-            <a:r>
-              <a:rPr lang="ko-KR" altLang="en-US"/>
-              <a:t> 이러한 취 약점을 유발할 수 있는 쓰레기 코드가 존재할 수 있는지를 검사하는 작업이다</a:t>
-            </a:r>
-            <a:r>
-              <a:rPr lang="en-US" altLang="ko-KR"/>
-              <a:t>. </a:t>
-            </a:r>
-            <a:endParaRPr lang="ko-KR" altLang="en-US"/>
+            <a:endParaRPr lang="en-US" altLang="ko-KR" sz="3400"/>
+          </a:p>
+          <a:p>
+            <a:pPr marL="0" indent="0">
+              <a:buNone/>
+            </a:pPr>
+            <a:endParaRPr lang="en-US" altLang="ko-KR" sz="3400"/>
           </a:p>
         </p:txBody>
       </p:sp>
     </p:spTree>
     <p:extLst>
       <p:ext uri="{BB962C8B-B14F-4D97-AF65-F5344CB8AC3E}">
-        <p14:creationId xmlns:p14="http://schemas.microsoft.com/office/powerpoint/2010/main" val="3415629143"/>
+        <p14:creationId xmlns:p14="http://schemas.microsoft.com/office/powerpoint/2010/main" val="3791380876"/>
       </p:ext>
     </p:extLst>
   </p:cSld>
@@ -3718,601 +7083,7 @@
           <p:cNvPr id="2" name="제목 1">
             <a:extLst>
               <a:ext uri="{FF2B5EF4-FFF2-40B4-BE49-F238E27FC236}">
-                <a16:creationId xmlns:a16="http://schemas.microsoft.com/office/drawing/2014/main" id="{82BE6E73-7BCB-425E-B802-AC2DA0BC1C50}"/>
-              </a:ext>
-            </a:extLst>
-          </p:cNvPr>
-          <p:cNvSpPr>
-            <a:spLocks noGrp="1"/>
-          </p:cNvSpPr>
-          <p:nvPr>
-            <p:ph type="title"/>
-          </p:nvPr>
-        </p:nvSpPr>
-        <p:spPr>
-          <a:xfrm>
-            <a:off x="838200" y="365125"/>
-            <a:ext cx="10515600" cy="1325563"/>
-          </a:xfrm>
-        </p:spPr>
-        <p:txBody>
-          <a:bodyPr/>
-          <a:lstStyle/>
-          <a:p>
-            <a:r>
-              <a:rPr lang="en-US" altLang="ko-KR"/>
-              <a:t>Fuzzing Type</a:t>
-            </a:r>
-            <a:endParaRPr lang="ko-KR" altLang="en-US"/>
-          </a:p>
-        </p:txBody>
-      </p:sp>
-      <p:sp>
-        <p:nvSpPr>
-          <p:cNvPr id="4" name="TextBox 3">
-            <a:extLst>
-              <a:ext uri="{FF2B5EF4-FFF2-40B4-BE49-F238E27FC236}">
-                <a16:creationId xmlns:a16="http://schemas.microsoft.com/office/drawing/2014/main" id="{DB445C6C-7B36-4D9D-A73D-C70DFEE8D292}"/>
-              </a:ext>
-            </a:extLst>
-          </p:cNvPr>
-          <p:cNvSpPr txBox="1"/>
-          <p:nvPr/>
-        </p:nvSpPr>
-        <p:spPr>
-          <a:xfrm>
-            <a:off x="2222500" y="1854200"/>
-            <a:ext cx="9542997" cy="4247317"/>
-          </a:xfrm>
-          <a:prstGeom prst="rect">
-            <a:avLst/>
-          </a:prstGeom>
-          <a:noFill/>
-        </p:spPr>
-        <p:txBody>
-          <a:bodyPr wrap="none" rtlCol="0">
-            <a:spAutoFit/>
-          </a:bodyPr>
-          <a:lstStyle/>
-          <a:p>
-            <a:r>
-              <a:rPr lang="ko-KR" altLang="en-US" sz="3000"/>
-              <a:t> * 로컬 </a:t>
-            </a:r>
-            <a:r>
-              <a:rPr lang="en-US" altLang="ko-KR" sz="3000" err="1"/>
-              <a:t>Fuzzer</a:t>
-            </a:r>
-            <a:br>
-              <a:rPr lang="ko-KR" altLang="en-US" sz="3000"/>
-            </a:br>
-            <a:r>
-              <a:rPr lang="ko-KR" altLang="en-US" sz="3000"/>
-              <a:t>  </a:t>
-            </a:r>
-            <a:r>
-              <a:rPr lang="en-US" altLang="ko-KR" sz="3000"/>
-              <a:t>- </a:t>
-            </a:r>
-            <a:r>
-              <a:rPr lang="ko-KR" altLang="en-US" sz="3000"/>
-              <a:t>프로그램 실행 변수</a:t>
-            </a:r>
-            <a:r>
-              <a:rPr lang="en-US" altLang="ko-KR" sz="3000"/>
-              <a:t>(Command-Line) </a:t>
-            </a:r>
-            <a:r>
-              <a:rPr lang="ko-KR" altLang="en-US" sz="3000"/>
-              <a:t>및 환경 변수</a:t>
-            </a:r>
-            <a:r>
-              <a:rPr lang="en-US" altLang="ko-KR" sz="3000"/>
-              <a:t>, </a:t>
-            </a:r>
-          </a:p>
-          <a:p>
-            <a:r>
-              <a:rPr lang="en-US" altLang="ko-KR" sz="3000"/>
-              <a:t>    </a:t>
-            </a:r>
-            <a:r>
-              <a:rPr lang="ko-KR" altLang="en-US" sz="3000" err="1"/>
-              <a:t>파일포멧을</a:t>
-            </a:r>
-            <a:r>
-              <a:rPr lang="ko-KR" altLang="en-US" sz="3000"/>
-              <a:t> 통한 </a:t>
-            </a:r>
-            <a:r>
-              <a:rPr lang="en-US" altLang="ko-KR" sz="3000" err="1"/>
-              <a:t>Fuzzer</a:t>
-            </a:r>
-            <a:br>
-              <a:rPr lang="ko-KR" altLang="en-US" sz="3000"/>
-            </a:br>
-            <a:r>
-              <a:rPr lang="ko-KR" altLang="en-US" sz="3000"/>
-              <a:t> * 원격 조작</a:t>
-            </a:r>
-            <a:br>
-              <a:rPr lang="ko-KR" altLang="en-US" sz="3000"/>
-            </a:br>
-            <a:r>
-              <a:rPr lang="ko-KR" altLang="en-US" sz="3000"/>
-              <a:t> * 네트워크 프로토콜</a:t>
-            </a:r>
-            <a:br>
-              <a:rPr lang="ko-KR" altLang="en-US" sz="3000"/>
-            </a:br>
-            <a:r>
-              <a:rPr lang="ko-KR" altLang="en-US" sz="3000"/>
-              <a:t> * 웹 어플리케이션</a:t>
-            </a:r>
-            <a:br>
-              <a:rPr lang="ko-KR" altLang="en-US" sz="3000"/>
-            </a:br>
-            <a:r>
-              <a:rPr lang="ko-KR" altLang="en-US" sz="3000"/>
-              <a:t> * 웹 </a:t>
-            </a:r>
-            <a:r>
-              <a:rPr lang="ko-KR" altLang="en-US" sz="3000" err="1"/>
-              <a:t>브라우져</a:t>
-            </a:r>
-            <a:br>
-              <a:rPr lang="ko-KR" altLang="en-US" sz="3000"/>
-            </a:br>
-            <a:r>
-              <a:rPr lang="ko-KR" altLang="en-US" sz="3000"/>
-              <a:t> * </a:t>
-            </a:r>
-            <a:r>
-              <a:rPr lang="en-US" altLang="ko-KR" sz="3000"/>
-              <a:t>In-Memory</a:t>
-            </a:r>
-            <a:br>
-              <a:rPr lang="ko-KR" altLang="en-US" sz="3000"/>
-            </a:br>
-            <a:r>
-              <a:rPr lang="ko-KR" altLang="en-US" sz="3000"/>
-              <a:t> * 프레임워크</a:t>
-            </a:r>
-          </a:p>
-        </p:txBody>
-      </p:sp>
-    </p:spTree>
-    <p:extLst>
-      <p:ext uri="{BB962C8B-B14F-4D97-AF65-F5344CB8AC3E}">
-        <p14:creationId xmlns:p14="http://schemas.microsoft.com/office/powerpoint/2010/main" val="4198081553"/>
-      </p:ext>
-    </p:extLst>
-  </p:cSld>
-  <p:clrMapOvr>
-    <a:masterClrMapping/>
-  </p:clrMapOvr>
-</p:sld>
-</file>
-
-<file path=ppt/slides/slide12.xml><?xml version="1.0" encoding="utf-8"?>
-<p:sld xmlns:a="http://schemas.openxmlformats.org/drawingml/2006/main" xmlns:r="http://schemas.openxmlformats.org/officeDocument/2006/relationships" xmlns:p="http://schemas.openxmlformats.org/presentationml/2006/main">
-  <p:cSld>
-    <p:spTree>
-      <p:nvGrpSpPr>
-        <p:cNvPr id="1" name=""/>
-        <p:cNvGrpSpPr/>
-        <p:nvPr/>
-      </p:nvGrpSpPr>
-      <p:grpSpPr>
-        <a:xfrm>
-          <a:off x="0" y="0"/>
-          <a:ext cx="0" cy="0"/>
-          <a:chOff x="0" y="0"/>
-          <a:chExt cx="0" cy="0"/>
-        </a:xfrm>
-      </p:grpSpPr>
-      <p:sp>
-        <p:nvSpPr>
-          <p:cNvPr id="2" name="제목 1">
-            <a:extLst>
-              <a:ext uri="{FF2B5EF4-FFF2-40B4-BE49-F238E27FC236}">
-                <a16:creationId xmlns:a16="http://schemas.microsoft.com/office/drawing/2014/main" id="{82BE6E73-7BCB-425E-B802-AC2DA0BC1C50}"/>
-              </a:ext>
-            </a:extLst>
-          </p:cNvPr>
-          <p:cNvSpPr>
-            <a:spLocks noGrp="1"/>
-          </p:cNvSpPr>
-          <p:nvPr>
-            <p:ph type="title"/>
-          </p:nvPr>
-        </p:nvSpPr>
-        <p:spPr>
-          <a:xfrm>
-            <a:off x="838200" y="365125"/>
-            <a:ext cx="10515600" cy="1325563"/>
-          </a:xfrm>
-        </p:spPr>
-        <p:txBody>
-          <a:bodyPr/>
-          <a:lstStyle/>
-          <a:p>
-            <a:r>
-              <a:rPr lang="en-US" altLang="ko-KR"/>
-              <a:t>Fuzzing Type</a:t>
-            </a:r>
-            <a:endParaRPr lang="ko-KR" altLang="en-US"/>
-          </a:p>
-        </p:txBody>
-      </p:sp>
-      <p:sp>
-        <p:nvSpPr>
-          <p:cNvPr id="4" name="TextBox 3">
-            <a:extLst>
-              <a:ext uri="{FF2B5EF4-FFF2-40B4-BE49-F238E27FC236}">
-                <a16:creationId xmlns:a16="http://schemas.microsoft.com/office/drawing/2014/main" id="{DB445C6C-7B36-4D9D-A73D-C70DFEE8D292}"/>
-              </a:ext>
-            </a:extLst>
-          </p:cNvPr>
-          <p:cNvSpPr txBox="1"/>
-          <p:nvPr/>
-        </p:nvSpPr>
-        <p:spPr>
-          <a:xfrm>
-            <a:off x="2222500" y="1854200"/>
-            <a:ext cx="9542997" cy="4247317"/>
-          </a:xfrm>
-          <a:prstGeom prst="rect">
-            <a:avLst/>
-          </a:prstGeom>
-          <a:noFill/>
-        </p:spPr>
-        <p:txBody>
-          <a:bodyPr wrap="none" rtlCol="0">
-            <a:spAutoFit/>
-          </a:bodyPr>
-          <a:lstStyle/>
-          <a:p>
-            <a:r>
-              <a:rPr lang="ko-KR" altLang="en-US" sz="3000"/>
-              <a:t> * 로컬 </a:t>
-            </a:r>
-            <a:r>
-              <a:rPr lang="en-US" altLang="ko-KR" sz="3000" err="1"/>
-              <a:t>Fuzzer</a:t>
-            </a:r>
-            <a:br>
-              <a:rPr lang="ko-KR" altLang="en-US" sz="3000"/>
-            </a:br>
-            <a:r>
-              <a:rPr lang="ko-KR" altLang="en-US" sz="3000"/>
-              <a:t>  </a:t>
-            </a:r>
-            <a:r>
-              <a:rPr lang="en-US" altLang="ko-KR" sz="3000"/>
-              <a:t>- </a:t>
-            </a:r>
-            <a:r>
-              <a:rPr lang="ko-KR" altLang="en-US" sz="3000"/>
-              <a:t>프로그램 실행 변수</a:t>
-            </a:r>
-            <a:r>
-              <a:rPr lang="en-US" altLang="ko-KR" sz="3000"/>
-              <a:t>(Command-Line) </a:t>
-            </a:r>
-            <a:r>
-              <a:rPr lang="ko-KR" altLang="en-US" sz="3000"/>
-              <a:t>및 환경 변수</a:t>
-            </a:r>
-            <a:r>
-              <a:rPr lang="en-US" altLang="ko-KR" sz="3000"/>
-              <a:t>, </a:t>
-            </a:r>
-          </a:p>
-          <a:p>
-            <a:r>
-              <a:rPr lang="en-US" altLang="ko-KR" sz="3000"/>
-              <a:t>    </a:t>
-            </a:r>
-            <a:r>
-              <a:rPr lang="ko-KR" altLang="en-US" sz="3000" err="1"/>
-              <a:t>파일포멧을</a:t>
-            </a:r>
-            <a:r>
-              <a:rPr lang="ko-KR" altLang="en-US" sz="3000"/>
-              <a:t> 통한 </a:t>
-            </a:r>
-            <a:r>
-              <a:rPr lang="en-US" altLang="ko-KR" sz="3000" err="1"/>
-              <a:t>Fuzzer</a:t>
-            </a:r>
-            <a:br>
-              <a:rPr lang="ko-KR" altLang="en-US" sz="3000"/>
-            </a:br>
-            <a:r>
-              <a:rPr lang="ko-KR" altLang="en-US" sz="3000"/>
-              <a:t> * 원격 조작</a:t>
-            </a:r>
-            <a:br>
-              <a:rPr lang="ko-KR" altLang="en-US" sz="3000"/>
-            </a:br>
-            <a:r>
-              <a:rPr lang="ko-KR" altLang="en-US" sz="3000"/>
-              <a:t> * 네트워크 프로토콜</a:t>
-            </a:r>
-            <a:br>
-              <a:rPr lang="ko-KR" altLang="en-US" sz="3000"/>
-            </a:br>
-            <a:r>
-              <a:rPr lang="ko-KR" altLang="en-US" sz="3000"/>
-              <a:t> * 웹 어플리케이션</a:t>
-            </a:r>
-            <a:br>
-              <a:rPr lang="ko-KR" altLang="en-US" sz="3000"/>
-            </a:br>
-            <a:r>
-              <a:rPr lang="ko-KR" altLang="en-US" sz="3000"/>
-              <a:t> * 웹 </a:t>
-            </a:r>
-            <a:r>
-              <a:rPr lang="ko-KR" altLang="en-US" sz="3000" err="1"/>
-              <a:t>브라우져</a:t>
-            </a:r>
-            <a:br>
-              <a:rPr lang="ko-KR" altLang="en-US" sz="3000"/>
-            </a:br>
-            <a:r>
-              <a:rPr lang="ko-KR" altLang="en-US" sz="3000"/>
-              <a:t> * </a:t>
-            </a:r>
-            <a:r>
-              <a:rPr lang="en-US" altLang="ko-KR" sz="3000"/>
-              <a:t>In-Memory</a:t>
-            </a:r>
-            <a:br>
-              <a:rPr lang="ko-KR" altLang="en-US" sz="3000"/>
-            </a:br>
-            <a:r>
-              <a:rPr lang="ko-KR" altLang="en-US" sz="3000"/>
-              <a:t> * 프레임워크</a:t>
-            </a:r>
-          </a:p>
-        </p:txBody>
-      </p:sp>
-      <p:sp>
-        <p:nvSpPr>
-          <p:cNvPr id="3" name="타원 2">
-            <a:extLst>
-              <a:ext uri="{FF2B5EF4-FFF2-40B4-BE49-F238E27FC236}">
-                <a16:creationId xmlns:a16="http://schemas.microsoft.com/office/drawing/2014/main" id="{BACA9974-384E-48ED-A9E7-9DE667471338}"/>
-              </a:ext>
-            </a:extLst>
-          </p:cNvPr>
-          <p:cNvSpPr/>
-          <p:nvPr/>
-        </p:nvSpPr>
-        <p:spPr>
-          <a:xfrm>
-            <a:off x="2222500" y="3543300"/>
-            <a:ext cx="4038600" cy="787400"/>
-          </a:xfrm>
-          <a:prstGeom prst="ellipse">
-            <a:avLst/>
-          </a:prstGeom>
-          <a:noFill/>
-          <a:ln w="38100">
-            <a:solidFill>
-              <a:srgbClr val="FF0000"/>
-            </a:solidFill>
-          </a:ln>
-        </p:spPr>
-        <p:style>
-          <a:lnRef idx="2">
-            <a:schemeClr val="accent1">
-              <a:shade val="50000"/>
-            </a:schemeClr>
-          </a:lnRef>
-          <a:fillRef idx="1">
-            <a:schemeClr val="accent1"/>
-          </a:fillRef>
-          <a:effectRef idx="0">
-            <a:schemeClr val="accent1"/>
-          </a:effectRef>
-          <a:fontRef idx="minor">
-            <a:schemeClr val="lt1"/>
-          </a:fontRef>
-        </p:style>
-        <p:txBody>
-          <a:bodyPr rot="0" spcFirstLastPara="0" vertOverflow="overflow" horzOverflow="overflow" vert="horz" wrap="square" lIns="91440" tIns="45720" rIns="91440" bIns="45720" numCol="1" spcCol="0" rtlCol="0" fromWordArt="0" anchor="ctr" anchorCtr="0" forceAA="0" compatLnSpc="1">
-            <a:prstTxWarp prst="textNoShape">
-              <a:avLst/>
-            </a:prstTxWarp>
-            <a:noAutofit/>
-          </a:bodyPr>
-          <a:lstStyle/>
-          <a:p>
-            <a:pPr algn="ctr"/>
-            <a:endParaRPr lang="ko-KR" altLang="en-US"/>
-          </a:p>
-        </p:txBody>
-      </p:sp>
-    </p:spTree>
-    <p:extLst>
-      <p:ext uri="{BB962C8B-B14F-4D97-AF65-F5344CB8AC3E}">
-        <p14:creationId xmlns:p14="http://schemas.microsoft.com/office/powerpoint/2010/main" val="362368248"/>
-      </p:ext>
-    </p:extLst>
-  </p:cSld>
-  <p:clrMapOvr>
-    <a:masterClrMapping/>
-  </p:clrMapOvr>
-</p:sld>
-</file>
-
-<file path=ppt/slides/slide13.xml><?xml version="1.0" encoding="utf-8"?>
-<p:sld xmlns:a="http://schemas.openxmlformats.org/drawingml/2006/main" xmlns:r="http://schemas.openxmlformats.org/officeDocument/2006/relationships" xmlns:p="http://schemas.openxmlformats.org/presentationml/2006/main">
-  <p:cSld>
-    <p:spTree>
-      <p:nvGrpSpPr>
-        <p:cNvPr id="1" name=""/>
-        <p:cNvGrpSpPr/>
-        <p:nvPr/>
-      </p:nvGrpSpPr>
-      <p:grpSpPr>
-        <a:xfrm>
-          <a:off x="0" y="0"/>
-          <a:ext cx="0" cy="0"/>
-          <a:chOff x="0" y="0"/>
-          <a:chExt cx="0" cy="0"/>
-        </a:xfrm>
-      </p:grpSpPr>
-      <p:sp>
-        <p:nvSpPr>
-          <p:cNvPr id="2" name="제목 1">
-            <a:extLst>
-              <a:ext uri="{FF2B5EF4-FFF2-40B4-BE49-F238E27FC236}">
-                <a16:creationId xmlns:a16="http://schemas.microsoft.com/office/drawing/2014/main" id="{99EC90E8-37F1-4C88-8930-8690DAAFBA7C}"/>
-              </a:ext>
-            </a:extLst>
-          </p:cNvPr>
-          <p:cNvSpPr>
-            <a:spLocks noGrp="1"/>
-          </p:cNvSpPr>
-          <p:nvPr>
-            <p:ph type="title"/>
-          </p:nvPr>
-        </p:nvSpPr>
-        <p:spPr/>
-        <p:txBody>
-          <a:bodyPr/>
-          <a:lstStyle/>
-          <a:p>
-            <a:r>
-              <a:rPr lang="en-US" altLang="ko-KR"/>
-              <a:t>Network</a:t>
-            </a:r>
-            <a:r>
-              <a:rPr lang="ko-KR" altLang="en-US"/>
-              <a:t> </a:t>
-            </a:r>
-            <a:r>
-              <a:rPr lang="en-US" altLang="ko-KR"/>
-              <a:t>Fuzzing</a:t>
-            </a:r>
-            <a:endParaRPr lang="ko-KR" altLang="en-US"/>
-          </a:p>
-        </p:txBody>
-      </p:sp>
-      <p:sp>
-        <p:nvSpPr>
-          <p:cNvPr id="3" name="내용 개체 틀 2">
-            <a:extLst>
-              <a:ext uri="{FF2B5EF4-FFF2-40B4-BE49-F238E27FC236}">
-                <a16:creationId xmlns:a16="http://schemas.microsoft.com/office/drawing/2014/main" id="{F20E5E5F-5C29-4EAE-AD81-239E7EE58C28}"/>
-              </a:ext>
-            </a:extLst>
-          </p:cNvPr>
-          <p:cNvSpPr>
-            <a:spLocks noGrp="1"/>
-          </p:cNvSpPr>
-          <p:nvPr>
-            <p:ph idx="1"/>
-          </p:nvPr>
-        </p:nvSpPr>
-        <p:spPr/>
-        <p:txBody>
-          <a:bodyPr/>
-          <a:lstStyle/>
-          <a:p>
-            <a:pPr marL="0" indent="0">
-              <a:buNone/>
-            </a:pPr>
-            <a:r>
-              <a:rPr lang="ko-KR" altLang="en-US"/>
-              <a:t>네트워크 프로토콜 </a:t>
-            </a:r>
-            <a:r>
-              <a:rPr lang="ko-KR" altLang="en-US" err="1"/>
-              <a:t>퍼징은</a:t>
-            </a:r>
-            <a:r>
-              <a:rPr lang="ko-KR" altLang="en-US"/>
-              <a:t> 서버의 </a:t>
-            </a:r>
-            <a:r>
-              <a:rPr lang="ko-KR" altLang="en-US" err="1"/>
-              <a:t>데몬을</a:t>
-            </a:r>
-            <a:r>
-              <a:rPr lang="ko-KR" altLang="en-US"/>
-              <a:t> 대상으로 하여 조작된 패킷을 전송하는 행위</a:t>
-            </a:r>
-            <a:r>
-              <a:rPr lang="en-US" altLang="ko-KR"/>
-              <a:t>.</a:t>
-            </a:r>
-          </a:p>
-          <a:p>
-            <a:pPr marL="0" indent="0">
-              <a:buNone/>
-            </a:pPr>
-            <a:endParaRPr lang="en-US" altLang="ko-KR"/>
-          </a:p>
-          <a:p>
-            <a:pPr marL="0" indent="0">
-              <a:buNone/>
-            </a:pPr>
-            <a:r>
-              <a:rPr lang="ko-KR" altLang="en-US"/>
-              <a:t>네트워크 프로토콜 </a:t>
-            </a:r>
-            <a:r>
-              <a:rPr lang="ko-KR" altLang="en-US" err="1"/>
-              <a:t>퍼저는</a:t>
-            </a:r>
-            <a:r>
-              <a:rPr lang="ko-KR" altLang="en-US"/>
-              <a:t> 클라이언트의 입장에서 메시지를 조작하여 소켓을 통해 서버로 전송</a:t>
-            </a:r>
-          </a:p>
-        </p:txBody>
-      </p:sp>
-    </p:spTree>
-    <p:extLst>
-      <p:ext uri="{BB962C8B-B14F-4D97-AF65-F5344CB8AC3E}">
-        <p14:creationId xmlns:p14="http://schemas.microsoft.com/office/powerpoint/2010/main" val="1413314215"/>
-      </p:ext>
-    </p:extLst>
-  </p:cSld>
-  <p:clrMapOvr>
-    <a:masterClrMapping/>
-  </p:clrMapOvr>
-</p:sld>
-</file>
-
-<file path=ppt/slides/slide14.xml><?xml version="1.0" encoding="utf-8"?>
-<p:sld xmlns:a="http://schemas.openxmlformats.org/drawingml/2006/main" xmlns:r="http://schemas.openxmlformats.org/officeDocument/2006/relationships" xmlns:p="http://schemas.openxmlformats.org/presentationml/2006/main">
-  <p:cSld>
-    <p:spTree>
-      <p:nvGrpSpPr>
-        <p:cNvPr id="1" name=""/>
-        <p:cNvGrpSpPr/>
-        <p:nvPr/>
-      </p:nvGrpSpPr>
-      <p:grpSpPr>
-        <a:xfrm>
-          <a:off x="0" y="0"/>
-          <a:ext cx="0" cy="0"/>
-          <a:chOff x="0" y="0"/>
-          <a:chExt cx="0" cy="0"/>
-        </a:xfrm>
-      </p:grpSpPr>
-      <p:sp>
-        <p:nvSpPr>
-          <p:cNvPr id="2" name="제목 1">
-            <a:extLst>
-              <a:ext uri="{FF2B5EF4-FFF2-40B4-BE49-F238E27FC236}">
-                <a16:creationId xmlns:a16="http://schemas.microsoft.com/office/drawing/2014/main" id="{9C38FD61-C9F3-4BC7-8D5C-372A53F1A719}"/>
+                <a16:creationId xmlns:a16="http://schemas.microsoft.com/office/drawing/2014/main" xmlns="" id="{9C38FD61-C9F3-4BC7-8D5C-372A53F1A719}"/>
               </a:ext>
             </a:extLst>
           </p:cNvPr>
@@ -4344,160 +7115,7 @@
           <p:cNvPr id="3" name="내용 개체 틀 2">
             <a:extLst>
               <a:ext uri="{FF2B5EF4-FFF2-40B4-BE49-F238E27FC236}">
-                <a16:creationId xmlns:a16="http://schemas.microsoft.com/office/drawing/2014/main" id="{8B432828-F35C-4941-A2C0-EE7825FE5A02}"/>
-              </a:ext>
-            </a:extLst>
-          </p:cNvPr>
-          <p:cNvSpPr>
-            <a:spLocks noGrp="1"/>
-          </p:cNvSpPr>
-          <p:nvPr>
-            <p:ph idx="1"/>
-          </p:nvPr>
-        </p:nvSpPr>
-        <p:spPr/>
-        <p:txBody>
-          <a:bodyPr>
-            <a:normAutofit/>
-          </a:bodyPr>
-          <a:lstStyle/>
-          <a:p>
-            <a:pPr marL="0" indent="0" algn="ctr">
-              <a:buNone/>
-            </a:pPr>
-            <a:r>
-              <a:rPr lang="ko-KR" altLang="en-US" sz="5400"/>
-              <a:t>단순 </a:t>
-            </a:r>
-            <a:r>
-              <a:rPr lang="ko-KR" altLang="en-US" sz="5400" err="1"/>
-              <a:t>퍼징</a:t>
-            </a:r>
-            <a:r>
-              <a:rPr lang="en-US" altLang="ko-KR" sz="5400"/>
-              <a:t>(Simple fuzzing)</a:t>
-            </a:r>
-          </a:p>
-          <a:p>
-            <a:pPr marL="0" indent="0" algn="ctr">
-              <a:buNone/>
-            </a:pPr>
-            <a:endParaRPr lang="en-US" altLang="ko-KR" sz="5400"/>
-          </a:p>
-          <a:p>
-            <a:pPr marL="0" indent="0" algn="ctr">
-              <a:buNone/>
-            </a:pPr>
-            <a:r>
-              <a:rPr lang="ko-KR" altLang="en-US" sz="5400"/>
-              <a:t>스마트 </a:t>
-            </a:r>
-            <a:r>
-              <a:rPr lang="ko-KR" altLang="en-US" sz="5400" err="1"/>
-              <a:t>퍼징</a:t>
-            </a:r>
-            <a:r>
-              <a:rPr lang="en-US" altLang="ko-KR" sz="5400"/>
-              <a:t>(Smart Fuzzing)</a:t>
-            </a:r>
-          </a:p>
-          <a:p>
-            <a:pPr marL="0" indent="0" algn="ctr">
-              <a:buNone/>
-            </a:pPr>
-            <a:endParaRPr lang="en-US" altLang="ko-KR" sz="5400"/>
-          </a:p>
-          <a:p>
-            <a:pPr marL="0" indent="0" algn="ctr">
-              <a:buNone/>
-            </a:pPr>
-            <a:r>
-              <a:rPr lang="ko-KR" altLang="en-US" sz="5400" err="1"/>
-              <a:t>스테이트</a:t>
-            </a:r>
-            <a:r>
-              <a:rPr lang="ko-KR" altLang="en-US" sz="5400"/>
-              <a:t> </a:t>
-            </a:r>
-            <a:r>
-              <a:rPr lang="ko-KR" altLang="en-US" sz="5400" err="1"/>
-              <a:t>퍼징</a:t>
-            </a:r>
-            <a:r>
-              <a:rPr lang="en-US" altLang="ko-KR" sz="5400"/>
-              <a:t>(State Fuzzing)</a:t>
-            </a:r>
-          </a:p>
-        </p:txBody>
-      </p:sp>
-    </p:spTree>
-    <p:extLst>
-      <p:ext uri="{BB962C8B-B14F-4D97-AF65-F5344CB8AC3E}">
-        <p14:creationId xmlns:p14="http://schemas.microsoft.com/office/powerpoint/2010/main" val="4157859186"/>
-      </p:ext>
-    </p:extLst>
-  </p:cSld>
-  <p:clrMapOvr>
-    <a:masterClrMapping/>
-  </p:clrMapOvr>
-</p:sld>
-</file>
-
-<file path=ppt/slides/slide15.xml><?xml version="1.0" encoding="utf-8"?>
-<p:sld xmlns:a="http://schemas.openxmlformats.org/drawingml/2006/main" xmlns:r="http://schemas.openxmlformats.org/officeDocument/2006/relationships" xmlns:p="http://schemas.openxmlformats.org/presentationml/2006/main">
-  <p:cSld>
-    <p:spTree>
-      <p:nvGrpSpPr>
-        <p:cNvPr id="1" name=""/>
-        <p:cNvGrpSpPr/>
-        <p:nvPr/>
-      </p:nvGrpSpPr>
-      <p:grpSpPr>
-        <a:xfrm>
-          <a:off x="0" y="0"/>
-          <a:ext cx="0" cy="0"/>
-          <a:chOff x="0" y="0"/>
-          <a:chExt cx="0" cy="0"/>
-        </a:xfrm>
-      </p:grpSpPr>
-      <p:sp>
-        <p:nvSpPr>
-          <p:cNvPr id="2" name="제목 1">
-            <a:extLst>
-              <a:ext uri="{FF2B5EF4-FFF2-40B4-BE49-F238E27FC236}">
-                <a16:creationId xmlns:a16="http://schemas.microsoft.com/office/drawing/2014/main" id="{9C38FD61-C9F3-4BC7-8D5C-372A53F1A719}"/>
-              </a:ext>
-            </a:extLst>
-          </p:cNvPr>
-          <p:cNvSpPr>
-            <a:spLocks noGrp="1"/>
-          </p:cNvSpPr>
-          <p:nvPr>
-            <p:ph type="title"/>
-          </p:nvPr>
-        </p:nvSpPr>
-        <p:spPr/>
-        <p:txBody>
-          <a:bodyPr/>
-          <a:lstStyle/>
-          <a:p>
-            <a:r>
-              <a:rPr lang="ko-KR" altLang="en-US" err="1"/>
-              <a:t>퍼징의</a:t>
-            </a:r>
-            <a:r>
-              <a:rPr lang="ko-KR" altLang="en-US"/>
-              <a:t> 단계</a:t>
-            </a:r>
-          </a:p>
-        </p:txBody>
-      </p:sp>
-      <p:sp>
-        <p:nvSpPr>
-          <p:cNvPr id="3" name="내용 개체 틀 2">
-            <a:extLst>
-              <a:ext uri="{FF2B5EF4-FFF2-40B4-BE49-F238E27FC236}">
-                <a16:creationId xmlns:a16="http://schemas.microsoft.com/office/drawing/2014/main" id="{8B432828-F35C-4941-A2C0-EE7825FE5A02}"/>
+                <a16:creationId xmlns:a16="http://schemas.microsoft.com/office/drawing/2014/main" xmlns="" id="{8B432828-F35C-4941-A2C0-EE7825FE5A02}"/>
               </a:ext>
             </a:extLst>
           </p:cNvPr>
@@ -4559,141 +7177,12 @@
           </a:p>
         </p:txBody>
       </p:sp>
-    </p:spTree>
-    <p:extLst>
-      <p:ext uri="{BB962C8B-B14F-4D97-AF65-F5344CB8AC3E}">
-        <p14:creationId xmlns:p14="http://schemas.microsoft.com/office/powerpoint/2010/main" val="3791380876"/>
-      </p:ext>
-    </p:extLst>
-  </p:cSld>
-  <p:clrMapOvr>
-    <a:masterClrMapping/>
-  </p:clrMapOvr>
-</p:sld>
-</file>
-
-<file path=ppt/slides/slide16.xml><?xml version="1.0" encoding="utf-8"?>
-<p:sld xmlns:a="http://schemas.openxmlformats.org/drawingml/2006/main" xmlns:r="http://schemas.openxmlformats.org/officeDocument/2006/relationships" xmlns:p="http://schemas.openxmlformats.org/presentationml/2006/main">
-  <p:cSld>
-    <p:spTree>
-      <p:nvGrpSpPr>
-        <p:cNvPr id="1" name=""/>
-        <p:cNvGrpSpPr/>
-        <p:nvPr/>
-      </p:nvGrpSpPr>
-      <p:grpSpPr>
-        <a:xfrm>
-          <a:off x="0" y="0"/>
-          <a:ext cx="0" cy="0"/>
-          <a:chOff x="0" y="0"/>
-          <a:chExt cx="0" cy="0"/>
-        </a:xfrm>
-      </p:grpSpPr>
-      <p:sp>
-        <p:nvSpPr>
-          <p:cNvPr id="2" name="제목 1">
-            <a:extLst>
-              <a:ext uri="{FF2B5EF4-FFF2-40B4-BE49-F238E27FC236}">
-                <a16:creationId xmlns:a16="http://schemas.microsoft.com/office/drawing/2014/main" id="{9C38FD61-C9F3-4BC7-8D5C-372A53F1A719}"/>
-              </a:ext>
-            </a:extLst>
-          </p:cNvPr>
-          <p:cNvSpPr>
-            <a:spLocks noGrp="1"/>
-          </p:cNvSpPr>
-          <p:nvPr>
-            <p:ph type="title"/>
-          </p:nvPr>
-        </p:nvSpPr>
-        <p:spPr/>
-        <p:txBody>
-          <a:bodyPr/>
-          <a:lstStyle/>
-          <a:p>
-            <a:r>
-              <a:rPr lang="ko-KR" altLang="en-US" err="1"/>
-              <a:t>퍼징의</a:t>
-            </a:r>
-            <a:r>
-              <a:rPr lang="ko-KR" altLang="en-US"/>
-              <a:t> 단계</a:t>
-            </a:r>
-          </a:p>
-        </p:txBody>
-      </p:sp>
-      <p:sp>
-        <p:nvSpPr>
-          <p:cNvPr id="3" name="내용 개체 틀 2">
-            <a:extLst>
-              <a:ext uri="{FF2B5EF4-FFF2-40B4-BE49-F238E27FC236}">
-                <a16:creationId xmlns:a16="http://schemas.microsoft.com/office/drawing/2014/main" id="{8B432828-F35C-4941-A2C0-EE7825FE5A02}"/>
-              </a:ext>
-            </a:extLst>
-          </p:cNvPr>
-          <p:cNvSpPr>
-            <a:spLocks noGrp="1"/>
-          </p:cNvSpPr>
-          <p:nvPr>
-            <p:ph idx="1"/>
-          </p:nvPr>
-        </p:nvSpPr>
-        <p:spPr/>
-        <p:txBody>
-          <a:bodyPr>
-            <a:normAutofit/>
-          </a:bodyPr>
-          <a:lstStyle/>
-          <a:p>
-            <a:pPr marL="0" indent="0">
-              <a:buNone/>
-            </a:pPr>
-            <a:r>
-              <a:rPr lang="ko-KR" altLang="en-US" sz="3400"/>
-              <a:t>단순 </a:t>
-            </a:r>
-            <a:r>
-              <a:rPr lang="ko-KR" altLang="en-US" sz="3400" err="1"/>
-              <a:t>퍼징</a:t>
-            </a:r>
-            <a:r>
-              <a:rPr lang="en-US" altLang="ko-KR" sz="3400"/>
-              <a:t>(Simple fuzzing) : </a:t>
-            </a:r>
-          </a:p>
-          <a:p>
-            <a:pPr marL="0" indent="0">
-              <a:buNone/>
-            </a:pPr>
-            <a:r>
-              <a:rPr lang="en-US" altLang="ko-KR" sz="3400"/>
-              <a:t>		</a:t>
-            </a:r>
-            <a:r>
-              <a:rPr lang="ko-KR" altLang="en-US" sz="3400"/>
-              <a:t>일부 바이트 랜덤화 적용</a:t>
-            </a:r>
-            <a:endParaRPr lang="en-US" altLang="ko-KR" sz="3400"/>
-          </a:p>
-          <a:p>
-            <a:pPr marL="0" indent="0">
-              <a:buNone/>
-            </a:pPr>
-            <a:endParaRPr lang="en-US" altLang="ko-KR" sz="3400"/>
-          </a:p>
-          <a:p>
-            <a:pPr marL="0" indent="0">
-              <a:buNone/>
-            </a:pPr>
-            <a:endParaRPr lang="en-US" altLang="ko-KR" sz="3400"/>
-          </a:p>
-        </p:txBody>
-      </p:sp>
       <p:sp>
         <p:nvSpPr>
           <p:cNvPr id="4" name="직사각형 3">
             <a:extLst>
               <a:ext uri="{FF2B5EF4-FFF2-40B4-BE49-F238E27FC236}">
-                <a16:creationId xmlns:a16="http://schemas.microsoft.com/office/drawing/2014/main" id="{AE00F471-D62D-40AA-BFD2-D901D22BF746}"/>
+                <a16:creationId xmlns:a16="http://schemas.microsoft.com/office/drawing/2014/main" xmlns="" id="{AE00F471-D62D-40AA-BFD2-D901D22BF746}"/>
               </a:ext>
             </a:extLst>
           </p:cNvPr>
@@ -4762,7 +7251,7 @@
           <p:cNvPr id="10" name="원호 9">
             <a:extLst>
               <a:ext uri="{FF2B5EF4-FFF2-40B4-BE49-F238E27FC236}">
-                <a16:creationId xmlns:a16="http://schemas.microsoft.com/office/drawing/2014/main" id="{2F4F5F6D-ED0D-42DF-A7EC-69E00FA50206}"/>
+                <a16:creationId xmlns:a16="http://schemas.microsoft.com/office/drawing/2014/main" xmlns="" id="{2F4F5F6D-ED0D-42DF-A7EC-69E00FA50206}"/>
               </a:ext>
             </a:extLst>
           </p:cNvPr>
@@ -4819,7 +7308,7 @@
           <p:cNvPr id="11" name="TextBox 10">
             <a:extLst>
               <a:ext uri="{FF2B5EF4-FFF2-40B4-BE49-F238E27FC236}">
-                <a16:creationId xmlns:a16="http://schemas.microsoft.com/office/drawing/2014/main" id="{84163403-B6C6-4112-8871-71D9780E3C4D}"/>
+                <a16:creationId xmlns:a16="http://schemas.microsoft.com/office/drawing/2014/main" xmlns="" id="{84163403-B6C6-4112-8871-71D9780E3C4D}"/>
               </a:ext>
             </a:extLst>
           </p:cNvPr>
@@ -4863,7 +7352,7 @@
 </p:sld>
 </file>
 
-<file path=ppt/slides/slide17.xml><?xml version="1.0" encoding="utf-8"?>
+<file path=ppt/slides/slide12.xml><?xml version="1.0" encoding="utf-8"?>
 <p:sld xmlns:a="http://schemas.openxmlformats.org/drawingml/2006/main" xmlns:r="http://schemas.openxmlformats.org/officeDocument/2006/relationships" xmlns:p="http://schemas.openxmlformats.org/presentationml/2006/main">
   <p:cSld>
     <p:spTree>
@@ -4885,7 +7374,7 @@
           <p:cNvPr id="2" name="제목 1">
             <a:extLst>
               <a:ext uri="{FF2B5EF4-FFF2-40B4-BE49-F238E27FC236}">
-                <a16:creationId xmlns:a16="http://schemas.microsoft.com/office/drawing/2014/main" id="{9C38FD61-C9F3-4BC7-8D5C-372A53F1A719}"/>
+                <a16:creationId xmlns:a16="http://schemas.microsoft.com/office/drawing/2014/main" xmlns="" id="{9C38FD61-C9F3-4BC7-8D5C-372A53F1A719}"/>
               </a:ext>
             </a:extLst>
           </p:cNvPr>
@@ -4917,7 +7406,7 @@
           <p:cNvPr id="3" name="내용 개체 틀 2">
             <a:extLst>
               <a:ext uri="{FF2B5EF4-FFF2-40B4-BE49-F238E27FC236}">
-                <a16:creationId xmlns:a16="http://schemas.microsoft.com/office/drawing/2014/main" id="{8B432828-F35C-4941-A2C0-EE7825FE5A02}"/>
+                <a16:creationId xmlns:a16="http://schemas.microsoft.com/office/drawing/2014/main" xmlns="" id="{8B432828-F35C-4941-A2C0-EE7825FE5A02}"/>
               </a:ext>
             </a:extLst>
           </p:cNvPr>
@@ -4939,23 +7428,23 @@
               <a:buNone/>
             </a:pPr>
             <a:r>
-              <a:rPr lang="ko-KR" altLang="en-US" sz="3400"/>
+              <a:rPr lang="ko-KR" altLang="en-US" sz="3400" dirty="0"/>
               <a:t>스마트 </a:t>
             </a:r>
             <a:r>
-              <a:rPr lang="ko-KR" altLang="en-US" sz="3400" err="1"/>
+              <a:rPr lang="ko-KR" altLang="en-US" sz="3400" dirty="0" err="1"/>
               <a:t>퍼징</a:t>
             </a:r>
             <a:r>
-              <a:rPr lang="en-US" altLang="ko-KR" sz="3400"/>
+              <a:rPr lang="en-US" altLang="ko-KR" sz="3400" dirty="0"/>
               <a:t>(Smart Fuzzing)</a:t>
             </a:r>
             <a:r>
-              <a:rPr lang="ko-KR" altLang="en-US" sz="3400"/>
+              <a:rPr lang="ko-KR" altLang="en-US" sz="3400" dirty="0"/>
               <a:t> </a:t>
             </a:r>
             <a:r>
-              <a:rPr lang="en-US" altLang="ko-KR" sz="3400"/>
+              <a:rPr lang="en-US" altLang="ko-KR" sz="3400" dirty="0"/>
               <a:t>: </a:t>
             </a:r>
           </a:p>
@@ -4964,22 +7453,34 @@
               <a:buNone/>
             </a:pPr>
             <a:r>
-              <a:rPr lang="en-US" altLang="ko-KR" sz="3400"/>
+              <a:rPr lang="en-US" altLang="ko-KR" sz="3400" dirty="0"/>
               <a:t>	     </a:t>
             </a:r>
             <a:r>
-              <a:rPr lang="ko-KR" altLang="en-US" sz="3400"/>
+              <a:rPr lang="ko-KR" altLang="en-US" sz="3400" dirty="0"/>
               <a:t>프로토콜</a:t>
             </a:r>
             <a:r>
-              <a:rPr lang="en-US" altLang="ko-KR" sz="3400"/>
+              <a:rPr lang="en-US" altLang="ko-KR" sz="3400" dirty="0"/>
               <a:t>, </a:t>
             </a:r>
             <a:r>
-              <a:rPr lang="ko-KR" altLang="en-US" sz="3400"/>
-              <a:t>파일의 필드에 맞춰서 랜덤화 적용</a:t>
-            </a:r>
-            <a:endParaRPr lang="en-US" altLang="ko-KR" sz="3400"/>
+              <a:rPr lang="ko-KR" altLang="en-US" sz="3400" dirty="0"/>
+              <a:t>파일의 </a:t>
+            </a:r>
+            <a:r>
+              <a:rPr lang="ko-KR" altLang="en-US" sz="3400" dirty="0" smtClean="0"/>
+              <a:t>포맷</a:t>
+            </a:r>
+            <a:r>
+              <a:rPr lang="ko-KR" altLang="en-US" sz="3400" dirty="0" smtClean="0"/>
+              <a:t>에 </a:t>
+            </a:r>
+            <a:r>
+              <a:rPr lang="ko-KR" altLang="en-US" sz="3400" dirty="0"/>
+              <a:t>맞춰서 랜덤화 적용</a:t>
+            </a:r>
+            <a:endParaRPr lang="en-US" altLang="ko-KR" sz="3400" dirty="0"/>
           </a:p>
         </p:txBody>
       </p:sp>
@@ -4996,7 +7497,7 @@
 </p:sld>
 </file>
 
-<file path=ppt/slides/slide18.xml><?xml version="1.0" encoding="utf-8"?>
+<file path=ppt/slides/slide13.xml><?xml version="1.0" encoding="utf-8"?>
 <p:sld xmlns:a="http://schemas.openxmlformats.org/drawingml/2006/main" xmlns:r="http://schemas.openxmlformats.org/officeDocument/2006/relationships" xmlns:p="http://schemas.openxmlformats.org/presentationml/2006/main">
   <p:cSld>
     <p:spTree>
@@ -5018,7 +7519,7 @@
           <p:cNvPr id="2" name="제목 1">
             <a:extLst>
               <a:ext uri="{FF2B5EF4-FFF2-40B4-BE49-F238E27FC236}">
-                <a16:creationId xmlns:a16="http://schemas.microsoft.com/office/drawing/2014/main" id="{8D4B3E3A-2050-4316-A47A-3107645DF0A3}"/>
+                <a16:creationId xmlns:a16="http://schemas.microsoft.com/office/drawing/2014/main" xmlns="" id="{8D4B3E3A-2050-4316-A47A-3107645DF0A3}"/>
               </a:ext>
             </a:extLst>
           </p:cNvPr>
@@ -5055,7 +7556,7 @@
           <p:cNvPr id="4" name="그림 3">
             <a:extLst>
               <a:ext uri="{FF2B5EF4-FFF2-40B4-BE49-F238E27FC236}">
-                <a16:creationId xmlns:a16="http://schemas.microsoft.com/office/drawing/2014/main" id="{AFA031F7-2D63-4A5C-9498-0D1032675762}"/>
+                <a16:creationId xmlns:a16="http://schemas.microsoft.com/office/drawing/2014/main" xmlns="" id="{AFA031F7-2D63-4A5C-9498-0D1032675762}"/>
               </a:ext>
             </a:extLst>
           </p:cNvPr>
@@ -5065,7 +7566,7 @@
           <p:nvPr/>
         </p:nvPicPr>
         <p:blipFill>
-          <a:blip r:embed="rId2"/>
+          <a:blip r:embed="rId3"/>
           <a:stretch>
             <a:fillRect/>
           </a:stretch>
@@ -5093,7 +7594,7 @@
 </p:sld>
 </file>
 
-<file path=ppt/slides/slide19.xml><?xml version="1.0" encoding="utf-8"?>
+<file path=ppt/slides/slide14.xml><?xml version="1.0" encoding="utf-8"?>
 <p:sld xmlns:a="http://schemas.openxmlformats.org/drawingml/2006/main" xmlns:r="http://schemas.openxmlformats.org/officeDocument/2006/relationships" xmlns:p="http://schemas.openxmlformats.org/presentationml/2006/main">
   <p:cSld>
     <p:spTree>
@@ -5115,7 +7616,7 @@
           <p:cNvPr id="2" name="제목 1">
             <a:extLst>
               <a:ext uri="{FF2B5EF4-FFF2-40B4-BE49-F238E27FC236}">
-                <a16:creationId xmlns:a16="http://schemas.microsoft.com/office/drawing/2014/main" id="{8D4B3E3A-2050-4316-A47A-3107645DF0A3}"/>
+                <a16:creationId xmlns:a16="http://schemas.microsoft.com/office/drawing/2014/main" xmlns="" id="{8D4B3E3A-2050-4316-A47A-3107645DF0A3}"/>
               </a:ext>
             </a:extLst>
           </p:cNvPr>
@@ -5152,7 +7653,7 @@
           <p:cNvPr id="10242" name="Picture 2" descr="avi 파일 포맷에 대한 이미지 검색결과">
             <a:extLst>
               <a:ext uri="{FF2B5EF4-FFF2-40B4-BE49-F238E27FC236}">
-                <a16:creationId xmlns:a16="http://schemas.microsoft.com/office/drawing/2014/main" id="{ADA0B5D8-9F96-42D9-BF8B-E51883CA72F5}"/>
+                <a16:creationId xmlns:a16="http://schemas.microsoft.com/office/drawing/2014/main" xmlns="" id="{ADA0B5D8-9F96-42D9-BF8B-E51883CA72F5}"/>
               </a:ext>
             </a:extLst>
           </p:cNvPr>
@@ -5162,7 +7663,7 @@
           <p:nvPr/>
         </p:nvPicPr>
         <p:blipFill>
-          <a:blip r:embed="rId2">
+          <a:blip r:embed="rId3">
             <a:extLst>
               <a:ext uri="{28A0092B-C50C-407E-A947-70E740481C1C}">
                 <a14:useLocalDpi xmlns:a14="http://schemas.microsoft.com/office/drawing/2010/main" val="0"/>
@@ -5207,7 +7708,7 @@
 </p:sld>
 </file>
 
-<file path=ppt/slides/slide2.xml><?xml version="1.0" encoding="utf-8"?>
+<file path=ppt/slides/slide15.xml><?xml version="1.0" encoding="utf-8"?>
 <p:sld xmlns:a="http://schemas.openxmlformats.org/drawingml/2006/main" xmlns:r="http://schemas.openxmlformats.org/officeDocument/2006/relationships" xmlns:p="http://schemas.openxmlformats.org/presentationml/2006/main">
   <p:cSld>
     <p:spTree>
@@ -5229,151 +7730,7 @@
           <p:cNvPr id="2" name="제목 1">
             <a:extLst>
               <a:ext uri="{FF2B5EF4-FFF2-40B4-BE49-F238E27FC236}">
-                <a16:creationId xmlns:a16="http://schemas.microsoft.com/office/drawing/2014/main" id="{A677179C-0B7F-4576-82E1-4F9874E66954}"/>
-              </a:ext>
-            </a:extLst>
-          </p:cNvPr>
-          <p:cNvSpPr>
-            <a:spLocks noGrp="1"/>
-          </p:cNvSpPr>
-          <p:nvPr>
-            <p:ph type="title"/>
-          </p:nvPr>
-        </p:nvSpPr>
-        <p:spPr/>
-        <p:txBody>
-          <a:bodyPr/>
-          <a:lstStyle/>
-          <a:p>
-            <a:r>
-              <a:rPr lang="ko-KR" altLang="en-US"/>
-              <a:t>개발 환경</a:t>
-            </a:r>
-          </a:p>
-        </p:txBody>
-      </p:sp>
-      <p:sp>
-        <p:nvSpPr>
-          <p:cNvPr id="3" name="내용 개체 틀 2">
-            <a:extLst>
-              <a:ext uri="{FF2B5EF4-FFF2-40B4-BE49-F238E27FC236}">
-                <a16:creationId xmlns:a16="http://schemas.microsoft.com/office/drawing/2014/main" id="{A4BC5E27-FB89-48B5-AFD9-B8738B883D2A}"/>
-              </a:ext>
-            </a:extLst>
-          </p:cNvPr>
-          <p:cNvSpPr>
-            <a:spLocks noGrp="1"/>
-          </p:cNvSpPr>
-          <p:nvPr>
-            <p:ph idx="1"/>
-          </p:nvPr>
-        </p:nvSpPr>
-        <p:spPr/>
-        <p:txBody>
-          <a:bodyPr/>
-          <a:lstStyle/>
-          <a:p>
-            <a:pPr marL="0" indent="0">
-              <a:buNone/>
-            </a:pPr>
-            <a:r>
-              <a:rPr lang="en-US" altLang="ko-KR" dirty="0"/>
-              <a:t>OS : Ubuntu 16.04</a:t>
-            </a:r>
-          </a:p>
-          <a:p>
-            <a:pPr marL="0" indent="0">
-              <a:buNone/>
-            </a:pPr>
-            <a:r>
-              <a:rPr lang="en-US" altLang="ko-KR" dirty="0"/>
-              <a:t>Tool</a:t>
-            </a:r>
-            <a:r>
-              <a:rPr lang="ko-KR" altLang="en-US" dirty="0"/>
-              <a:t> </a:t>
-            </a:r>
-            <a:r>
-              <a:rPr lang="en-US" altLang="ko-KR" dirty="0"/>
-              <a:t>: </a:t>
-            </a:r>
-            <a:r>
-              <a:rPr lang="en-US" altLang="ko-KR" dirty="0" err="1"/>
-              <a:t>Scapy</a:t>
-            </a:r>
-            <a:r>
-              <a:rPr lang="en-US" altLang="ko-KR" dirty="0"/>
-              <a:t>(python)</a:t>
-            </a:r>
-          </a:p>
-          <a:p>
-            <a:pPr marL="0" indent="0">
-              <a:buNone/>
-            </a:pPr>
-            <a:r>
-              <a:rPr lang="en-US" altLang="ko-KR" dirty="0"/>
-              <a:t>AP : N104Black</a:t>
-            </a:r>
-          </a:p>
-          <a:p>
-            <a:pPr marL="0" indent="0">
-              <a:buNone/>
-            </a:pPr>
-            <a:r>
-              <a:rPr lang="en-US" altLang="ko-KR" dirty="0"/>
-              <a:t>LAN Card : N150UA-4dBi</a:t>
-            </a:r>
-          </a:p>
-          <a:p>
-            <a:pPr marL="0" indent="0">
-              <a:buNone/>
-            </a:pPr>
-            <a:endParaRPr lang="en-US" altLang="ko-KR" dirty="0"/>
-          </a:p>
-          <a:p>
-            <a:pPr marL="0" indent="0">
-              <a:buNone/>
-            </a:pPr>
-            <a:endParaRPr lang="ko-KR" altLang="en-US" dirty="0"/>
-          </a:p>
-        </p:txBody>
-      </p:sp>
-    </p:spTree>
-    <p:extLst>
-      <p:ext uri="{BB962C8B-B14F-4D97-AF65-F5344CB8AC3E}">
-        <p14:creationId xmlns:p14="http://schemas.microsoft.com/office/powerpoint/2010/main" val="2999126263"/>
-      </p:ext>
-    </p:extLst>
-  </p:cSld>
-  <p:clrMapOvr>
-    <a:masterClrMapping/>
-  </p:clrMapOvr>
-</p:sld>
-</file>
-
-<file path=ppt/slides/slide20.xml><?xml version="1.0" encoding="utf-8"?>
-<p:sld xmlns:a="http://schemas.openxmlformats.org/drawingml/2006/main" xmlns:r="http://schemas.openxmlformats.org/officeDocument/2006/relationships" xmlns:p="http://schemas.openxmlformats.org/presentationml/2006/main">
-  <p:cSld>
-    <p:spTree>
-      <p:nvGrpSpPr>
-        <p:cNvPr id="1" name=""/>
-        <p:cNvGrpSpPr/>
-        <p:nvPr/>
-      </p:nvGrpSpPr>
-      <p:grpSpPr>
-        <a:xfrm>
-          <a:off x="0" y="0"/>
-          <a:ext cx="0" cy="0"/>
-          <a:chOff x="0" y="0"/>
-          <a:chExt cx="0" cy="0"/>
-        </a:xfrm>
-      </p:grpSpPr>
-      <p:sp>
-        <p:nvSpPr>
-          <p:cNvPr id="2" name="제목 1">
-            <a:extLst>
-              <a:ext uri="{FF2B5EF4-FFF2-40B4-BE49-F238E27FC236}">
-                <a16:creationId xmlns:a16="http://schemas.microsoft.com/office/drawing/2014/main" id="{9C38FD61-C9F3-4BC7-8D5C-372A53F1A719}"/>
+                <a16:creationId xmlns:a16="http://schemas.microsoft.com/office/drawing/2014/main" xmlns="" id="{9C38FD61-C9F3-4BC7-8D5C-372A53F1A719}"/>
               </a:ext>
             </a:extLst>
           </p:cNvPr>
@@ -5405,7 +7762,7 @@
           <p:cNvPr id="5122" name="Picture 2" descr="ip패킷 구조에 대한 이미지 검색결과">
             <a:extLst>
               <a:ext uri="{FF2B5EF4-FFF2-40B4-BE49-F238E27FC236}">
-                <a16:creationId xmlns:a16="http://schemas.microsoft.com/office/drawing/2014/main" id="{ACD14DAF-A518-479B-A3E3-C93AE46DFD4A}"/>
+                <a16:creationId xmlns:a16="http://schemas.microsoft.com/office/drawing/2014/main" xmlns="" id="{ACD14DAF-A518-479B-A3E3-C93AE46DFD4A}"/>
               </a:ext>
             </a:extLst>
           </p:cNvPr>
@@ -5417,7 +7774,7 @@
           </p:nvPr>
         </p:nvPicPr>
         <p:blipFill>
-          <a:blip r:embed="rId2">
+          <a:blip r:embed="rId3">
             <a:extLst>
               <a:ext uri="{28A0092B-C50C-407E-A947-70E740481C1C}">
                 <a14:useLocalDpi xmlns:a14="http://schemas.microsoft.com/office/drawing/2010/main" val="0"/>
@@ -5462,7 +7819,7 @@
 </p:sld>
 </file>
 
-<file path=ppt/slides/slide21.xml><?xml version="1.0" encoding="utf-8"?>
+<file path=ppt/slides/slide16.xml><?xml version="1.0" encoding="utf-8"?>
 <p:sld xmlns:a="http://schemas.openxmlformats.org/drawingml/2006/main" xmlns:r="http://schemas.openxmlformats.org/officeDocument/2006/relationships" xmlns:p="http://schemas.openxmlformats.org/presentationml/2006/main">
   <p:cSld>
     <p:spTree>
@@ -5484,7 +7841,7 @@
           <p:cNvPr id="2" name="제목 1">
             <a:extLst>
               <a:ext uri="{FF2B5EF4-FFF2-40B4-BE49-F238E27FC236}">
-                <a16:creationId xmlns:a16="http://schemas.microsoft.com/office/drawing/2014/main" id="{9C38FD61-C9F3-4BC7-8D5C-372A53F1A719}"/>
+                <a16:creationId xmlns:a16="http://schemas.microsoft.com/office/drawing/2014/main" xmlns="" id="{9C38FD61-C9F3-4BC7-8D5C-372A53F1A719}"/>
               </a:ext>
             </a:extLst>
           </p:cNvPr>
@@ -5516,7 +7873,7 @@
           <p:cNvPr id="5122" name="Picture 2" descr="ip패킷 구조에 대한 이미지 검색결과">
             <a:extLst>
               <a:ext uri="{FF2B5EF4-FFF2-40B4-BE49-F238E27FC236}">
-                <a16:creationId xmlns:a16="http://schemas.microsoft.com/office/drawing/2014/main" id="{ACD14DAF-A518-479B-A3E3-C93AE46DFD4A}"/>
+                <a16:creationId xmlns:a16="http://schemas.microsoft.com/office/drawing/2014/main" xmlns="" id="{ACD14DAF-A518-479B-A3E3-C93AE46DFD4A}"/>
               </a:ext>
             </a:extLst>
           </p:cNvPr>
@@ -5528,7 +7885,7 @@
           </p:nvPr>
         </p:nvPicPr>
         <p:blipFill>
-          <a:blip r:embed="rId2">
+          <a:blip r:embed="rId3">
             <a:extLst>
               <a:ext uri="{28A0092B-C50C-407E-A947-70E740481C1C}">
                 <a14:useLocalDpi xmlns:a14="http://schemas.microsoft.com/office/drawing/2010/main" val="0"/>
@@ -5565,7 +7922,7 @@
           <p:cNvPr id="4" name="타원 3">
             <a:extLst>
               <a:ext uri="{FF2B5EF4-FFF2-40B4-BE49-F238E27FC236}">
-                <a16:creationId xmlns:a16="http://schemas.microsoft.com/office/drawing/2014/main" id="{3EDAD173-504F-4683-863E-23895E0E5CF6}"/>
+                <a16:creationId xmlns:a16="http://schemas.microsoft.com/office/drawing/2014/main" xmlns="" id="{3EDAD173-504F-4683-863E-23895E0E5CF6}"/>
               </a:ext>
             </a:extLst>
           </p:cNvPr>
@@ -5626,7 +7983,7 @@
 </p:sld>
 </file>
 
-<file path=ppt/slides/slide22.xml><?xml version="1.0" encoding="utf-8"?>
+<file path=ppt/slides/slide17.xml><?xml version="1.0" encoding="utf-8"?>
 <p:sld xmlns:a="http://schemas.openxmlformats.org/drawingml/2006/main" xmlns:r="http://schemas.openxmlformats.org/officeDocument/2006/relationships" xmlns:p="http://schemas.openxmlformats.org/presentationml/2006/main">
   <p:cSld>
     <p:spTree>
@@ -5648,7 +8005,7 @@
           <p:cNvPr id="2" name="제목 1">
             <a:extLst>
               <a:ext uri="{FF2B5EF4-FFF2-40B4-BE49-F238E27FC236}">
-                <a16:creationId xmlns:a16="http://schemas.microsoft.com/office/drawing/2014/main" id="{9C38FD61-C9F3-4BC7-8D5C-372A53F1A719}"/>
+                <a16:creationId xmlns:a16="http://schemas.microsoft.com/office/drawing/2014/main" xmlns="" id="{9C38FD61-C9F3-4BC7-8D5C-372A53F1A719}"/>
               </a:ext>
             </a:extLst>
           </p:cNvPr>
@@ -5680,7 +8037,7 @@
           <p:cNvPr id="5122" name="Picture 2" descr="ip패킷 구조에 대한 이미지 검색결과">
             <a:extLst>
               <a:ext uri="{FF2B5EF4-FFF2-40B4-BE49-F238E27FC236}">
-                <a16:creationId xmlns:a16="http://schemas.microsoft.com/office/drawing/2014/main" id="{ACD14DAF-A518-479B-A3E3-C93AE46DFD4A}"/>
+                <a16:creationId xmlns:a16="http://schemas.microsoft.com/office/drawing/2014/main" xmlns="" id="{ACD14DAF-A518-479B-A3E3-C93AE46DFD4A}"/>
               </a:ext>
             </a:extLst>
           </p:cNvPr>
@@ -5692,7 +8049,7 @@
           </p:nvPr>
         </p:nvPicPr>
         <p:blipFill>
-          <a:blip r:embed="rId2">
+          <a:blip r:embed="rId3">
             <a:extLst>
               <a:ext uri="{28A0092B-C50C-407E-A947-70E740481C1C}">
                 <a14:useLocalDpi xmlns:a14="http://schemas.microsoft.com/office/drawing/2010/main" val="0"/>
@@ -5729,7 +8086,7 @@
           <p:cNvPr id="4" name="타원 3">
             <a:extLst>
               <a:ext uri="{FF2B5EF4-FFF2-40B4-BE49-F238E27FC236}">
-                <a16:creationId xmlns:a16="http://schemas.microsoft.com/office/drawing/2014/main" id="{3EDAD173-504F-4683-863E-23895E0E5CF6}"/>
+                <a16:creationId xmlns:a16="http://schemas.microsoft.com/office/drawing/2014/main" xmlns="" id="{3EDAD173-504F-4683-863E-23895E0E5CF6}"/>
               </a:ext>
             </a:extLst>
           </p:cNvPr>
@@ -5782,7 +8139,7 @@
           <p:cNvPr id="5" name="타원 4">
             <a:extLst>
               <a:ext uri="{FF2B5EF4-FFF2-40B4-BE49-F238E27FC236}">
-                <a16:creationId xmlns:a16="http://schemas.microsoft.com/office/drawing/2014/main" id="{F984FDC1-F030-47C7-8965-AE340C7A42A1}"/>
+                <a16:creationId xmlns:a16="http://schemas.microsoft.com/office/drawing/2014/main" xmlns="" id="{F984FDC1-F030-47C7-8965-AE340C7A42A1}"/>
               </a:ext>
             </a:extLst>
           </p:cNvPr>
@@ -5847,7 +8204,7 @@
 </p:sld>
 </file>
 
-<file path=ppt/slides/slide23.xml><?xml version="1.0" encoding="utf-8"?>
+<file path=ppt/slides/slide18.xml><?xml version="1.0" encoding="utf-8"?>
 <p:sld xmlns:a="http://schemas.openxmlformats.org/drawingml/2006/main" xmlns:r="http://schemas.openxmlformats.org/officeDocument/2006/relationships" xmlns:p="http://schemas.openxmlformats.org/presentationml/2006/main">
   <p:cSld>
     <p:spTree>
@@ -5869,7 +8226,7 @@
           <p:cNvPr id="2" name="제목 1">
             <a:extLst>
               <a:ext uri="{FF2B5EF4-FFF2-40B4-BE49-F238E27FC236}">
-                <a16:creationId xmlns:a16="http://schemas.microsoft.com/office/drawing/2014/main" id="{9C38FD61-C9F3-4BC7-8D5C-372A53F1A719}"/>
+                <a16:creationId xmlns:a16="http://schemas.microsoft.com/office/drawing/2014/main" xmlns="" id="{9C38FD61-C9F3-4BC7-8D5C-372A53F1A719}"/>
               </a:ext>
             </a:extLst>
           </p:cNvPr>
@@ -5901,7 +8258,7 @@
           <p:cNvPr id="3" name="내용 개체 틀 2">
             <a:extLst>
               <a:ext uri="{FF2B5EF4-FFF2-40B4-BE49-F238E27FC236}">
-                <a16:creationId xmlns:a16="http://schemas.microsoft.com/office/drawing/2014/main" id="{8B432828-F35C-4941-A2C0-EE7825FE5A02}"/>
+                <a16:creationId xmlns:a16="http://schemas.microsoft.com/office/drawing/2014/main" xmlns="" id="{8B432828-F35C-4941-A2C0-EE7825FE5A02}"/>
               </a:ext>
             </a:extLst>
           </p:cNvPr>
@@ -5983,7 +8340,7 @@
 </p:sld>
 </file>
 
-<file path=ppt/slides/slide24.xml><?xml version="1.0" encoding="utf-8"?>
+<file path=ppt/slides/slide19.xml><?xml version="1.0" encoding="utf-8"?>
 <p:sld xmlns:a="http://schemas.openxmlformats.org/drawingml/2006/main" xmlns:r="http://schemas.openxmlformats.org/officeDocument/2006/relationships" xmlns:p="http://schemas.openxmlformats.org/presentationml/2006/main">
   <p:cSld>
     <p:spTree>
@@ -6005,7 +8362,7 @@
           <p:cNvPr id="7172" name="Picture 4" descr="3 handshake에 대한 이미지 검색결과">
             <a:extLst>
               <a:ext uri="{FF2B5EF4-FFF2-40B4-BE49-F238E27FC236}">
-                <a16:creationId xmlns:a16="http://schemas.microsoft.com/office/drawing/2014/main" id="{BA69A542-441B-481A-894E-A4A77D570930}"/>
+                <a16:creationId xmlns:a16="http://schemas.microsoft.com/office/drawing/2014/main" xmlns="" id="{BA69A542-441B-481A-894E-A4A77D570930}"/>
               </a:ext>
             </a:extLst>
           </p:cNvPr>
@@ -6015,7 +8372,7 @@
           <p:nvPr/>
         </p:nvPicPr>
         <p:blipFill>
-          <a:blip r:embed="rId2">
+          <a:blip r:embed="rId3">
             <a:extLst>
               <a:ext uri="{28A0092B-C50C-407E-A947-70E740481C1C}">
                 <a14:useLocalDpi xmlns:a14="http://schemas.microsoft.com/office/drawing/2010/main" val="0"/>
@@ -6060,7 +8417,74 @@
 </p:sld>
 </file>
 
-<file path=ppt/slides/slide25.xml><?xml version="1.0" encoding="utf-8"?>
+<file path=ppt/slides/slide2.xml><?xml version="1.0" encoding="utf-8"?>
+<p:sld xmlns:a="http://schemas.openxmlformats.org/drawingml/2006/main" xmlns:r="http://schemas.openxmlformats.org/officeDocument/2006/relationships" xmlns:p="http://schemas.openxmlformats.org/presentationml/2006/main">
+  <p:cSld>
+    <p:spTree>
+      <p:nvGrpSpPr>
+        <p:cNvPr id="1" name=""/>
+        <p:cNvGrpSpPr/>
+        <p:nvPr/>
+      </p:nvGrpSpPr>
+      <p:grpSpPr>
+        <a:xfrm>
+          <a:off x="0" y="0"/>
+          <a:ext cx="0" cy="0"/>
+          <a:chOff x="0" y="0"/>
+          <a:chExt cx="0" cy="0"/>
+        </a:xfrm>
+      </p:grpSpPr>
+      <p:sp>
+        <p:nvSpPr>
+          <p:cNvPr id="2" name="제목 1">
+            <a:extLst>
+              <a:ext uri="{FF2B5EF4-FFF2-40B4-BE49-F238E27FC236}">
+                <a16:creationId xmlns:a16="http://schemas.microsoft.com/office/drawing/2014/main" xmlns="" id="{19FB6114-AD56-470B-894B-16435A3FC01E}"/>
+              </a:ext>
+            </a:extLst>
+          </p:cNvPr>
+          <p:cNvSpPr>
+            <a:spLocks noGrp="1"/>
+          </p:cNvSpPr>
+          <p:nvPr>
+            <p:ph type="title"/>
+          </p:nvPr>
+        </p:nvSpPr>
+        <p:spPr>
+          <a:xfrm>
+            <a:off x="838200" y="2766220"/>
+            <a:ext cx="10515600" cy="1325563"/>
+          </a:xfrm>
+        </p:spPr>
+        <p:txBody>
+          <a:bodyPr>
+            <a:noAutofit/>
+          </a:bodyPr>
+          <a:lstStyle/>
+          <a:p>
+            <a:pPr algn="ctr"/>
+            <a:r>
+              <a:rPr lang="en-US" altLang="ko-KR" sz="9600"/>
+              <a:t>Fuzzing</a:t>
+            </a:r>
+            <a:endParaRPr lang="ko-KR" altLang="en-US" sz="9600"/>
+          </a:p>
+        </p:txBody>
+      </p:sp>
+    </p:spTree>
+    <p:extLst>
+      <p:ext uri="{BB962C8B-B14F-4D97-AF65-F5344CB8AC3E}">
+        <p14:creationId xmlns:p14="http://schemas.microsoft.com/office/powerpoint/2010/main" val="1095210043"/>
+      </p:ext>
+    </p:extLst>
+  </p:cSld>
+  <p:clrMapOvr>
+    <a:masterClrMapping/>
+  </p:clrMapOvr>
+</p:sld>
+</file>
+
+<file path=ppt/slides/slide20.xml><?xml version="1.0" encoding="utf-8"?>
 <p:sld xmlns:a="http://schemas.openxmlformats.org/drawingml/2006/main" xmlns:r="http://schemas.openxmlformats.org/officeDocument/2006/relationships" xmlns:p="http://schemas.openxmlformats.org/presentationml/2006/main">
   <p:cSld>
     <p:spTree>
@@ -6082,7 +8506,7 @@
           <p:cNvPr id="7172" name="Picture 4" descr="3 handshake에 대한 이미지 검색결과">
             <a:extLst>
               <a:ext uri="{FF2B5EF4-FFF2-40B4-BE49-F238E27FC236}">
-                <a16:creationId xmlns:a16="http://schemas.microsoft.com/office/drawing/2014/main" id="{BA69A542-441B-481A-894E-A4A77D570930}"/>
+                <a16:creationId xmlns:a16="http://schemas.microsoft.com/office/drawing/2014/main" xmlns="" id="{BA69A542-441B-481A-894E-A4A77D570930}"/>
               </a:ext>
             </a:extLst>
           </p:cNvPr>
@@ -6129,7 +8553,7 @@
           <p:cNvPr id="2" name="TextBox 1">
             <a:extLst>
               <a:ext uri="{FF2B5EF4-FFF2-40B4-BE49-F238E27FC236}">
-                <a16:creationId xmlns:a16="http://schemas.microsoft.com/office/drawing/2014/main" id="{DB947598-DA5E-41D0-9D95-9396ACDA155B}"/>
+                <a16:creationId xmlns:a16="http://schemas.microsoft.com/office/drawing/2014/main" xmlns="" id="{DB947598-DA5E-41D0-9D95-9396ACDA155B}"/>
               </a:ext>
             </a:extLst>
           </p:cNvPr>
@@ -6173,7 +8597,7 @@
           <p:cNvPr id="4" name="TextBox 3">
             <a:extLst>
               <a:ext uri="{FF2B5EF4-FFF2-40B4-BE49-F238E27FC236}">
-                <a16:creationId xmlns:a16="http://schemas.microsoft.com/office/drawing/2014/main" id="{B55F77BF-8742-49DF-9F84-5286A4AB896D}"/>
+                <a16:creationId xmlns:a16="http://schemas.microsoft.com/office/drawing/2014/main" xmlns="" id="{B55F77BF-8742-49DF-9F84-5286A4AB896D}"/>
               </a:ext>
             </a:extLst>
           </p:cNvPr>
@@ -6217,7 +8641,7 @@
           <p:cNvPr id="5" name="TextBox 4">
             <a:extLst>
               <a:ext uri="{FF2B5EF4-FFF2-40B4-BE49-F238E27FC236}">
-                <a16:creationId xmlns:a16="http://schemas.microsoft.com/office/drawing/2014/main" id="{9CF015FA-39EF-4DD7-87EB-8544B700EA03}"/>
+                <a16:creationId xmlns:a16="http://schemas.microsoft.com/office/drawing/2014/main" xmlns="" id="{9CF015FA-39EF-4DD7-87EB-8544B700EA03}"/>
               </a:ext>
             </a:extLst>
           </p:cNvPr>
@@ -6269,7 +8693,7 @@
 </p:sld>
 </file>
 
-<file path=ppt/slides/slide26.xml><?xml version="1.0" encoding="utf-8"?>
+<file path=ppt/slides/slide21.xml><?xml version="1.0" encoding="utf-8"?>
 <p:sld xmlns:a="http://schemas.openxmlformats.org/drawingml/2006/main" xmlns:r="http://schemas.openxmlformats.org/officeDocument/2006/relationships" xmlns:p="http://schemas.openxmlformats.org/presentationml/2006/main">
   <p:cSld>
     <p:spTree>
@@ -6291,7 +8715,7 @@
           <p:cNvPr id="7172" name="Picture 4" descr="3 handshake에 대한 이미지 검색결과">
             <a:extLst>
               <a:ext uri="{FF2B5EF4-FFF2-40B4-BE49-F238E27FC236}">
-                <a16:creationId xmlns:a16="http://schemas.microsoft.com/office/drawing/2014/main" id="{BA69A542-441B-481A-894E-A4A77D570930}"/>
+                <a16:creationId xmlns:a16="http://schemas.microsoft.com/office/drawing/2014/main" xmlns="" id="{BA69A542-441B-481A-894E-A4A77D570930}"/>
               </a:ext>
             </a:extLst>
           </p:cNvPr>
@@ -6338,7 +8762,7 @@
           <p:cNvPr id="2" name="TextBox 1">
             <a:extLst>
               <a:ext uri="{FF2B5EF4-FFF2-40B4-BE49-F238E27FC236}">
-                <a16:creationId xmlns:a16="http://schemas.microsoft.com/office/drawing/2014/main" id="{DB947598-DA5E-41D0-9D95-9396ACDA155B}"/>
+                <a16:creationId xmlns:a16="http://schemas.microsoft.com/office/drawing/2014/main" xmlns="" id="{DB947598-DA5E-41D0-9D95-9396ACDA155B}"/>
               </a:ext>
             </a:extLst>
           </p:cNvPr>
@@ -6382,7 +8806,7 @@
           <p:cNvPr id="4" name="TextBox 3">
             <a:extLst>
               <a:ext uri="{FF2B5EF4-FFF2-40B4-BE49-F238E27FC236}">
-                <a16:creationId xmlns:a16="http://schemas.microsoft.com/office/drawing/2014/main" id="{B55F77BF-8742-49DF-9F84-5286A4AB896D}"/>
+                <a16:creationId xmlns:a16="http://schemas.microsoft.com/office/drawing/2014/main" xmlns="" id="{B55F77BF-8742-49DF-9F84-5286A4AB896D}"/>
               </a:ext>
             </a:extLst>
           </p:cNvPr>
@@ -6426,7 +8850,7 @@
           <p:cNvPr id="7" name="타원 6">
             <a:extLst>
               <a:ext uri="{FF2B5EF4-FFF2-40B4-BE49-F238E27FC236}">
-                <a16:creationId xmlns:a16="http://schemas.microsoft.com/office/drawing/2014/main" id="{2A02D473-0C76-4D21-B722-BC257A71E989}"/>
+                <a16:creationId xmlns:a16="http://schemas.microsoft.com/office/drawing/2014/main" xmlns="" id="{2A02D473-0C76-4D21-B722-BC257A71E989}"/>
               </a:ext>
             </a:extLst>
           </p:cNvPr>
@@ -6491,7 +8915,7 @@
 </p:sld>
 </file>
 
-<file path=ppt/slides/slide27.xml><?xml version="1.0" encoding="utf-8"?>
+<file path=ppt/slides/slide22.xml><?xml version="1.0" encoding="utf-8"?>
 <p:sld xmlns:a="http://schemas.openxmlformats.org/drawingml/2006/main" xmlns:r="http://schemas.openxmlformats.org/officeDocument/2006/relationships" xmlns:p="http://schemas.openxmlformats.org/presentationml/2006/main">
   <p:cSld>
     <p:spTree>
@@ -6513,7 +8937,7 @@
           <p:cNvPr id="7172" name="Picture 4" descr="3 handshake에 대한 이미지 검색결과">
             <a:extLst>
               <a:ext uri="{FF2B5EF4-FFF2-40B4-BE49-F238E27FC236}">
-                <a16:creationId xmlns:a16="http://schemas.microsoft.com/office/drawing/2014/main" id="{BA69A542-441B-481A-894E-A4A77D570930}"/>
+                <a16:creationId xmlns:a16="http://schemas.microsoft.com/office/drawing/2014/main" xmlns="" id="{BA69A542-441B-481A-894E-A4A77D570930}"/>
               </a:ext>
             </a:extLst>
           </p:cNvPr>
@@ -6560,7 +8984,7 @@
           <p:cNvPr id="2" name="TextBox 1">
             <a:extLst>
               <a:ext uri="{FF2B5EF4-FFF2-40B4-BE49-F238E27FC236}">
-                <a16:creationId xmlns:a16="http://schemas.microsoft.com/office/drawing/2014/main" id="{DB947598-DA5E-41D0-9D95-9396ACDA155B}"/>
+                <a16:creationId xmlns:a16="http://schemas.microsoft.com/office/drawing/2014/main" xmlns="" id="{DB947598-DA5E-41D0-9D95-9396ACDA155B}"/>
               </a:ext>
             </a:extLst>
           </p:cNvPr>
@@ -6604,7 +9028,7 @@
           <p:cNvPr id="4" name="TextBox 3">
             <a:extLst>
               <a:ext uri="{FF2B5EF4-FFF2-40B4-BE49-F238E27FC236}">
-                <a16:creationId xmlns:a16="http://schemas.microsoft.com/office/drawing/2014/main" id="{B55F77BF-8742-49DF-9F84-5286A4AB896D}"/>
+                <a16:creationId xmlns:a16="http://schemas.microsoft.com/office/drawing/2014/main" xmlns="" id="{B55F77BF-8742-49DF-9F84-5286A4AB896D}"/>
               </a:ext>
             </a:extLst>
           </p:cNvPr>
@@ -6648,7 +9072,7 @@
           <p:cNvPr id="6" name="직사각형 5">
             <a:extLst>
               <a:ext uri="{FF2B5EF4-FFF2-40B4-BE49-F238E27FC236}">
-                <a16:creationId xmlns:a16="http://schemas.microsoft.com/office/drawing/2014/main" id="{F032019E-DEB1-483D-906D-B66C237DE598}"/>
+                <a16:creationId xmlns:a16="http://schemas.microsoft.com/office/drawing/2014/main" xmlns="" id="{F032019E-DEB1-483D-906D-B66C237DE598}"/>
               </a:ext>
             </a:extLst>
           </p:cNvPr>
@@ -6703,7 +9127,7 @@
           <p:cNvPr id="7" name="TextBox 6">
             <a:extLst>
               <a:ext uri="{FF2B5EF4-FFF2-40B4-BE49-F238E27FC236}">
-                <a16:creationId xmlns:a16="http://schemas.microsoft.com/office/drawing/2014/main" id="{E4B64CF6-1A1F-4FCF-A53B-0388BFABC46E}"/>
+                <a16:creationId xmlns:a16="http://schemas.microsoft.com/office/drawing/2014/main" xmlns="" id="{E4B64CF6-1A1F-4FCF-A53B-0388BFABC46E}"/>
               </a:ext>
             </a:extLst>
           </p:cNvPr>
@@ -6755,7 +9179,7 @@
 </p:sld>
 </file>
 
-<file path=ppt/slides/slide28.xml><?xml version="1.0" encoding="utf-8"?>
+<file path=ppt/slides/slide23.xml><?xml version="1.0" encoding="utf-8"?>
 <p:sld xmlns:a="http://schemas.openxmlformats.org/drawingml/2006/main" xmlns:r="http://schemas.openxmlformats.org/officeDocument/2006/relationships" xmlns:p="http://schemas.openxmlformats.org/presentationml/2006/main">
   <p:cSld>
     <p:spTree>
@@ -6777,7 +9201,7 @@
           <p:cNvPr id="7172" name="Picture 4" descr="3 handshake에 대한 이미지 검색결과">
             <a:extLst>
               <a:ext uri="{FF2B5EF4-FFF2-40B4-BE49-F238E27FC236}">
-                <a16:creationId xmlns:a16="http://schemas.microsoft.com/office/drawing/2014/main" id="{BA69A542-441B-481A-894E-A4A77D570930}"/>
+                <a16:creationId xmlns:a16="http://schemas.microsoft.com/office/drawing/2014/main" xmlns="" id="{BA69A542-441B-481A-894E-A4A77D570930}"/>
               </a:ext>
             </a:extLst>
           </p:cNvPr>
@@ -6824,7 +9248,7 @@
           <p:cNvPr id="2" name="TextBox 1">
             <a:extLst>
               <a:ext uri="{FF2B5EF4-FFF2-40B4-BE49-F238E27FC236}">
-                <a16:creationId xmlns:a16="http://schemas.microsoft.com/office/drawing/2014/main" id="{DB947598-DA5E-41D0-9D95-9396ACDA155B}"/>
+                <a16:creationId xmlns:a16="http://schemas.microsoft.com/office/drawing/2014/main" xmlns="" id="{DB947598-DA5E-41D0-9D95-9396ACDA155B}"/>
               </a:ext>
             </a:extLst>
           </p:cNvPr>
@@ -6868,7 +9292,7 @@
           <p:cNvPr id="4" name="TextBox 3">
             <a:extLst>
               <a:ext uri="{FF2B5EF4-FFF2-40B4-BE49-F238E27FC236}">
-                <a16:creationId xmlns:a16="http://schemas.microsoft.com/office/drawing/2014/main" id="{B55F77BF-8742-49DF-9F84-5286A4AB896D}"/>
+                <a16:creationId xmlns:a16="http://schemas.microsoft.com/office/drawing/2014/main" xmlns="" id="{B55F77BF-8742-49DF-9F84-5286A4AB896D}"/>
               </a:ext>
             </a:extLst>
           </p:cNvPr>
@@ -6912,7 +9336,7 @@
           <p:cNvPr id="6" name="직사각형 5">
             <a:extLst>
               <a:ext uri="{FF2B5EF4-FFF2-40B4-BE49-F238E27FC236}">
-                <a16:creationId xmlns:a16="http://schemas.microsoft.com/office/drawing/2014/main" id="{F032019E-DEB1-483D-906D-B66C237DE598}"/>
+                <a16:creationId xmlns:a16="http://schemas.microsoft.com/office/drawing/2014/main" xmlns="" id="{F032019E-DEB1-483D-906D-B66C237DE598}"/>
               </a:ext>
             </a:extLst>
           </p:cNvPr>
@@ -6967,7 +9391,7 @@
           <p:cNvPr id="5" name="직선 연결선 4">
             <a:extLst>
               <a:ext uri="{FF2B5EF4-FFF2-40B4-BE49-F238E27FC236}">
-                <a16:creationId xmlns:a16="http://schemas.microsoft.com/office/drawing/2014/main" id="{FF436F9B-D35A-4C7D-A4FB-69EFCF89835E}"/>
+                <a16:creationId xmlns:a16="http://schemas.microsoft.com/office/drawing/2014/main" xmlns="" id="{FF436F9B-D35A-4C7D-A4FB-69EFCF89835E}"/>
               </a:ext>
             </a:extLst>
           </p:cNvPr>
@@ -7008,7 +9432,7 @@
           <p:cNvPr id="8" name="직선 연결선 7">
             <a:extLst>
               <a:ext uri="{FF2B5EF4-FFF2-40B4-BE49-F238E27FC236}">
-                <a16:creationId xmlns:a16="http://schemas.microsoft.com/office/drawing/2014/main" id="{0504CE1F-0480-4E6B-8B7C-B0EAF0B65569}"/>
+                <a16:creationId xmlns:a16="http://schemas.microsoft.com/office/drawing/2014/main" xmlns="" id="{0504CE1F-0480-4E6B-8B7C-B0EAF0B65569}"/>
               </a:ext>
             </a:extLst>
           </p:cNvPr>
@@ -7051,7 +9475,7 @@
           <p:cNvPr id="10" name="TextBox 9">
             <a:extLst>
               <a:ext uri="{FF2B5EF4-FFF2-40B4-BE49-F238E27FC236}">
-                <a16:creationId xmlns:a16="http://schemas.microsoft.com/office/drawing/2014/main" id="{109D9FDE-AA58-4A7D-82D6-8D5632A0C999}"/>
+                <a16:creationId xmlns:a16="http://schemas.microsoft.com/office/drawing/2014/main" xmlns="" id="{109D9FDE-AA58-4A7D-82D6-8D5632A0C999}"/>
               </a:ext>
             </a:extLst>
           </p:cNvPr>
@@ -7103,7 +9527,7 @@
 </p:sld>
 </file>
 
-<file path=ppt/slides/slide29.xml><?xml version="1.0" encoding="utf-8"?>
+<file path=ppt/slides/slide24.xml><?xml version="1.0" encoding="utf-8"?>
 <p:sld xmlns:a="http://schemas.openxmlformats.org/drawingml/2006/main" xmlns:r="http://schemas.openxmlformats.org/officeDocument/2006/relationships" xmlns:p="http://schemas.openxmlformats.org/presentationml/2006/main">
   <p:cSld>
     <p:spTree>
@@ -7125,7 +9549,7 @@
           <p:cNvPr id="2" name="제목 1">
             <a:extLst>
               <a:ext uri="{FF2B5EF4-FFF2-40B4-BE49-F238E27FC236}">
-                <a16:creationId xmlns:a16="http://schemas.microsoft.com/office/drawing/2014/main" id="{9C38FD61-C9F3-4BC7-8D5C-372A53F1A719}"/>
+                <a16:creationId xmlns:a16="http://schemas.microsoft.com/office/drawing/2014/main" xmlns="" id="{9C38FD61-C9F3-4BC7-8D5C-372A53F1A719}"/>
               </a:ext>
             </a:extLst>
           </p:cNvPr>
@@ -7157,7 +9581,7 @@
           <p:cNvPr id="3" name="내용 개체 틀 2">
             <a:extLst>
               <a:ext uri="{FF2B5EF4-FFF2-40B4-BE49-F238E27FC236}">
-                <a16:creationId xmlns:a16="http://schemas.microsoft.com/office/drawing/2014/main" id="{8B432828-F35C-4941-A2C0-EE7825FE5A02}"/>
+                <a16:creationId xmlns:a16="http://schemas.microsoft.com/office/drawing/2014/main" xmlns="" id="{8B432828-F35C-4941-A2C0-EE7825FE5A02}"/>
               </a:ext>
             </a:extLst>
           </p:cNvPr>
@@ -7309,7 +9733,7 @@
 </p:sld>
 </file>
 
-<file path=ppt/slides/slide3.xml><?xml version="1.0" encoding="utf-8"?>
+<file path=ppt/slides/slide25.xml><?xml version="1.0" encoding="utf-8"?>
 <p:sld xmlns:a="http://schemas.openxmlformats.org/drawingml/2006/main" xmlns:r="http://schemas.openxmlformats.org/officeDocument/2006/relationships" xmlns:p="http://schemas.openxmlformats.org/presentationml/2006/main">
   <p:cSld>
     <p:spTree>
@@ -7331,7 +9755,7 @@
           <p:cNvPr id="2" name="제목 1">
             <a:extLst>
               <a:ext uri="{FF2B5EF4-FFF2-40B4-BE49-F238E27FC236}">
-                <a16:creationId xmlns:a16="http://schemas.microsoft.com/office/drawing/2014/main" id="{A677179C-0B7F-4576-82E1-4F9874E66954}"/>
+                <a16:creationId xmlns:a16="http://schemas.microsoft.com/office/drawing/2014/main" xmlns="" id="{677C15A4-849D-4BAC-B98E-7F71B5656F94}"/>
               </a:ext>
             </a:extLst>
           </p:cNvPr>
@@ -7342,125 +9766,31 @@
             <p:ph type="title"/>
           </p:nvPr>
         </p:nvSpPr>
-        <p:spPr/>
-        <p:txBody>
-          <a:bodyPr/>
-          <a:lstStyle/>
-          <a:p>
-            <a:r>
-              <a:rPr lang="ko-KR" altLang="en-US"/>
-              <a:t>개발 환경</a:t>
-            </a:r>
-          </a:p>
-        </p:txBody>
-      </p:sp>
-      <p:sp>
-        <p:nvSpPr>
-          <p:cNvPr id="3" name="내용 개체 틀 2">
-            <a:extLst>
-              <a:ext uri="{FF2B5EF4-FFF2-40B4-BE49-F238E27FC236}">
-                <a16:creationId xmlns:a16="http://schemas.microsoft.com/office/drawing/2014/main" id="{A4BC5E27-FB89-48B5-AFD9-B8738B883D2A}"/>
-              </a:ext>
-            </a:extLst>
-          </p:cNvPr>
-          <p:cNvSpPr>
-            <a:spLocks noGrp="1"/>
-          </p:cNvSpPr>
-          <p:nvPr>
-            <p:ph idx="1"/>
-          </p:nvPr>
-        </p:nvSpPr>
-        <p:spPr/>
-        <p:txBody>
-          <a:bodyPr/>
-          <a:lstStyle/>
-          <a:p>
-            <a:pPr marL="0" indent="0">
-              <a:buNone/>
-            </a:pPr>
-            <a:r>
-              <a:rPr lang="en-US" altLang="ko-KR" dirty="0"/>
-              <a:t>AP : N104Black</a:t>
-            </a:r>
-          </a:p>
-          <a:p>
-            <a:pPr marL="0" indent="0">
-              <a:buNone/>
-            </a:pPr>
-            <a:endParaRPr lang="en-US" altLang="ko-KR" dirty="0"/>
-          </a:p>
-          <a:p>
-            <a:pPr marL="0" indent="0">
-              <a:buNone/>
-            </a:pPr>
-            <a:endParaRPr lang="ko-KR" altLang="en-US" dirty="0"/>
-          </a:p>
-        </p:txBody>
-      </p:sp>
-      <p:pic>
-        <p:nvPicPr>
-          <p:cNvPr id="4" name="그림 3">
-            <a:extLst>
-              <a:ext uri="{FF2B5EF4-FFF2-40B4-BE49-F238E27FC236}">
-                <a16:creationId xmlns:a16="http://schemas.microsoft.com/office/drawing/2014/main" id="{24DD1E3C-5F11-4C28-9A7A-02BB430022EF}"/>
-              </a:ext>
-            </a:extLst>
-          </p:cNvPr>
-          <p:cNvPicPr>
-            <a:picLocks noChangeAspect="1"/>
-          </p:cNvPicPr>
-          <p:nvPr/>
-        </p:nvPicPr>
-        <p:blipFill>
-          <a:blip r:embed="rId2"/>
-          <a:stretch>
-            <a:fillRect/>
-          </a:stretch>
-        </p:blipFill>
         <p:spPr>
           <a:xfrm>
-            <a:off x="838202" y="2330109"/>
-            <a:ext cx="5419723" cy="3342369"/>
+            <a:off x="838200" y="2766220"/>
+            <a:ext cx="10515600" cy="1325563"/>
           </a:xfrm>
-          <a:prstGeom prst="rect">
-            <a:avLst/>
-          </a:prstGeom>
         </p:spPr>
-      </p:pic>
-      <p:pic>
-        <p:nvPicPr>
-          <p:cNvPr id="5" name="그림 4">
-            <a:extLst>
-              <a:ext uri="{FF2B5EF4-FFF2-40B4-BE49-F238E27FC236}">
-                <a16:creationId xmlns:a16="http://schemas.microsoft.com/office/drawing/2014/main" id="{86ED4117-807B-462F-9D70-BEB5C241F41A}"/>
-              </a:ext>
-            </a:extLst>
-          </p:cNvPr>
-          <p:cNvPicPr>
-            <a:picLocks noChangeAspect="1"/>
-          </p:cNvPicPr>
-          <p:nvPr/>
-        </p:nvPicPr>
-        <p:blipFill>
-          <a:blip r:embed="rId3"/>
-          <a:stretch>
-            <a:fillRect/>
-          </a:stretch>
-        </p:blipFill>
-        <p:spPr>
-          <a:xfrm>
-            <a:off x="6257925" y="1447800"/>
-            <a:ext cx="5523814" cy="4881903"/>
-          </a:xfrm>
-          <a:prstGeom prst="rect">
-            <a:avLst/>
-          </a:prstGeom>
-        </p:spPr>
-      </p:pic>
+        <p:txBody>
+          <a:bodyPr>
+            <a:noAutofit/>
+          </a:bodyPr>
+          <a:lstStyle/>
+          <a:p>
+            <a:pPr algn="ctr"/>
+            <a:r>
+              <a:rPr lang="en-US" altLang="ko-KR" sz="9600"/>
+              <a:t>802.11 Protocol Connect</a:t>
+            </a:r>
+            <a:endParaRPr lang="ko-KR" altLang="en-US" sz="9600"/>
+          </a:p>
+        </p:txBody>
+      </p:sp>
     </p:spTree>
     <p:extLst>
       <p:ext uri="{BB962C8B-B14F-4D97-AF65-F5344CB8AC3E}">
-        <p14:creationId xmlns:p14="http://schemas.microsoft.com/office/powerpoint/2010/main" val="1155429256"/>
+        <p14:creationId xmlns:p14="http://schemas.microsoft.com/office/powerpoint/2010/main" val="3427465784"/>
       </p:ext>
     </p:extLst>
   </p:cSld>
@@ -7470,7 +9800,7 @@
 </p:sld>
 </file>
 
-<file path=ppt/slides/slide30.xml><?xml version="1.0" encoding="utf-8"?>
+<file path=ppt/slides/slide26.xml><?xml version="1.0" encoding="utf-8"?>
 <p:sld xmlns:a="http://schemas.openxmlformats.org/drawingml/2006/main" xmlns:r="http://schemas.openxmlformats.org/officeDocument/2006/relationships" xmlns:p="http://schemas.openxmlformats.org/presentationml/2006/main">
   <p:cSld>
     <p:spTree>
@@ -7492,74 +9822,7 @@
           <p:cNvPr id="2" name="제목 1">
             <a:extLst>
               <a:ext uri="{FF2B5EF4-FFF2-40B4-BE49-F238E27FC236}">
-                <a16:creationId xmlns:a16="http://schemas.microsoft.com/office/drawing/2014/main" id="{677C15A4-849D-4BAC-B98E-7F71B5656F94}"/>
-              </a:ext>
-            </a:extLst>
-          </p:cNvPr>
-          <p:cNvSpPr>
-            <a:spLocks noGrp="1"/>
-          </p:cNvSpPr>
-          <p:nvPr>
-            <p:ph type="title"/>
-          </p:nvPr>
-        </p:nvSpPr>
-        <p:spPr>
-          <a:xfrm>
-            <a:off x="838200" y="2766220"/>
-            <a:ext cx="10515600" cy="1325563"/>
-          </a:xfrm>
-        </p:spPr>
-        <p:txBody>
-          <a:bodyPr>
-            <a:noAutofit/>
-          </a:bodyPr>
-          <a:lstStyle/>
-          <a:p>
-            <a:pPr algn="ctr"/>
-            <a:r>
-              <a:rPr lang="en-US" altLang="ko-KR" sz="9600"/>
-              <a:t>802.11 Protocol Connect</a:t>
-            </a:r>
-            <a:endParaRPr lang="ko-KR" altLang="en-US" sz="9600"/>
-          </a:p>
-        </p:txBody>
-      </p:sp>
-    </p:spTree>
-    <p:extLst>
-      <p:ext uri="{BB962C8B-B14F-4D97-AF65-F5344CB8AC3E}">
-        <p14:creationId xmlns:p14="http://schemas.microsoft.com/office/powerpoint/2010/main" val="3427465784"/>
-      </p:ext>
-    </p:extLst>
-  </p:cSld>
-  <p:clrMapOvr>
-    <a:masterClrMapping/>
-  </p:clrMapOvr>
-</p:sld>
-</file>
-
-<file path=ppt/slides/slide31.xml><?xml version="1.0" encoding="utf-8"?>
-<p:sld xmlns:a="http://schemas.openxmlformats.org/drawingml/2006/main" xmlns:r="http://schemas.openxmlformats.org/officeDocument/2006/relationships" xmlns:p="http://schemas.openxmlformats.org/presentationml/2006/main">
-  <p:cSld>
-    <p:spTree>
-      <p:nvGrpSpPr>
-        <p:cNvPr id="1" name=""/>
-        <p:cNvGrpSpPr/>
-        <p:nvPr/>
-      </p:nvGrpSpPr>
-      <p:grpSpPr>
-        <a:xfrm>
-          <a:off x="0" y="0"/>
-          <a:ext cx="0" cy="0"/>
-          <a:chOff x="0" y="0"/>
-          <a:chExt cx="0" cy="0"/>
-        </a:xfrm>
-      </p:grpSpPr>
-      <p:sp>
-        <p:nvSpPr>
-          <p:cNvPr id="2" name="제목 1">
-            <a:extLst>
-              <a:ext uri="{FF2B5EF4-FFF2-40B4-BE49-F238E27FC236}">
-                <a16:creationId xmlns:a16="http://schemas.microsoft.com/office/drawing/2014/main" id="{B80E97AE-7B5F-4543-9C19-B28115F17857}"/>
+                <a16:creationId xmlns:a16="http://schemas.microsoft.com/office/drawing/2014/main" xmlns="" id="{B80E97AE-7B5F-4543-9C19-B28115F17857}"/>
               </a:ext>
             </a:extLst>
           </p:cNvPr>
@@ -7596,7 +9859,7 @@
           <p:cNvPr id="4" name="내용 개체 틀 3">
             <a:extLst>
               <a:ext uri="{FF2B5EF4-FFF2-40B4-BE49-F238E27FC236}">
-                <a16:creationId xmlns:a16="http://schemas.microsoft.com/office/drawing/2014/main" id="{09D9FED7-4717-4328-9657-FF89D1BA615D}"/>
+                <a16:creationId xmlns:a16="http://schemas.microsoft.com/office/drawing/2014/main" xmlns="" id="{09D9FED7-4717-4328-9657-FF89D1BA615D}"/>
               </a:ext>
             </a:extLst>
           </p:cNvPr>
@@ -7636,7 +9899,7 @@
 </p:sld>
 </file>
 
-<file path=ppt/slides/slide32.xml><?xml version="1.0" encoding="utf-8"?>
+<file path=ppt/slides/slide27.xml><?xml version="1.0" encoding="utf-8"?>
 <p:sld xmlns:a="http://schemas.openxmlformats.org/drawingml/2006/main" xmlns:r="http://schemas.openxmlformats.org/officeDocument/2006/relationships" xmlns:p="http://schemas.openxmlformats.org/presentationml/2006/main">
   <p:cSld>
     <p:spTree>
@@ -7701,7 +9964,7 @@
           <p:cNvPr id="3" name="직사각형 2">
             <a:extLst>
               <a:ext uri="{FF2B5EF4-FFF2-40B4-BE49-F238E27FC236}">
-                <a16:creationId xmlns:a16="http://schemas.microsoft.com/office/drawing/2014/main" id="{5D19B433-417D-4D4C-A45F-DB38F1DA9634}"/>
+                <a16:creationId xmlns:a16="http://schemas.microsoft.com/office/drawing/2014/main" xmlns="" id="{5D19B433-417D-4D4C-A45F-DB38F1DA9634}"/>
               </a:ext>
             </a:extLst>
           </p:cNvPr>
@@ -7762,7 +10025,7 @@
 </p:sld>
 </file>
 
-<file path=ppt/slides/slide33.xml><?xml version="1.0" encoding="utf-8"?>
+<file path=ppt/slides/slide28.xml><?xml version="1.0" encoding="utf-8"?>
 <p:sld xmlns:a="http://schemas.openxmlformats.org/drawingml/2006/main" xmlns:r="http://schemas.openxmlformats.org/officeDocument/2006/relationships" xmlns:p="http://schemas.openxmlformats.org/presentationml/2006/main">
   <p:cSld>
     <p:spTree>
@@ -7784,7 +10047,7 @@
           <p:cNvPr id="2" name="제목 1">
             <a:extLst>
               <a:ext uri="{FF2B5EF4-FFF2-40B4-BE49-F238E27FC236}">
-                <a16:creationId xmlns:a16="http://schemas.microsoft.com/office/drawing/2014/main" id="{2AE1DE6D-0B9B-4D43-9F38-09FBC424687A}"/>
+                <a16:creationId xmlns:a16="http://schemas.microsoft.com/office/drawing/2014/main" xmlns="" id="{2AE1DE6D-0B9B-4D43-9F38-09FBC424687A}"/>
               </a:ext>
             </a:extLst>
           </p:cNvPr>
@@ -7821,7 +10084,7 @@
           <p:cNvPr id="4" name="내용 개체 틀 3">
             <a:extLst>
               <a:ext uri="{FF2B5EF4-FFF2-40B4-BE49-F238E27FC236}">
-                <a16:creationId xmlns:a16="http://schemas.microsoft.com/office/drawing/2014/main" id="{893ACCC0-12F3-4F67-BD4A-583BA6FF9C14}"/>
+                <a16:creationId xmlns:a16="http://schemas.microsoft.com/office/drawing/2014/main" xmlns="" id="{893ACCC0-12F3-4F67-BD4A-583BA6FF9C14}"/>
               </a:ext>
             </a:extLst>
           </p:cNvPr>
@@ -7861,7 +10124,7 @@
 </p:sld>
 </file>
 
-<file path=ppt/slides/slide34.xml><?xml version="1.0" encoding="utf-8"?>
+<file path=ppt/slides/slide29.xml><?xml version="1.0" encoding="utf-8"?>
 <p:sld xmlns:a="http://schemas.openxmlformats.org/drawingml/2006/main" xmlns:r="http://schemas.openxmlformats.org/officeDocument/2006/relationships" xmlns:p="http://schemas.openxmlformats.org/presentationml/2006/main">
   <p:cSld>
     <p:spTree>
@@ -7926,7 +10189,7 @@
           <p:cNvPr id="3" name="직사각형 2">
             <a:extLst>
               <a:ext uri="{FF2B5EF4-FFF2-40B4-BE49-F238E27FC236}">
-                <a16:creationId xmlns:a16="http://schemas.microsoft.com/office/drawing/2014/main" id="{9FEE0E3B-476C-4BF8-94B1-0E8197E5BBC3}"/>
+                <a16:creationId xmlns:a16="http://schemas.microsoft.com/office/drawing/2014/main" xmlns="" id="{9FEE0E3B-476C-4BF8-94B1-0E8197E5BBC3}"/>
               </a:ext>
             </a:extLst>
           </p:cNvPr>
@@ -7987,7 +10250,7 @@
 </p:sld>
 </file>
 
-<file path=ppt/slides/slide35.xml><?xml version="1.0" encoding="utf-8"?>
+<file path=ppt/slides/slide3.xml><?xml version="1.0" encoding="utf-8"?>
 <p:sld xmlns:a="http://schemas.openxmlformats.org/drawingml/2006/main" xmlns:r="http://schemas.openxmlformats.org/officeDocument/2006/relationships" xmlns:p="http://schemas.openxmlformats.org/presentationml/2006/main">
   <p:cSld>
     <p:spTree>
@@ -8009,7 +10272,7 @@
           <p:cNvPr id="2" name="제목 1">
             <a:extLst>
               <a:ext uri="{FF2B5EF4-FFF2-40B4-BE49-F238E27FC236}">
-                <a16:creationId xmlns:a16="http://schemas.microsoft.com/office/drawing/2014/main" id="{677C15A4-849D-4BAC-B98E-7F71B5656F94}"/>
+                <a16:creationId xmlns:a16="http://schemas.microsoft.com/office/drawing/2014/main" xmlns="" id="{82BE6E73-7BCB-425E-B802-AC2DA0BC1C50}"/>
               </a:ext>
             </a:extLst>
           </p:cNvPr>
@@ -8020,31 +10283,53 @@
             <p:ph type="title"/>
           </p:nvPr>
         </p:nvSpPr>
+        <p:spPr/>
+        <p:txBody>
+          <a:bodyPr/>
+          <a:lstStyle/>
+          <a:p>
+            <a:r>
+              <a:rPr lang="en-US" altLang="ko-KR"/>
+              <a:t>Fuzzing</a:t>
+            </a:r>
+            <a:endParaRPr lang="ko-KR" altLang="en-US"/>
+          </a:p>
+        </p:txBody>
+      </p:sp>
+      <p:pic>
+        <p:nvPicPr>
+          <p:cNvPr id="4" name="그림 3">
+            <a:extLst>
+              <a:ext uri="{FF2B5EF4-FFF2-40B4-BE49-F238E27FC236}">
+                <a16:creationId xmlns:a16="http://schemas.microsoft.com/office/drawing/2014/main" xmlns="" id="{224F7006-F381-4FA0-8DA5-73FA1C135228}"/>
+              </a:ext>
+            </a:extLst>
+          </p:cNvPr>
+          <p:cNvPicPr>
+            <a:picLocks noChangeAspect="1"/>
+          </p:cNvPicPr>
+          <p:nvPr/>
+        </p:nvPicPr>
+        <p:blipFill>
+          <a:blip r:embed="rId3"/>
+          <a:stretch>
+            <a:fillRect/>
+          </a:stretch>
+        </p:blipFill>
         <p:spPr>
           <a:xfrm>
-            <a:off x="622300" y="2728119"/>
-            <a:ext cx="10947400" cy="1325563"/>
+            <a:off x="838200" y="1857375"/>
+            <a:ext cx="4406900" cy="2203450"/>
           </a:xfrm>
+          <a:prstGeom prst="rect">
+            <a:avLst/>
+          </a:prstGeom>
         </p:spPr>
-        <p:txBody>
-          <a:bodyPr>
-            <a:noAutofit/>
-          </a:bodyPr>
-          <a:lstStyle/>
-          <a:p>
-            <a:pPr algn="ctr"/>
-            <a:r>
-              <a:rPr lang="en-US" altLang="ko-KR" sz="9600"/>
-              <a:t>802.11 MAC Frame</a:t>
-            </a:r>
-            <a:endParaRPr lang="ko-KR" altLang="en-US" sz="9600"/>
-          </a:p>
-        </p:txBody>
-      </p:sp>
+      </p:pic>
     </p:spTree>
     <p:extLst>
       <p:ext uri="{BB962C8B-B14F-4D97-AF65-F5344CB8AC3E}">
-        <p14:creationId xmlns:p14="http://schemas.microsoft.com/office/powerpoint/2010/main" val="1789801709"/>
+        <p14:creationId xmlns:p14="http://schemas.microsoft.com/office/powerpoint/2010/main" val="879325802"/>
       </p:ext>
     </p:extLst>
   </p:cSld>
@@ -8054,7 +10339,7 @@
 </p:sld>
 </file>
 
-<file path=ppt/slides/slide36.xml><?xml version="1.0" encoding="utf-8"?>
+<file path=ppt/slides/slide30.xml><?xml version="1.0" encoding="utf-8"?>
 <p:sld xmlns:a="http://schemas.openxmlformats.org/drawingml/2006/main" xmlns:r="http://schemas.openxmlformats.org/officeDocument/2006/relationships" xmlns:p="http://schemas.openxmlformats.org/presentationml/2006/main">
   <p:cSld>
     <p:spTree>
@@ -8076,7 +10361,74 @@
           <p:cNvPr id="2" name="제목 1">
             <a:extLst>
               <a:ext uri="{FF2B5EF4-FFF2-40B4-BE49-F238E27FC236}">
-                <a16:creationId xmlns:a16="http://schemas.microsoft.com/office/drawing/2014/main" id="{4B29C3F2-429F-4AAE-BE87-88F4FEE52BA5}"/>
+                <a16:creationId xmlns:a16="http://schemas.microsoft.com/office/drawing/2014/main" xmlns="" id="{677C15A4-849D-4BAC-B98E-7F71B5656F94}"/>
+              </a:ext>
+            </a:extLst>
+          </p:cNvPr>
+          <p:cNvSpPr>
+            <a:spLocks noGrp="1"/>
+          </p:cNvSpPr>
+          <p:nvPr>
+            <p:ph type="title"/>
+          </p:nvPr>
+        </p:nvSpPr>
+        <p:spPr>
+          <a:xfrm>
+            <a:off x="622300" y="2728119"/>
+            <a:ext cx="10947400" cy="1325563"/>
+          </a:xfrm>
+        </p:spPr>
+        <p:txBody>
+          <a:bodyPr>
+            <a:noAutofit/>
+          </a:bodyPr>
+          <a:lstStyle/>
+          <a:p>
+            <a:pPr algn="ctr"/>
+            <a:r>
+              <a:rPr lang="en-US" altLang="ko-KR" sz="9600"/>
+              <a:t>802.11 MAC Frame</a:t>
+            </a:r>
+            <a:endParaRPr lang="ko-KR" altLang="en-US" sz="9600"/>
+          </a:p>
+        </p:txBody>
+      </p:sp>
+    </p:spTree>
+    <p:extLst>
+      <p:ext uri="{BB962C8B-B14F-4D97-AF65-F5344CB8AC3E}">
+        <p14:creationId xmlns:p14="http://schemas.microsoft.com/office/powerpoint/2010/main" val="1789801709"/>
+      </p:ext>
+    </p:extLst>
+  </p:cSld>
+  <p:clrMapOvr>
+    <a:masterClrMapping/>
+  </p:clrMapOvr>
+</p:sld>
+</file>
+
+<file path=ppt/slides/slide31.xml><?xml version="1.0" encoding="utf-8"?>
+<p:sld xmlns:a="http://schemas.openxmlformats.org/drawingml/2006/main" xmlns:r="http://schemas.openxmlformats.org/officeDocument/2006/relationships" xmlns:p="http://schemas.openxmlformats.org/presentationml/2006/main">
+  <p:cSld>
+    <p:spTree>
+      <p:nvGrpSpPr>
+        <p:cNvPr id="1" name=""/>
+        <p:cNvGrpSpPr/>
+        <p:nvPr/>
+      </p:nvGrpSpPr>
+      <p:grpSpPr>
+        <a:xfrm>
+          <a:off x="0" y="0"/>
+          <a:ext cx="0" cy="0"/>
+          <a:chOff x="0" y="0"/>
+          <a:chExt cx="0" cy="0"/>
+        </a:xfrm>
+      </p:grpSpPr>
+      <p:sp>
+        <p:nvSpPr>
+          <p:cNvPr id="2" name="제목 1">
+            <a:extLst>
+              <a:ext uri="{FF2B5EF4-FFF2-40B4-BE49-F238E27FC236}">
+                <a16:creationId xmlns:a16="http://schemas.microsoft.com/office/drawing/2014/main" xmlns="" id="{4B29C3F2-429F-4AAE-BE87-88F4FEE52BA5}"/>
               </a:ext>
             </a:extLst>
           </p:cNvPr>
@@ -8110,7 +10462,7 @@
           <p:cNvPr id="4" name="내용 개체 틀 3">
             <a:extLst>
               <a:ext uri="{FF2B5EF4-FFF2-40B4-BE49-F238E27FC236}">
-                <a16:creationId xmlns:a16="http://schemas.microsoft.com/office/drawing/2014/main" id="{2115EF50-CAEA-4199-86F8-4068E7325333}"/>
+                <a16:creationId xmlns:a16="http://schemas.microsoft.com/office/drawing/2014/main" xmlns="" id="{2115EF50-CAEA-4199-86F8-4068E7325333}"/>
               </a:ext>
             </a:extLst>
           </p:cNvPr>
@@ -8150,7 +10502,7 @@
 </p:sld>
 </file>
 
-<file path=ppt/slides/slide37.xml><?xml version="1.0" encoding="utf-8"?>
+<file path=ppt/slides/slide32.xml><?xml version="1.0" encoding="utf-8"?>
 <p:sld xmlns:a="http://schemas.openxmlformats.org/drawingml/2006/main" xmlns:r="http://schemas.openxmlformats.org/officeDocument/2006/relationships" xmlns:p="http://schemas.openxmlformats.org/presentationml/2006/main">
   <p:cSld>
     <p:spTree>
@@ -8172,7 +10524,7 @@
           <p:cNvPr id="2" name="제목 1">
             <a:extLst>
               <a:ext uri="{FF2B5EF4-FFF2-40B4-BE49-F238E27FC236}">
-                <a16:creationId xmlns:a16="http://schemas.microsoft.com/office/drawing/2014/main" id="{D6BF605B-C62B-46D6-8C10-D08148FD39E3}"/>
+                <a16:creationId xmlns:a16="http://schemas.microsoft.com/office/drawing/2014/main" xmlns="" id="{D6BF605B-C62B-46D6-8C10-D08148FD39E3}"/>
               </a:ext>
             </a:extLst>
           </p:cNvPr>
@@ -8201,7 +10553,7 @@
           <p:cNvPr id="6" name="내용 개체 틀 5">
             <a:extLst>
               <a:ext uri="{FF2B5EF4-FFF2-40B4-BE49-F238E27FC236}">
-                <a16:creationId xmlns:a16="http://schemas.microsoft.com/office/drawing/2014/main" id="{B3266458-251C-4612-A380-C4DA17259190}"/>
+                <a16:creationId xmlns:a16="http://schemas.microsoft.com/office/drawing/2014/main" xmlns="" id="{B3266458-251C-4612-A380-C4DA17259190}"/>
               </a:ext>
             </a:extLst>
           </p:cNvPr>
@@ -8226,7 +10578,7 @@
           <p:cNvPr id="7" name="그림 6">
             <a:extLst>
               <a:ext uri="{FF2B5EF4-FFF2-40B4-BE49-F238E27FC236}">
-                <a16:creationId xmlns:a16="http://schemas.microsoft.com/office/drawing/2014/main" id="{1FC3A560-06A0-4A87-A805-4DA9B5D8FA9C}"/>
+                <a16:creationId xmlns:a16="http://schemas.microsoft.com/office/drawing/2014/main" xmlns="" id="{1FC3A560-06A0-4A87-A805-4DA9B5D8FA9C}"/>
               </a:ext>
             </a:extLst>
           </p:cNvPr>
@@ -8264,7 +10616,7 @@
 </p:sld>
 </file>
 
-<file path=ppt/slides/slide38.xml><?xml version="1.0" encoding="utf-8"?>
+<file path=ppt/slides/slide33.xml><?xml version="1.0" encoding="utf-8"?>
 <p:sld xmlns:a="http://schemas.openxmlformats.org/drawingml/2006/main" xmlns:r="http://schemas.openxmlformats.org/officeDocument/2006/relationships" xmlns:p="http://schemas.openxmlformats.org/presentationml/2006/main">
   <p:cSld>
     <p:spTree>
@@ -8286,7 +10638,7 @@
           <p:cNvPr id="2" name="제목 1">
             <a:extLst>
               <a:ext uri="{FF2B5EF4-FFF2-40B4-BE49-F238E27FC236}">
-                <a16:creationId xmlns:a16="http://schemas.microsoft.com/office/drawing/2014/main" id="{B1CE2D2E-EBAE-420A-AF8E-725A4D2A30A4}"/>
+                <a16:creationId xmlns:a16="http://schemas.microsoft.com/office/drawing/2014/main" xmlns="" id="{B1CE2D2E-EBAE-420A-AF8E-725A4D2A30A4}"/>
               </a:ext>
             </a:extLst>
           </p:cNvPr>
@@ -8315,7 +10667,7 @@
           <p:cNvPr id="1026" name="Picture 2" descr="802.11 frame structure에 대한 이미지 검색결과">
             <a:extLst>
               <a:ext uri="{FF2B5EF4-FFF2-40B4-BE49-F238E27FC236}">
-                <a16:creationId xmlns:a16="http://schemas.microsoft.com/office/drawing/2014/main" id="{44372DFB-43DF-49FC-AC84-C5470D50D50A}"/>
+                <a16:creationId xmlns:a16="http://schemas.microsoft.com/office/drawing/2014/main" xmlns="" id="{44372DFB-43DF-49FC-AC84-C5470D50D50A}"/>
               </a:ext>
             </a:extLst>
           </p:cNvPr>
@@ -8370,7 +10722,7 @@
 </p:sld>
 </file>
 
-<file path=ppt/slides/slide39.xml><?xml version="1.0" encoding="utf-8"?>
+<file path=ppt/slides/slide34.xml><?xml version="1.0" encoding="utf-8"?>
 <p:sld xmlns:a="http://schemas.openxmlformats.org/drawingml/2006/main" xmlns:r="http://schemas.openxmlformats.org/officeDocument/2006/relationships" xmlns:p="http://schemas.openxmlformats.org/presentationml/2006/main">
   <p:cSld>
     <p:spTree>
@@ -8392,7 +10744,7 @@
           <p:cNvPr id="2" name="제목 1">
             <a:extLst>
               <a:ext uri="{FF2B5EF4-FFF2-40B4-BE49-F238E27FC236}">
-                <a16:creationId xmlns:a16="http://schemas.microsoft.com/office/drawing/2014/main" id="{B1CE2D2E-EBAE-420A-AF8E-725A4D2A30A4}"/>
+                <a16:creationId xmlns:a16="http://schemas.microsoft.com/office/drawing/2014/main" xmlns="" id="{B1CE2D2E-EBAE-420A-AF8E-725A4D2A30A4}"/>
               </a:ext>
             </a:extLst>
           </p:cNvPr>
@@ -8421,7 +10773,7 @@
           <p:cNvPr id="3" name="그림 2">
             <a:extLst>
               <a:ext uri="{FF2B5EF4-FFF2-40B4-BE49-F238E27FC236}">
-                <a16:creationId xmlns:a16="http://schemas.microsoft.com/office/drawing/2014/main" id="{BC065479-5AF1-4002-A024-3D05CF292259}"/>
+                <a16:creationId xmlns:a16="http://schemas.microsoft.com/office/drawing/2014/main" xmlns="" id="{BC065479-5AF1-4002-A024-3D05CF292259}"/>
               </a:ext>
             </a:extLst>
           </p:cNvPr>
@@ -8459,7 +10811,7 @@
 </p:sld>
 </file>
 
-<file path=ppt/slides/slide4.xml><?xml version="1.0" encoding="utf-8"?>
+<file path=ppt/slides/slide35.xml><?xml version="1.0" encoding="utf-8"?>
 <p:sld xmlns:a="http://schemas.openxmlformats.org/drawingml/2006/main" xmlns:r="http://schemas.openxmlformats.org/officeDocument/2006/relationships" xmlns:p="http://schemas.openxmlformats.org/presentationml/2006/main">
   <p:cSld>
     <p:spTree>
@@ -8481,7 +10833,7 @@
           <p:cNvPr id="2" name="제목 1">
             <a:extLst>
               <a:ext uri="{FF2B5EF4-FFF2-40B4-BE49-F238E27FC236}">
-                <a16:creationId xmlns:a16="http://schemas.microsoft.com/office/drawing/2014/main" id="{A677179C-0B7F-4576-82E1-4F9874E66954}"/>
+                <a16:creationId xmlns:a16="http://schemas.microsoft.com/office/drawing/2014/main" xmlns="" id="{B1CE2D2E-EBAE-420A-AF8E-725A4D2A30A4}"/>
               </a:ext>
             </a:extLst>
           </p:cNvPr>
@@ -8498,61 +10850,19 @@
           <a:lstStyle/>
           <a:p>
             <a:r>
-              <a:rPr lang="ko-KR" altLang="en-US"/>
-              <a:t>개발 환경</a:t>
-            </a:r>
-          </a:p>
-        </p:txBody>
-      </p:sp>
-      <p:sp>
-        <p:nvSpPr>
-          <p:cNvPr id="3" name="내용 개체 틀 2">
-            <a:extLst>
-              <a:ext uri="{FF2B5EF4-FFF2-40B4-BE49-F238E27FC236}">
-                <a16:creationId xmlns:a16="http://schemas.microsoft.com/office/drawing/2014/main" id="{A4BC5E27-FB89-48B5-AFD9-B8738B883D2A}"/>
-              </a:ext>
-            </a:extLst>
-          </p:cNvPr>
-          <p:cNvSpPr>
-            <a:spLocks noGrp="1"/>
-          </p:cNvSpPr>
-          <p:nvPr>
-            <p:ph idx="1"/>
-          </p:nvPr>
-        </p:nvSpPr>
-        <p:spPr/>
-        <p:txBody>
-          <a:bodyPr/>
-          <a:lstStyle/>
-          <a:p>
-            <a:pPr marL="0" indent="0">
-              <a:buNone/>
-            </a:pPr>
-            <a:r>
-              <a:rPr lang="en-US" altLang="ko-KR" dirty="0"/>
-              <a:t>AP : N104Black</a:t>
-            </a:r>
-          </a:p>
-          <a:p>
-            <a:pPr marL="0" indent="0">
-              <a:buNone/>
-            </a:pPr>
-            <a:endParaRPr lang="en-US" altLang="ko-KR" dirty="0"/>
-          </a:p>
-          <a:p>
-            <a:pPr marL="0" indent="0">
-              <a:buNone/>
-            </a:pPr>
-            <a:endParaRPr lang="ko-KR" altLang="en-US" dirty="0"/>
+              <a:rPr lang="en-US" altLang="ko-KR"/>
+              <a:t>802.11 MAC Frame Structure</a:t>
+            </a:r>
+            <a:endParaRPr lang="ko-KR" altLang="en-US"/>
           </a:p>
         </p:txBody>
       </p:sp>
       <p:pic>
         <p:nvPicPr>
-          <p:cNvPr id="4" name="그림 3">
-            <a:extLst>
-              <a:ext uri="{FF2B5EF4-FFF2-40B4-BE49-F238E27FC236}">
-                <a16:creationId xmlns:a16="http://schemas.microsoft.com/office/drawing/2014/main" id="{24DD1E3C-5F11-4C28-9A7A-02BB430022EF}"/>
+          <p:cNvPr id="3" name="그림 2">
+            <a:extLst>
+              <a:ext uri="{FF2B5EF4-FFF2-40B4-BE49-F238E27FC236}">
+                <a16:creationId xmlns:a16="http://schemas.microsoft.com/office/drawing/2014/main" xmlns="" id="{BC065479-5AF1-4002-A024-3D05CF292259}"/>
               </a:ext>
             </a:extLst>
           </p:cNvPr>
@@ -8563,6 +10873,444 @@
         </p:nvPicPr>
         <p:blipFill>
           <a:blip r:embed="rId2"/>
+          <a:stretch>
+            <a:fillRect/>
+          </a:stretch>
+        </p:blipFill>
+        <p:spPr>
+          <a:xfrm>
+            <a:off x="838200" y="1281906"/>
+            <a:ext cx="9880600" cy="5274024"/>
+          </a:xfrm>
+          <a:prstGeom prst="rect">
+            <a:avLst/>
+          </a:prstGeom>
+        </p:spPr>
+      </p:pic>
+      <p:sp>
+        <p:nvSpPr>
+          <p:cNvPr id="4" name="직사각형 3">
+            <a:extLst>
+              <a:ext uri="{FF2B5EF4-FFF2-40B4-BE49-F238E27FC236}">
+                <a16:creationId xmlns:a16="http://schemas.microsoft.com/office/drawing/2014/main" xmlns="" id="{4208BAC7-CF90-4FCD-8FB8-CAC90EED4374}"/>
+              </a:ext>
+            </a:extLst>
+          </p:cNvPr>
+          <p:cNvSpPr/>
+          <p:nvPr/>
+        </p:nvSpPr>
+        <p:spPr>
+          <a:xfrm>
+            <a:off x="3429000" y="4025900"/>
+            <a:ext cx="2641600" cy="406400"/>
+          </a:xfrm>
+          <a:prstGeom prst="rect">
+            <a:avLst/>
+          </a:prstGeom>
+          <a:noFill/>
+          <a:ln w="28575">
+            <a:solidFill>
+              <a:srgbClr val="FF0000"/>
+            </a:solidFill>
+          </a:ln>
+        </p:spPr>
+        <p:style>
+          <a:lnRef idx="2">
+            <a:schemeClr val="accent1">
+              <a:shade val="50000"/>
+            </a:schemeClr>
+          </a:lnRef>
+          <a:fillRef idx="1">
+            <a:schemeClr val="accent1"/>
+          </a:fillRef>
+          <a:effectRef idx="0">
+            <a:schemeClr val="accent1"/>
+          </a:effectRef>
+          <a:fontRef idx="minor">
+            <a:schemeClr val="lt1"/>
+          </a:fontRef>
+        </p:style>
+        <p:txBody>
+          <a:bodyPr rtlCol="0" anchor="ctr"/>
+          <a:lstStyle/>
+          <a:p>
+            <a:pPr algn="ctr"/>
+            <a:endParaRPr lang="ko-KR" altLang="en-US"/>
+          </a:p>
+        </p:txBody>
+      </p:sp>
+      <p:sp>
+        <p:nvSpPr>
+          <p:cNvPr id="5" name="직사각형 4">
+            <a:extLst>
+              <a:ext uri="{FF2B5EF4-FFF2-40B4-BE49-F238E27FC236}">
+                <a16:creationId xmlns:a16="http://schemas.microsoft.com/office/drawing/2014/main" xmlns="" id="{7B74950A-5430-4E5C-9A31-FD7D96AFAB46}"/>
+              </a:ext>
+            </a:extLst>
+          </p:cNvPr>
+          <p:cNvSpPr/>
+          <p:nvPr/>
+        </p:nvSpPr>
+        <p:spPr>
+          <a:xfrm>
+            <a:off x="3390900" y="4864100"/>
+            <a:ext cx="2882900" cy="406400"/>
+          </a:xfrm>
+          <a:prstGeom prst="rect">
+            <a:avLst/>
+          </a:prstGeom>
+          <a:noFill/>
+          <a:ln w="28575">
+            <a:solidFill>
+              <a:srgbClr val="FFFF00"/>
+            </a:solidFill>
+          </a:ln>
+        </p:spPr>
+        <p:style>
+          <a:lnRef idx="2">
+            <a:schemeClr val="accent1">
+              <a:shade val="50000"/>
+            </a:schemeClr>
+          </a:lnRef>
+          <a:fillRef idx="1">
+            <a:schemeClr val="accent1"/>
+          </a:fillRef>
+          <a:effectRef idx="0">
+            <a:schemeClr val="accent1"/>
+          </a:effectRef>
+          <a:fontRef idx="minor">
+            <a:schemeClr val="lt1"/>
+          </a:fontRef>
+        </p:style>
+        <p:txBody>
+          <a:bodyPr rtlCol="0" anchor="ctr"/>
+          <a:lstStyle/>
+          <a:p>
+            <a:pPr algn="ctr"/>
+            <a:endParaRPr lang="ko-KR" altLang="en-US"/>
+          </a:p>
+        </p:txBody>
+      </p:sp>
+      <p:sp>
+        <p:nvSpPr>
+          <p:cNvPr id="6" name="직사각형 5">
+            <a:extLst>
+              <a:ext uri="{FF2B5EF4-FFF2-40B4-BE49-F238E27FC236}">
+                <a16:creationId xmlns:a16="http://schemas.microsoft.com/office/drawing/2014/main" xmlns="" id="{CFDAA2C5-546D-4A99-BE10-03BE9FFF8206}"/>
+              </a:ext>
+            </a:extLst>
+          </p:cNvPr>
+          <p:cNvSpPr/>
+          <p:nvPr/>
+        </p:nvSpPr>
+        <p:spPr>
+          <a:xfrm>
+            <a:off x="3429000" y="5930900"/>
+            <a:ext cx="2171700" cy="215900"/>
+          </a:xfrm>
+          <a:prstGeom prst="rect">
+            <a:avLst/>
+          </a:prstGeom>
+          <a:noFill/>
+          <a:ln w="28575">
+            <a:solidFill>
+              <a:srgbClr val="00B050"/>
+            </a:solidFill>
+          </a:ln>
+        </p:spPr>
+        <p:style>
+          <a:lnRef idx="2">
+            <a:schemeClr val="accent1">
+              <a:shade val="50000"/>
+            </a:schemeClr>
+          </a:lnRef>
+          <a:fillRef idx="1">
+            <a:schemeClr val="accent1"/>
+          </a:fillRef>
+          <a:effectRef idx="0">
+            <a:schemeClr val="accent1"/>
+          </a:effectRef>
+          <a:fontRef idx="minor">
+            <a:schemeClr val="lt1"/>
+          </a:fontRef>
+        </p:style>
+        <p:txBody>
+          <a:bodyPr rtlCol="0" anchor="ctr"/>
+          <a:lstStyle/>
+          <a:p>
+            <a:pPr algn="ctr"/>
+            <a:endParaRPr lang="ko-KR" altLang="en-US"/>
+          </a:p>
+        </p:txBody>
+      </p:sp>
+    </p:spTree>
+    <p:extLst>
+      <p:ext uri="{BB962C8B-B14F-4D97-AF65-F5344CB8AC3E}">
+        <p14:creationId xmlns:p14="http://schemas.microsoft.com/office/powerpoint/2010/main" val="658862956"/>
+      </p:ext>
+    </p:extLst>
+  </p:cSld>
+  <p:clrMapOvr>
+    <a:masterClrMapping/>
+  </p:clrMapOvr>
+</p:sld>
+</file>
+
+<file path=ppt/slides/slide36.xml><?xml version="1.0" encoding="utf-8"?>
+<p:sld xmlns:a="http://schemas.openxmlformats.org/drawingml/2006/main" xmlns:r="http://schemas.openxmlformats.org/officeDocument/2006/relationships" xmlns:p="http://schemas.openxmlformats.org/presentationml/2006/main">
+  <p:cSld>
+    <p:spTree>
+      <p:nvGrpSpPr>
+        <p:cNvPr id="1" name=""/>
+        <p:cNvGrpSpPr/>
+        <p:nvPr/>
+      </p:nvGrpSpPr>
+      <p:grpSpPr>
+        <a:xfrm>
+          <a:off x="0" y="0"/>
+          <a:ext cx="0" cy="0"/>
+          <a:chOff x="0" y="0"/>
+          <a:chExt cx="0" cy="0"/>
+        </a:xfrm>
+      </p:grpSpPr>
+      <p:sp>
+        <p:nvSpPr>
+          <p:cNvPr id="2" name="제목 1">
+            <a:extLst>
+              <a:ext uri="{FF2B5EF4-FFF2-40B4-BE49-F238E27FC236}">
+                <a16:creationId xmlns:a16="http://schemas.microsoft.com/office/drawing/2014/main" xmlns="" id="{A677179C-0B7F-4576-82E1-4F9874E66954}"/>
+              </a:ext>
+            </a:extLst>
+          </p:cNvPr>
+          <p:cNvSpPr>
+            <a:spLocks noGrp="1"/>
+          </p:cNvSpPr>
+          <p:nvPr>
+            <p:ph type="title"/>
+          </p:nvPr>
+        </p:nvSpPr>
+        <p:spPr/>
+        <p:txBody>
+          <a:bodyPr/>
+          <a:lstStyle/>
+          <a:p>
+            <a:r>
+              <a:rPr lang="ko-KR" altLang="en-US"/>
+              <a:t>개발 환경</a:t>
+            </a:r>
+          </a:p>
+        </p:txBody>
+      </p:sp>
+      <p:sp>
+        <p:nvSpPr>
+          <p:cNvPr id="3" name="내용 개체 틀 2">
+            <a:extLst>
+              <a:ext uri="{FF2B5EF4-FFF2-40B4-BE49-F238E27FC236}">
+                <a16:creationId xmlns:a16="http://schemas.microsoft.com/office/drawing/2014/main" xmlns="" id="{A4BC5E27-FB89-48B5-AFD9-B8738B883D2A}"/>
+              </a:ext>
+            </a:extLst>
+          </p:cNvPr>
+          <p:cNvSpPr>
+            <a:spLocks noGrp="1"/>
+          </p:cNvSpPr>
+          <p:nvPr>
+            <p:ph idx="1"/>
+          </p:nvPr>
+        </p:nvSpPr>
+        <p:spPr/>
+        <p:txBody>
+          <a:bodyPr/>
+          <a:lstStyle/>
+          <a:p>
+            <a:pPr marL="0" indent="0">
+              <a:buNone/>
+            </a:pPr>
+            <a:r>
+              <a:rPr lang="en-US" altLang="ko-KR" dirty="0"/>
+              <a:t>OS : Ubuntu 16.04</a:t>
+            </a:r>
+          </a:p>
+          <a:p>
+            <a:pPr marL="0" indent="0">
+              <a:buNone/>
+            </a:pPr>
+            <a:r>
+              <a:rPr lang="en-US" altLang="ko-KR" dirty="0"/>
+              <a:t>Tool</a:t>
+            </a:r>
+            <a:r>
+              <a:rPr lang="ko-KR" altLang="en-US" dirty="0"/>
+              <a:t> </a:t>
+            </a:r>
+            <a:r>
+              <a:rPr lang="en-US" altLang="ko-KR" dirty="0"/>
+              <a:t>: </a:t>
+            </a:r>
+            <a:r>
+              <a:rPr lang="en-US" altLang="ko-KR" dirty="0" err="1"/>
+              <a:t>Scapy</a:t>
+            </a:r>
+            <a:r>
+              <a:rPr lang="en-US" altLang="ko-KR" dirty="0"/>
+              <a:t>(python)</a:t>
+            </a:r>
+          </a:p>
+          <a:p>
+            <a:pPr marL="0" indent="0">
+              <a:buNone/>
+            </a:pPr>
+            <a:r>
+              <a:rPr lang="en-US" altLang="ko-KR" dirty="0"/>
+              <a:t>AP : N104Black</a:t>
+            </a:r>
+          </a:p>
+          <a:p>
+            <a:pPr marL="0" indent="0">
+              <a:buNone/>
+            </a:pPr>
+            <a:r>
+              <a:rPr lang="en-US" altLang="ko-KR" dirty="0"/>
+              <a:t>LAN Card : N150UA-4dBi</a:t>
+            </a:r>
+          </a:p>
+          <a:p>
+            <a:pPr marL="0" indent="0">
+              <a:buNone/>
+            </a:pPr>
+            <a:endParaRPr lang="en-US" altLang="ko-KR" dirty="0"/>
+          </a:p>
+          <a:p>
+            <a:pPr marL="0" indent="0">
+              <a:buNone/>
+            </a:pPr>
+            <a:endParaRPr lang="ko-KR" altLang="en-US" dirty="0"/>
+          </a:p>
+        </p:txBody>
+      </p:sp>
+    </p:spTree>
+    <p:extLst>
+      <p:ext uri="{BB962C8B-B14F-4D97-AF65-F5344CB8AC3E}">
+        <p14:creationId xmlns:p14="http://schemas.microsoft.com/office/powerpoint/2010/main" val="2999126263"/>
+      </p:ext>
+    </p:extLst>
+  </p:cSld>
+  <p:clrMapOvr>
+    <a:masterClrMapping/>
+  </p:clrMapOvr>
+  <p:timing>
+    <p:tnLst>
+      <p:par>
+        <p:cTn id="1" dur="indefinite" restart="never" nodeType="tmRoot"/>
+      </p:par>
+    </p:tnLst>
+  </p:timing>
+</p:sld>
+</file>
+
+<file path=ppt/slides/slide37.xml><?xml version="1.0" encoding="utf-8"?>
+<p:sld xmlns:a="http://schemas.openxmlformats.org/drawingml/2006/main" xmlns:r="http://schemas.openxmlformats.org/officeDocument/2006/relationships" xmlns:p="http://schemas.openxmlformats.org/presentationml/2006/main">
+  <p:cSld>
+    <p:spTree>
+      <p:nvGrpSpPr>
+        <p:cNvPr id="1" name=""/>
+        <p:cNvGrpSpPr/>
+        <p:nvPr/>
+      </p:nvGrpSpPr>
+      <p:grpSpPr>
+        <a:xfrm>
+          <a:off x="0" y="0"/>
+          <a:ext cx="0" cy="0"/>
+          <a:chOff x="0" y="0"/>
+          <a:chExt cx="0" cy="0"/>
+        </a:xfrm>
+      </p:grpSpPr>
+      <p:sp>
+        <p:nvSpPr>
+          <p:cNvPr id="2" name="제목 1">
+            <a:extLst>
+              <a:ext uri="{FF2B5EF4-FFF2-40B4-BE49-F238E27FC236}">
+                <a16:creationId xmlns:a16="http://schemas.microsoft.com/office/drawing/2014/main" xmlns="" id="{A677179C-0B7F-4576-82E1-4F9874E66954}"/>
+              </a:ext>
+            </a:extLst>
+          </p:cNvPr>
+          <p:cNvSpPr>
+            <a:spLocks noGrp="1"/>
+          </p:cNvSpPr>
+          <p:nvPr>
+            <p:ph type="title"/>
+          </p:nvPr>
+        </p:nvSpPr>
+        <p:spPr/>
+        <p:txBody>
+          <a:bodyPr/>
+          <a:lstStyle/>
+          <a:p>
+            <a:r>
+              <a:rPr lang="ko-KR" altLang="en-US"/>
+              <a:t>개발 환경</a:t>
+            </a:r>
+          </a:p>
+        </p:txBody>
+      </p:sp>
+      <p:sp>
+        <p:nvSpPr>
+          <p:cNvPr id="3" name="내용 개체 틀 2">
+            <a:extLst>
+              <a:ext uri="{FF2B5EF4-FFF2-40B4-BE49-F238E27FC236}">
+                <a16:creationId xmlns:a16="http://schemas.microsoft.com/office/drawing/2014/main" xmlns="" id="{A4BC5E27-FB89-48B5-AFD9-B8738B883D2A}"/>
+              </a:ext>
+            </a:extLst>
+          </p:cNvPr>
+          <p:cNvSpPr>
+            <a:spLocks noGrp="1"/>
+          </p:cNvSpPr>
+          <p:nvPr>
+            <p:ph idx="1"/>
+          </p:nvPr>
+        </p:nvSpPr>
+        <p:spPr/>
+        <p:txBody>
+          <a:bodyPr/>
+          <a:lstStyle/>
+          <a:p>
+            <a:pPr marL="0" indent="0">
+              <a:buNone/>
+            </a:pPr>
+            <a:r>
+              <a:rPr lang="en-US" altLang="ko-KR" dirty="0"/>
+              <a:t>AP : N104Black</a:t>
+            </a:r>
+          </a:p>
+          <a:p>
+            <a:pPr marL="0" indent="0">
+              <a:buNone/>
+            </a:pPr>
+            <a:endParaRPr lang="en-US" altLang="ko-KR" dirty="0"/>
+          </a:p>
+          <a:p>
+            <a:pPr marL="0" indent="0">
+              <a:buNone/>
+            </a:pPr>
+            <a:endParaRPr lang="ko-KR" altLang="en-US" dirty="0"/>
+          </a:p>
+        </p:txBody>
+      </p:sp>
+      <p:pic>
+        <p:nvPicPr>
+          <p:cNvPr id="4" name="그림 3">
+            <a:extLst>
+              <a:ext uri="{FF2B5EF4-FFF2-40B4-BE49-F238E27FC236}">
+                <a16:creationId xmlns:a16="http://schemas.microsoft.com/office/drawing/2014/main" xmlns="" id="{24DD1E3C-5F11-4C28-9A7A-02BB430022EF}"/>
+              </a:ext>
+            </a:extLst>
+          </p:cNvPr>
+          <p:cNvPicPr>
+            <a:picLocks noChangeAspect="1"/>
+          </p:cNvPicPr>
+          <p:nvPr/>
+        </p:nvPicPr>
+        <p:blipFill>
+          <a:blip r:embed="rId3"/>
           <a:stretch>
             <a:fillRect/>
           </a:stretch>
@@ -8582,7 +11330,145 @@
           <p:cNvPr id="5" name="그림 4">
             <a:extLst>
               <a:ext uri="{FF2B5EF4-FFF2-40B4-BE49-F238E27FC236}">
-                <a16:creationId xmlns:a16="http://schemas.microsoft.com/office/drawing/2014/main" id="{86ED4117-807B-462F-9D70-BEB5C241F41A}"/>
+                <a16:creationId xmlns:a16="http://schemas.microsoft.com/office/drawing/2014/main" xmlns="" id="{86ED4117-807B-462F-9D70-BEB5C241F41A}"/>
+              </a:ext>
+            </a:extLst>
+          </p:cNvPr>
+          <p:cNvPicPr>
+            <a:picLocks noChangeAspect="1"/>
+          </p:cNvPicPr>
+          <p:nvPr/>
+        </p:nvPicPr>
+        <p:blipFill>
+          <a:blip r:embed="rId4"/>
+          <a:stretch>
+            <a:fillRect/>
+          </a:stretch>
+        </p:blipFill>
+        <p:spPr>
+          <a:xfrm>
+            <a:off x="6257925" y="1447800"/>
+            <a:ext cx="5523814" cy="4881903"/>
+          </a:xfrm>
+          <a:prstGeom prst="rect">
+            <a:avLst/>
+          </a:prstGeom>
+        </p:spPr>
+      </p:pic>
+    </p:spTree>
+    <p:extLst>
+      <p:ext uri="{BB962C8B-B14F-4D97-AF65-F5344CB8AC3E}">
+        <p14:creationId xmlns:p14="http://schemas.microsoft.com/office/powerpoint/2010/main" val="1155429256"/>
+      </p:ext>
+    </p:extLst>
+  </p:cSld>
+  <p:clrMapOvr>
+    <a:masterClrMapping/>
+  </p:clrMapOvr>
+  <p:timing>
+    <p:tnLst>
+      <p:par>
+        <p:cTn id="1" dur="indefinite" restart="never" nodeType="tmRoot"/>
+      </p:par>
+    </p:tnLst>
+  </p:timing>
+</p:sld>
+</file>
+
+<file path=ppt/slides/slide38.xml><?xml version="1.0" encoding="utf-8"?>
+<p:sld xmlns:a="http://schemas.openxmlformats.org/drawingml/2006/main" xmlns:r="http://schemas.openxmlformats.org/officeDocument/2006/relationships" xmlns:p="http://schemas.openxmlformats.org/presentationml/2006/main">
+  <p:cSld>
+    <p:spTree>
+      <p:nvGrpSpPr>
+        <p:cNvPr id="1" name=""/>
+        <p:cNvGrpSpPr/>
+        <p:nvPr/>
+      </p:nvGrpSpPr>
+      <p:grpSpPr>
+        <a:xfrm>
+          <a:off x="0" y="0"/>
+          <a:ext cx="0" cy="0"/>
+          <a:chOff x="0" y="0"/>
+          <a:chExt cx="0" cy="0"/>
+        </a:xfrm>
+      </p:grpSpPr>
+      <p:sp>
+        <p:nvSpPr>
+          <p:cNvPr id="2" name="제목 1">
+            <a:extLst>
+              <a:ext uri="{FF2B5EF4-FFF2-40B4-BE49-F238E27FC236}">
+                <a16:creationId xmlns:a16="http://schemas.microsoft.com/office/drawing/2014/main" xmlns="" id="{A677179C-0B7F-4576-82E1-4F9874E66954}"/>
+              </a:ext>
+            </a:extLst>
+          </p:cNvPr>
+          <p:cNvSpPr>
+            <a:spLocks noGrp="1"/>
+          </p:cNvSpPr>
+          <p:nvPr>
+            <p:ph type="title"/>
+          </p:nvPr>
+        </p:nvSpPr>
+        <p:spPr/>
+        <p:txBody>
+          <a:bodyPr/>
+          <a:lstStyle/>
+          <a:p>
+            <a:r>
+              <a:rPr lang="ko-KR" altLang="en-US"/>
+              <a:t>개발 환경</a:t>
+            </a:r>
+          </a:p>
+        </p:txBody>
+      </p:sp>
+      <p:sp>
+        <p:nvSpPr>
+          <p:cNvPr id="3" name="내용 개체 틀 2">
+            <a:extLst>
+              <a:ext uri="{FF2B5EF4-FFF2-40B4-BE49-F238E27FC236}">
+                <a16:creationId xmlns:a16="http://schemas.microsoft.com/office/drawing/2014/main" xmlns="" id="{A4BC5E27-FB89-48B5-AFD9-B8738B883D2A}"/>
+              </a:ext>
+            </a:extLst>
+          </p:cNvPr>
+          <p:cNvSpPr>
+            <a:spLocks noGrp="1"/>
+          </p:cNvSpPr>
+          <p:nvPr>
+            <p:ph idx="1"/>
+          </p:nvPr>
+        </p:nvSpPr>
+        <p:spPr/>
+        <p:txBody>
+          <a:bodyPr/>
+          <a:lstStyle/>
+          <a:p>
+            <a:pPr marL="0" indent="0">
+              <a:buNone/>
+            </a:pPr>
+            <a:r>
+              <a:rPr lang="en-US" altLang="ko-KR" dirty="0"/>
+              <a:t>AP : N104Black</a:t>
+            </a:r>
+          </a:p>
+          <a:p>
+            <a:pPr marL="0" indent="0">
+              <a:buNone/>
+            </a:pPr>
+            <a:endParaRPr lang="en-US" altLang="ko-KR" dirty="0"/>
+          </a:p>
+          <a:p>
+            <a:pPr marL="0" indent="0">
+              <a:buNone/>
+            </a:pPr>
+            <a:endParaRPr lang="ko-KR" altLang="en-US" dirty="0"/>
+          </a:p>
+        </p:txBody>
+      </p:sp>
+      <p:pic>
+        <p:nvPicPr>
+          <p:cNvPr id="4" name="그림 3">
+            <a:extLst>
+              <a:ext uri="{FF2B5EF4-FFF2-40B4-BE49-F238E27FC236}">
+                <a16:creationId xmlns:a16="http://schemas.microsoft.com/office/drawing/2014/main" xmlns="" id="{24DD1E3C-5F11-4C28-9A7A-02BB430022EF}"/>
               </a:ext>
             </a:extLst>
           </p:cNvPr>
@@ -8593,6 +11479,36 @@
         </p:nvPicPr>
         <p:blipFill>
           <a:blip r:embed="rId3"/>
+          <a:stretch>
+            <a:fillRect/>
+          </a:stretch>
+        </p:blipFill>
+        <p:spPr>
+          <a:xfrm>
+            <a:off x="838202" y="2330109"/>
+            <a:ext cx="5419723" cy="3342369"/>
+          </a:xfrm>
+          <a:prstGeom prst="rect">
+            <a:avLst/>
+          </a:prstGeom>
+        </p:spPr>
+      </p:pic>
+      <p:pic>
+        <p:nvPicPr>
+          <p:cNvPr id="5" name="그림 4">
+            <a:extLst>
+              <a:ext uri="{FF2B5EF4-FFF2-40B4-BE49-F238E27FC236}">
+                <a16:creationId xmlns:a16="http://schemas.microsoft.com/office/drawing/2014/main" xmlns="" id="{86ED4117-807B-462F-9D70-BEB5C241F41A}"/>
+              </a:ext>
+            </a:extLst>
+          </p:cNvPr>
+          <p:cNvPicPr>
+            <a:picLocks noChangeAspect="1"/>
+          </p:cNvPicPr>
+          <p:nvPr/>
+        </p:nvPicPr>
+        <p:blipFill>
+          <a:blip r:embed="rId4"/>
           <a:stretch>
             <a:fillRect/>
           </a:stretch>
@@ -8612,7 +11528,7 @@
           <p:cNvPr id="6" name="Picture 4" descr="EFM네트웍스 아이피타임 N104 Black 이미지">
             <a:extLst>
               <a:ext uri="{FF2B5EF4-FFF2-40B4-BE49-F238E27FC236}">
-                <a16:creationId xmlns:a16="http://schemas.microsoft.com/office/drawing/2014/main" id="{C96F66EA-03AA-4F5A-87CC-40049C7729F5}"/>
+                <a16:creationId xmlns:a16="http://schemas.microsoft.com/office/drawing/2014/main" xmlns="" id="{C96F66EA-03AA-4F5A-87CC-40049C7729F5}"/>
               </a:ext>
             </a:extLst>
           </p:cNvPr>
@@ -8622,7 +11538,7 @@
           <p:nvPr/>
         </p:nvPicPr>
         <p:blipFill>
-          <a:blip r:embed="rId4">
+          <a:blip r:embed="rId5">
             <a:extLst>
               <a:ext uri="{28A0092B-C50C-407E-A947-70E740481C1C}">
                 <a14:useLocalDpi xmlns:a14="http://schemas.microsoft.com/office/drawing/2010/main" val="0"/>
@@ -8664,6 +11580,272 @@
   <p:clrMapOvr>
     <a:masterClrMapping/>
   </p:clrMapOvr>
+  <p:timing>
+    <p:tnLst>
+      <p:par>
+        <p:cTn id="1" dur="indefinite" restart="never" nodeType="tmRoot"/>
+      </p:par>
+    </p:tnLst>
+  </p:timing>
+</p:sld>
+</file>
+
+<file path=ppt/slides/slide39.xml><?xml version="1.0" encoding="utf-8"?>
+<p:sld xmlns:a="http://schemas.openxmlformats.org/drawingml/2006/main" xmlns:r="http://schemas.openxmlformats.org/officeDocument/2006/relationships" xmlns:p="http://schemas.openxmlformats.org/presentationml/2006/main">
+  <p:cSld>
+    <p:spTree>
+      <p:nvGrpSpPr>
+        <p:cNvPr id="1" name=""/>
+        <p:cNvGrpSpPr/>
+        <p:nvPr/>
+      </p:nvGrpSpPr>
+      <p:grpSpPr>
+        <a:xfrm>
+          <a:off x="0" y="0"/>
+          <a:ext cx="0" cy="0"/>
+          <a:chOff x="0" y="0"/>
+          <a:chExt cx="0" cy="0"/>
+        </a:xfrm>
+      </p:grpSpPr>
+      <p:sp>
+        <p:nvSpPr>
+          <p:cNvPr id="2" name="제목 1">
+            <a:extLst>
+              <a:ext uri="{FF2B5EF4-FFF2-40B4-BE49-F238E27FC236}">
+                <a16:creationId xmlns:a16="http://schemas.microsoft.com/office/drawing/2014/main" xmlns="" id="{A677179C-0B7F-4576-82E1-4F9874E66954}"/>
+              </a:ext>
+            </a:extLst>
+          </p:cNvPr>
+          <p:cNvSpPr>
+            <a:spLocks noGrp="1"/>
+          </p:cNvSpPr>
+          <p:nvPr>
+            <p:ph type="title"/>
+          </p:nvPr>
+        </p:nvSpPr>
+        <p:spPr/>
+        <p:txBody>
+          <a:bodyPr/>
+          <a:lstStyle/>
+          <a:p>
+            <a:r>
+              <a:rPr lang="ko-KR" altLang="en-US"/>
+              <a:t>개발 환경</a:t>
+            </a:r>
+          </a:p>
+        </p:txBody>
+      </p:sp>
+      <p:sp>
+        <p:nvSpPr>
+          <p:cNvPr id="3" name="내용 개체 틀 2">
+            <a:extLst>
+              <a:ext uri="{FF2B5EF4-FFF2-40B4-BE49-F238E27FC236}">
+                <a16:creationId xmlns:a16="http://schemas.microsoft.com/office/drawing/2014/main" xmlns="" id="{A4BC5E27-FB89-48B5-AFD9-B8738B883D2A}"/>
+              </a:ext>
+            </a:extLst>
+          </p:cNvPr>
+          <p:cNvSpPr>
+            <a:spLocks noGrp="1"/>
+          </p:cNvSpPr>
+          <p:nvPr>
+            <p:ph idx="1"/>
+          </p:nvPr>
+        </p:nvSpPr>
+        <p:spPr/>
+        <p:txBody>
+          <a:bodyPr/>
+          <a:lstStyle/>
+          <a:p>
+            <a:pPr marL="0" indent="0">
+              <a:buNone/>
+            </a:pPr>
+            <a:r>
+              <a:rPr lang="en-US" altLang="ko-KR" dirty="0"/>
+              <a:t>LAN Card : N150UA-4dBi</a:t>
+            </a:r>
+          </a:p>
+          <a:p>
+            <a:pPr marL="0" indent="0">
+              <a:buNone/>
+            </a:pPr>
+            <a:endParaRPr lang="en-US" altLang="ko-KR" dirty="0"/>
+          </a:p>
+          <a:p>
+            <a:pPr marL="0" indent="0">
+              <a:buNone/>
+            </a:pPr>
+            <a:endParaRPr lang="ko-KR" altLang="en-US" dirty="0"/>
+          </a:p>
+        </p:txBody>
+      </p:sp>
+      <p:pic>
+        <p:nvPicPr>
+          <p:cNvPr id="4" name="그림 3">
+            <a:extLst>
+              <a:ext uri="{FF2B5EF4-FFF2-40B4-BE49-F238E27FC236}">
+                <a16:creationId xmlns:a16="http://schemas.microsoft.com/office/drawing/2014/main" xmlns="" id="{4588E2B5-0F48-402A-A342-809CB81AC325}"/>
+              </a:ext>
+            </a:extLst>
+          </p:cNvPr>
+          <p:cNvPicPr>
+            <a:picLocks noChangeAspect="1"/>
+          </p:cNvPicPr>
+          <p:nvPr/>
+        </p:nvPicPr>
+        <p:blipFill>
+          <a:blip r:embed="rId3"/>
+          <a:stretch>
+            <a:fillRect/>
+          </a:stretch>
+        </p:blipFill>
+        <p:spPr>
+          <a:xfrm>
+            <a:off x="5478508" y="85725"/>
+            <a:ext cx="6378483" cy="6858000"/>
+          </a:xfrm>
+          <a:prstGeom prst="rect">
+            <a:avLst/>
+          </a:prstGeom>
+        </p:spPr>
+      </p:pic>
+    </p:spTree>
+    <p:extLst>
+      <p:ext uri="{BB962C8B-B14F-4D97-AF65-F5344CB8AC3E}">
+        <p14:creationId xmlns:p14="http://schemas.microsoft.com/office/powerpoint/2010/main" val="2748082201"/>
+      </p:ext>
+    </p:extLst>
+  </p:cSld>
+  <p:clrMapOvr>
+    <a:masterClrMapping/>
+  </p:clrMapOvr>
+  <p:timing>
+    <p:tnLst>
+      <p:par>
+        <p:cTn id="1" dur="indefinite" restart="never" nodeType="tmRoot"/>
+      </p:par>
+    </p:tnLst>
+  </p:timing>
+</p:sld>
+</file>
+
+<file path=ppt/slides/slide4.xml><?xml version="1.0" encoding="utf-8"?>
+<p:sld xmlns:a="http://schemas.openxmlformats.org/drawingml/2006/main" xmlns:r="http://schemas.openxmlformats.org/officeDocument/2006/relationships" xmlns:p="http://schemas.openxmlformats.org/presentationml/2006/main">
+  <p:cSld>
+    <p:spTree>
+      <p:nvGrpSpPr>
+        <p:cNvPr id="1" name=""/>
+        <p:cNvGrpSpPr/>
+        <p:nvPr/>
+      </p:nvGrpSpPr>
+      <p:grpSpPr>
+        <a:xfrm>
+          <a:off x="0" y="0"/>
+          <a:ext cx="0" cy="0"/>
+          <a:chOff x="0" y="0"/>
+          <a:chExt cx="0" cy="0"/>
+        </a:xfrm>
+      </p:grpSpPr>
+      <p:sp>
+        <p:nvSpPr>
+          <p:cNvPr id="2" name="제목 1">
+            <a:extLst>
+              <a:ext uri="{FF2B5EF4-FFF2-40B4-BE49-F238E27FC236}">
+                <a16:creationId xmlns:a16="http://schemas.microsoft.com/office/drawing/2014/main" xmlns="" id="{82BE6E73-7BCB-425E-B802-AC2DA0BC1C50}"/>
+              </a:ext>
+            </a:extLst>
+          </p:cNvPr>
+          <p:cNvSpPr>
+            <a:spLocks noGrp="1"/>
+          </p:cNvSpPr>
+          <p:nvPr>
+            <p:ph type="title"/>
+          </p:nvPr>
+        </p:nvSpPr>
+        <p:spPr/>
+        <p:txBody>
+          <a:bodyPr/>
+          <a:lstStyle/>
+          <a:p>
+            <a:r>
+              <a:rPr lang="en-US" altLang="ko-KR"/>
+              <a:t>Fuzzing</a:t>
+            </a:r>
+            <a:endParaRPr lang="ko-KR" altLang="en-US"/>
+          </a:p>
+        </p:txBody>
+      </p:sp>
+      <p:sp>
+        <p:nvSpPr>
+          <p:cNvPr id="3" name="TextBox 2">
+            <a:extLst>
+              <a:ext uri="{FF2B5EF4-FFF2-40B4-BE49-F238E27FC236}">
+                <a16:creationId xmlns:a16="http://schemas.microsoft.com/office/drawing/2014/main" xmlns="" id="{1539FD28-6723-4D37-814C-4EE2E1CDCCB7}"/>
+              </a:ext>
+            </a:extLst>
+          </p:cNvPr>
+          <p:cNvSpPr txBox="1"/>
+          <p:nvPr/>
+        </p:nvSpPr>
+        <p:spPr>
+          <a:xfrm>
+            <a:off x="838200" y="1690688"/>
+            <a:ext cx="9946954" cy="2785378"/>
+          </a:xfrm>
+          <a:prstGeom prst="rect">
+            <a:avLst/>
+          </a:prstGeom>
+          <a:noFill/>
+        </p:spPr>
+        <p:txBody>
+          <a:bodyPr wrap="none" rtlCol="0">
+            <a:spAutoFit/>
+          </a:bodyPr>
+          <a:lstStyle/>
+          <a:p>
+            <a:r>
+              <a:rPr lang="ko-KR" altLang="en-US" sz="3500"/>
+              <a:t>애플리케이션에 입력된 데이터가 보풀을 일으켜 </a:t>
+            </a:r>
+            <a:endParaRPr lang="en-US" altLang="ko-KR" sz="3500"/>
+          </a:p>
+          <a:p>
+            <a:r>
+              <a:rPr lang="ko-KR" altLang="en-US" sz="3500"/>
+              <a:t>어떠한 특정 상태를 만든다는 의미</a:t>
+            </a:r>
+            <a:r>
+              <a:rPr lang="en-US" altLang="ko-KR" sz="3500"/>
+              <a:t>.</a:t>
+            </a:r>
+          </a:p>
+          <a:p>
+            <a:endParaRPr lang="en-US" altLang="ko-KR" sz="3500"/>
+          </a:p>
+          <a:p>
+            <a:r>
+              <a:rPr lang="ko-KR" altLang="en-US" sz="3500"/>
+              <a:t>비정상적인 데이터를 </a:t>
+            </a:r>
+            <a:endParaRPr lang="en-US" altLang="ko-KR" sz="3500"/>
+          </a:p>
+          <a:p>
+            <a:r>
+              <a:rPr lang="ko-KR" altLang="en-US" sz="3500"/>
+              <a:t>애플리케이션에 전달하여 에러를 유도하는 방법</a:t>
+            </a:r>
+          </a:p>
+        </p:txBody>
+      </p:sp>
+    </p:spTree>
+    <p:extLst>
+      <p:ext uri="{BB962C8B-B14F-4D97-AF65-F5344CB8AC3E}">
+        <p14:creationId xmlns:p14="http://schemas.microsoft.com/office/powerpoint/2010/main" val="3560924733"/>
+      </p:ext>
+    </p:extLst>
+  </p:cSld>
+  <p:clrMapOvr>
+    <a:masterClrMapping/>
+  </p:clrMapOvr>
 </p:sld>
 </file>
 
@@ -8689,7 +11871,7 @@
           <p:cNvPr id="2" name="제목 1">
             <a:extLst>
               <a:ext uri="{FF2B5EF4-FFF2-40B4-BE49-F238E27FC236}">
-                <a16:creationId xmlns:a16="http://schemas.microsoft.com/office/drawing/2014/main" id="{B1CE2D2E-EBAE-420A-AF8E-725A4D2A30A4}"/>
+                <a16:creationId xmlns:a16="http://schemas.microsoft.com/office/drawing/2014/main" xmlns="" id="{A677179C-0B7F-4576-82E1-4F9874E66954}"/>
               </a:ext>
             </a:extLst>
           </p:cNvPr>
@@ -8706,203 +11888,106 @@
           <a:lstStyle/>
           <a:p>
             <a:r>
-              <a:rPr lang="en-US" altLang="ko-KR"/>
-              <a:t>802.11 MAC Frame Structure</a:t>
-            </a:r>
-            <a:endParaRPr lang="ko-KR" altLang="en-US"/>
+              <a:rPr lang="ko-KR" altLang="en-US"/>
+              <a:t>개발 환경</a:t>
+            </a:r>
+          </a:p>
+        </p:txBody>
+      </p:sp>
+      <p:sp>
+        <p:nvSpPr>
+          <p:cNvPr id="3" name="내용 개체 틀 2">
+            <a:extLst>
+              <a:ext uri="{FF2B5EF4-FFF2-40B4-BE49-F238E27FC236}">
+                <a16:creationId xmlns:a16="http://schemas.microsoft.com/office/drawing/2014/main" xmlns="" id="{A4BC5E27-FB89-48B5-AFD9-B8738B883D2A}"/>
+              </a:ext>
+            </a:extLst>
+          </p:cNvPr>
+          <p:cNvSpPr>
+            <a:spLocks noGrp="1"/>
+          </p:cNvSpPr>
+          <p:nvPr>
+            <p:ph idx="1"/>
+          </p:nvPr>
+        </p:nvSpPr>
+        <p:spPr/>
+        <p:txBody>
+          <a:bodyPr/>
+          <a:lstStyle/>
+          <a:p>
+            <a:pPr marL="0" indent="0">
+              <a:buNone/>
+            </a:pPr>
+            <a:r>
+              <a:rPr lang="en-US" altLang="ko-KR" dirty="0"/>
+              <a:t>LAN Card : N150UA-4dBi</a:t>
+            </a:r>
+          </a:p>
+          <a:p>
+            <a:pPr marL="0" indent="0">
+              <a:buNone/>
+            </a:pPr>
+            <a:endParaRPr lang="en-US" altLang="ko-KR" dirty="0"/>
+          </a:p>
+          <a:p>
+            <a:pPr marL="0" indent="0">
+              <a:buNone/>
+            </a:pPr>
+            <a:endParaRPr lang="ko-KR" altLang="en-US" dirty="0"/>
           </a:p>
         </p:txBody>
       </p:sp>
       <p:pic>
         <p:nvPicPr>
-          <p:cNvPr id="3" name="그림 2">
-            <a:extLst>
-              <a:ext uri="{FF2B5EF4-FFF2-40B4-BE49-F238E27FC236}">
-                <a16:creationId xmlns:a16="http://schemas.microsoft.com/office/drawing/2014/main" id="{BC065479-5AF1-4002-A024-3D05CF292259}"/>
+          <p:cNvPr id="2052" name="Picture 4" descr="EFM네트웍스 아이피타임 N150UA-4dBi 이미지">
+            <a:extLst>
+              <a:ext uri="{FF2B5EF4-FFF2-40B4-BE49-F238E27FC236}">
+                <a16:creationId xmlns:a16="http://schemas.microsoft.com/office/drawing/2014/main" xmlns="" id="{698993C0-0F71-4AA7-A904-BAA54E46969A}"/>
               </a:ext>
             </a:extLst>
           </p:cNvPr>
           <p:cNvPicPr>
-            <a:picLocks noChangeAspect="1"/>
+            <a:picLocks noChangeAspect="1" noChangeArrowheads="1"/>
           </p:cNvPicPr>
           <p:nvPr/>
         </p:nvPicPr>
         <p:blipFill>
-          <a:blip r:embed="rId2"/>
+          <a:blip r:embed="rId2">
+            <a:extLst>
+              <a:ext uri="{28A0092B-C50C-407E-A947-70E740481C1C}">
+                <a14:useLocalDpi xmlns:a14="http://schemas.microsoft.com/office/drawing/2010/main" val="0"/>
+              </a:ext>
+            </a:extLst>
+          </a:blip>
+          <a:srcRect/>
           <a:stretch>
             <a:fillRect/>
           </a:stretch>
         </p:blipFill>
-        <p:spPr>
+        <p:spPr bwMode="auto">
           <a:xfrm>
-            <a:off x="838200" y="1281906"/>
-            <a:ext cx="9880600" cy="5274024"/>
-          </a:xfrm>
-          <a:prstGeom prst="rect">
-            <a:avLst/>
-          </a:prstGeom>
-        </p:spPr>
-      </p:pic>
-      <p:sp>
-        <p:nvSpPr>
-          <p:cNvPr id="4" name="직사각형 3">
-            <a:extLst>
-              <a:ext uri="{FF2B5EF4-FFF2-40B4-BE49-F238E27FC236}">
-                <a16:creationId xmlns:a16="http://schemas.microsoft.com/office/drawing/2014/main" id="{4208BAC7-CF90-4FCD-8FB8-CAC90EED4374}"/>
-              </a:ext>
-            </a:extLst>
-          </p:cNvPr>
-          <p:cNvSpPr/>
-          <p:nvPr/>
-        </p:nvSpPr>
-        <p:spPr>
-          <a:xfrm>
-            <a:off x="3429000" y="4025900"/>
-            <a:ext cx="2641600" cy="406400"/>
+            <a:off x="838201" y="1690687"/>
+            <a:ext cx="9305923" cy="4243387"/>
           </a:xfrm>
           <a:prstGeom prst="rect">
             <a:avLst/>
           </a:prstGeom>
           <a:noFill/>
-          <a:ln w="28575">
-            <a:solidFill>
-              <a:srgbClr val="FF0000"/>
-            </a:solidFill>
-          </a:ln>
+          <a:extLst>
+            <a:ext uri="{909E8E84-426E-40DD-AFC4-6F175D3DCCD1}">
+              <a14:hiddenFill xmlns:a14="http://schemas.microsoft.com/office/drawing/2010/main">
+                <a:solidFill>
+                  <a:srgbClr val="FFFFFF"/>
+                </a:solidFill>
+              </a14:hiddenFill>
+            </a:ext>
+          </a:extLst>
         </p:spPr>
-        <p:style>
-          <a:lnRef idx="2">
-            <a:schemeClr val="accent1">
-              <a:shade val="50000"/>
-            </a:schemeClr>
-          </a:lnRef>
-          <a:fillRef idx="1">
-            <a:schemeClr val="accent1"/>
-          </a:fillRef>
-          <a:effectRef idx="0">
-            <a:schemeClr val="accent1"/>
-          </a:effectRef>
-          <a:fontRef idx="minor">
-            <a:schemeClr val="lt1"/>
-          </a:fontRef>
-        </p:style>
-        <p:txBody>
-          <a:bodyPr rtlCol="0" anchor="ctr"/>
-          <a:lstStyle/>
-          <a:p>
-            <a:pPr algn="ctr"/>
-            <a:endParaRPr lang="ko-KR" altLang="en-US"/>
-          </a:p>
-        </p:txBody>
-      </p:sp>
-      <p:sp>
-        <p:nvSpPr>
-          <p:cNvPr id="5" name="직사각형 4">
-            <a:extLst>
-              <a:ext uri="{FF2B5EF4-FFF2-40B4-BE49-F238E27FC236}">
-                <a16:creationId xmlns:a16="http://schemas.microsoft.com/office/drawing/2014/main" id="{7B74950A-5430-4E5C-9A31-FD7D96AFAB46}"/>
-              </a:ext>
-            </a:extLst>
-          </p:cNvPr>
-          <p:cNvSpPr/>
-          <p:nvPr/>
-        </p:nvSpPr>
-        <p:spPr>
-          <a:xfrm>
-            <a:off x="3390900" y="4864100"/>
-            <a:ext cx="2882900" cy="406400"/>
-          </a:xfrm>
-          <a:prstGeom prst="rect">
-            <a:avLst/>
-          </a:prstGeom>
-          <a:noFill/>
-          <a:ln w="28575">
-            <a:solidFill>
-              <a:srgbClr val="FFFF00"/>
-            </a:solidFill>
-          </a:ln>
-        </p:spPr>
-        <p:style>
-          <a:lnRef idx="2">
-            <a:schemeClr val="accent1">
-              <a:shade val="50000"/>
-            </a:schemeClr>
-          </a:lnRef>
-          <a:fillRef idx="1">
-            <a:schemeClr val="accent1"/>
-          </a:fillRef>
-          <a:effectRef idx="0">
-            <a:schemeClr val="accent1"/>
-          </a:effectRef>
-          <a:fontRef idx="minor">
-            <a:schemeClr val="lt1"/>
-          </a:fontRef>
-        </p:style>
-        <p:txBody>
-          <a:bodyPr rtlCol="0" anchor="ctr"/>
-          <a:lstStyle/>
-          <a:p>
-            <a:pPr algn="ctr"/>
-            <a:endParaRPr lang="ko-KR" altLang="en-US"/>
-          </a:p>
-        </p:txBody>
-      </p:sp>
-      <p:sp>
-        <p:nvSpPr>
-          <p:cNvPr id="6" name="직사각형 5">
-            <a:extLst>
-              <a:ext uri="{FF2B5EF4-FFF2-40B4-BE49-F238E27FC236}">
-                <a16:creationId xmlns:a16="http://schemas.microsoft.com/office/drawing/2014/main" id="{CFDAA2C5-546D-4A99-BE10-03BE9FFF8206}"/>
-              </a:ext>
-            </a:extLst>
-          </p:cNvPr>
-          <p:cNvSpPr/>
-          <p:nvPr/>
-        </p:nvSpPr>
-        <p:spPr>
-          <a:xfrm>
-            <a:off x="3429000" y="5930900"/>
-            <a:ext cx="2171700" cy="215900"/>
-          </a:xfrm>
-          <a:prstGeom prst="rect">
-            <a:avLst/>
-          </a:prstGeom>
-          <a:noFill/>
-          <a:ln w="28575">
-            <a:solidFill>
-              <a:srgbClr val="00B050"/>
-            </a:solidFill>
-          </a:ln>
-        </p:spPr>
-        <p:style>
-          <a:lnRef idx="2">
-            <a:schemeClr val="accent1">
-              <a:shade val="50000"/>
-            </a:schemeClr>
-          </a:lnRef>
-          <a:fillRef idx="1">
-            <a:schemeClr val="accent1"/>
-          </a:fillRef>
-          <a:effectRef idx="0">
-            <a:schemeClr val="accent1"/>
-          </a:effectRef>
-          <a:fontRef idx="minor">
-            <a:schemeClr val="lt1"/>
-          </a:fontRef>
-        </p:style>
-        <p:txBody>
-          <a:bodyPr rtlCol="0" anchor="ctr"/>
-          <a:lstStyle/>
-          <a:p>
-            <a:pPr algn="ctr"/>
-            <a:endParaRPr lang="ko-KR" altLang="en-US"/>
-          </a:p>
-        </p:txBody>
-      </p:sp>
+      </p:pic>
     </p:spTree>
     <p:extLst>
       <p:ext uri="{BB962C8B-B14F-4D97-AF65-F5344CB8AC3E}">
-        <p14:creationId xmlns:p14="http://schemas.microsoft.com/office/powerpoint/2010/main" val="658862956"/>
+        <p14:creationId xmlns:p14="http://schemas.microsoft.com/office/powerpoint/2010/main" val="3346947794"/>
       </p:ext>
     </p:extLst>
   </p:cSld>
@@ -8934,7 +12019,7 @@
           <p:cNvPr id="2" name="제목 1">
             <a:extLst>
               <a:ext uri="{FF2B5EF4-FFF2-40B4-BE49-F238E27FC236}">
-                <a16:creationId xmlns:a16="http://schemas.microsoft.com/office/drawing/2014/main" id="{80E336D5-AC1E-411D-A5BD-ED29BA1E82D6}"/>
+                <a16:creationId xmlns:a16="http://schemas.microsoft.com/office/drawing/2014/main" xmlns="" id="{80E336D5-AC1E-411D-A5BD-ED29BA1E82D6}"/>
               </a:ext>
             </a:extLst>
           </p:cNvPr>
@@ -9001,7 +12086,7 @@
           <p:cNvPr id="5" name="그림 4">
             <a:extLst>
               <a:ext uri="{FF2B5EF4-FFF2-40B4-BE49-F238E27FC236}">
-                <a16:creationId xmlns:a16="http://schemas.microsoft.com/office/drawing/2014/main" id="{68FEDC4E-8529-4A6B-A381-01B856D7F450}"/>
+                <a16:creationId xmlns:a16="http://schemas.microsoft.com/office/drawing/2014/main" xmlns="" id="{68FEDC4E-8529-4A6B-A381-01B856D7F450}"/>
               </a:ext>
             </a:extLst>
           </p:cNvPr>
@@ -9061,7 +12146,7 @@
           <p:cNvPr id="2" name="제목 1">
             <a:extLst>
               <a:ext uri="{FF2B5EF4-FFF2-40B4-BE49-F238E27FC236}">
-                <a16:creationId xmlns:a16="http://schemas.microsoft.com/office/drawing/2014/main" id="{7E951561-C521-4F6F-8F39-3552277F97F1}"/>
+                <a16:creationId xmlns:a16="http://schemas.microsoft.com/office/drawing/2014/main" xmlns="" id="{7E951561-C521-4F6F-8F39-3552277F97F1}"/>
               </a:ext>
             </a:extLst>
           </p:cNvPr>
@@ -9128,7 +12213,7 @@
           <p:cNvPr id="4" name="그림 3">
             <a:extLst>
               <a:ext uri="{FF2B5EF4-FFF2-40B4-BE49-F238E27FC236}">
-                <a16:creationId xmlns:a16="http://schemas.microsoft.com/office/drawing/2014/main" id="{37095F6E-440B-4ADD-A2BB-C3268F81D5B0}"/>
+                <a16:creationId xmlns:a16="http://schemas.microsoft.com/office/drawing/2014/main" xmlns="" id="{37095F6E-440B-4ADD-A2BB-C3268F81D5B0}"/>
               </a:ext>
             </a:extLst>
           </p:cNvPr>
@@ -9745,7 +12830,7 @@
           <p:cNvPr id="2" name="제목 1">
             <a:extLst>
               <a:ext uri="{FF2B5EF4-FFF2-40B4-BE49-F238E27FC236}">
-                <a16:creationId xmlns:a16="http://schemas.microsoft.com/office/drawing/2014/main" id="{A677179C-0B7F-4576-82E1-4F9874E66954}"/>
+                <a16:creationId xmlns:a16="http://schemas.microsoft.com/office/drawing/2014/main" xmlns="" id="{82BE6E73-7BCB-425E-B802-AC2DA0BC1C50}"/>
               </a:ext>
             </a:extLst>
           </p:cNvPr>
@@ -9756,95 +12841,178 @@
             <p:ph type="title"/>
           </p:nvPr>
         </p:nvSpPr>
-        <p:spPr/>
-        <p:txBody>
-          <a:bodyPr/>
-          <a:lstStyle/>
-          <a:p>
-            <a:r>
-              <a:rPr lang="ko-KR" altLang="en-US"/>
-              <a:t>개발 환경</a:t>
-            </a:r>
-          </a:p>
-        </p:txBody>
-      </p:sp>
-      <p:sp>
-        <p:nvSpPr>
-          <p:cNvPr id="3" name="내용 개체 틀 2">
-            <a:extLst>
-              <a:ext uri="{FF2B5EF4-FFF2-40B4-BE49-F238E27FC236}">
-                <a16:creationId xmlns:a16="http://schemas.microsoft.com/office/drawing/2014/main" id="{A4BC5E27-FB89-48B5-AFD9-B8738B883D2A}"/>
-              </a:ext>
-            </a:extLst>
-          </p:cNvPr>
-          <p:cNvSpPr>
-            <a:spLocks noGrp="1"/>
-          </p:cNvSpPr>
-          <p:nvPr>
-            <p:ph idx="1"/>
-          </p:nvPr>
-        </p:nvSpPr>
-        <p:spPr/>
-        <p:txBody>
-          <a:bodyPr/>
-          <a:lstStyle/>
-          <a:p>
-            <a:pPr marL="0" indent="0">
-              <a:buNone/>
-            </a:pPr>
-            <a:r>
-              <a:rPr lang="en-US" altLang="ko-KR" dirty="0"/>
-              <a:t>LAN Card : N150UA-4dBi</a:t>
-            </a:r>
-          </a:p>
-          <a:p>
-            <a:pPr marL="0" indent="0">
-              <a:buNone/>
-            </a:pPr>
-            <a:endParaRPr lang="en-US" altLang="ko-KR" dirty="0"/>
-          </a:p>
-          <a:p>
-            <a:pPr marL="0" indent="0">
-              <a:buNone/>
-            </a:pPr>
-            <a:endParaRPr lang="ko-KR" altLang="en-US" dirty="0"/>
-          </a:p>
-        </p:txBody>
-      </p:sp>
-      <p:pic>
-        <p:nvPicPr>
-          <p:cNvPr id="4" name="그림 3">
-            <a:extLst>
-              <a:ext uri="{FF2B5EF4-FFF2-40B4-BE49-F238E27FC236}">
-                <a16:creationId xmlns:a16="http://schemas.microsoft.com/office/drawing/2014/main" id="{4588E2B5-0F48-402A-A342-809CB81AC325}"/>
-              </a:ext>
-            </a:extLst>
-          </p:cNvPr>
-          <p:cNvPicPr>
-            <a:picLocks noChangeAspect="1"/>
-          </p:cNvPicPr>
-          <p:nvPr/>
-        </p:nvPicPr>
-        <p:blipFill>
-          <a:blip r:embed="rId2"/>
-          <a:stretch>
-            <a:fillRect/>
-          </a:stretch>
-        </p:blipFill>
         <p:spPr>
           <a:xfrm>
-            <a:off x="5478508" y="85725"/>
-            <a:ext cx="6378483" cy="6858000"/>
+            <a:off x="838200" y="365125"/>
+            <a:ext cx="10515600" cy="1325563"/>
+          </a:xfrm>
+        </p:spPr>
+        <p:txBody>
+          <a:bodyPr/>
+          <a:lstStyle/>
+          <a:p>
+            <a:r>
+              <a:rPr lang="en-US" altLang="ko-KR"/>
+              <a:t>Fuzzing Type</a:t>
+            </a:r>
+            <a:endParaRPr lang="ko-KR" altLang="en-US"/>
+          </a:p>
+        </p:txBody>
+      </p:sp>
+      <p:sp>
+        <p:nvSpPr>
+          <p:cNvPr id="4" name="TextBox 3">
+            <a:extLst>
+              <a:ext uri="{FF2B5EF4-FFF2-40B4-BE49-F238E27FC236}">
+                <a16:creationId xmlns:a16="http://schemas.microsoft.com/office/drawing/2014/main" xmlns="" id="{DB445C6C-7B36-4D9D-A73D-C70DFEE8D292}"/>
+              </a:ext>
+            </a:extLst>
+          </p:cNvPr>
+          <p:cNvSpPr txBox="1"/>
+          <p:nvPr/>
+        </p:nvSpPr>
+        <p:spPr>
+          <a:xfrm>
+            <a:off x="2222500" y="1854200"/>
+            <a:ext cx="9542997" cy="4247317"/>
           </a:xfrm>
           <a:prstGeom prst="rect">
             <a:avLst/>
           </a:prstGeom>
+          <a:noFill/>
         </p:spPr>
-      </p:pic>
+        <p:txBody>
+          <a:bodyPr wrap="none" rtlCol="0">
+            <a:spAutoFit/>
+          </a:bodyPr>
+          <a:lstStyle/>
+          <a:p>
+            <a:r>
+              <a:rPr lang="ko-KR" altLang="en-US" sz="3000"/>
+              <a:t> * 로컬 </a:t>
+            </a:r>
+            <a:r>
+              <a:rPr lang="en-US" altLang="ko-KR" sz="3000" err="1"/>
+              <a:t>Fuzzer</a:t>
+            </a:r>
+            <a:r>
+              <a:rPr lang="ko-KR" altLang="en-US" sz="3000"/>
+              <a:t/>
+            </a:r>
+            <a:br>
+              <a:rPr lang="ko-KR" altLang="en-US" sz="3000"/>
+            </a:br>
+            <a:r>
+              <a:rPr lang="ko-KR" altLang="en-US" sz="3000"/>
+              <a:t>  </a:t>
+            </a:r>
+            <a:r>
+              <a:rPr lang="en-US" altLang="ko-KR" sz="3000"/>
+              <a:t>- </a:t>
+            </a:r>
+            <a:r>
+              <a:rPr lang="ko-KR" altLang="en-US" sz="3000"/>
+              <a:t>프로그램 실행 변수</a:t>
+            </a:r>
+            <a:r>
+              <a:rPr lang="en-US" altLang="ko-KR" sz="3000"/>
+              <a:t>(Command-Line) </a:t>
+            </a:r>
+            <a:r>
+              <a:rPr lang="ko-KR" altLang="en-US" sz="3000"/>
+              <a:t>및 환경 변수</a:t>
+            </a:r>
+            <a:r>
+              <a:rPr lang="en-US" altLang="ko-KR" sz="3000"/>
+              <a:t>, </a:t>
+            </a:r>
+          </a:p>
+          <a:p>
+            <a:r>
+              <a:rPr lang="en-US" altLang="ko-KR" sz="3000"/>
+              <a:t>    </a:t>
+            </a:r>
+            <a:r>
+              <a:rPr lang="ko-KR" altLang="en-US" sz="3000" err="1"/>
+              <a:t>파일포멧을</a:t>
+            </a:r>
+            <a:r>
+              <a:rPr lang="ko-KR" altLang="en-US" sz="3000"/>
+              <a:t> 통한 </a:t>
+            </a:r>
+            <a:r>
+              <a:rPr lang="en-US" altLang="ko-KR" sz="3000" err="1"/>
+              <a:t>Fuzzer</a:t>
+            </a:r>
+            <a:r>
+              <a:rPr lang="ko-KR" altLang="en-US" sz="3000"/>
+              <a:t/>
+            </a:r>
+            <a:br>
+              <a:rPr lang="ko-KR" altLang="en-US" sz="3000"/>
+            </a:br>
+            <a:r>
+              <a:rPr lang="ko-KR" altLang="en-US" sz="3000"/>
+              <a:t> * 원격 조작</a:t>
+            </a:r>
+            <a:br>
+              <a:rPr lang="ko-KR" altLang="en-US" sz="3000"/>
+            </a:br>
+            <a:r>
+              <a:rPr lang="ko-KR" altLang="en-US" sz="3000"/>
+              <a:t> * 네트워크 프로토콜</a:t>
+            </a:r>
+            <a:br>
+              <a:rPr lang="ko-KR" altLang="en-US" sz="3000"/>
+            </a:br>
+            <a:r>
+              <a:rPr lang="ko-KR" altLang="en-US" sz="3000"/>
+              <a:t> * 웹 어플리케이션</a:t>
+            </a:r>
+            <a:br>
+              <a:rPr lang="ko-KR" altLang="en-US" sz="3000"/>
+            </a:br>
+            <a:r>
+              <a:rPr lang="ko-KR" altLang="en-US" sz="3000"/>
+              <a:t> * 웹 </a:t>
+            </a:r>
+            <a:r>
+              <a:rPr lang="ko-KR" altLang="en-US" sz="3000" err="1"/>
+              <a:t>브라우져</a:t>
+            </a:r>
+            <a:r>
+              <a:rPr lang="ko-KR" altLang="en-US" sz="3000"/>
+              <a:t/>
+            </a:r>
+            <a:br>
+              <a:rPr lang="ko-KR" altLang="en-US" sz="3000"/>
+            </a:br>
+            <a:r>
+              <a:rPr lang="ko-KR" altLang="en-US" sz="3000"/>
+              <a:t> * </a:t>
+            </a:r>
+            <a:r>
+              <a:rPr lang="en-US" altLang="ko-KR" sz="3000"/>
+              <a:t>In-Memory</a:t>
+            </a:r>
+            <a:r>
+              <a:rPr lang="ko-KR" altLang="en-US" sz="3000"/>
+              <a:t/>
+            </a:r>
+            <a:br>
+              <a:rPr lang="ko-KR" altLang="en-US" sz="3000"/>
+            </a:br>
+            <a:r>
+              <a:rPr lang="ko-KR" altLang="en-US" sz="3000"/>
+              <a:t> * 프레임워크</a:t>
+            </a:r>
+          </a:p>
+        </p:txBody>
+      </p:sp>
     </p:spTree>
     <p:extLst>
       <p:ext uri="{BB962C8B-B14F-4D97-AF65-F5344CB8AC3E}">
-        <p14:creationId xmlns:p14="http://schemas.microsoft.com/office/powerpoint/2010/main" val="2748082201"/>
+        <p14:creationId xmlns:p14="http://schemas.microsoft.com/office/powerpoint/2010/main" val="4198081553"/>
       </p:ext>
     </p:extLst>
   </p:cSld>
@@ -9876,7 +13044,7 @@
           <p:cNvPr id="2" name="제목 1">
             <a:extLst>
               <a:ext uri="{FF2B5EF4-FFF2-40B4-BE49-F238E27FC236}">
-                <a16:creationId xmlns:a16="http://schemas.microsoft.com/office/drawing/2014/main" id="{62545E8C-6909-48C3-B36B-DC8D51C41A67}"/>
+                <a16:creationId xmlns:a16="http://schemas.microsoft.com/office/drawing/2014/main" xmlns="" id="{62545E8C-6909-48C3-B36B-DC8D51C41A67}"/>
               </a:ext>
             </a:extLst>
           </p:cNvPr>
@@ -9905,7 +13073,7 @@
           <p:cNvPr id="4" name="그림 3">
             <a:extLst>
               <a:ext uri="{FF2B5EF4-FFF2-40B4-BE49-F238E27FC236}">
-                <a16:creationId xmlns:a16="http://schemas.microsoft.com/office/drawing/2014/main" id="{2A5803AA-45FD-4052-8E8D-A88339D5E84C}"/>
+                <a16:creationId xmlns:a16="http://schemas.microsoft.com/office/drawing/2014/main" xmlns="" id="{2A5803AA-45FD-4052-8E8D-A88339D5E84C}"/>
               </a:ext>
             </a:extLst>
           </p:cNvPr>
@@ -9965,7 +13133,7 @@
           <p:cNvPr id="2" name="제목 1">
             <a:extLst>
               <a:ext uri="{FF2B5EF4-FFF2-40B4-BE49-F238E27FC236}">
-                <a16:creationId xmlns:a16="http://schemas.microsoft.com/office/drawing/2014/main" id="{0C1E3D1B-7910-4B99-B7EB-14424DCFEF14}"/>
+                <a16:creationId xmlns:a16="http://schemas.microsoft.com/office/drawing/2014/main" xmlns="" id="{0C1E3D1B-7910-4B99-B7EB-14424DCFEF14}"/>
               </a:ext>
             </a:extLst>
           </p:cNvPr>
@@ -9994,7 +13162,7 @@
           <p:cNvPr id="4" name="그림 3">
             <a:extLst>
               <a:ext uri="{FF2B5EF4-FFF2-40B4-BE49-F238E27FC236}">
-                <a16:creationId xmlns:a16="http://schemas.microsoft.com/office/drawing/2014/main" id="{073C4590-186A-4F6A-89BE-93519809B7DD}"/>
+                <a16:creationId xmlns:a16="http://schemas.microsoft.com/office/drawing/2014/main" xmlns="" id="{073C4590-186A-4F6A-89BE-93519809B7DD}"/>
               </a:ext>
             </a:extLst>
           </p:cNvPr>
@@ -10467,7 +13635,7 @@
           <p:cNvPr id="4" name="그림 3">
             <a:extLst>
               <a:ext uri="{FF2B5EF4-FFF2-40B4-BE49-F238E27FC236}">
-                <a16:creationId xmlns:a16="http://schemas.microsoft.com/office/drawing/2014/main" id="{2DBFEE5F-FFBD-4606-AFFE-DE75DE4EAC52}"/>
+                <a16:creationId xmlns:a16="http://schemas.microsoft.com/office/drawing/2014/main" xmlns="" id="{2DBFEE5F-FFBD-4606-AFFE-DE75DE4EAC52}"/>
               </a:ext>
             </a:extLst>
           </p:cNvPr>
@@ -10527,7 +13695,7 @@
           <p:cNvPr id="2" name="제목 1">
             <a:extLst>
               <a:ext uri="{FF2B5EF4-FFF2-40B4-BE49-F238E27FC236}">
-                <a16:creationId xmlns:a16="http://schemas.microsoft.com/office/drawing/2014/main" id="{64369988-6229-4094-86A2-3D882CD87531}"/>
+                <a16:creationId xmlns:a16="http://schemas.microsoft.com/office/drawing/2014/main" xmlns="" id="{64369988-6229-4094-86A2-3D882CD87531}"/>
               </a:ext>
             </a:extLst>
           </p:cNvPr>
@@ -10560,7 +13728,7 @@
           <p:cNvPr id="4" name="그림 3">
             <a:extLst>
               <a:ext uri="{FF2B5EF4-FFF2-40B4-BE49-F238E27FC236}">
-                <a16:creationId xmlns:a16="http://schemas.microsoft.com/office/drawing/2014/main" id="{28FE93FB-2D02-4F8A-BA02-3201CDCFE3E1}"/>
+                <a16:creationId xmlns:a16="http://schemas.microsoft.com/office/drawing/2014/main" xmlns="" id="{28FE93FB-2D02-4F8A-BA02-3201CDCFE3E1}"/>
               </a:ext>
             </a:extLst>
           </p:cNvPr>
@@ -10620,7 +13788,7 @@
           <p:cNvPr id="2" name="제목 1">
             <a:extLst>
               <a:ext uri="{FF2B5EF4-FFF2-40B4-BE49-F238E27FC236}">
-                <a16:creationId xmlns:a16="http://schemas.microsoft.com/office/drawing/2014/main" id="{2CBE5A95-FE39-4EB0-A61C-7750E80912FA}"/>
+                <a16:creationId xmlns:a16="http://schemas.microsoft.com/office/drawing/2014/main" xmlns="" id="{2CBE5A95-FE39-4EB0-A61C-7750E80912FA}"/>
               </a:ext>
             </a:extLst>
           </p:cNvPr>
@@ -10649,7 +13817,7 @@
           <p:cNvPr id="4" name="그림 3">
             <a:extLst>
               <a:ext uri="{FF2B5EF4-FFF2-40B4-BE49-F238E27FC236}">
-                <a16:creationId xmlns:a16="http://schemas.microsoft.com/office/drawing/2014/main" id="{838F05F6-A7A7-4ACB-8184-B21FD9CF6D00}"/>
+                <a16:creationId xmlns:a16="http://schemas.microsoft.com/office/drawing/2014/main" xmlns="" id="{838F05F6-A7A7-4ACB-8184-B21FD9CF6D00}"/>
               </a:ext>
             </a:extLst>
           </p:cNvPr>
@@ -10709,7 +13877,7 @@
           <p:cNvPr id="2" name="제목 1">
             <a:extLst>
               <a:ext uri="{FF2B5EF4-FFF2-40B4-BE49-F238E27FC236}">
-                <a16:creationId xmlns:a16="http://schemas.microsoft.com/office/drawing/2014/main" id="{2CBE5A95-FE39-4EB0-A61C-7750E80912FA}"/>
+                <a16:creationId xmlns:a16="http://schemas.microsoft.com/office/drawing/2014/main" xmlns="" id="{2CBE5A95-FE39-4EB0-A61C-7750E80912FA}"/>
               </a:ext>
             </a:extLst>
           </p:cNvPr>
@@ -10845,7 +14013,7 @@
           <p:cNvPr id="2" name="제목 1">
             <a:extLst>
               <a:ext uri="{FF2B5EF4-FFF2-40B4-BE49-F238E27FC236}">
-                <a16:creationId xmlns:a16="http://schemas.microsoft.com/office/drawing/2014/main" id="{2CBE5A95-FE39-4EB0-A61C-7750E80912FA}"/>
+                <a16:creationId xmlns:a16="http://schemas.microsoft.com/office/drawing/2014/main" xmlns="" id="{2CBE5A95-FE39-4EB0-A61C-7750E80912FA}"/>
               </a:ext>
             </a:extLst>
           </p:cNvPr>
@@ -11012,7 +14180,7 @@
           <p:cNvPr id="2" name="제목 1">
             <a:extLst>
               <a:ext uri="{FF2B5EF4-FFF2-40B4-BE49-F238E27FC236}">
-                <a16:creationId xmlns:a16="http://schemas.microsoft.com/office/drawing/2014/main" id="{A677179C-0B7F-4576-82E1-4F9874E66954}"/>
+                <a16:creationId xmlns:a16="http://schemas.microsoft.com/office/drawing/2014/main" xmlns="" id="{82BE6E73-7BCB-425E-B802-AC2DA0BC1C50}"/>
               </a:ext>
             </a:extLst>
           </p:cNvPr>
@@ -11023,112 +14191,235 @@
             <p:ph type="title"/>
           </p:nvPr>
         </p:nvSpPr>
-        <p:spPr/>
+        <p:spPr>
+          <a:xfrm>
+            <a:off x="838200" y="365125"/>
+            <a:ext cx="10515600" cy="1325563"/>
+          </a:xfrm>
+        </p:spPr>
         <p:txBody>
           <a:bodyPr/>
           <a:lstStyle/>
           <a:p>
             <a:r>
-              <a:rPr lang="ko-KR" altLang="en-US"/>
-              <a:t>개발 환경</a:t>
-            </a:r>
-          </a:p>
-        </p:txBody>
-      </p:sp>
-      <p:sp>
-        <p:nvSpPr>
-          <p:cNvPr id="3" name="내용 개체 틀 2">
-            <a:extLst>
-              <a:ext uri="{FF2B5EF4-FFF2-40B4-BE49-F238E27FC236}">
-                <a16:creationId xmlns:a16="http://schemas.microsoft.com/office/drawing/2014/main" id="{A4BC5E27-FB89-48B5-AFD9-B8738B883D2A}"/>
-              </a:ext>
-            </a:extLst>
-          </p:cNvPr>
-          <p:cNvSpPr>
-            <a:spLocks noGrp="1"/>
-          </p:cNvSpPr>
-          <p:nvPr>
-            <p:ph idx="1"/>
-          </p:nvPr>
-        </p:nvSpPr>
-        <p:spPr/>
-        <p:txBody>
-          <a:bodyPr/>
-          <a:lstStyle/>
-          <a:p>
-            <a:pPr marL="0" indent="0">
-              <a:buNone/>
-            </a:pPr>
-            <a:r>
-              <a:rPr lang="en-US" altLang="ko-KR" dirty="0"/>
-              <a:t>LAN Card : N150UA-4dBi</a:t>
-            </a:r>
-          </a:p>
-          <a:p>
-            <a:pPr marL="0" indent="0">
-              <a:buNone/>
-            </a:pPr>
-            <a:endParaRPr lang="en-US" altLang="ko-KR" dirty="0"/>
-          </a:p>
-          <a:p>
-            <a:pPr marL="0" indent="0">
-              <a:buNone/>
-            </a:pPr>
-            <a:endParaRPr lang="ko-KR" altLang="en-US" dirty="0"/>
-          </a:p>
-        </p:txBody>
-      </p:sp>
-      <p:pic>
-        <p:nvPicPr>
-          <p:cNvPr id="2052" name="Picture 4" descr="EFM네트웍스 아이피타임 N150UA-4dBi 이미지">
-            <a:extLst>
-              <a:ext uri="{FF2B5EF4-FFF2-40B4-BE49-F238E27FC236}">
-                <a16:creationId xmlns:a16="http://schemas.microsoft.com/office/drawing/2014/main" id="{698993C0-0F71-4AA7-A904-BAA54E46969A}"/>
-              </a:ext>
-            </a:extLst>
-          </p:cNvPr>
-          <p:cNvPicPr>
-            <a:picLocks noChangeAspect="1" noChangeArrowheads="1"/>
-          </p:cNvPicPr>
+              <a:rPr lang="en-US" altLang="ko-KR"/>
+              <a:t>Fuzzing Type</a:t>
+            </a:r>
+            <a:endParaRPr lang="ko-KR" altLang="en-US"/>
+          </a:p>
+        </p:txBody>
+      </p:sp>
+      <p:sp>
+        <p:nvSpPr>
+          <p:cNvPr id="4" name="TextBox 3">
+            <a:extLst>
+              <a:ext uri="{FF2B5EF4-FFF2-40B4-BE49-F238E27FC236}">
+                <a16:creationId xmlns:a16="http://schemas.microsoft.com/office/drawing/2014/main" xmlns="" id="{DB445C6C-7B36-4D9D-A73D-C70DFEE8D292}"/>
+              </a:ext>
+            </a:extLst>
+          </p:cNvPr>
+          <p:cNvSpPr txBox="1"/>
           <p:nvPr/>
-        </p:nvPicPr>
-        <p:blipFill>
-          <a:blip r:embed="rId2">
-            <a:extLst>
-              <a:ext uri="{28A0092B-C50C-407E-A947-70E740481C1C}">
-                <a14:useLocalDpi xmlns:a14="http://schemas.microsoft.com/office/drawing/2010/main" val="0"/>
-              </a:ext>
-            </a:extLst>
-          </a:blip>
-          <a:srcRect/>
-          <a:stretch>
-            <a:fillRect/>
-          </a:stretch>
-        </p:blipFill>
-        <p:spPr bwMode="auto">
+        </p:nvSpPr>
+        <p:spPr>
           <a:xfrm>
-            <a:off x="838201" y="1690687"/>
-            <a:ext cx="9305923" cy="4243387"/>
+            <a:off x="2222500" y="1854200"/>
+            <a:ext cx="9542997" cy="4247317"/>
           </a:xfrm>
           <a:prstGeom prst="rect">
             <a:avLst/>
           </a:prstGeom>
           <a:noFill/>
-          <a:extLst>
-            <a:ext uri="{909E8E84-426E-40DD-AFC4-6F175D3DCCD1}">
-              <a14:hiddenFill xmlns:a14="http://schemas.microsoft.com/office/drawing/2010/main">
-                <a:solidFill>
-                  <a:srgbClr val="FFFFFF"/>
-                </a:solidFill>
-              </a14:hiddenFill>
-            </a:ext>
-          </a:extLst>
         </p:spPr>
-      </p:pic>
+        <p:txBody>
+          <a:bodyPr wrap="none" rtlCol="0">
+            <a:spAutoFit/>
+          </a:bodyPr>
+          <a:lstStyle/>
+          <a:p>
+            <a:r>
+              <a:rPr lang="ko-KR" altLang="en-US" sz="3000"/>
+              <a:t> * 로컬 </a:t>
+            </a:r>
+            <a:r>
+              <a:rPr lang="en-US" altLang="ko-KR" sz="3000" err="1"/>
+              <a:t>Fuzzer</a:t>
+            </a:r>
+            <a:r>
+              <a:rPr lang="ko-KR" altLang="en-US" sz="3000"/>
+              <a:t/>
+            </a:r>
+            <a:br>
+              <a:rPr lang="ko-KR" altLang="en-US" sz="3000"/>
+            </a:br>
+            <a:r>
+              <a:rPr lang="ko-KR" altLang="en-US" sz="3000"/>
+              <a:t>  </a:t>
+            </a:r>
+            <a:r>
+              <a:rPr lang="en-US" altLang="ko-KR" sz="3000"/>
+              <a:t>- </a:t>
+            </a:r>
+            <a:r>
+              <a:rPr lang="ko-KR" altLang="en-US" sz="3000"/>
+              <a:t>프로그램 실행 변수</a:t>
+            </a:r>
+            <a:r>
+              <a:rPr lang="en-US" altLang="ko-KR" sz="3000"/>
+              <a:t>(Command-Line) </a:t>
+            </a:r>
+            <a:r>
+              <a:rPr lang="ko-KR" altLang="en-US" sz="3000"/>
+              <a:t>및 환경 변수</a:t>
+            </a:r>
+            <a:r>
+              <a:rPr lang="en-US" altLang="ko-KR" sz="3000"/>
+              <a:t>, </a:t>
+            </a:r>
+          </a:p>
+          <a:p>
+            <a:r>
+              <a:rPr lang="en-US" altLang="ko-KR" sz="3000"/>
+              <a:t>    </a:t>
+            </a:r>
+            <a:r>
+              <a:rPr lang="ko-KR" altLang="en-US" sz="3000" err="1"/>
+              <a:t>파일포멧을</a:t>
+            </a:r>
+            <a:r>
+              <a:rPr lang="ko-KR" altLang="en-US" sz="3000"/>
+              <a:t> 통한 </a:t>
+            </a:r>
+            <a:r>
+              <a:rPr lang="en-US" altLang="ko-KR" sz="3000" err="1"/>
+              <a:t>Fuzzer</a:t>
+            </a:r>
+            <a:r>
+              <a:rPr lang="ko-KR" altLang="en-US" sz="3000"/>
+              <a:t/>
+            </a:r>
+            <a:br>
+              <a:rPr lang="ko-KR" altLang="en-US" sz="3000"/>
+            </a:br>
+            <a:r>
+              <a:rPr lang="ko-KR" altLang="en-US" sz="3000"/>
+              <a:t> * 원격 조작</a:t>
+            </a:r>
+            <a:br>
+              <a:rPr lang="ko-KR" altLang="en-US" sz="3000"/>
+            </a:br>
+            <a:r>
+              <a:rPr lang="ko-KR" altLang="en-US" sz="3000"/>
+              <a:t> * 네트워크 프로토콜</a:t>
+            </a:r>
+            <a:br>
+              <a:rPr lang="ko-KR" altLang="en-US" sz="3000"/>
+            </a:br>
+            <a:r>
+              <a:rPr lang="ko-KR" altLang="en-US" sz="3000"/>
+              <a:t> * 웹 어플리케이션</a:t>
+            </a:r>
+            <a:br>
+              <a:rPr lang="ko-KR" altLang="en-US" sz="3000"/>
+            </a:br>
+            <a:r>
+              <a:rPr lang="ko-KR" altLang="en-US" sz="3000"/>
+              <a:t> * 웹 </a:t>
+            </a:r>
+            <a:r>
+              <a:rPr lang="ko-KR" altLang="en-US" sz="3000" err="1"/>
+              <a:t>브라우져</a:t>
+            </a:r>
+            <a:r>
+              <a:rPr lang="ko-KR" altLang="en-US" sz="3000"/>
+              <a:t/>
+            </a:r>
+            <a:br>
+              <a:rPr lang="ko-KR" altLang="en-US" sz="3000"/>
+            </a:br>
+            <a:r>
+              <a:rPr lang="ko-KR" altLang="en-US" sz="3000"/>
+              <a:t> * </a:t>
+            </a:r>
+            <a:r>
+              <a:rPr lang="en-US" altLang="ko-KR" sz="3000"/>
+              <a:t>In-Memory</a:t>
+            </a:r>
+            <a:r>
+              <a:rPr lang="ko-KR" altLang="en-US" sz="3000"/>
+              <a:t/>
+            </a:r>
+            <a:br>
+              <a:rPr lang="ko-KR" altLang="en-US" sz="3000"/>
+            </a:br>
+            <a:r>
+              <a:rPr lang="ko-KR" altLang="en-US" sz="3000"/>
+              <a:t> * 프레임워크</a:t>
+            </a:r>
+          </a:p>
+        </p:txBody>
+      </p:sp>
+      <p:sp>
+        <p:nvSpPr>
+          <p:cNvPr id="3" name="타원 2">
+            <a:extLst>
+              <a:ext uri="{FF2B5EF4-FFF2-40B4-BE49-F238E27FC236}">
+                <a16:creationId xmlns:a16="http://schemas.microsoft.com/office/drawing/2014/main" xmlns="" id="{BACA9974-384E-48ED-A9E7-9DE667471338}"/>
+              </a:ext>
+            </a:extLst>
+          </p:cNvPr>
+          <p:cNvSpPr/>
+          <p:nvPr/>
+        </p:nvSpPr>
+        <p:spPr>
+          <a:xfrm>
+            <a:off x="2222500" y="3543300"/>
+            <a:ext cx="4038600" cy="787400"/>
+          </a:xfrm>
+          <a:prstGeom prst="ellipse">
+            <a:avLst/>
+          </a:prstGeom>
+          <a:noFill/>
+          <a:ln w="38100">
+            <a:solidFill>
+              <a:srgbClr val="FF0000"/>
+            </a:solidFill>
+          </a:ln>
+        </p:spPr>
+        <p:style>
+          <a:lnRef idx="2">
+            <a:schemeClr val="accent1">
+              <a:shade val="50000"/>
+            </a:schemeClr>
+          </a:lnRef>
+          <a:fillRef idx="1">
+            <a:schemeClr val="accent1"/>
+          </a:fillRef>
+          <a:effectRef idx="0">
+            <a:schemeClr val="accent1"/>
+          </a:effectRef>
+          <a:fontRef idx="minor">
+            <a:schemeClr val="lt1"/>
+          </a:fontRef>
+        </p:style>
+        <p:txBody>
+          <a:bodyPr rot="0" spcFirstLastPara="0" vertOverflow="overflow" horzOverflow="overflow" vert="horz" wrap="square" lIns="91440" tIns="45720" rIns="91440" bIns="45720" numCol="1" spcCol="0" rtlCol="0" fromWordArt="0" anchor="ctr" anchorCtr="0" forceAA="0" compatLnSpc="1">
+            <a:prstTxWarp prst="textNoShape">
+              <a:avLst/>
+            </a:prstTxWarp>
+            <a:noAutofit/>
+          </a:bodyPr>
+          <a:lstStyle/>
+          <a:p>
+            <a:pPr algn="ctr"/>
+            <a:endParaRPr lang="ko-KR" altLang="en-US"/>
+          </a:p>
+        </p:txBody>
+      </p:sp>
     </p:spTree>
     <p:extLst>
       <p:ext uri="{BB962C8B-B14F-4D97-AF65-F5344CB8AC3E}">
-        <p14:creationId xmlns:p14="http://schemas.microsoft.com/office/powerpoint/2010/main" val="3346947794"/>
+        <p14:creationId xmlns:p14="http://schemas.microsoft.com/office/powerpoint/2010/main" val="362368248"/>
       </p:ext>
     </p:extLst>
   </p:cSld>
@@ -11160,7 +14451,7 @@
           <p:cNvPr id="2" name="제목 1">
             <a:extLst>
               <a:ext uri="{FF2B5EF4-FFF2-40B4-BE49-F238E27FC236}">
-                <a16:creationId xmlns:a16="http://schemas.microsoft.com/office/drawing/2014/main" id="{2CBE5A95-FE39-4EB0-A61C-7750E80912FA}"/>
+                <a16:creationId xmlns:a16="http://schemas.microsoft.com/office/drawing/2014/main" xmlns="" id="{2CBE5A95-FE39-4EB0-A61C-7750E80912FA}"/>
               </a:ext>
             </a:extLst>
           </p:cNvPr>
@@ -11373,7 +14664,7 @@
           <p:cNvPr id="2" name="제목 1">
             <a:extLst>
               <a:ext uri="{FF2B5EF4-FFF2-40B4-BE49-F238E27FC236}">
-                <a16:creationId xmlns:a16="http://schemas.microsoft.com/office/drawing/2014/main" id="{41C6E9BC-713D-4E1E-B098-438042E92499}"/>
+                <a16:creationId xmlns:a16="http://schemas.microsoft.com/office/drawing/2014/main" xmlns="" id="{41C6E9BC-713D-4E1E-B098-438042E92499}"/>
               </a:ext>
             </a:extLst>
           </p:cNvPr>
@@ -11410,7 +14701,7 @@
           <p:cNvPr id="4" name="그림 3">
             <a:extLst>
               <a:ext uri="{FF2B5EF4-FFF2-40B4-BE49-F238E27FC236}">
-                <a16:creationId xmlns:a16="http://schemas.microsoft.com/office/drawing/2014/main" id="{237934E4-1468-441D-BA0B-5896B9C657B0}"/>
+                <a16:creationId xmlns:a16="http://schemas.microsoft.com/office/drawing/2014/main" xmlns="" id="{237934E4-1468-441D-BA0B-5896B9C657B0}"/>
               </a:ext>
             </a:extLst>
           </p:cNvPr>
@@ -11547,7 +14838,7 @@
           <p:cNvPr id="2" name="제목 1">
             <a:extLst>
               <a:ext uri="{FF2B5EF4-FFF2-40B4-BE49-F238E27FC236}">
-                <a16:creationId xmlns:a16="http://schemas.microsoft.com/office/drawing/2014/main" id="{41C6E9BC-713D-4E1E-B098-438042E92499}"/>
+                <a16:creationId xmlns:a16="http://schemas.microsoft.com/office/drawing/2014/main" xmlns="" id="{41C6E9BC-713D-4E1E-B098-438042E92499}"/>
               </a:ext>
             </a:extLst>
           </p:cNvPr>
@@ -11655,7 +14946,7 @@
           <p:cNvPr id="2" name="제목 1">
             <a:extLst>
               <a:ext uri="{FF2B5EF4-FFF2-40B4-BE49-F238E27FC236}">
-                <a16:creationId xmlns:a16="http://schemas.microsoft.com/office/drawing/2014/main" id="{53755EC5-3BFF-4C37-A846-FB03D3D5EE8D}"/>
+                <a16:creationId xmlns:a16="http://schemas.microsoft.com/office/drawing/2014/main" xmlns="" id="{53755EC5-3BFF-4C37-A846-FB03D3D5EE8D}"/>
               </a:ext>
             </a:extLst>
           </p:cNvPr>
@@ -11692,7 +14983,7 @@
           <p:cNvPr id="4" name="그림 3">
             <a:extLst>
               <a:ext uri="{FF2B5EF4-FFF2-40B4-BE49-F238E27FC236}">
-                <a16:creationId xmlns:a16="http://schemas.microsoft.com/office/drawing/2014/main" id="{2B6CADA1-9072-4D57-9482-B494E6CD3B6D}"/>
+                <a16:creationId xmlns:a16="http://schemas.microsoft.com/office/drawing/2014/main" xmlns="" id="{2B6CADA1-9072-4D57-9482-B494E6CD3B6D}"/>
               </a:ext>
             </a:extLst>
           </p:cNvPr>
@@ -11831,7 +15122,7 @@
           <p:cNvPr id="2" name="제목 1">
             <a:extLst>
               <a:ext uri="{FF2B5EF4-FFF2-40B4-BE49-F238E27FC236}">
-                <a16:creationId xmlns:a16="http://schemas.microsoft.com/office/drawing/2014/main" id="{2DEBD899-78EE-487A-8E97-850F11837432}"/>
+                <a16:creationId xmlns:a16="http://schemas.microsoft.com/office/drawing/2014/main" xmlns="" id="{2DEBD899-78EE-487A-8E97-850F11837432}"/>
               </a:ext>
             </a:extLst>
           </p:cNvPr>
@@ -11860,7 +15151,7 @@
           <p:cNvPr id="3" name="TextBox 2">
             <a:extLst>
               <a:ext uri="{FF2B5EF4-FFF2-40B4-BE49-F238E27FC236}">
-                <a16:creationId xmlns:a16="http://schemas.microsoft.com/office/drawing/2014/main" id="{EFD487A6-3AFF-46A5-9FC1-8B5CC1E77701}"/>
+                <a16:creationId xmlns:a16="http://schemas.microsoft.com/office/drawing/2014/main" xmlns="" id="{EFD487A6-3AFF-46A5-9FC1-8B5CC1E77701}"/>
               </a:ext>
             </a:extLst>
           </p:cNvPr>
@@ -11921,7 +15212,7 @@
           <p:cNvPr id="5" name="그림 4">
             <a:extLst>
               <a:ext uri="{FF2B5EF4-FFF2-40B4-BE49-F238E27FC236}">
-                <a16:creationId xmlns:a16="http://schemas.microsoft.com/office/drawing/2014/main" id="{B82AFDB9-2D75-45CF-A306-0D27EAF79409}"/>
+                <a16:creationId xmlns:a16="http://schemas.microsoft.com/office/drawing/2014/main" xmlns="" id="{B82AFDB9-2D75-45CF-A306-0D27EAF79409}"/>
               </a:ext>
             </a:extLst>
           </p:cNvPr>
@@ -11981,7 +15272,7 @@
           <p:cNvPr id="2" name="제목 1">
             <a:extLst>
               <a:ext uri="{FF2B5EF4-FFF2-40B4-BE49-F238E27FC236}">
-                <a16:creationId xmlns:a16="http://schemas.microsoft.com/office/drawing/2014/main" id="{2DEBD899-78EE-487A-8E97-850F11837432}"/>
+                <a16:creationId xmlns:a16="http://schemas.microsoft.com/office/drawing/2014/main" xmlns="" id="{2DEBD899-78EE-487A-8E97-850F11837432}"/>
               </a:ext>
             </a:extLst>
           </p:cNvPr>
@@ -12010,7 +15301,7 @@
           <p:cNvPr id="4" name="그림 3">
             <a:extLst>
               <a:ext uri="{FF2B5EF4-FFF2-40B4-BE49-F238E27FC236}">
-                <a16:creationId xmlns:a16="http://schemas.microsoft.com/office/drawing/2014/main" id="{A3CE0C11-AB82-42DB-B531-BD720F2BC04A}"/>
+                <a16:creationId xmlns:a16="http://schemas.microsoft.com/office/drawing/2014/main" xmlns="" id="{A3CE0C11-AB82-42DB-B531-BD720F2BC04A}"/>
               </a:ext>
             </a:extLst>
           </p:cNvPr>
@@ -12070,7 +15361,7 @@
           <p:cNvPr id="2" name="제목 1">
             <a:extLst>
               <a:ext uri="{FF2B5EF4-FFF2-40B4-BE49-F238E27FC236}">
-                <a16:creationId xmlns:a16="http://schemas.microsoft.com/office/drawing/2014/main" id="{2DEBD899-78EE-487A-8E97-850F11837432}"/>
+                <a16:creationId xmlns:a16="http://schemas.microsoft.com/office/drawing/2014/main" xmlns="" id="{2DEBD899-78EE-487A-8E97-850F11837432}"/>
               </a:ext>
             </a:extLst>
           </p:cNvPr>
@@ -12199,7 +15490,7 @@
           <p:cNvPr id="2" name="제목 1">
             <a:extLst>
               <a:ext uri="{FF2B5EF4-FFF2-40B4-BE49-F238E27FC236}">
-                <a16:creationId xmlns:a16="http://schemas.microsoft.com/office/drawing/2014/main" id="{2DEBD899-78EE-487A-8E97-850F11837432}"/>
+                <a16:creationId xmlns:a16="http://schemas.microsoft.com/office/drawing/2014/main" xmlns="" id="{2DEBD899-78EE-487A-8E97-850F11837432}"/>
               </a:ext>
             </a:extLst>
           </p:cNvPr>
@@ -12228,7 +15519,7 @@
           <p:cNvPr id="5" name="그림 4">
             <a:extLst>
               <a:ext uri="{FF2B5EF4-FFF2-40B4-BE49-F238E27FC236}">
-                <a16:creationId xmlns:a16="http://schemas.microsoft.com/office/drawing/2014/main" id="{E3A1291B-4A40-401E-9D1D-31FCE3BB78C4}"/>
+                <a16:creationId xmlns:a16="http://schemas.microsoft.com/office/drawing/2014/main" xmlns="" id="{E3A1291B-4A40-401E-9D1D-31FCE3BB78C4}"/>
               </a:ext>
             </a:extLst>
           </p:cNvPr>
@@ -12288,7 +15579,7 @@
           <p:cNvPr id="2" name="제목 1">
             <a:extLst>
               <a:ext uri="{FF2B5EF4-FFF2-40B4-BE49-F238E27FC236}">
-                <a16:creationId xmlns:a16="http://schemas.microsoft.com/office/drawing/2014/main" id="{19FB6114-AD56-470B-894B-16435A3FC01E}"/>
+                <a16:creationId xmlns:a16="http://schemas.microsoft.com/office/drawing/2014/main" xmlns="" id="{D2584F0A-7326-4935-8118-8885187B7569}"/>
               </a:ext>
             </a:extLst>
           </p:cNvPr>
@@ -12299,31 +15590,134 @@
             <p:ph type="title"/>
           </p:nvPr>
         </p:nvSpPr>
-        <p:spPr>
-          <a:xfrm>
-            <a:off x="838200" y="2766220"/>
-            <a:ext cx="10515600" cy="1325563"/>
-          </a:xfrm>
-        </p:spPr>
-        <p:txBody>
-          <a:bodyPr>
-            <a:noAutofit/>
-          </a:bodyPr>
-          <a:lstStyle/>
-          <a:p>
-            <a:pPr algn="ctr"/>
-            <a:r>
-              <a:rPr lang="en-US" altLang="ko-KR" sz="9600"/>
+        <p:spPr/>
+        <p:txBody>
+          <a:bodyPr/>
+          <a:lstStyle/>
+          <a:p>
+            <a:r>
+              <a:rPr lang="en-US" altLang="ko-KR"/>
+              <a:t>Software</a:t>
+            </a:r>
+            <a:r>
+              <a:rPr lang="ko-KR" altLang="en-US"/>
+              <a:t> </a:t>
+            </a:r>
+            <a:r>
+              <a:rPr lang="en-US" altLang="ko-KR"/>
               <a:t>Fuzzing</a:t>
             </a:r>
-            <a:endParaRPr lang="ko-KR" altLang="en-US" sz="9600"/>
+            <a:endParaRPr lang="ko-KR" altLang="en-US"/>
+          </a:p>
+        </p:txBody>
+      </p:sp>
+      <p:sp>
+        <p:nvSpPr>
+          <p:cNvPr id="3" name="내용 개체 틀 2">
+            <a:extLst>
+              <a:ext uri="{FF2B5EF4-FFF2-40B4-BE49-F238E27FC236}">
+                <a16:creationId xmlns:a16="http://schemas.microsoft.com/office/drawing/2014/main" xmlns="" id="{61447DD3-DC66-49E9-8E19-96E9C86490DD}"/>
+              </a:ext>
+            </a:extLst>
+          </p:cNvPr>
+          <p:cNvSpPr>
+            <a:spLocks noGrp="1"/>
+          </p:cNvSpPr>
+          <p:nvPr>
+            <p:ph idx="1"/>
+          </p:nvPr>
+        </p:nvSpPr>
+        <p:spPr/>
+        <p:txBody>
+          <a:bodyPr/>
+          <a:lstStyle/>
+          <a:p>
+            <a:pPr marL="0" indent="0">
+              <a:buNone/>
+            </a:pPr>
+            <a:r>
+              <a:rPr lang="ko-KR" altLang="en-US" dirty="0"/>
+              <a:t>각 파일들은 자체의 포맷을 가지고 있고 애플리케이션은 그 포맷에 맞추어서 </a:t>
+            </a:r>
+            <a:r>
+              <a:rPr lang="ko-KR" altLang="en-US" dirty="0" err="1"/>
+              <a:t>파싱을</a:t>
+            </a:r>
+            <a:r>
+              <a:rPr lang="ko-KR" altLang="en-US" dirty="0"/>
+              <a:t> 한다</a:t>
+            </a:r>
+            <a:r>
+              <a:rPr lang="en-US" altLang="ko-KR" dirty="0"/>
+              <a:t>. </a:t>
+            </a:r>
+            <a:r>
+              <a:rPr lang="ko-KR" altLang="en-US" dirty="0"/>
+              <a:t>이런 과정에서 애플리케이션은 취약점을 가질 수 있다</a:t>
+            </a:r>
+            <a:r>
+              <a:rPr lang="en-US" altLang="ko-KR" dirty="0"/>
+              <a:t>. </a:t>
+            </a:r>
+            <a:r>
+              <a:rPr lang="ko-KR" altLang="en-US" dirty="0"/>
+              <a:t>포맷만 봐서는 정상적인 파일이지만</a:t>
+            </a:r>
+            <a:r>
+              <a:rPr lang="en-US" altLang="ko-KR" dirty="0"/>
+              <a:t>, </a:t>
+            </a:r>
+            <a:r>
+              <a:rPr lang="ko-KR" altLang="en-US" dirty="0"/>
+              <a:t>그 내부에 에러를 발생할 쓰레기 코드가 숨을 수 있다</a:t>
+            </a:r>
+            <a:r>
+              <a:rPr lang="en-US" altLang="ko-KR" dirty="0"/>
+              <a:t>. </a:t>
+            </a:r>
+          </a:p>
+          <a:p>
+            <a:pPr marL="0" indent="0">
+              <a:buNone/>
+            </a:pPr>
+            <a:endParaRPr lang="en-US" altLang="ko-KR" dirty="0"/>
+          </a:p>
+          <a:p>
+            <a:pPr marL="0" indent="0">
+              <a:buNone/>
+            </a:pPr>
+            <a:r>
+              <a:rPr lang="ko-KR" altLang="en-US" dirty="0"/>
+              <a:t>파일 </a:t>
+            </a:r>
+            <a:r>
+              <a:rPr lang="ko-KR" altLang="en-US" dirty="0" err="1"/>
+              <a:t>퍼징은</a:t>
+            </a:r>
+            <a:r>
+              <a:rPr lang="ko-KR" altLang="en-US" dirty="0"/>
+              <a:t> 이러한 </a:t>
+            </a:r>
+            <a:r>
+              <a:rPr lang="ko-KR" altLang="en-US" dirty="0" smtClean="0"/>
+              <a:t>취약점을 </a:t>
+            </a:r>
+            <a:r>
+              <a:rPr lang="ko-KR" altLang="en-US" dirty="0"/>
+              <a:t>유발할 수 있는 쓰레기 코드가 존재할 수 있는지를 검사하는 작업이다</a:t>
+            </a:r>
+            <a:r>
+              <a:rPr lang="en-US" altLang="ko-KR" dirty="0"/>
+              <a:t>. </a:t>
+            </a:r>
+            <a:endParaRPr lang="ko-KR" altLang="en-US" dirty="0"/>
           </a:p>
         </p:txBody>
       </p:sp>
     </p:spTree>
     <p:extLst>
       <p:ext uri="{BB962C8B-B14F-4D97-AF65-F5344CB8AC3E}">
-        <p14:creationId xmlns:p14="http://schemas.microsoft.com/office/powerpoint/2010/main" val="1095210043"/>
+        <p14:creationId xmlns:p14="http://schemas.microsoft.com/office/powerpoint/2010/main" val="3415629143"/>
       </p:ext>
     </p:extLst>
   </p:cSld>
@@ -12355,7 +15749,7 @@
           <p:cNvPr id="2" name="제목 1">
             <a:extLst>
               <a:ext uri="{FF2B5EF4-FFF2-40B4-BE49-F238E27FC236}">
-                <a16:creationId xmlns:a16="http://schemas.microsoft.com/office/drawing/2014/main" id="{2DEBD899-78EE-487A-8E97-850F11837432}"/>
+                <a16:creationId xmlns:a16="http://schemas.microsoft.com/office/drawing/2014/main" xmlns="" id="{2DEBD899-78EE-487A-8E97-850F11837432}"/>
               </a:ext>
             </a:extLst>
           </p:cNvPr>
@@ -12386,7 +15780,7 @@
           <p:cNvPr id="3" name="TextBox 2">
             <a:extLst>
               <a:ext uri="{FF2B5EF4-FFF2-40B4-BE49-F238E27FC236}">
-                <a16:creationId xmlns:a16="http://schemas.microsoft.com/office/drawing/2014/main" id="{18A4EFDB-E007-4948-89AE-35CAB2DE237F}"/>
+                <a16:creationId xmlns:a16="http://schemas.microsoft.com/office/drawing/2014/main" xmlns="" id="{18A4EFDB-E007-4948-89AE-35CAB2DE237F}"/>
               </a:ext>
             </a:extLst>
           </p:cNvPr>
@@ -12547,7 +15941,7 @@
           <p:cNvPr id="2" name="제목 1">
             <a:extLst>
               <a:ext uri="{FF2B5EF4-FFF2-40B4-BE49-F238E27FC236}">
-                <a16:creationId xmlns:a16="http://schemas.microsoft.com/office/drawing/2014/main" id="{2DEBD899-78EE-487A-8E97-850F11837432}"/>
+                <a16:creationId xmlns:a16="http://schemas.microsoft.com/office/drawing/2014/main" xmlns="" id="{2DEBD899-78EE-487A-8E97-850F11837432}"/>
               </a:ext>
             </a:extLst>
           </p:cNvPr>
@@ -12576,7 +15970,7 @@
           <p:cNvPr id="3" name="TextBox 2">
             <a:extLst>
               <a:ext uri="{FF2B5EF4-FFF2-40B4-BE49-F238E27FC236}">
-                <a16:creationId xmlns:a16="http://schemas.microsoft.com/office/drawing/2014/main" id="{5E6AD2EA-744C-4C30-AFDA-236B74C92394}"/>
+                <a16:creationId xmlns:a16="http://schemas.microsoft.com/office/drawing/2014/main" xmlns="" id="{5E6AD2EA-744C-4C30-AFDA-236B74C92394}"/>
               </a:ext>
             </a:extLst>
           </p:cNvPr>
@@ -12700,7 +16094,7 @@
           <p:cNvPr id="2" name="제목 1">
             <a:extLst>
               <a:ext uri="{FF2B5EF4-FFF2-40B4-BE49-F238E27FC236}">
-                <a16:creationId xmlns:a16="http://schemas.microsoft.com/office/drawing/2014/main" id="{2DEBD899-78EE-487A-8E97-850F11837432}"/>
+                <a16:creationId xmlns:a16="http://schemas.microsoft.com/office/drawing/2014/main" xmlns="" id="{2DEBD899-78EE-487A-8E97-850F11837432}"/>
               </a:ext>
             </a:extLst>
           </p:cNvPr>
@@ -12729,7 +16123,7 @@
           <p:cNvPr id="3" name="TextBox 2">
             <a:extLst>
               <a:ext uri="{FF2B5EF4-FFF2-40B4-BE49-F238E27FC236}">
-                <a16:creationId xmlns:a16="http://schemas.microsoft.com/office/drawing/2014/main" id="{5E6AD2EA-744C-4C30-AFDA-236B74C92394}"/>
+                <a16:creationId xmlns:a16="http://schemas.microsoft.com/office/drawing/2014/main" xmlns="" id="{5E6AD2EA-744C-4C30-AFDA-236B74C92394}"/>
               </a:ext>
             </a:extLst>
           </p:cNvPr>
@@ -12833,7 +16227,7 @@
           <p:cNvPr id="2" name="제목 1">
             <a:extLst>
               <a:ext uri="{FF2B5EF4-FFF2-40B4-BE49-F238E27FC236}">
-                <a16:creationId xmlns:a16="http://schemas.microsoft.com/office/drawing/2014/main" id="{B1CE2D2E-EBAE-420A-AF8E-725A4D2A30A4}"/>
+                <a16:creationId xmlns:a16="http://schemas.microsoft.com/office/drawing/2014/main" xmlns="" id="{B1CE2D2E-EBAE-420A-AF8E-725A4D2A30A4}"/>
               </a:ext>
             </a:extLst>
           </p:cNvPr>
@@ -12862,7 +16256,7 @@
           <p:cNvPr id="1026" name="Picture 2" descr="802.11 frame structure에 대한 이미지 검색결과">
             <a:extLst>
               <a:ext uri="{FF2B5EF4-FFF2-40B4-BE49-F238E27FC236}">
-                <a16:creationId xmlns:a16="http://schemas.microsoft.com/office/drawing/2014/main" id="{44372DFB-43DF-49FC-AC84-C5470D50D50A}"/>
+                <a16:creationId xmlns:a16="http://schemas.microsoft.com/office/drawing/2014/main" xmlns="" id="{44372DFB-43DF-49FC-AC84-C5470D50D50A}"/>
               </a:ext>
             </a:extLst>
           </p:cNvPr>
@@ -13027,7 +16421,7 @@
           <p:cNvPr id="2" name="제목 1">
             <a:extLst>
               <a:ext uri="{FF2B5EF4-FFF2-40B4-BE49-F238E27FC236}">
-                <a16:creationId xmlns:a16="http://schemas.microsoft.com/office/drawing/2014/main" id="{B1CE2D2E-EBAE-420A-AF8E-725A4D2A30A4}"/>
+                <a16:creationId xmlns:a16="http://schemas.microsoft.com/office/drawing/2014/main" xmlns="" id="{B1CE2D2E-EBAE-420A-AF8E-725A4D2A30A4}"/>
               </a:ext>
             </a:extLst>
           </p:cNvPr>
@@ -13061,7 +16455,7 @@
           <p:cNvPr id="5" name="AutoShape 2" descr="본문 이미지 1">
             <a:extLst>
               <a:ext uri="{FF2B5EF4-FFF2-40B4-BE49-F238E27FC236}">
-                <a16:creationId xmlns:a16="http://schemas.microsoft.com/office/drawing/2014/main" id="{791CCE58-CA45-42DD-B3AF-F5494A84D1E1}"/>
+                <a16:creationId xmlns:a16="http://schemas.microsoft.com/office/drawing/2014/main" xmlns="" id="{791CCE58-CA45-42DD-B3AF-F5494A84D1E1}"/>
               </a:ext>
             </a:extLst>
           </p:cNvPr>
@@ -13106,7 +16500,7 @@
           <p:cNvPr id="7" name="그림 6">
             <a:extLst>
               <a:ext uri="{FF2B5EF4-FFF2-40B4-BE49-F238E27FC236}">
-                <a16:creationId xmlns:a16="http://schemas.microsoft.com/office/drawing/2014/main" id="{FAE5C471-DB97-4E5F-9979-6B54F9BB08B6}"/>
+                <a16:creationId xmlns:a16="http://schemas.microsoft.com/office/drawing/2014/main" xmlns="" id="{FAE5C471-DB97-4E5F-9979-6B54F9BB08B6}"/>
               </a:ext>
             </a:extLst>
           </p:cNvPr>
@@ -13136,7 +16530,7 @@
           <p:cNvPr id="8" name="직사각형 7">
             <a:extLst>
               <a:ext uri="{FF2B5EF4-FFF2-40B4-BE49-F238E27FC236}">
-                <a16:creationId xmlns:a16="http://schemas.microsoft.com/office/drawing/2014/main" id="{5241D17C-DA43-42C6-8A09-3937FA913BA6}"/>
+                <a16:creationId xmlns:a16="http://schemas.microsoft.com/office/drawing/2014/main" xmlns="" id="{5241D17C-DA43-42C6-8A09-3937FA913BA6}"/>
               </a:ext>
             </a:extLst>
           </p:cNvPr>
@@ -13219,7 +16613,7 @@
           <p:cNvPr id="2" name="제목 1">
             <a:extLst>
               <a:ext uri="{FF2B5EF4-FFF2-40B4-BE49-F238E27FC236}">
-                <a16:creationId xmlns:a16="http://schemas.microsoft.com/office/drawing/2014/main" id="{B1CE2D2E-EBAE-420A-AF8E-725A4D2A30A4}"/>
+                <a16:creationId xmlns:a16="http://schemas.microsoft.com/office/drawing/2014/main" xmlns="" id="{B1CE2D2E-EBAE-420A-AF8E-725A4D2A30A4}"/>
               </a:ext>
             </a:extLst>
           </p:cNvPr>
@@ -13253,7 +16647,7 @@
           <p:cNvPr id="5" name="AutoShape 2" descr="본문 이미지 1">
             <a:extLst>
               <a:ext uri="{FF2B5EF4-FFF2-40B4-BE49-F238E27FC236}">
-                <a16:creationId xmlns:a16="http://schemas.microsoft.com/office/drawing/2014/main" id="{791CCE58-CA45-42DD-B3AF-F5494A84D1E1}"/>
+                <a16:creationId xmlns:a16="http://schemas.microsoft.com/office/drawing/2014/main" xmlns="" id="{791CCE58-CA45-42DD-B3AF-F5494A84D1E1}"/>
               </a:ext>
             </a:extLst>
           </p:cNvPr>
@@ -13298,7 +16692,7 @@
           <p:cNvPr id="10" name="그림 9">
             <a:extLst>
               <a:ext uri="{FF2B5EF4-FFF2-40B4-BE49-F238E27FC236}">
-                <a16:creationId xmlns:a16="http://schemas.microsoft.com/office/drawing/2014/main" id="{33DCFE5F-8071-496E-BE2D-9A74A37D6EA9}"/>
+                <a16:creationId xmlns:a16="http://schemas.microsoft.com/office/drawing/2014/main" xmlns="" id="{33DCFE5F-8071-496E-BE2D-9A74A37D6EA9}"/>
               </a:ext>
             </a:extLst>
           </p:cNvPr>
@@ -13358,7 +16752,7 @@
           <p:cNvPr id="2" name="제목 1">
             <a:extLst>
               <a:ext uri="{FF2B5EF4-FFF2-40B4-BE49-F238E27FC236}">
-                <a16:creationId xmlns:a16="http://schemas.microsoft.com/office/drawing/2014/main" id="{B1CE2D2E-EBAE-420A-AF8E-725A4D2A30A4}"/>
+                <a16:creationId xmlns:a16="http://schemas.microsoft.com/office/drawing/2014/main" xmlns="" id="{B1CE2D2E-EBAE-420A-AF8E-725A4D2A30A4}"/>
               </a:ext>
             </a:extLst>
           </p:cNvPr>
@@ -13493,7 +16887,7 @@
           <p:cNvPr id="2" name="제목 1">
             <a:extLst>
               <a:ext uri="{FF2B5EF4-FFF2-40B4-BE49-F238E27FC236}">
-                <a16:creationId xmlns:a16="http://schemas.microsoft.com/office/drawing/2014/main" id="{34BDF563-C7C2-4C2A-A799-D68A036CCAEC}"/>
+                <a16:creationId xmlns:a16="http://schemas.microsoft.com/office/drawing/2014/main" xmlns="" id="{34BDF563-C7C2-4C2A-A799-D68A036CCAEC}"/>
               </a:ext>
             </a:extLst>
           </p:cNvPr>
@@ -13526,7 +16920,7 @@
           <p:cNvPr id="3" name="내용 개체 틀 2">
             <a:extLst>
               <a:ext uri="{FF2B5EF4-FFF2-40B4-BE49-F238E27FC236}">
-                <a16:creationId xmlns:a16="http://schemas.microsoft.com/office/drawing/2014/main" id="{2D9AF1DE-7638-4193-B160-8FE86C9A2D94}"/>
+                <a16:creationId xmlns:a16="http://schemas.microsoft.com/office/drawing/2014/main" xmlns="" id="{2D9AF1DE-7638-4193-B160-8FE86C9A2D94}"/>
               </a:ext>
             </a:extLst>
           </p:cNvPr>
@@ -13606,7 +17000,7 @@
           <p:cNvPr id="2" name="제목 1">
             <a:extLst>
               <a:ext uri="{FF2B5EF4-FFF2-40B4-BE49-F238E27FC236}">
-                <a16:creationId xmlns:a16="http://schemas.microsoft.com/office/drawing/2014/main" id="{34BDF563-C7C2-4C2A-A799-D68A036CCAEC}"/>
+                <a16:creationId xmlns:a16="http://schemas.microsoft.com/office/drawing/2014/main" xmlns="" id="{34BDF563-C7C2-4C2A-A799-D68A036CCAEC}"/>
               </a:ext>
             </a:extLst>
           </p:cNvPr>
@@ -13639,7 +17033,7 @@
           <p:cNvPr id="3" name="내용 개체 틀 2">
             <a:extLst>
               <a:ext uri="{FF2B5EF4-FFF2-40B4-BE49-F238E27FC236}">
-                <a16:creationId xmlns:a16="http://schemas.microsoft.com/office/drawing/2014/main" id="{2D9AF1DE-7638-4193-B160-8FE86C9A2D94}"/>
+                <a16:creationId xmlns:a16="http://schemas.microsoft.com/office/drawing/2014/main" xmlns="" id="{2D9AF1DE-7638-4193-B160-8FE86C9A2D94}"/>
               </a:ext>
             </a:extLst>
           </p:cNvPr>
@@ -13794,7 +17188,7 @@
           <p:cNvPr id="2" name="제목 1">
             <a:extLst>
               <a:ext uri="{FF2B5EF4-FFF2-40B4-BE49-F238E27FC236}">
-                <a16:creationId xmlns:a16="http://schemas.microsoft.com/office/drawing/2014/main" id="{34BDF563-C7C2-4C2A-A799-D68A036CCAEC}"/>
+                <a16:creationId xmlns:a16="http://schemas.microsoft.com/office/drawing/2014/main" xmlns="" id="{34BDF563-C7C2-4C2A-A799-D68A036CCAEC}"/>
               </a:ext>
             </a:extLst>
           </p:cNvPr>
@@ -13827,7 +17221,7 @@
           <p:cNvPr id="3" name="내용 개체 틀 2">
             <a:extLst>
               <a:ext uri="{FF2B5EF4-FFF2-40B4-BE49-F238E27FC236}">
-                <a16:creationId xmlns:a16="http://schemas.microsoft.com/office/drawing/2014/main" id="{2D9AF1DE-7638-4193-B160-8FE86C9A2D94}"/>
+                <a16:creationId xmlns:a16="http://schemas.microsoft.com/office/drawing/2014/main" xmlns="" id="{2D9AF1DE-7638-4193-B160-8FE86C9A2D94}"/>
               </a:ext>
             </a:extLst>
           </p:cNvPr>
@@ -14005,7 +17399,7 @@
           <p:cNvPr id="2" name="제목 1">
             <a:extLst>
               <a:ext uri="{FF2B5EF4-FFF2-40B4-BE49-F238E27FC236}">
-                <a16:creationId xmlns:a16="http://schemas.microsoft.com/office/drawing/2014/main" id="{82BE6E73-7BCB-425E-B802-AC2DA0BC1C50}"/>
+                <a16:creationId xmlns:a16="http://schemas.microsoft.com/office/drawing/2014/main" xmlns="" id="{99EC90E8-37F1-4C88-8930-8690DAAFBA7C}"/>
               </a:ext>
             </a:extLst>
           </p:cNvPr>
@@ -14021,6 +17415,14 @@
           <a:bodyPr/>
           <a:lstStyle/>
           <a:p>
+            <a:r>
+              <a:rPr lang="en-US" altLang="ko-KR"/>
+              <a:t>Network</a:t>
+            </a:r>
+            <a:r>
+              <a:rPr lang="ko-KR" altLang="en-US"/>
+              <a:t> </a:t>
+            </a:r>
             <a:r>
               <a:rPr lang="en-US" altLang="ko-KR"/>
               <a:t>Fuzzing</a:t>
@@ -14029,40 +17431,84 @@
           </a:p>
         </p:txBody>
       </p:sp>
-      <p:pic>
-        <p:nvPicPr>
-          <p:cNvPr id="4" name="그림 3">
-            <a:extLst>
-              <a:ext uri="{FF2B5EF4-FFF2-40B4-BE49-F238E27FC236}">
-                <a16:creationId xmlns:a16="http://schemas.microsoft.com/office/drawing/2014/main" id="{224F7006-F381-4FA0-8DA5-73FA1C135228}"/>
-              </a:ext>
-            </a:extLst>
-          </p:cNvPr>
-          <p:cNvPicPr>
-            <a:picLocks noChangeAspect="1"/>
-          </p:cNvPicPr>
-          <p:nvPr/>
-        </p:nvPicPr>
-        <p:blipFill>
-          <a:blip r:embed="rId2"/>
-          <a:stretch>
-            <a:fillRect/>
-          </a:stretch>
-        </p:blipFill>
-        <p:spPr>
-          <a:xfrm>
-            <a:off x="838200" y="1857375"/>
-            <a:ext cx="4406900" cy="2203450"/>
-          </a:xfrm>
-          <a:prstGeom prst="rect">
-            <a:avLst/>
-          </a:prstGeom>
-        </p:spPr>
-      </p:pic>
+      <p:sp>
+        <p:nvSpPr>
+          <p:cNvPr id="3" name="내용 개체 틀 2">
+            <a:extLst>
+              <a:ext uri="{FF2B5EF4-FFF2-40B4-BE49-F238E27FC236}">
+                <a16:creationId xmlns:a16="http://schemas.microsoft.com/office/drawing/2014/main" xmlns="" id="{F20E5E5F-5C29-4EAE-AD81-239E7EE58C28}"/>
+              </a:ext>
+            </a:extLst>
+          </p:cNvPr>
+          <p:cNvSpPr>
+            <a:spLocks noGrp="1"/>
+          </p:cNvSpPr>
+          <p:nvPr>
+            <p:ph idx="1"/>
+          </p:nvPr>
+        </p:nvSpPr>
+        <p:spPr/>
+        <p:txBody>
+          <a:bodyPr/>
+          <a:lstStyle/>
+          <a:p>
+            <a:pPr marL="0" indent="0">
+              <a:buNone/>
+            </a:pPr>
+            <a:r>
+              <a:rPr lang="ko-KR" altLang="en-US"/>
+              <a:t>네트워크 프로토콜 </a:t>
+            </a:r>
+            <a:r>
+              <a:rPr lang="ko-KR" altLang="en-US" err="1"/>
+              <a:t>퍼징은</a:t>
+            </a:r>
+            <a:r>
+              <a:rPr lang="ko-KR" altLang="en-US"/>
+              <a:t> 서버의 </a:t>
+            </a:r>
+            <a:r>
+              <a:rPr lang="ko-KR" altLang="en-US" err="1"/>
+              <a:t>데몬을</a:t>
+            </a:r>
+            <a:r>
+              <a:rPr lang="ko-KR" altLang="en-US"/>
+              <a:t> 대상으로 하여 조작된 패킷을 전송하는 행위</a:t>
+            </a:r>
+            <a:r>
+              <a:rPr lang="en-US" altLang="ko-KR"/>
+              <a:t>.</a:t>
+            </a:r>
+          </a:p>
+          <a:p>
+            <a:pPr marL="0" indent="0">
+              <a:buNone/>
+            </a:pPr>
+            <a:endParaRPr lang="en-US" altLang="ko-KR"/>
+          </a:p>
+          <a:p>
+            <a:pPr marL="0" indent="0">
+              <a:buNone/>
+            </a:pPr>
+            <a:r>
+              <a:rPr lang="ko-KR" altLang="en-US"/>
+              <a:t>네트워크 프로토콜 </a:t>
+            </a:r>
+            <a:r>
+              <a:rPr lang="ko-KR" altLang="en-US" err="1"/>
+              <a:t>퍼저는</a:t>
+            </a:r>
+            <a:r>
+              <a:rPr lang="ko-KR" altLang="en-US"/>
+              <a:t> 클라이언트의 입장에서 메시지를 조작하여 소켓을 통해 서버로 전송</a:t>
+            </a:r>
+          </a:p>
+        </p:txBody>
+      </p:sp>
     </p:spTree>
     <p:extLst>
       <p:ext uri="{BB962C8B-B14F-4D97-AF65-F5344CB8AC3E}">
-        <p14:creationId xmlns:p14="http://schemas.microsoft.com/office/powerpoint/2010/main" val="879325802"/>
+        <p14:creationId xmlns:p14="http://schemas.microsoft.com/office/powerpoint/2010/main" val="1413314215"/>
       </p:ext>
     </p:extLst>
   </p:cSld>
@@ -14094,7 +17540,7 @@
           <p:cNvPr id="2" name="제목 1">
             <a:extLst>
               <a:ext uri="{FF2B5EF4-FFF2-40B4-BE49-F238E27FC236}">
-                <a16:creationId xmlns:a16="http://schemas.microsoft.com/office/drawing/2014/main" id="{0447B1D2-0242-4A0C-B1F1-C59AE57A1F69}"/>
+                <a16:creationId xmlns:a16="http://schemas.microsoft.com/office/drawing/2014/main" xmlns="" id="{0447B1D2-0242-4A0C-B1F1-C59AE57A1F69}"/>
               </a:ext>
             </a:extLst>
           </p:cNvPr>
@@ -14127,7 +17573,7 @@
           <p:cNvPr id="3" name="내용 개체 틀 2">
             <a:extLst>
               <a:ext uri="{FF2B5EF4-FFF2-40B4-BE49-F238E27FC236}">
-                <a16:creationId xmlns:a16="http://schemas.microsoft.com/office/drawing/2014/main" id="{7C8452B1-F537-4835-845E-0843B64A7660}"/>
+                <a16:creationId xmlns:a16="http://schemas.microsoft.com/office/drawing/2014/main" xmlns="" id="{7C8452B1-F537-4835-845E-0843B64A7660}"/>
               </a:ext>
             </a:extLst>
           </p:cNvPr>
@@ -14235,7 +17681,7 @@
           <p:cNvPr id="2" name="제목 1">
             <a:extLst>
               <a:ext uri="{FF2B5EF4-FFF2-40B4-BE49-F238E27FC236}">
-                <a16:creationId xmlns:a16="http://schemas.microsoft.com/office/drawing/2014/main" id="{2ED11C5E-C48D-4E03-AEC3-2D274F050396}"/>
+                <a16:creationId xmlns:a16="http://schemas.microsoft.com/office/drawing/2014/main" xmlns="" id="{2ED11C5E-C48D-4E03-AEC3-2D274F050396}"/>
               </a:ext>
             </a:extLst>
           </p:cNvPr>
@@ -14263,7 +17709,7 @@
           <p:cNvPr id="3" name="내용 개체 틀 2">
             <a:extLst>
               <a:ext uri="{FF2B5EF4-FFF2-40B4-BE49-F238E27FC236}">
-                <a16:creationId xmlns:a16="http://schemas.microsoft.com/office/drawing/2014/main" id="{3FC4A4FC-E71A-41B2-8DA3-BB606F22347F}"/>
+                <a16:creationId xmlns:a16="http://schemas.microsoft.com/office/drawing/2014/main" xmlns="" id="{3FC4A4FC-E71A-41B2-8DA3-BB606F22347F}"/>
               </a:ext>
             </a:extLst>
           </p:cNvPr>
@@ -14574,7 +18020,7 @@
           <p:cNvPr id="2" name="제목 1">
             <a:extLst>
               <a:ext uri="{FF2B5EF4-FFF2-40B4-BE49-F238E27FC236}">
-                <a16:creationId xmlns:a16="http://schemas.microsoft.com/office/drawing/2014/main" id="{B6BB2A9D-200A-439B-9EFD-45676749385A}"/>
+                <a16:creationId xmlns:a16="http://schemas.microsoft.com/office/drawing/2014/main" xmlns="" id="{B6BB2A9D-200A-439B-9EFD-45676749385A}"/>
               </a:ext>
             </a:extLst>
           </p:cNvPr>
@@ -14610,7 +18056,7 @@
           <p:cNvPr id="3" name="내용 개체 틀 2">
             <a:extLst>
               <a:ext uri="{FF2B5EF4-FFF2-40B4-BE49-F238E27FC236}">
-                <a16:creationId xmlns:a16="http://schemas.microsoft.com/office/drawing/2014/main" id="{87FF1DF6-AC36-4DDB-9944-1C88D35ECBBB}"/>
+                <a16:creationId xmlns:a16="http://schemas.microsoft.com/office/drawing/2014/main" xmlns="" id="{87FF1DF6-AC36-4DDB-9944-1C88D35ECBBB}"/>
               </a:ext>
             </a:extLst>
           </p:cNvPr>
@@ -14665,7 +18111,7 @@
           <p:cNvPr id="2" name="제목 1">
             <a:extLst>
               <a:ext uri="{FF2B5EF4-FFF2-40B4-BE49-F238E27FC236}">
-                <a16:creationId xmlns:a16="http://schemas.microsoft.com/office/drawing/2014/main" id="{B7F26178-E7F4-4F5B-8406-068240184CD5}"/>
+                <a16:creationId xmlns:a16="http://schemas.microsoft.com/office/drawing/2014/main" xmlns="" id="{B7F26178-E7F4-4F5B-8406-068240184CD5}"/>
               </a:ext>
             </a:extLst>
           </p:cNvPr>
@@ -14701,7 +18147,7 @@
           <p:cNvPr id="3" name="내용 개체 틀 2">
             <a:extLst>
               <a:ext uri="{FF2B5EF4-FFF2-40B4-BE49-F238E27FC236}">
-                <a16:creationId xmlns:a16="http://schemas.microsoft.com/office/drawing/2014/main" id="{1254C262-2441-4A7F-B990-1AAF2515FAA1}"/>
+                <a16:creationId xmlns:a16="http://schemas.microsoft.com/office/drawing/2014/main" xmlns="" id="{1254C262-2441-4A7F-B990-1AAF2515FAA1}"/>
               </a:ext>
             </a:extLst>
           </p:cNvPr>
@@ -14827,7 +18273,7 @@
           <p:cNvPr id="2" name="제목 1">
             <a:extLst>
               <a:ext uri="{FF2B5EF4-FFF2-40B4-BE49-F238E27FC236}">
-                <a16:creationId xmlns:a16="http://schemas.microsoft.com/office/drawing/2014/main" id="{3527480E-C71F-4C44-B76E-70048BDB2072}"/>
+                <a16:creationId xmlns:a16="http://schemas.microsoft.com/office/drawing/2014/main" xmlns="" id="{3527480E-C71F-4C44-B76E-70048BDB2072}"/>
               </a:ext>
             </a:extLst>
           </p:cNvPr>
@@ -14860,7 +18306,7 @@
           <p:cNvPr id="3" name="내용 개체 틀 2">
             <a:extLst>
               <a:ext uri="{FF2B5EF4-FFF2-40B4-BE49-F238E27FC236}">
-                <a16:creationId xmlns:a16="http://schemas.microsoft.com/office/drawing/2014/main" id="{C3B5FC1F-3044-402C-B47B-993770F5578D}"/>
+                <a16:creationId xmlns:a16="http://schemas.microsoft.com/office/drawing/2014/main" xmlns="" id="{C3B5FC1F-3044-402C-B47B-993770F5578D}"/>
               </a:ext>
             </a:extLst>
           </p:cNvPr>
@@ -14931,7 +18377,7 @@
           <p:cNvPr id="2" name="제목 1">
             <a:extLst>
               <a:ext uri="{FF2B5EF4-FFF2-40B4-BE49-F238E27FC236}">
-                <a16:creationId xmlns:a16="http://schemas.microsoft.com/office/drawing/2014/main" id="{3527480E-C71F-4C44-B76E-70048BDB2072}"/>
+                <a16:creationId xmlns:a16="http://schemas.microsoft.com/office/drawing/2014/main" xmlns="" id="{3527480E-C71F-4C44-B76E-70048BDB2072}"/>
               </a:ext>
             </a:extLst>
           </p:cNvPr>
@@ -14964,7 +18410,7 @@
           <p:cNvPr id="4" name="그림 3">
             <a:extLst>
               <a:ext uri="{FF2B5EF4-FFF2-40B4-BE49-F238E27FC236}">
-                <a16:creationId xmlns:a16="http://schemas.microsoft.com/office/drawing/2014/main" id="{3414AB8A-80DB-47B7-8350-B585EDA01654}"/>
+                <a16:creationId xmlns:a16="http://schemas.microsoft.com/office/drawing/2014/main" xmlns="" id="{3414AB8A-80DB-47B7-8350-B585EDA01654}"/>
               </a:ext>
             </a:extLst>
           </p:cNvPr>
@@ -15024,7 +18470,7 @@
           <p:cNvPr id="2" name="제목 1">
             <a:extLst>
               <a:ext uri="{FF2B5EF4-FFF2-40B4-BE49-F238E27FC236}">
-                <a16:creationId xmlns:a16="http://schemas.microsoft.com/office/drawing/2014/main" id="{2F459646-4992-4BF1-B89E-33C2BDC67D7D}"/>
+                <a16:creationId xmlns:a16="http://schemas.microsoft.com/office/drawing/2014/main" xmlns="" id="{2F459646-4992-4BF1-B89E-33C2BDC67D7D}"/>
               </a:ext>
             </a:extLst>
           </p:cNvPr>
@@ -15056,7 +18502,7 @@
           <p:cNvPr id="3" name="내용 개체 틀 2">
             <a:extLst>
               <a:ext uri="{FF2B5EF4-FFF2-40B4-BE49-F238E27FC236}">
-                <a16:creationId xmlns:a16="http://schemas.microsoft.com/office/drawing/2014/main" id="{4D7DCF36-D3D9-42E3-AAA9-712432863290}"/>
+                <a16:creationId xmlns:a16="http://schemas.microsoft.com/office/drawing/2014/main" xmlns="" id="{4D7DCF36-D3D9-42E3-AAA9-712432863290}"/>
               </a:ext>
             </a:extLst>
           </p:cNvPr>
@@ -15137,7 +18583,7 @@
           <p:cNvPr id="2" name="제목 1">
             <a:extLst>
               <a:ext uri="{FF2B5EF4-FFF2-40B4-BE49-F238E27FC236}">
-                <a16:creationId xmlns:a16="http://schemas.microsoft.com/office/drawing/2014/main" id="{FFC7C0C2-915A-4F80-A9B9-E52BAB8DB443}"/>
+                <a16:creationId xmlns:a16="http://schemas.microsoft.com/office/drawing/2014/main" xmlns="" id="{FFC7C0C2-915A-4F80-A9B9-E52BAB8DB443}"/>
               </a:ext>
             </a:extLst>
           </p:cNvPr>
@@ -15169,7 +18615,7 @@
           <p:cNvPr id="4" name="그림 3">
             <a:extLst>
               <a:ext uri="{FF2B5EF4-FFF2-40B4-BE49-F238E27FC236}">
-                <a16:creationId xmlns:a16="http://schemas.microsoft.com/office/drawing/2014/main" id="{41020AD6-B0C9-4EC0-99FC-CD6C17609EAE}"/>
+                <a16:creationId xmlns:a16="http://schemas.microsoft.com/office/drawing/2014/main" xmlns="" id="{41020AD6-B0C9-4EC0-99FC-CD6C17609EAE}"/>
               </a:ext>
             </a:extLst>
           </p:cNvPr>
@@ -15309,7 +18755,7 @@
           <p:cNvPr id="2" name="제목 1">
             <a:extLst>
               <a:ext uri="{FF2B5EF4-FFF2-40B4-BE49-F238E27FC236}">
-                <a16:creationId xmlns:a16="http://schemas.microsoft.com/office/drawing/2014/main" id="{82BE6E73-7BCB-425E-B802-AC2DA0BC1C50}"/>
+                <a16:creationId xmlns:a16="http://schemas.microsoft.com/office/drawing/2014/main" xmlns="" id="{9C38FD61-C9F3-4BC7-8D5C-372A53F1A719}"/>
               </a:ext>
             </a:extLst>
           </p:cNvPr>
@@ -15326,71 +18772,103 @@
           <a:lstStyle/>
           <a:p>
             <a:r>
-              <a:rPr lang="en-US" altLang="ko-KR"/>
-              <a:t>Fuzzing</a:t>
-            </a:r>
-            <a:endParaRPr lang="ko-KR" altLang="en-US"/>
-          </a:p>
-        </p:txBody>
-      </p:sp>
-      <p:sp>
-        <p:nvSpPr>
-          <p:cNvPr id="3" name="TextBox 2">
-            <a:extLst>
-              <a:ext uri="{FF2B5EF4-FFF2-40B4-BE49-F238E27FC236}">
-                <a16:creationId xmlns:a16="http://schemas.microsoft.com/office/drawing/2014/main" id="{1539FD28-6723-4D37-814C-4EE2E1CDCCB7}"/>
-              </a:ext>
-            </a:extLst>
-          </p:cNvPr>
-          <p:cNvSpPr txBox="1"/>
-          <p:nvPr/>
-        </p:nvSpPr>
-        <p:spPr>
-          <a:xfrm>
-            <a:off x="838200" y="1690688"/>
-            <a:ext cx="9946954" cy="2785378"/>
-          </a:xfrm>
-          <a:prstGeom prst="rect">
-            <a:avLst/>
-          </a:prstGeom>
-          <a:noFill/>
-        </p:spPr>
-        <p:txBody>
-          <a:bodyPr wrap="none" rtlCol="0">
-            <a:spAutoFit/>
+              <a:rPr lang="ko-KR" altLang="en-US" err="1"/>
+              <a:t>퍼징의</a:t>
+            </a:r>
+            <a:r>
+              <a:rPr lang="ko-KR" altLang="en-US"/>
+              <a:t> 단계</a:t>
+            </a:r>
+          </a:p>
+        </p:txBody>
+      </p:sp>
+      <p:sp>
+        <p:nvSpPr>
+          <p:cNvPr id="3" name="내용 개체 틀 2">
+            <a:extLst>
+              <a:ext uri="{FF2B5EF4-FFF2-40B4-BE49-F238E27FC236}">
+                <a16:creationId xmlns:a16="http://schemas.microsoft.com/office/drawing/2014/main" xmlns="" id="{8B432828-F35C-4941-A2C0-EE7825FE5A02}"/>
+              </a:ext>
+            </a:extLst>
+          </p:cNvPr>
+          <p:cNvSpPr>
+            <a:spLocks noGrp="1"/>
+          </p:cNvSpPr>
+          <p:nvPr>
+            <p:ph idx="1"/>
+          </p:nvPr>
+        </p:nvSpPr>
+        <p:spPr/>
+        <p:txBody>
+          <a:bodyPr>
+            <a:normAutofit/>
           </a:bodyPr>
           <a:lstStyle/>
           <a:p>
-            <a:r>
-              <a:rPr lang="ko-KR" altLang="en-US" sz="3500"/>
-              <a:t>애플리케이션에 입력된 데이터가 보풀을 일으켜 </a:t>
-            </a:r>
-            <a:endParaRPr lang="en-US" altLang="ko-KR" sz="3500"/>
-          </a:p>
-          <a:p>
-            <a:r>
-              <a:rPr lang="ko-KR" altLang="en-US" sz="3500"/>
-              <a:t>어떠한 특정 상태를 만든다는 의미</a:t>
-            </a:r>
-            <a:r>
-              <a:rPr lang="en-US" altLang="ko-KR" sz="3500"/>
-              <a:t>.</a:t>
-            </a:r>
-          </a:p>
-          <a:p>
-            <a:endParaRPr lang="en-US" altLang="ko-KR" sz="3500"/>
-          </a:p>
-          <a:p>
-            <a:r>
-              <a:rPr lang="ko-KR" altLang="en-US" sz="3500"/>
-              <a:t>비정상적인 데이터를 </a:t>
-            </a:r>
-            <a:endParaRPr lang="en-US" altLang="ko-KR" sz="3500"/>
-          </a:p>
-          <a:p>
-            <a:r>
-              <a:rPr lang="ko-KR" altLang="en-US" sz="3500"/>
-              <a:t>애플리케이션에 전달하여 에러를 유도하는 방법</a:t>
+            <a:pPr marL="0" indent="0" algn="ctr">
+              <a:buNone/>
+            </a:pPr>
+            <a:r>
+              <a:rPr lang="ko-KR" altLang="en-US" sz="5400"/>
+              <a:t>단순 </a:t>
+            </a:r>
+            <a:r>
+              <a:rPr lang="ko-KR" altLang="en-US" sz="5400" err="1"/>
+              <a:t>퍼징</a:t>
+            </a:r>
+            <a:r>
+              <a:rPr lang="en-US" altLang="ko-KR" sz="5400"/>
+              <a:t>(Simple fuzzing)</a:t>
+            </a:r>
+          </a:p>
+          <a:p>
+            <a:pPr marL="0" indent="0" algn="ctr">
+              <a:buNone/>
+            </a:pPr>
+            <a:endParaRPr lang="en-US" altLang="ko-KR" sz="5400"/>
+          </a:p>
+          <a:p>
+            <a:pPr marL="0" indent="0" algn="ctr">
+              <a:buNone/>
+            </a:pPr>
+            <a:r>
+              <a:rPr lang="ko-KR" altLang="en-US" sz="5400"/>
+              <a:t>스마트 </a:t>
+            </a:r>
+            <a:r>
+              <a:rPr lang="ko-KR" altLang="en-US" sz="5400" err="1"/>
+              <a:t>퍼징</a:t>
+            </a:r>
+            <a:r>
+              <a:rPr lang="en-US" altLang="ko-KR" sz="5400"/>
+              <a:t>(Smart Fuzzing)</a:t>
+            </a:r>
+          </a:p>
+          <a:p>
+            <a:pPr marL="0" indent="0" algn="ctr">
+              <a:buNone/>
+            </a:pPr>
+            <a:endParaRPr lang="en-US" altLang="ko-KR" sz="5400"/>
+          </a:p>
+          <a:p>
+            <a:pPr marL="0" indent="0" algn="ctr">
+              <a:buNone/>
+            </a:pPr>
+            <a:r>
+              <a:rPr lang="ko-KR" altLang="en-US" sz="5400" err="1"/>
+              <a:t>스테이트</a:t>
+            </a:r>
+            <a:r>
+              <a:rPr lang="ko-KR" altLang="en-US" sz="5400"/>
+              <a:t> </a:t>
+            </a:r>
+            <a:r>
+              <a:rPr lang="ko-KR" altLang="en-US" sz="5400" err="1"/>
+              <a:t>퍼징</a:t>
+            </a:r>
+            <a:r>
+              <a:rPr lang="en-US" altLang="ko-KR" sz="5400"/>
+              <a:t>(State Fuzzing)</a:t>
             </a:r>
           </a:p>
         </p:txBody>
@@ -15398,7 +18876,7 @@
     </p:spTree>
     <p:extLst>
       <p:ext uri="{BB962C8B-B14F-4D97-AF65-F5344CB8AC3E}">
-        <p14:creationId xmlns:p14="http://schemas.microsoft.com/office/powerpoint/2010/main" val="3560924733"/>
+        <p14:creationId xmlns:p14="http://schemas.microsoft.com/office/powerpoint/2010/main" val="4157859186"/>
       </p:ext>
     </p:extLst>
   </p:cSld>
@@ -15430,7 +18908,7 @@
           <p:cNvPr id="2" name="제목 1">
             <a:extLst>
               <a:ext uri="{FF2B5EF4-FFF2-40B4-BE49-F238E27FC236}">
-                <a16:creationId xmlns:a16="http://schemas.microsoft.com/office/drawing/2014/main" id="{F831760E-229B-48BF-88F7-72871A2ED2A6}"/>
+                <a16:creationId xmlns:a16="http://schemas.microsoft.com/office/drawing/2014/main" xmlns="" id="{F831760E-229B-48BF-88F7-72871A2ED2A6}"/>
               </a:ext>
             </a:extLst>
           </p:cNvPr>
@@ -15459,7 +18937,7 @@
           <p:cNvPr id="4" name="그림 3">
             <a:extLst>
               <a:ext uri="{FF2B5EF4-FFF2-40B4-BE49-F238E27FC236}">
-                <a16:creationId xmlns:a16="http://schemas.microsoft.com/office/drawing/2014/main" id="{D14F8F79-61F5-4FA4-9EA5-613237EFA0C8}"/>
+                <a16:creationId xmlns:a16="http://schemas.microsoft.com/office/drawing/2014/main" xmlns="" id="{D14F8F79-61F5-4FA4-9EA5-613237EFA0C8}"/>
               </a:ext>
             </a:extLst>
           </p:cNvPr>
@@ -15519,7 +18997,7 @@
           <p:cNvPr id="2" name="제목 1">
             <a:extLst>
               <a:ext uri="{FF2B5EF4-FFF2-40B4-BE49-F238E27FC236}">
-                <a16:creationId xmlns:a16="http://schemas.microsoft.com/office/drawing/2014/main" id="{D5B8034B-EDCC-4128-9FB1-00397F51268B}"/>
+                <a16:creationId xmlns:a16="http://schemas.microsoft.com/office/drawing/2014/main" xmlns="" id="{D5B8034B-EDCC-4128-9FB1-00397F51268B}"/>
               </a:ext>
             </a:extLst>
           </p:cNvPr>
@@ -15602,7 +19080,7 @@
           <p:cNvPr id="2" name="제목 1">
             <a:extLst>
               <a:ext uri="{FF2B5EF4-FFF2-40B4-BE49-F238E27FC236}">
-                <a16:creationId xmlns:a16="http://schemas.microsoft.com/office/drawing/2014/main" id="{D5B8034B-EDCC-4128-9FB1-00397F51268B}"/>
+                <a16:creationId xmlns:a16="http://schemas.microsoft.com/office/drawing/2014/main" xmlns="" id="{D5B8034B-EDCC-4128-9FB1-00397F51268B}"/>
               </a:ext>
             </a:extLst>
           </p:cNvPr>
@@ -15956,4 +19434,265 @@
     </a:ext>
   </a:extLst>
 </a:theme>
+</file>
+
+<file path=ppt/theme/theme2.xml><?xml version="1.0" encoding="utf-8"?>
+<a:theme xmlns:a="http://schemas.openxmlformats.org/drawingml/2006/main" name="Office 테마">
+  <a:themeElements>
+    <a:clrScheme name="Office">
+      <a:dk1>
+        <a:sysClr val="windowText" lastClr="000000"/>
+      </a:dk1>
+      <a:lt1>
+        <a:sysClr val="window" lastClr="FFFFFF"/>
+      </a:lt1>
+      <a:dk2>
+        <a:srgbClr val="44546A"/>
+      </a:dk2>
+      <a:lt2>
+        <a:srgbClr val="E7E6E6"/>
+      </a:lt2>
+      <a:accent1>
+        <a:srgbClr val="5B9BD5"/>
+      </a:accent1>
+      <a:accent2>
+        <a:srgbClr val="ED7D31"/>
+      </a:accent2>
+      <a:accent3>
+        <a:srgbClr val="A5A5A5"/>
+      </a:accent3>
+      <a:accent4>
+        <a:srgbClr val="FFC000"/>
+      </a:accent4>
+      <a:accent5>
+        <a:srgbClr val="4472C4"/>
+      </a:accent5>
+      <a:accent6>
+        <a:srgbClr val="70AD47"/>
+      </a:accent6>
+      <a:hlink>
+        <a:srgbClr val="0563C1"/>
+      </a:hlink>
+      <a:folHlink>
+        <a:srgbClr val="954F72"/>
+      </a:folHlink>
+    </a:clrScheme>
+    <a:fontScheme name="Office">
+      <a:majorFont>
+        <a:latin typeface="맑은 고딕" panose="020F0302020204030204"/>
+        <a:ea typeface=""/>
+        <a:cs typeface=""/>
+        <a:font script="Jpan" typeface="ＭＳ Ｐゴシック"/>
+        <a:font script="Hang" typeface="맑은 고딕"/>
+        <a:font script="Hans" typeface="宋体"/>
+        <a:font script="Hant" typeface="新細明體"/>
+        <a:font script="Arab" typeface="Times New Roman"/>
+        <a:font script="Hebr" typeface="Times New Roman"/>
+        <a:font script="Thai" typeface="Angsana New"/>
+        <a:font script="Ethi" typeface="Nyala"/>
+        <a:font script="Beng" typeface="Vrinda"/>
+        <a:font script="Gujr" typeface="Shruti"/>
+        <a:font script="Khmr" typeface="MoolBoran"/>
+        <a:font script="Knda" typeface="Tunga"/>
+        <a:font script="Guru" typeface="Raavi"/>
+        <a:font script="Cans" typeface="Euphemia"/>
+        <a:font script="Cher" typeface="Plantagenet Cherokee"/>
+        <a:font script="Yiii" typeface="Microsoft Yi Baiti"/>
+        <a:font script="Tibt" typeface="Microsoft Himalaya"/>
+        <a:font script="Thaa" typeface="MV Boli"/>
+        <a:font script="Deva" typeface="Mangal"/>
+        <a:font script="Telu" typeface="Gautami"/>
+        <a:font script="Taml" typeface="Latha"/>
+        <a:font script="Syrc" typeface="Estrangelo Edessa"/>
+        <a:font script="Orya" typeface="Kalinga"/>
+        <a:font script="Mlym" typeface="Kartika"/>
+        <a:font script="Laoo" typeface="DokChampa"/>
+        <a:font script="Sinh" typeface="Iskoola Pota"/>
+        <a:font script="Mong" typeface="Mongolian Baiti"/>
+        <a:font script="Viet" typeface="Times New Roman"/>
+        <a:font script="Uigh" typeface="Microsoft Uighur"/>
+        <a:font script="Geor" typeface="Sylfaen"/>
+      </a:majorFont>
+      <a:minorFont>
+        <a:latin typeface="맑은 고딕" panose="020F0502020204030204"/>
+        <a:ea typeface=""/>
+        <a:cs typeface=""/>
+        <a:font script="Jpan" typeface="ＭＳ Ｐゴシック"/>
+        <a:font script="Hang" typeface="맑은 고딕"/>
+        <a:font script="Hans" typeface="宋体"/>
+        <a:font script="Hant" typeface="新細明體"/>
+        <a:font script="Arab" typeface="Arial"/>
+        <a:font script="Hebr" typeface="Arial"/>
+        <a:font script="Thai" typeface="Cordia New"/>
+        <a:font script="Ethi" typeface="Nyala"/>
+        <a:font script="Beng" typeface="Vrinda"/>
+        <a:font script="Gujr" typeface="Shruti"/>
+        <a:font script="Khmr" typeface="DaunPenh"/>
+        <a:font script="Knda" typeface="Tunga"/>
+        <a:font script="Guru" typeface="Raavi"/>
+        <a:font script="Cans" typeface="Euphemia"/>
+        <a:font script="Cher" typeface="Plantagenet Cherokee"/>
+        <a:font script="Yiii" typeface="Microsoft Yi Baiti"/>
+        <a:font script="Tibt" typeface="Microsoft Himalaya"/>
+        <a:font script="Thaa" typeface="MV Boli"/>
+        <a:font script="Deva" typeface="Mangal"/>
+        <a:font script="Telu" typeface="Gautami"/>
+        <a:font script="Taml" typeface="Latha"/>
+        <a:font script="Syrc" typeface="Estrangelo Edessa"/>
+        <a:font script="Orya" typeface="Kalinga"/>
+        <a:font script="Mlym" typeface="Kartika"/>
+        <a:font script="Laoo" typeface="DokChampa"/>
+        <a:font script="Sinh" typeface="Iskoola Pota"/>
+        <a:font script="Mong" typeface="Mongolian Baiti"/>
+        <a:font script="Viet" typeface="Arial"/>
+        <a:font script="Uigh" typeface="Microsoft Uighur"/>
+        <a:font script="Geor" typeface="Sylfaen"/>
+      </a:minorFont>
+    </a:fontScheme>
+    <a:fmtScheme name="Office">
+      <a:fillStyleLst>
+        <a:solidFill>
+          <a:schemeClr val="phClr"/>
+        </a:solidFill>
+        <a:gradFill rotWithShape="1">
+          <a:gsLst>
+            <a:gs pos="0">
+              <a:schemeClr val="phClr">
+                <a:lumMod val="110000"/>
+                <a:satMod val="105000"/>
+                <a:tint val="67000"/>
+              </a:schemeClr>
+            </a:gs>
+            <a:gs pos="50000">
+              <a:schemeClr val="phClr">
+                <a:lumMod val="105000"/>
+                <a:satMod val="103000"/>
+                <a:tint val="73000"/>
+              </a:schemeClr>
+            </a:gs>
+            <a:gs pos="100000">
+              <a:schemeClr val="phClr">
+                <a:lumMod val="105000"/>
+                <a:satMod val="109000"/>
+                <a:tint val="81000"/>
+              </a:schemeClr>
+            </a:gs>
+          </a:gsLst>
+          <a:lin ang="5400000" scaled="0"/>
+        </a:gradFill>
+        <a:gradFill rotWithShape="1">
+          <a:gsLst>
+            <a:gs pos="0">
+              <a:schemeClr val="phClr">
+                <a:satMod val="103000"/>
+                <a:lumMod val="102000"/>
+                <a:tint val="94000"/>
+              </a:schemeClr>
+            </a:gs>
+            <a:gs pos="50000">
+              <a:schemeClr val="phClr">
+                <a:satMod val="110000"/>
+                <a:lumMod val="100000"/>
+                <a:shade val="100000"/>
+              </a:schemeClr>
+            </a:gs>
+            <a:gs pos="100000">
+              <a:schemeClr val="phClr">
+                <a:lumMod val="99000"/>
+                <a:satMod val="120000"/>
+                <a:shade val="78000"/>
+              </a:schemeClr>
+            </a:gs>
+          </a:gsLst>
+          <a:lin ang="5400000" scaled="0"/>
+        </a:gradFill>
+      </a:fillStyleLst>
+      <a:lnStyleLst>
+        <a:ln w="6350" cap="flat" cmpd="sng" algn="ctr">
+          <a:solidFill>
+            <a:schemeClr val="phClr"/>
+          </a:solidFill>
+          <a:prstDash val="solid"/>
+          <a:miter lim="800000"/>
+        </a:ln>
+        <a:ln w="12700" cap="flat" cmpd="sng" algn="ctr">
+          <a:solidFill>
+            <a:schemeClr val="phClr"/>
+          </a:solidFill>
+          <a:prstDash val="solid"/>
+          <a:miter lim="800000"/>
+        </a:ln>
+        <a:ln w="19050" cap="flat" cmpd="sng" algn="ctr">
+          <a:solidFill>
+            <a:schemeClr val="phClr"/>
+          </a:solidFill>
+          <a:prstDash val="solid"/>
+          <a:miter lim="800000"/>
+        </a:ln>
+      </a:lnStyleLst>
+      <a:effectStyleLst>
+        <a:effectStyle>
+          <a:effectLst/>
+        </a:effectStyle>
+        <a:effectStyle>
+          <a:effectLst/>
+        </a:effectStyle>
+        <a:effectStyle>
+          <a:effectLst>
+            <a:outerShdw blurRad="57150" dist="19050" dir="5400000" algn="ctr" rotWithShape="0">
+              <a:srgbClr val="000000">
+                <a:alpha val="63000"/>
+              </a:srgbClr>
+            </a:outerShdw>
+          </a:effectLst>
+        </a:effectStyle>
+      </a:effectStyleLst>
+      <a:bgFillStyleLst>
+        <a:solidFill>
+          <a:schemeClr val="phClr"/>
+        </a:solidFill>
+        <a:solidFill>
+          <a:schemeClr val="phClr">
+            <a:tint val="95000"/>
+            <a:satMod val="170000"/>
+          </a:schemeClr>
+        </a:solidFill>
+        <a:gradFill rotWithShape="1">
+          <a:gsLst>
+            <a:gs pos="0">
+              <a:schemeClr val="phClr">
+                <a:tint val="93000"/>
+                <a:satMod val="150000"/>
+                <a:shade val="98000"/>
+                <a:lumMod val="102000"/>
+              </a:schemeClr>
+            </a:gs>
+            <a:gs pos="50000">
+              <a:schemeClr val="phClr">
+                <a:tint val="98000"/>
+                <a:satMod val="130000"/>
+                <a:shade val="90000"/>
+                <a:lumMod val="103000"/>
+              </a:schemeClr>
+            </a:gs>
+            <a:gs pos="100000">
+              <a:schemeClr val="phClr">
+                <a:shade val="63000"/>
+                <a:satMod val="120000"/>
+              </a:schemeClr>
+            </a:gs>
+          </a:gsLst>
+          <a:lin ang="5400000" scaled="0"/>
+        </a:gradFill>
+      </a:bgFillStyleLst>
+    </a:fmtScheme>
+  </a:themeElements>
+  <a:objectDefaults/>
+  <a:extraClrSchemeLst/>
+  <a:extLst>
+    <a:ext uri="{05A4C25C-085E-4340-85A3-A5531E510DB2}">
+      <thm15:themeFamily xmlns:thm15="http://schemas.microsoft.com/office/thememl/2012/main" name="Office Theme" id="{62F939B6-93AF-4DB8-9C6B-D6C7DFDC589F}" vid="{4A3C46E8-61CC-4603-A589-7422A47A8E4A}"/>
+    </a:ext>
+  </a:extLst>
+</a:theme>
 </file>